--- a/infrastructure-week-4.pptx
+++ b/infrastructure-week-4.pptx
@@ -44,7 +44,9 @@
     <p:sldId id="294" r:id="rId38"/>
     <p:sldId id="295" r:id="rId39"/>
     <p:sldId id="296" r:id="rId40"/>
-    <p:sldId id="259" r:id="rId41"/>
+    <p:sldId id="297" r:id="rId41"/>
+    <p:sldId id="298" r:id="rId42"/>
+    <p:sldId id="259" r:id="rId43"/>
   </p:sldIdLst>
   <p:sldSz cx="9144000" cy="6858000" type="screen4x3"/>
   <p:notesSz cx="6858000" cy="9144000"/>
@@ -11241,6 +11243,800 @@
         </p:nvSpPr>
         <p:spPr/>
         <p:txBody>
+          <a:bodyPr/>
+          <a:lstStyle/>
+          <a:p>
+            <a:r>
+              <a:rPr lang="en-US" dirty="0" smtClean="0"/>
+              <a:t>Security Groups</a:t>
+            </a:r>
+            <a:endParaRPr lang="en-US" dirty="0"/>
+          </a:p>
+        </p:txBody>
+      </p:sp>
+      <p:sp>
+        <p:nvSpPr>
+          <p:cNvPr id="3" name="Content Placeholder 2"/>
+          <p:cNvSpPr>
+            <a:spLocks noGrp="1"/>
+          </p:cNvSpPr>
+          <p:nvPr>
+            <p:ph idx="1"/>
+          </p:nvPr>
+        </p:nvSpPr>
+        <p:spPr/>
+        <p:txBody>
+          <a:bodyPr>
+            <a:normAutofit fontScale="77500" lnSpcReduction="20000"/>
+          </a:bodyPr>
+          <a:lstStyle/>
+          <a:p>
+            <a:r>
+              <a:rPr lang="en-US" dirty="0" smtClean="0"/>
+              <a:t>Security groups provide a security layer around EC2 instances</a:t>
+            </a:r>
+          </a:p>
+          <a:p>
+            <a:pPr lvl="1"/>
+            <a:r>
+              <a:rPr lang="en-US" dirty="0" smtClean="0"/>
+              <a:t>Define a set of IP addresses and protocols that can send data to and from servers</a:t>
+            </a:r>
+          </a:p>
+          <a:p>
+            <a:pPr lvl="1"/>
+            <a:r>
+              <a:rPr lang="en-US" dirty="0" smtClean="0"/>
+              <a:t>It’s like a basic firewall system</a:t>
+            </a:r>
+          </a:p>
+          <a:p>
+            <a:r>
+              <a:rPr lang="en-US" dirty="0" smtClean="0"/>
+              <a:t>Default security group</a:t>
+            </a:r>
+          </a:p>
+          <a:p>
+            <a:pPr lvl="1"/>
+            <a:r>
+              <a:rPr lang="en-US" dirty="0" smtClean="0"/>
+              <a:t>All inbound traffic blocked</a:t>
+            </a:r>
+          </a:p>
+          <a:p>
+            <a:pPr lvl="1"/>
+            <a:r>
+              <a:rPr lang="en-US" dirty="0" smtClean="0"/>
+              <a:t>All outbound traffic allowed</a:t>
+            </a:r>
+          </a:p>
+          <a:p>
+            <a:r>
+              <a:rPr lang="en-US" dirty="0" smtClean="0"/>
+              <a:t>Security groups are </a:t>
+            </a:r>
+            <a:r>
+              <a:rPr lang="en-US" u="sng" dirty="0" err="1" smtClean="0"/>
+              <a:t>stateful</a:t>
+            </a:r>
+            <a:r>
+              <a:rPr lang="en-US" dirty="0" smtClean="0"/>
+              <a:t> meaning that responses from allowed connections are valid</a:t>
+            </a:r>
+          </a:p>
+          <a:p>
+            <a:pPr lvl="1"/>
+            <a:r>
+              <a:rPr lang="en-US" dirty="0" smtClean="0"/>
+              <a:t>Server can initiate outbound web request and receive an inbound response even if port 80 (http) incoming traffic is blocked</a:t>
+            </a:r>
+          </a:p>
+          <a:p>
+            <a:endParaRPr lang="en-US" dirty="0"/>
+          </a:p>
+        </p:txBody>
+      </p:sp>
+    </p:spTree>
+    <p:extLst>
+      <p:ext uri="{BB962C8B-B14F-4D97-AF65-F5344CB8AC3E}">
+        <p14:creationId xmlns:p14="http://schemas.microsoft.com/office/powerpoint/2010/main" val="4029850890"/>
+      </p:ext>
+    </p:extLst>
+  </p:cSld>
+  <p:clrMapOvr>
+    <a:masterClrMapping/>
+  </p:clrMapOvr>
+</p:sld>
+</file>
+
+<file path=ppt/slides/slide41.xml><?xml version="1.0" encoding="utf-8"?>
+<p:sld xmlns:a="http://schemas.openxmlformats.org/drawingml/2006/main" xmlns:r="http://schemas.openxmlformats.org/officeDocument/2006/relationships" xmlns:p="http://schemas.openxmlformats.org/presentationml/2006/main">
+  <p:cSld>
+    <p:spTree>
+      <p:nvGrpSpPr>
+        <p:cNvPr id="1" name=""/>
+        <p:cNvGrpSpPr/>
+        <p:nvPr/>
+      </p:nvGrpSpPr>
+      <p:grpSpPr>
+        <a:xfrm>
+          <a:off x="0" y="0"/>
+          <a:ext cx="0" cy="0"/>
+          <a:chOff x="0" y="0"/>
+          <a:chExt cx="0" cy="0"/>
+        </a:xfrm>
+      </p:grpSpPr>
+      <p:sp>
+        <p:nvSpPr>
+          <p:cNvPr id="2" name="Title 1"/>
+          <p:cNvSpPr>
+            <a:spLocks noGrp="1"/>
+          </p:cNvSpPr>
+          <p:nvPr>
+            <p:ph type="title"/>
+          </p:nvPr>
+        </p:nvSpPr>
+        <p:spPr/>
+        <p:txBody>
+          <a:bodyPr/>
+          <a:lstStyle/>
+          <a:p>
+            <a:r>
+              <a:rPr lang="en-US" dirty="0" smtClean="0"/>
+              <a:t>Security Groups</a:t>
+            </a:r>
+            <a:endParaRPr lang="en-US" dirty="0"/>
+          </a:p>
+        </p:txBody>
+      </p:sp>
+      <p:grpSp>
+        <p:nvGrpSpPr>
+          <p:cNvPr id="16" name="Group 15"/>
+          <p:cNvGrpSpPr/>
+          <p:nvPr/>
+        </p:nvGrpSpPr>
+        <p:grpSpPr>
+          <a:xfrm>
+            <a:off x="2608485" y="1544659"/>
+            <a:ext cx="6334238" cy="4959423"/>
+            <a:chOff x="1128889" y="1651000"/>
+            <a:chExt cx="7140222" cy="4750106"/>
+          </a:xfrm>
+        </p:grpSpPr>
+        <p:sp>
+          <p:nvSpPr>
+            <p:cNvPr id="4" name="Rounded Rectangle 3"/>
+            <p:cNvSpPr/>
+            <p:nvPr/>
+          </p:nvSpPr>
+          <p:spPr>
+            <a:xfrm>
+              <a:off x="1128889" y="1651000"/>
+              <a:ext cx="7140222" cy="4727222"/>
+            </a:xfrm>
+            <a:prstGeom prst="roundRect">
+              <a:avLst/>
+            </a:prstGeom>
+          </p:spPr>
+          <p:style>
+            <a:lnRef idx="1">
+              <a:schemeClr val="accent6"/>
+            </a:lnRef>
+            <a:fillRef idx="2">
+              <a:schemeClr val="accent6"/>
+            </a:fillRef>
+            <a:effectRef idx="1">
+              <a:schemeClr val="accent6"/>
+            </a:effectRef>
+            <a:fontRef idx="minor">
+              <a:schemeClr val="dk1"/>
+            </a:fontRef>
+          </p:style>
+          <p:txBody>
+            <a:bodyPr rtlCol="0" anchor="ctr"/>
+            <a:lstStyle/>
+            <a:p>
+              <a:pPr algn="ctr"/>
+              <a:endParaRPr lang="en-US" dirty="0"/>
+            </a:p>
+          </p:txBody>
+        </p:sp>
+        <p:sp>
+          <p:nvSpPr>
+            <p:cNvPr id="5" name="Rounded Rectangle 4"/>
+            <p:cNvSpPr/>
+            <p:nvPr/>
+          </p:nvSpPr>
+          <p:spPr>
+            <a:xfrm>
+              <a:off x="1590258" y="2460013"/>
+              <a:ext cx="2917385" cy="3455459"/>
+            </a:xfrm>
+            <a:prstGeom prst="roundRect">
+              <a:avLst/>
+            </a:prstGeom>
+          </p:spPr>
+          <p:style>
+            <a:lnRef idx="1">
+              <a:schemeClr val="accent1"/>
+            </a:lnRef>
+            <a:fillRef idx="3">
+              <a:schemeClr val="accent1"/>
+            </a:fillRef>
+            <a:effectRef idx="2">
+              <a:schemeClr val="accent1"/>
+            </a:effectRef>
+            <a:fontRef idx="minor">
+              <a:schemeClr val="lt1"/>
+            </a:fontRef>
+          </p:style>
+          <p:txBody>
+            <a:bodyPr rtlCol="0" anchor="ctr"/>
+            <a:lstStyle/>
+            <a:p>
+              <a:pPr algn="ctr"/>
+              <a:endParaRPr lang="en-US" dirty="0"/>
+            </a:p>
+          </p:txBody>
+        </p:sp>
+        <p:sp>
+          <p:nvSpPr>
+            <p:cNvPr id="6" name="Rounded Rectangle 5"/>
+            <p:cNvSpPr/>
+            <p:nvPr/>
+          </p:nvSpPr>
+          <p:spPr>
+            <a:xfrm>
+              <a:off x="5014708" y="2463669"/>
+              <a:ext cx="2917385" cy="3455459"/>
+            </a:xfrm>
+            <a:prstGeom prst="roundRect">
+              <a:avLst/>
+            </a:prstGeom>
+          </p:spPr>
+          <p:style>
+            <a:lnRef idx="1">
+              <a:schemeClr val="accent1"/>
+            </a:lnRef>
+            <a:fillRef idx="3">
+              <a:schemeClr val="accent1"/>
+            </a:fillRef>
+            <a:effectRef idx="2">
+              <a:schemeClr val="accent1"/>
+            </a:effectRef>
+            <a:fontRef idx="minor">
+              <a:schemeClr val="lt1"/>
+            </a:fontRef>
+          </p:style>
+          <p:txBody>
+            <a:bodyPr rtlCol="0" anchor="ctr"/>
+            <a:lstStyle/>
+            <a:p>
+              <a:pPr algn="ctr"/>
+              <a:endParaRPr lang="en-US"/>
+            </a:p>
+          </p:txBody>
+        </p:sp>
+        <p:sp>
+          <p:nvSpPr>
+            <p:cNvPr id="7" name="TextBox 6"/>
+            <p:cNvSpPr txBox="1"/>
+            <p:nvPr/>
+          </p:nvSpPr>
+          <p:spPr>
+            <a:xfrm>
+              <a:off x="4445321" y="6031774"/>
+              <a:ext cx="569387" cy="369332"/>
+            </a:xfrm>
+            <a:prstGeom prst="rect">
+              <a:avLst/>
+            </a:prstGeom>
+            <a:noFill/>
+          </p:spPr>
+          <p:txBody>
+            <a:bodyPr wrap="none" rtlCol="0">
+              <a:spAutoFit/>
+            </a:bodyPr>
+            <a:lstStyle/>
+            <a:p>
+              <a:r>
+                <a:rPr lang="en-US" dirty="0" smtClean="0"/>
+                <a:t>VPC</a:t>
+              </a:r>
+              <a:endParaRPr lang="en-US" dirty="0"/>
+            </a:p>
+          </p:txBody>
+        </p:sp>
+        <p:sp>
+          <p:nvSpPr>
+            <p:cNvPr id="8" name="TextBox 7"/>
+            <p:cNvSpPr txBox="1"/>
+            <p:nvPr/>
+          </p:nvSpPr>
+          <p:spPr>
+            <a:xfrm>
+              <a:off x="1964685" y="2574432"/>
+              <a:ext cx="2075959" cy="369332"/>
+            </a:xfrm>
+            <a:prstGeom prst="rect">
+              <a:avLst/>
+            </a:prstGeom>
+            <a:noFill/>
+          </p:spPr>
+          <p:txBody>
+            <a:bodyPr wrap="none" rtlCol="0">
+              <a:spAutoFit/>
+            </a:bodyPr>
+            <a:lstStyle/>
+            <a:p>
+              <a:r>
+                <a:rPr lang="en-US" dirty="0" smtClean="0"/>
+                <a:t>Web Security Group</a:t>
+              </a:r>
+              <a:endParaRPr lang="en-US" dirty="0"/>
+            </a:p>
+          </p:txBody>
+        </p:sp>
+        <p:sp>
+          <p:nvSpPr>
+            <p:cNvPr id="9" name="TextBox 8"/>
+            <p:cNvSpPr txBox="1"/>
+            <p:nvPr/>
+          </p:nvSpPr>
+          <p:spPr>
+            <a:xfrm>
+              <a:off x="5472337" y="2581278"/>
+              <a:ext cx="1902046" cy="369332"/>
+            </a:xfrm>
+            <a:prstGeom prst="rect">
+              <a:avLst/>
+            </a:prstGeom>
+            <a:noFill/>
+          </p:spPr>
+          <p:txBody>
+            <a:bodyPr wrap="none" rtlCol="0">
+              <a:spAutoFit/>
+            </a:bodyPr>
+            <a:lstStyle/>
+            <a:p>
+              <a:r>
+                <a:rPr lang="en-US" dirty="0" smtClean="0"/>
+                <a:t>DB Security Group</a:t>
+              </a:r>
+              <a:endParaRPr lang="en-US" dirty="0"/>
+            </a:p>
+          </p:txBody>
+        </p:sp>
+        <p:sp>
+          <p:nvSpPr>
+            <p:cNvPr id="10" name="Rounded Rectangle 9"/>
+            <p:cNvSpPr/>
+            <p:nvPr/>
+          </p:nvSpPr>
+          <p:spPr>
+            <a:xfrm>
+              <a:off x="2093652" y="3249505"/>
+              <a:ext cx="853639" cy="755167"/>
+            </a:xfrm>
+            <a:prstGeom prst="roundRect">
+              <a:avLst/>
+            </a:prstGeom>
+          </p:spPr>
+          <p:style>
+            <a:lnRef idx="1">
+              <a:schemeClr val="accent2"/>
+            </a:lnRef>
+            <a:fillRef idx="3">
+              <a:schemeClr val="accent2"/>
+            </a:fillRef>
+            <a:effectRef idx="2">
+              <a:schemeClr val="accent2"/>
+            </a:effectRef>
+            <a:fontRef idx="minor">
+              <a:schemeClr val="lt1"/>
+            </a:fontRef>
+          </p:style>
+          <p:txBody>
+            <a:bodyPr rtlCol="0" anchor="ctr"/>
+            <a:lstStyle/>
+            <a:p>
+              <a:pPr algn="ctr"/>
+              <a:r>
+                <a:rPr lang="en-US" sz="1000" dirty="0" smtClean="0"/>
+                <a:t>Instance</a:t>
+              </a:r>
+              <a:endParaRPr lang="en-US" sz="1000" dirty="0"/>
+            </a:p>
+          </p:txBody>
+        </p:sp>
+        <p:sp>
+          <p:nvSpPr>
+            <p:cNvPr id="11" name="Rounded Rectangle 10"/>
+            <p:cNvSpPr/>
+            <p:nvPr/>
+          </p:nvSpPr>
+          <p:spPr>
+            <a:xfrm>
+              <a:off x="3317382" y="4473313"/>
+              <a:ext cx="867970" cy="755167"/>
+            </a:xfrm>
+            <a:prstGeom prst="roundRect">
+              <a:avLst/>
+            </a:prstGeom>
+          </p:spPr>
+          <p:style>
+            <a:lnRef idx="1">
+              <a:schemeClr val="accent2"/>
+            </a:lnRef>
+            <a:fillRef idx="3">
+              <a:schemeClr val="accent2"/>
+            </a:fillRef>
+            <a:effectRef idx="2">
+              <a:schemeClr val="accent2"/>
+            </a:effectRef>
+            <a:fontRef idx="minor">
+              <a:schemeClr val="lt1"/>
+            </a:fontRef>
+          </p:style>
+          <p:txBody>
+            <a:bodyPr rtlCol="0" anchor="ctr"/>
+            <a:lstStyle/>
+            <a:p>
+              <a:pPr algn="ctr"/>
+              <a:r>
+                <a:rPr lang="en-US" sz="1100" dirty="0" smtClean="0"/>
+                <a:t>Instance</a:t>
+              </a:r>
+              <a:endParaRPr lang="en-US" sz="1100" dirty="0"/>
+            </a:p>
+          </p:txBody>
+        </p:sp>
+        <p:sp>
+          <p:nvSpPr>
+            <p:cNvPr id="12" name="Rounded Rectangle 11"/>
+            <p:cNvSpPr/>
+            <p:nvPr/>
+          </p:nvSpPr>
+          <p:spPr>
+            <a:xfrm>
+              <a:off x="2093653" y="4461394"/>
+              <a:ext cx="853638" cy="755167"/>
+            </a:xfrm>
+            <a:prstGeom prst="roundRect">
+              <a:avLst/>
+            </a:prstGeom>
+          </p:spPr>
+          <p:style>
+            <a:lnRef idx="1">
+              <a:schemeClr val="accent2"/>
+            </a:lnRef>
+            <a:fillRef idx="3">
+              <a:schemeClr val="accent2"/>
+            </a:fillRef>
+            <a:effectRef idx="2">
+              <a:schemeClr val="accent2"/>
+            </a:effectRef>
+            <a:fontRef idx="minor">
+              <a:schemeClr val="lt1"/>
+            </a:fontRef>
+          </p:style>
+          <p:txBody>
+            <a:bodyPr rtlCol="0" anchor="ctr"/>
+            <a:lstStyle/>
+            <a:p>
+              <a:pPr algn="ctr"/>
+              <a:r>
+                <a:rPr lang="en-US" sz="1100" dirty="0" smtClean="0"/>
+                <a:t>Instance</a:t>
+              </a:r>
+              <a:endParaRPr lang="en-US" sz="1100" dirty="0"/>
+            </a:p>
+          </p:txBody>
+        </p:sp>
+        <p:sp>
+          <p:nvSpPr>
+            <p:cNvPr id="13" name="Rounded Rectangle 12"/>
+            <p:cNvSpPr/>
+            <p:nvPr/>
+          </p:nvSpPr>
+          <p:spPr>
+            <a:xfrm>
+              <a:off x="3317381" y="3233931"/>
+              <a:ext cx="867971" cy="755167"/>
+            </a:xfrm>
+            <a:prstGeom prst="roundRect">
+              <a:avLst/>
+            </a:prstGeom>
+          </p:spPr>
+          <p:style>
+            <a:lnRef idx="1">
+              <a:schemeClr val="accent2"/>
+            </a:lnRef>
+            <a:fillRef idx="3">
+              <a:schemeClr val="accent2"/>
+            </a:fillRef>
+            <a:effectRef idx="2">
+              <a:schemeClr val="accent2"/>
+            </a:effectRef>
+            <a:fontRef idx="minor">
+              <a:schemeClr val="lt1"/>
+            </a:fontRef>
+          </p:style>
+          <p:txBody>
+            <a:bodyPr rtlCol="0" anchor="ctr"/>
+            <a:lstStyle/>
+            <a:p>
+              <a:pPr algn="ctr"/>
+              <a:r>
+                <a:rPr lang="en-US" sz="1100" dirty="0" smtClean="0"/>
+                <a:t>Instance</a:t>
+              </a:r>
+              <a:endParaRPr lang="en-US" sz="1100" dirty="0"/>
+            </a:p>
+          </p:txBody>
+        </p:sp>
+        <p:sp>
+          <p:nvSpPr>
+            <p:cNvPr id="14" name="Rounded Rectangle 13"/>
+            <p:cNvSpPr/>
+            <p:nvPr/>
+          </p:nvSpPr>
+          <p:spPr>
+            <a:xfrm>
+              <a:off x="6619295" y="3176721"/>
+              <a:ext cx="867555" cy="755167"/>
+            </a:xfrm>
+            <a:prstGeom prst="roundRect">
+              <a:avLst/>
+            </a:prstGeom>
+          </p:spPr>
+          <p:style>
+            <a:lnRef idx="1">
+              <a:schemeClr val="accent2"/>
+            </a:lnRef>
+            <a:fillRef idx="3">
+              <a:schemeClr val="accent2"/>
+            </a:fillRef>
+            <a:effectRef idx="2">
+              <a:schemeClr val="accent2"/>
+            </a:effectRef>
+            <a:fontRef idx="minor">
+              <a:schemeClr val="lt1"/>
+            </a:fontRef>
+          </p:style>
+          <p:txBody>
+            <a:bodyPr rtlCol="0" anchor="ctr"/>
+            <a:lstStyle/>
+            <a:p>
+              <a:pPr algn="ctr"/>
+              <a:r>
+                <a:rPr lang="en-US" sz="1100" dirty="0" smtClean="0"/>
+                <a:t>Instance</a:t>
+              </a:r>
+              <a:endParaRPr lang="en-US" sz="1100" dirty="0"/>
+            </a:p>
+          </p:txBody>
+        </p:sp>
+        <p:sp>
+          <p:nvSpPr>
+            <p:cNvPr id="15" name="Rounded Rectangle 14"/>
+            <p:cNvSpPr/>
+            <p:nvPr/>
+          </p:nvSpPr>
+          <p:spPr>
+            <a:xfrm>
+              <a:off x="5372611" y="3176721"/>
+              <a:ext cx="876177" cy="755167"/>
+            </a:xfrm>
+            <a:prstGeom prst="roundRect">
+              <a:avLst/>
+            </a:prstGeom>
+          </p:spPr>
+          <p:style>
+            <a:lnRef idx="1">
+              <a:schemeClr val="accent2"/>
+            </a:lnRef>
+            <a:fillRef idx="3">
+              <a:schemeClr val="accent2"/>
+            </a:fillRef>
+            <a:effectRef idx="2">
+              <a:schemeClr val="accent2"/>
+            </a:effectRef>
+            <a:fontRef idx="minor">
+              <a:schemeClr val="lt1"/>
+            </a:fontRef>
+          </p:style>
+          <p:txBody>
+            <a:bodyPr rtlCol="0" anchor="ctr"/>
+            <a:lstStyle/>
+            <a:p>
+              <a:pPr algn="ctr"/>
+              <a:r>
+                <a:rPr lang="en-US" sz="1100" dirty="0" smtClean="0"/>
+                <a:t>Instance</a:t>
+              </a:r>
+              <a:endParaRPr lang="en-US" sz="1100" dirty="0"/>
+            </a:p>
+          </p:txBody>
+        </p:sp>
+      </p:grpSp>
+      <p:sp>
+        <p:nvSpPr>
+          <p:cNvPr id="17" name="TextBox 16"/>
+          <p:cNvSpPr txBox="1"/>
+          <p:nvPr/>
+        </p:nvSpPr>
+        <p:spPr>
+          <a:xfrm>
+            <a:off x="217374" y="1417639"/>
+            <a:ext cx="2299586" cy="2585323"/>
+          </a:xfrm>
+          <a:prstGeom prst="rect">
+            <a:avLst/>
+          </a:prstGeom>
+          <a:noFill/>
+        </p:spPr>
+        <p:txBody>
+          <a:bodyPr wrap="square" rtlCol="0">
+            <a:spAutoFit/>
+          </a:bodyPr>
+          <a:lstStyle/>
+          <a:p>
+            <a:pPr marL="285750" indent="-285750">
+              <a:buFont typeface="Arial"/>
+              <a:buChar char="•"/>
+            </a:pPr>
+            <a:r>
+              <a:rPr lang="en-US" dirty="0" smtClean="0"/>
+              <a:t>SG can contain any number of EC2 instances</a:t>
+            </a:r>
+          </a:p>
+          <a:p>
+            <a:pPr marL="285750" indent="-285750">
+              <a:buFont typeface="Arial"/>
+              <a:buChar char="•"/>
+            </a:pPr>
+            <a:endParaRPr lang="en-US" dirty="0"/>
+          </a:p>
+          <a:p>
+            <a:pPr marL="285750" indent="-285750">
+              <a:buFont typeface="Arial"/>
+              <a:buChar char="•"/>
+            </a:pPr>
+            <a:r>
+              <a:rPr lang="en-US" dirty="0" smtClean="0"/>
+              <a:t>An EC2 instance may be associated with up to 5 different security groups</a:t>
+            </a:r>
+            <a:endParaRPr lang="en-US" dirty="0"/>
+          </a:p>
+        </p:txBody>
+      </p:sp>
+      <p:sp>
+        <p:nvSpPr>
+          <p:cNvPr id="18" name="TextBox 17"/>
+          <p:cNvSpPr txBox="1"/>
+          <p:nvPr/>
+        </p:nvSpPr>
+        <p:spPr>
+          <a:xfrm>
+            <a:off x="3464347" y="5412027"/>
+            <a:ext cx="1928733" cy="553998"/>
+          </a:xfrm>
+          <a:prstGeom prst="rect">
+            <a:avLst/>
+          </a:prstGeom>
+          <a:noFill/>
+        </p:spPr>
+        <p:txBody>
+          <a:bodyPr wrap="none" rtlCol="0">
+            <a:spAutoFit/>
+          </a:bodyPr>
+          <a:lstStyle/>
+          <a:p>
+            <a:r>
+              <a:rPr lang="en-US" sz="1000" dirty="0" smtClean="0"/>
+              <a:t>Incoming port 80 from 0.0.0.0/0</a:t>
+            </a:r>
+          </a:p>
+          <a:p>
+            <a:r>
+              <a:rPr lang="en-US" sz="1000" dirty="0" smtClean="0"/>
+              <a:t>Incoming port 443 from 0.0.0.0/0</a:t>
+            </a:r>
+          </a:p>
+          <a:p>
+            <a:r>
+              <a:rPr lang="en-US" sz="1000" dirty="0" smtClean="0"/>
+              <a:t>Outgoing any to 0.0.0.0/0</a:t>
+            </a:r>
+            <a:endParaRPr lang="en-US" sz="1000" dirty="0"/>
+          </a:p>
+        </p:txBody>
+      </p:sp>
+      <p:sp>
+        <p:nvSpPr>
+          <p:cNvPr id="19" name="TextBox 18"/>
+          <p:cNvSpPr txBox="1"/>
+          <p:nvPr/>
+        </p:nvSpPr>
+        <p:spPr>
+          <a:xfrm>
+            <a:off x="6461647" y="5391140"/>
+            <a:ext cx="1992853" cy="553998"/>
+          </a:xfrm>
+          <a:prstGeom prst="rect">
+            <a:avLst/>
+          </a:prstGeom>
+          <a:noFill/>
+        </p:spPr>
+        <p:txBody>
+          <a:bodyPr wrap="none" rtlCol="0">
+            <a:spAutoFit/>
+          </a:bodyPr>
+          <a:lstStyle/>
+          <a:p>
+            <a:r>
+              <a:rPr lang="en-US" sz="1000" dirty="0" smtClean="0"/>
+              <a:t>Incoming port 3306 from Web SG</a:t>
+            </a:r>
+          </a:p>
+          <a:p>
+            <a:r>
+              <a:rPr lang="en-US" sz="1000" dirty="0" smtClean="0"/>
+              <a:t>Incoming port 22 from Web SG</a:t>
+            </a:r>
+          </a:p>
+          <a:p>
+            <a:r>
+              <a:rPr lang="en-US" sz="1000" dirty="0" smtClean="0"/>
+              <a:t>Outgoing port 80 to Web SG</a:t>
+            </a:r>
+            <a:endParaRPr lang="en-US" sz="1000" dirty="0"/>
+          </a:p>
+        </p:txBody>
+      </p:sp>
+    </p:spTree>
+    <p:extLst>
+      <p:ext uri="{BB962C8B-B14F-4D97-AF65-F5344CB8AC3E}">
+        <p14:creationId xmlns:p14="http://schemas.microsoft.com/office/powerpoint/2010/main" val="2655148752"/>
+      </p:ext>
+    </p:extLst>
+  </p:cSld>
+  <p:clrMapOvr>
+    <a:masterClrMapping/>
+  </p:clrMapOvr>
+</p:sld>
+</file>
+
+<file path=ppt/slides/slide42.xml><?xml version="1.0" encoding="utf-8"?>
+<p:sld xmlns:a="http://schemas.openxmlformats.org/drawingml/2006/main" xmlns:r="http://schemas.openxmlformats.org/officeDocument/2006/relationships" xmlns:p="http://schemas.openxmlformats.org/presentationml/2006/main">
+  <p:cSld>
+    <p:spTree>
+      <p:nvGrpSpPr>
+        <p:cNvPr id="1" name=""/>
+        <p:cNvGrpSpPr/>
+        <p:nvPr/>
+      </p:nvGrpSpPr>
+      <p:grpSpPr>
+        <a:xfrm>
+          <a:off x="0" y="0"/>
+          <a:ext cx="0" cy="0"/>
+          <a:chOff x="0" y="0"/>
+          <a:chExt cx="0" cy="0"/>
+        </a:xfrm>
+      </p:grpSpPr>
+      <p:sp>
+        <p:nvSpPr>
+          <p:cNvPr id="2" name="Title 1"/>
+          <p:cNvSpPr>
+            <a:spLocks noGrp="1"/>
+          </p:cNvSpPr>
+          <p:nvPr>
+            <p:ph type="title"/>
+          </p:nvPr>
+        </p:nvSpPr>
+        <p:spPr/>
+        <p:txBody>
           <a:bodyPr>
             <a:normAutofit/>
           </a:bodyPr>

--- a/infrastructure-week-4.pptx
+++ b/infrastructure-week-4.pptx
@@ -42,11 +42,15 @@
     <p:sldId id="292" r:id="rId36"/>
     <p:sldId id="293" r:id="rId37"/>
     <p:sldId id="294" r:id="rId38"/>
-    <p:sldId id="295" r:id="rId39"/>
-    <p:sldId id="296" r:id="rId40"/>
-    <p:sldId id="297" r:id="rId41"/>
-    <p:sldId id="298" r:id="rId42"/>
-    <p:sldId id="259" r:id="rId43"/>
+    <p:sldId id="300" r:id="rId39"/>
+    <p:sldId id="295" r:id="rId40"/>
+    <p:sldId id="296" r:id="rId41"/>
+    <p:sldId id="299" r:id="rId42"/>
+    <p:sldId id="301" r:id="rId43"/>
+    <p:sldId id="297" r:id="rId44"/>
+    <p:sldId id="298" r:id="rId45"/>
+    <p:sldId id="302" r:id="rId46"/>
+    <p:sldId id="259" r:id="rId47"/>
   </p:sldIdLst>
   <p:sldSz cx="9144000" cy="6858000" type="screen4x3"/>
   <p:notesSz cx="6858000" cy="9144000"/>
@@ -10898,7 +10902,7 @@
           <a:p>
             <a:r>
               <a:rPr lang="en-US" dirty="0" smtClean="0"/>
-              <a:t>Elastic Block Storage (EBS)</a:t>
+              <a:t>EC2 Amazon Machine Image (AMI)</a:t>
             </a:r>
             <a:endParaRPr lang="en-US" dirty="0"/>
           </a:p>
@@ -10916,38 +10920,54 @@
         </p:nvSpPr>
         <p:spPr/>
         <p:txBody>
-          <a:bodyPr/>
+          <a:bodyPr>
+            <a:normAutofit fontScale="92500" lnSpcReduction="10000"/>
+          </a:bodyPr>
           <a:lstStyle/>
           <a:p>
             <a:r>
               <a:rPr lang="en-US" dirty="0" smtClean="0"/>
-              <a:t>Service that allows you to create disk storage volumes that can be attached to EC2 instances</a:t>
+              <a:t>An AMI defines the base OS, applications, networking and storage components for an EC2 instance.</a:t>
+            </a:r>
+          </a:p>
+          <a:p>
+            <a:r>
+              <a:rPr lang="en-US" dirty="0" smtClean="0"/>
+              <a:t>AMI sources:</a:t>
             </a:r>
           </a:p>
           <a:p>
             <a:pPr lvl="1"/>
             <a:r>
               <a:rPr lang="en-US" dirty="0" smtClean="0"/>
-              <a:t>It’s a hard drive for your cloud server.</a:t>
-            </a:r>
-          </a:p>
-          <a:p>
-            <a:r>
-              <a:rPr lang="en-US" dirty="0" smtClean="0"/>
-              <a:t>EBS volumes are block storage and support file systems and databases</a:t>
-            </a:r>
-          </a:p>
-          <a:p>
-            <a:r>
-              <a:rPr lang="en-US" dirty="0" smtClean="0"/>
-              <a:t>Each volume replicated in a single AZ to provide high availability</a:t>
+              <a:t>Amazon curated images</a:t>
             </a:r>
           </a:p>
           <a:p>
             <a:pPr lvl="1"/>
             <a:r>
               <a:rPr lang="en-US" dirty="0" smtClean="0"/>
-              <a:t>Delivered like a volume from a SAN</a:t>
+              <a:t>Community provided images</a:t>
+            </a:r>
+          </a:p>
+          <a:p>
+            <a:pPr lvl="1"/>
+            <a:r>
+              <a:rPr lang="en-US" dirty="0" smtClean="0"/>
+              <a:t>Commercial images on the Amazon Marketplace</a:t>
+            </a:r>
+          </a:p>
+          <a:p>
+            <a:pPr lvl="1"/>
+            <a:r>
+              <a:rPr lang="en-US" dirty="0" smtClean="0"/>
+              <a:t>Your own private images</a:t>
+            </a:r>
+          </a:p>
+          <a:p>
+            <a:r>
+              <a:rPr lang="en-US" dirty="0" smtClean="0"/>
+              <a:t>AMIs only exist within a specific region (you can copy to other regions if necessary)</a:t>
             </a:r>
             <a:endParaRPr lang="en-US" dirty="0"/>
           </a:p>
@@ -10956,7 +10976,7 @@
     </p:spTree>
     <p:extLst>
       <p:ext uri="{BB962C8B-B14F-4D97-AF65-F5344CB8AC3E}">
-        <p14:creationId xmlns:p14="http://schemas.microsoft.com/office/powerpoint/2010/main" val="906329309"/>
+        <p14:creationId xmlns:p14="http://schemas.microsoft.com/office/powerpoint/2010/main" val="2007583489"/>
       </p:ext>
     </p:extLst>
   </p:cSld>
@@ -11000,7 +11020,7 @@
           <a:p>
             <a:r>
               <a:rPr lang="en-US" dirty="0" smtClean="0"/>
-              <a:t>EBS Volume Types</a:t>
+              <a:t>Elastic Block Storage (EBS)</a:t>
             </a:r>
             <a:endParaRPr lang="en-US" dirty="0"/>
           </a:p>
@@ -11023,47 +11043,41 @@
           <a:p>
             <a:r>
               <a:rPr lang="en-US" dirty="0" smtClean="0"/>
-              <a:t>General Purpose SSD (GP2)</a:t>
+              <a:t>Service that allows you to create disk storage </a:t>
+            </a:r>
+            <a:r>
+              <a:rPr lang="en-US" b="1" dirty="0" smtClean="0"/>
+              <a:t>volumes</a:t>
+            </a:r>
+            <a:r>
+              <a:rPr lang="en-US" dirty="0" smtClean="0"/>
+              <a:t> that can be attached to EC2 instances</a:t>
             </a:r>
           </a:p>
           <a:p>
             <a:pPr lvl="1"/>
             <a:r>
               <a:rPr lang="en-US" dirty="0" smtClean="0"/>
-              <a:t>5 9’s availability (99.999%)</a:t>
+              <a:t>A volume is like a hard drive for your instance.</a:t>
+            </a:r>
+          </a:p>
+          <a:p>
+            <a:r>
+              <a:rPr lang="en-US" dirty="0" smtClean="0"/>
+              <a:t>EBS volumes are block storage and support file systems and databases</a:t>
+            </a:r>
+          </a:p>
+          <a:p>
+            <a:r>
+              <a:rPr lang="en-US" dirty="0" smtClean="0"/>
+              <a:t>Each volume replicated in a single AZ to provide high availability</a:t>
             </a:r>
           </a:p>
           <a:p>
             <a:pPr lvl="1"/>
             <a:r>
               <a:rPr lang="en-US" dirty="0" smtClean="0"/>
-              <a:t>3 IOPS per GB, up to 10,000 IOPS</a:t>
-            </a:r>
-          </a:p>
-          <a:p>
-            <a:r>
-              <a:rPr lang="en-US" dirty="0" smtClean="0"/>
-              <a:t>Provisioned IOPS SSD (IO1)</a:t>
-            </a:r>
-          </a:p>
-          <a:p>
-            <a:pPr lvl="1"/>
-            <a:r>
-              <a:rPr lang="en-US" dirty="0" smtClean="0"/>
-              <a:t>Very high IOPS capacity for disk I/O intensive applications requiring &gt; 10,000 IOPS</a:t>
-            </a:r>
-          </a:p>
-          <a:p>
-            <a:r>
-              <a:rPr lang="en-US" dirty="0" smtClean="0"/>
-              <a:t>Magnetic (Standard)</a:t>
-            </a:r>
-          </a:p>
-          <a:p>
-            <a:pPr lvl="1"/>
-            <a:r>
-              <a:rPr lang="en-US" dirty="0" smtClean="0"/>
-              <a:t>Cheapest storage option with lowest performance</a:t>
+              <a:t>Delivered like a volume from a SAN</a:t>
             </a:r>
             <a:endParaRPr lang="en-US" dirty="0"/>
           </a:p>
@@ -11072,7 +11086,7 @@
     </p:spTree>
     <p:extLst>
       <p:ext uri="{BB962C8B-B14F-4D97-AF65-F5344CB8AC3E}">
-        <p14:creationId xmlns:p14="http://schemas.microsoft.com/office/powerpoint/2010/main" val="2168219385"/>
+        <p14:creationId xmlns:p14="http://schemas.microsoft.com/office/powerpoint/2010/main" val="906329309"/>
       </p:ext>
     </p:extLst>
   </p:cSld>
@@ -11248,6 +11262,362 @@
           <a:p>
             <a:r>
               <a:rPr lang="en-US" dirty="0" smtClean="0"/>
+              <a:t>EBS Volume Types</a:t>
+            </a:r>
+            <a:endParaRPr lang="en-US" dirty="0"/>
+          </a:p>
+        </p:txBody>
+      </p:sp>
+      <p:sp>
+        <p:nvSpPr>
+          <p:cNvPr id="3" name="Content Placeholder 2"/>
+          <p:cNvSpPr>
+            <a:spLocks noGrp="1"/>
+          </p:cNvSpPr>
+          <p:nvPr>
+            <p:ph idx="1"/>
+          </p:nvPr>
+        </p:nvSpPr>
+        <p:spPr/>
+        <p:txBody>
+          <a:bodyPr/>
+          <a:lstStyle/>
+          <a:p>
+            <a:r>
+              <a:rPr lang="en-US" dirty="0" smtClean="0"/>
+              <a:t>General Purpose SSD (GP2)</a:t>
+            </a:r>
+          </a:p>
+          <a:p>
+            <a:pPr lvl="1"/>
+            <a:r>
+              <a:rPr lang="en-US" dirty="0" smtClean="0"/>
+              <a:t>5 9’s availability (99.999%)</a:t>
+            </a:r>
+          </a:p>
+          <a:p>
+            <a:pPr lvl="1"/>
+            <a:r>
+              <a:rPr lang="en-US" dirty="0" smtClean="0"/>
+              <a:t>3 IOPS per GB, up to 10,000 IOPS</a:t>
+            </a:r>
+          </a:p>
+          <a:p>
+            <a:r>
+              <a:rPr lang="en-US" dirty="0" smtClean="0"/>
+              <a:t>Provisioned IOPS SSD (IO1)</a:t>
+            </a:r>
+          </a:p>
+          <a:p>
+            <a:pPr lvl="1"/>
+            <a:r>
+              <a:rPr lang="en-US" dirty="0" smtClean="0"/>
+              <a:t>Very high IOPS capacity for disk I/O intensive applications requiring &gt; 10,000 IOPS</a:t>
+            </a:r>
+          </a:p>
+          <a:p>
+            <a:r>
+              <a:rPr lang="en-US" dirty="0" smtClean="0"/>
+              <a:t>Magnetic (Standard)</a:t>
+            </a:r>
+          </a:p>
+          <a:p>
+            <a:pPr lvl="1"/>
+            <a:r>
+              <a:rPr lang="en-US" dirty="0" smtClean="0"/>
+              <a:t>Cheapest storage option with lowest performance</a:t>
+            </a:r>
+            <a:endParaRPr lang="en-US" dirty="0"/>
+          </a:p>
+        </p:txBody>
+      </p:sp>
+    </p:spTree>
+    <p:extLst>
+      <p:ext uri="{BB962C8B-B14F-4D97-AF65-F5344CB8AC3E}">
+        <p14:creationId xmlns:p14="http://schemas.microsoft.com/office/powerpoint/2010/main" val="2168219385"/>
+      </p:ext>
+    </p:extLst>
+  </p:cSld>
+  <p:clrMapOvr>
+    <a:masterClrMapping/>
+  </p:clrMapOvr>
+</p:sld>
+</file>
+
+<file path=ppt/slides/slide41.xml><?xml version="1.0" encoding="utf-8"?>
+<p:sld xmlns:a="http://schemas.openxmlformats.org/drawingml/2006/main" xmlns:r="http://schemas.openxmlformats.org/officeDocument/2006/relationships" xmlns:p="http://schemas.openxmlformats.org/presentationml/2006/main">
+  <p:cSld>
+    <p:spTree>
+      <p:nvGrpSpPr>
+        <p:cNvPr id="1" name=""/>
+        <p:cNvGrpSpPr/>
+        <p:nvPr/>
+      </p:nvGrpSpPr>
+      <p:grpSpPr>
+        <a:xfrm>
+          <a:off x="0" y="0"/>
+          <a:ext cx="0" cy="0"/>
+          <a:chOff x="0" y="0"/>
+          <a:chExt cx="0" cy="0"/>
+        </a:xfrm>
+      </p:grpSpPr>
+      <p:sp>
+        <p:nvSpPr>
+          <p:cNvPr id="2" name="Title 1"/>
+          <p:cNvSpPr>
+            <a:spLocks noGrp="1"/>
+          </p:cNvSpPr>
+          <p:nvPr>
+            <p:ph type="title"/>
+          </p:nvPr>
+        </p:nvSpPr>
+        <p:spPr/>
+        <p:txBody>
+          <a:bodyPr/>
+          <a:lstStyle/>
+          <a:p>
+            <a:r>
+              <a:rPr lang="en-US" dirty="0" smtClean="0"/>
+              <a:t>EBS Snapshots</a:t>
+            </a:r>
+            <a:endParaRPr lang="en-US" dirty="0"/>
+          </a:p>
+        </p:txBody>
+      </p:sp>
+      <p:sp>
+        <p:nvSpPr>
+          <p:cNvPr id="3" name="Content Placeholder 2"/>
+          <p:cNvSpPr>
+            <a:spLocks noGrp="1"/>
+          </p:cNvSpPr>
+          <p:nvPr>
+            <p:ph idx="1"/>
+          </p:nvPr>
+        </p:nvSpPr>
+        <p:spPr/>
+        <p:txBody>
+          <a:bodyPr>
+            <a:normAutofit fontScale="92500" lnSpcReduction="10000"/>
+          </a:bodyPr>
+          <a:lstStyle/>
+          <a:p>
+            <a:r>
+              <a:rPr lang="en-US" dirty="0" smtClean="0"/>
+              <a:t>A snapshot is a point-in-time copy of an EBS volume stored on S3</a:t>
+            </a:r>
+          </a:p>
+          <a:p>
+            <a:r>
+              <a:rPr lang="en-US" dirty="0" smtClean="0"/>
+              <a:t>Snapshots are incremental, only saving data that changed since the previous snapshot.</a:t>
+            </a:r>
+          </a:p>
+          <a:p>
+            <a:r>
+              <a:rPr lang="en-US" dirty="0" smtClean="0"/>
+              <a:t>You pay for snapshot storage at S3 rates</a:t>
+            </a:r>
+          </a:p>
+          <a:p>
+            <a:r>
+              <a:rPr lang="en-US" dirty="0" smtClean="0"/>
+              <a:t>Benefits:</a:t>
+            </a:r>
+          </a:p>
+          <a:p>
+            <a:pPr lvl="1"/>
+            <a:r>
+              <a:rPr lang="en-US" dirty="0" smtClean="0"/>
+              <a:t>Quickly backup data periodically or before making big changes</a:t>
+            </a:r>
+          </a:p>
+          <a:p>
+            <a:pPr lvl="1"/>
+            <a:r>
+              <a:rPr lang="en-US" dirty="0" smtClean="0"/>
+              <a:t>Roll back system changes by reverting to previous snapshots</a:t>
+            </a:r>
+          </a:p>
+        </p:txBody>
+      </p:sp>
+    </p:spTree>
+    <p:extLst>
+      <p:ext uri="{BB962C8B-B14F-4D97-AF65-F5344CB8AC3E}">
+        <p14:creationId xmlns:p14="http://schemas.microsoft.com/office/powerpoint/2010/main" val="430771417"/>
+      </p:ext>
+    </p:extLst>
+  </p:cSld>
+  <p:clrMapOvr>
+    <a:masterClrMapping/>
+  </p:clrMapOvr>
+</p:sld>
+</file>
+
+<file path=ppt/slides/slide42.xml><?xml version="1.0" encoding="utf-8"?>
+<p:sld xmlns:a="http://schemas.openxmlformats.org/drawingml/2006/main" xmlns:r="http://schemas.openxmlformats.org/officeDocument/2006/relationships" xmlns:p="http://schemas.openxmlformats.org/presentationml/2006/main">
+  <p:cSld>
+    <p:spTree>
+      <p:nvGrpSpPr>
+        <p:cNvPr id="1" name=""/>
+        <p:cNvGrpSpPr/>
+        <p:nvPr/>
+      </p:nvGrpSpPr>
+      <p:grpSpPr>
+        <a:xfrm>
+          <a:off x="0" y="0"/>
+          <a:ext cx="0" cy="0"/>
+          <a:chOff x="0" y="0"/>
+          <a:chExt cx="0" cy="0"/>
+        </a:xfrm>
+      </p:grpSpPr>
+      <p:sp>
+        <p:nvSpPr>
+          <p:cNvPr id="2" name="Title 1"/>
+          <p:cNvSpPr>
+            <a:spLocks noGrp="1"/>
+          </p:cNvSpPr>
+          <p:nvPr>
+            <p:ph type="title"/>
+          </p:nvPr>
+        </p:nvSpPr>
+        <p:spPr/>
+        <p:txBody>
+          <a:bodyPr/>
+          <a:lstStyle/>
+          <a:p>
+            <a:r>
+              <a:rPr lang="en-US" dirty="0" smtClean="0"/>
+              <a:t>Instance Store</a:t>
+            </a:r>
+            <a:endParaRPr lang="en-US" dirty="0"/>
+          </a:p>
+        </p:txBody>
+      </p:sp>
+      <p:sp>
+        <p:nvSpPr>
+          <p:cNvPr id="3" name="Content Placeholder 2"/>
+          <p:cNvSpPr>
+            <a:spLocks noGrp="1"/>
+          </p:cNvSpPr>
+          <p:nvPr>
+            <p:ph idx="1"/>
+          </p:nvPr>
+        </p:nvSpPr>
+        <p:spPr/>
+        <p:txBody>
+          <a:bodyPr>
+            <a:normAutofit fontScale="85000" lnSpcReduction="10000"/>
+          </a:bodyPr>
+          <a:lstStyle/>
+          <a:p>
+            <a:r>
+              <a:rPr lang="en-US" dirty="0" smtClean="0"/>
+              <a:t>Another data storage option for EC2 instances</a:t>
+            </a:r>
+          </a:p>
+          <a:p>
+            <a:pPr lvl="1"/>
+            <a:r>
+              <a:rPr lang="en-US" dirty="0" smtClean="0"/>
+              <a:t>Actually, the original storage option!</a:t>
+            </a:r>
+          </a:p>
+          <a:p>
+            <a:r>
+              <a:rPr lang="en-US" dirty="0" smtClean="0"/>
+              <a:t>Instance data is stored on the local host server versus a networked volume</a:t>
+            </a:r>
+          </a:p>
+          <a:p>
+            <a:r>
+              <a:rPr lang="en-US" dirty="0" smtClean="0"/>
+              <a:t>The storage is </a:t>
+            </a:r>
+            <a:r>
+              <a:rPr lang="en-US" b="1" dirty="0" smtClean="0"/>
+              <a:t>ephemeral</a:t>
+            </a:r>
+            <a:r>
+              <a:rPr lang="en-US" dirty="0" smtClean="0"/>
+              <a:t>, if the instance is stopped the data is gone forever.</a:t>
+            </a:r>
+          </a:p>
+          <a:p>
+            <a:pPr lvl="1"/>
+            <a:r>
+              <a:rPr lang="en-US" dirty="0" smtClean="0"/>
+              <a:t>You can still reboot the instance without loosing data though.</a:t>
+            </a:r>
+          </a:p>
+          <a:p>
+            <a:r>
+              <a:rPr lang="en-US" dirty="0" smtClean="0"/>
+              <a:t>Why ephemeral storage?</a:t>
+            </a:r>
+          </a:p>
+          <a:p>
+            <a:pPr lvl="1"/>
+            <a:r>
+              <a:rPr lang="en-US" dirty="0" smtClean="0"/>
+              <a:t>Cheap</a:t>
+            </a:r>
+          </a:p>
+          <a:p>
+            <a:pPr lvl="1"/>
+            <a:r>
+              <a:rPr lang="en-US" dirty="0" smtClean="0"/>
+              <a:t>Data persistence may not matter in certain architectures</a:t>
+            </a:r>
+          </a:p>
+        </p:txBody>
+      </p:sp>
+    </p:spTree>
+    <p:extLst>
+      <p:ext uri="{BB962C8B-B14F-4D97-AF65-F5344CB8AC3E}">
+        <p14:creationId xmlns:p14="http://schemas.microsoft.com/office/powerpoint/2010/main" val="2311776645"/>
+      </p:ext>
+    </p:extLst>
+  </p:cSld>
+  <p:clrMapOvr>
+    <a:masterClrMapping/>
+  </p:clrMapOvr>
+</p:sld>
+</file>
+
+<file path=ppt/slides/slide43.xml><?xml version="1.0" encoding="utf-8"?>
+<p:sld xmlns:a="http://schemas.openxmlformats.org/drawingml/2006/main" xmlns:r="http://schemas.openxmlformats.org/officeDocument/2006/relationships" xmlns:p="http://schemas.openxmlformats.org/presentationml/2006/main">
+  <p:cSld>
+    <p:spTree>
+      <p:nvGrpSpPr>
+        <p:cNvPr id="1" name=""/>
+        <p:cNvGrpSpPr/>
+        <p:nvPr/>
+      </p:nvGrpSpPr>
+      <p:grpSpPr>
+        <a:xfrm>
+          <a:off x="0" y="0"/>
+          <a:ext cx="0" cy="0"/>
+          <a:chOff x="0" y="0"/>
+          <a:chExt cx="0" cy="0"/>
+        </a:xfrm>
+      </p:grpSpPr>
+      <p:sp>
+        <p:nvSpPr>
+          <p:cNvPr id="2" name="Title 1"/>
+          <p:cNvSpPr>
+            <a:spLocks noGrp="1"/>
+          </p:cNvSpPr>
+          <p:nvPr>
+            <p:ph type="title"/>
+          </p:nvPr>
+        </p:nvSpPr>
+        <p:spPr/>
+        <p:txBody>
+          <a:bodyPr/>
+          <a:lstStyle/>
+          <a:p>
+            <a:r>
+              <a:rPr lang="en-US" dirty="0" smtClean="0"/>
               <a:t>Security Groups</a:t>
             </a:r>
             <a:endParaRPr lang="en-US" dirty="0"/>
@@ -11349,7 +11719,7 @@
 </p:sld>
 </file>
 
-<file path=ppt/slides/slide41.xml><?xml version="1.0" encoding="utf-8"?>
+<file path=ppt/slides/slide44.xml><?xml version="1.0" encoding="utf-8"?>
 <p:sld xmlns:a="http://schemas.openxmlformats.org/drawingml/2006/main" xmlns:r="http://schemas.openxmlformats.org/officeDocument/2006/relationships" xmlns:p="http://schemas.openxmlformats.org/presentationml/2006/main">
   <p:cSld>
     <p:spTree>
@@ -12008,7 +12378,7 @@
 </p:sld>
 </file>
 
-<file path=ppt/slides/slide42.xml><?xml version="1.0" encoding="utf-8"?>
+<file path=ppt/slides/slide45.xml><?xml version="1.0" encoding="utf-8"?>
 <p:sld xmlns:a="http://schemas.openxmlformats.org/drawingml/2006/main" xmlns:r="http://schemas.openxmlformats.org/officeDocument/2006/relationships" xmlns:p="http://schemas.openxmlformats.org/presentationml/2006/main">
   <p:cSld>
     <p:spTree>
@@ -12037,6 +12407,139 @@
         </p:nvSpPr>
         <p:spPr/>
         <p:txBody>
+          <a:bodyPr/>
+          <a:lstStyle/>
+          <a:p>
+            <a:r>
+              <a:rPr lang="en-US" dirty="0" smtClean="0"/>
+              <a:t>EC2 Hands-on</a:t>
+            </a:r>
+            <a:endParaRPr lang="en-US" dirty="0"/>
+          </a:p>
+        </p:txBody>
+      </p:sp>
+      <p:sp>
+        <p:nvSpPr>
+          <p:cNvPr id="3" name="Content Placeholder 2"/>
+          <p:cNvSpPr>
+            <a:spLocks noGrp="1"/>
+          </p:cNvSpPr>
+          <p:nvPr>
+            <p:ph idx="1"/>
+          </p:nvPr>
+        </p:nvSpPr>
+        <p:spPr/>
+        <p:txBody>
+          <a:bodyPr>
+            <a:normAutofit lnSpcReduction="10000"/>
+          </a:bodyPr>
+          <a:lstStyle/>
+          <a:p>
+            <a:r>
+              <a:rPr lang="en-US" dirty="0" smtClean="0"/>
+              <a:t>Launch a new EC2 instance</a:t>
+            </a:r>
+          </a:p>
+          <a:p>
+            <a:pPr lvl="1"/>
+            <a:r>
+              <a:rPr lang="en-US" dirty="0" smtClean="0"/>
+              <a:t>Select an AMI</a:t>
+            </a:r>
+          </a:p>
+          <a:p>
+            <a:pPr lvl="1"/>
+            <a:r>
+              <a:rPr lang="en-US" dirty="0" smtClean="0"/>
+              <a:t>Choose an instance type</a:t>
+            </a:r>
+          </a:p>
+          <a:p>
+            <a:pPr lvl="1"/>
+            <a:r>
+              <a:rPr lang="en-US" dirty="0" smtClean="0"/>
+              <a:t>Add/modify storage</a:t>
+            </a:r>
+          </a:p>
+          <a:p>
+            <a:pPr lvl="1"/>
+            <a:r>
+              <a:rPr lang="en-US" dirty="0" smtClean="0"/>
+              <a:t>Tag instance</a:t>
+            </a:r>
+          </a:p>
+          <a:p>
+            <a:pPr lvl="1"/>
+            <a:r>
+              <a:rPr lang="en-US" dirty="0" smtClean="0"/>
+              <a:t> Configure a security group</a:t>
+            </a:r>
+          </a:p>
+          <a:p>
+            <a:r>
+              <a:rPr lang="en-US" dirty="0" smtClean="0"/>
+              <a:t>Snapshot instance volume</a:t>
+            </a:r>
+          </a:p>
+          <a:p>
+            <a:r>
+              <a:rPr lang="en-US" dirty="0" smtClean="0"/>
+              <a:t>Create AMI from snapshot</a:t>
+            </a:r>
+          </a:p>
+          <a:p>
+            <a:r>
+              <a:rPr lang="en-US" dirty="0" smtClean="0"/>
+              <a:t>Terminate EC2 instance</a:t>
+            </a:r>
+          </a:p>
+          <a:p>
+            <a:endParaRPr lang="en-US" dirty="0"/>
+          </a:p>
+        </p:txBody>
+      </p:sp>
+    </p:spTree>
+    <p:extLst>
+      <p:ext uri="{BB962C8B-B14F-4D97-AF65-F5344CB8AC3E}">
+        <p14:creationId xmlns:p14="http://schemas.microsoft.com/office/powerpoint/2010/main" val="3860464931"/>
+      </p:ext>
+    </p:extLst>
+  </p:cSld>
+  <p:clrMapOvr>
+    <a:masterClrMapping/>
+  </p:clrMapOvr>
+</p:sld>
+</file>
+
+<file path=ppt/slides/slide46.xml><?xml version="1.0" encoding="utf-8"?>
+<p:sld xmlns:a="http://schemas.openxmlformats.org/drawingml/2006/main" xmlns:r="http://schemas.openxmlformats.org/officeDocument/2006/relationships" xmlns:p="http://schemas.openxmlformats.org/presentationml/2006/main">
+  <p:cSld>
+    <p:spTree>
+      <p:nvGrpSpPr>
+        <p:cNvPr id="1" name=""/>
+        <p:cNvGrpSpPr/>
+        <p:nvPr/>
+      </p:nvGrpSpPr>
+      <p:grpSpPr>
+        <a:xfrm>
+          <a:off x="0" y="0"/>
+          <a:ext cx="0" cy="0"/>
+          <a:chOff x="0" y="0"/>
+          <a:chExt cx="0" cy="0"/>
+        </a:xfrm>
+      </p:grpSpPr>
+      <p:sp>
+        <p:nvSpPr>
+          <p:cNvPr id="2" name="Title 1"/>
+          <p:cNvSpPr>
+            <a:spLocks noGrp="1"/>
+          </p:cNvSpPr>
+          <p:nvPr>
+            <p:ph type="title"/>
+          </p:nvPr>
+        </p:nvSpPr>
+        <p:spPr/>
+        <p:txBody>
           <a:bodyPr>
             <a:normAutofit/>
           </a:bodyPr>
@@ -12073,9 +12576,14 @@
           <a:lstStyle/>
           <a:p>
             <a:r>
-              <a:rPr lang="en-US" dirty="0" smtClean="0"/>
-              <a:t>Assignment X</a:t>
-            </a:r>
+              <a:rPr lang="en-US" smtClean="0"/>
+              <a:t>Assignment </a:t>
+            </a:r>
+            <a:r>
+              <a:rPr lang="en-US" smtClean="0"/>
+              <a:t>4</a:t>
+            </a:r>
+            <a:endParaRPr lang="en-US" dirty="0" smtClean="0"/>
           </a:p>
           <a:p>
             <a:r>

--- a/infrastructure-week-4.pptx
+++ b/infrastructure-week-4.pptx
@@ -6520,7 +6520,11 @@
             </a:br>
             <a:r>
               <a:rPr lang="en-US" sz="6000" dirty="0" smtClean="0"/>
-              <a:t>Week 12</a:t>
+              <a:t>Week </a:t>
+            </a:r>
+            <a:r>
+              <a:rPr lang="en-US" sz="6000" dirty="0" smtClean="0"/>
+              <a:t>4</a:t>
             </a:r>
             <a:endParaRPr lang="en-US" sz="6000" dirty="0"/>
           </a:p>
@@ -12576,11 +12580,11 @@
           <a:lstStyle/>
           <a:p>
             <a:r>
-              <a:rPr lang="en-US" smtClean="0"/>
+              <a:rPr lang="en-US" dirty="0" smtClean="0"/>
               <a:t>Assignment </a:t>
             </a:r>
             <a:r>
-              <a:rPr lang="en-US" smtClean="0"/>
+              <a:rPr lang="en-US" dirty="0" smtClean="0"/>
               <a:t>4</a:t>
             </a:r>
             <a:endParaRPr lang="en-US" dirty="0" smtClean="0"/>

--- a/infrastructure-week-4.pptx
+++ b/infrastructure-week-4.pptx
@@ -3675,7 +3675,7 @@
           <a:p>
             <a:fld id="{A4F65825-1538-3A4D-944A-D06B0D1CBF06}" type="datetimeFigureOut">
               <a:rPr lang="en-US" smtClean="0"/>
-              <a:t>4/2/16</a:t>
+              <a:t>4/11/16</a:t>
             </a:fld>
             <a:endParaRPr lang="en-US"/>
           </a:p>
@@ -3845,7 +3845,7 @@
           <a:p>
             <a:fld id="{A4F65825-1538-3A4D-944A-D06B0D1CBF06}" type="datetimeFigureOut">
               <a:rPr lang="en-US" smtClean="0"/>
-              <a:t>4/2/16</a:t>
+              <a:t>4/11/16</a:t>
             </a:fld>
             <a:endParaRPr lang="en-US"/>
           </a:p>
@@ -4025,7 +4025,7 @@
           <a:p>
             <a:fld id="{A4F65825-1538-3A4D-944A-D06B0D1CBF06}" type="datetimeFigureOut">
               <a:rPr lang="en-US" smtClean="0"/>
-              <a:t>4/2/16</a:t>
+              <a:t>4/11/16</a:t>
             </a:fld>
             <a:endParaRPr lang="en-US"/>
           </a:p>
@@ -4195,7 +4195,7 @@
           <a:p>
             <a:fld id="{A4F65825-1538-3A4D-944A-D06B0D1CBF06}" type="datetimeFigureOut">
               <a:rPr lang="en-US" smtClean="0"/>
-              <a:t>4/2/16</a:t>
+              <a:t>4/11/16</a:t>
             </a:fld>
             <a:endParaRPr lang="en-US"/>
           </a:p>
@@ -4441,7 +4441,7 @@
           <a:p>
             <a:fld id="{A4F65825-1538-3A4D-944A-D06B0D1CBF06}" type="datetimeFigureOut">
               <a:rPr lang="en-US" smtClean="0"/>
-              <a:t>4/2/16</a:t>
+              <a:t>4/11/16</a:t>
             </a:fld>
             <a:endParaRPr lang="en-US"/>
           </a:p>
@@ -4729,7 +4729,7 @@
           <a:p>
             <a:fld id="{A4F65825-1538-3A4D-944A-D06B0D1CBF06}" type="datetimeFigureOut">
               <a:rPr lang="en-US" smtClean="0"/>
-              <a:t>4/2/16</a:t>
+              <a:t>4/11/16</a:t>
             </a:fld>
             <a:endParaRPr lang="en-US"/>
           </a:p>
@@ -5151,7 +5151,7 @@
           <a:p>
             <a:fld id="{A4F65825-1538-3A4D-944A-D06B0D1CBF06}" type="datetimeFigureOut">
               <a:rPr lang="en-US" smtClean="0"/>
-              <a:t>4/2/16</a:t>
+              <a:t>4/11/16</a:t>
             </a:fld>
             <a:endParaRPr lang="en-US"/>
           </a:p>
@@ -5269,7 +5269,7 @@
           <a:p>
             <a:fld id="{A4F65825-1538-3A4D-944A-D06B0D1CBF06}" type="datetimeFigureOut">
               <a:rPr lang="en-US" smtClean="0"/>
-              <a:t>4/2/16</a:t>
+              <a:t>4/11/16</a:t>
             </a:fld>
             <a:endParaRPr lang="en-US"/>
           </a:p>
@@ -5364,7 +5364,7 @@
           <a:p>
             <a:fld id="{A4F65825-1538-3A4D-944A-D06B0D1CBF06}" type="datetimeFigureOut">
               <a:rPr lang="en-US" smtClean="0"/>
-              <a:t>4/2/16</a:t>
+              <a:t>4/11/16</a:t>
             </a:fld>
             <a:endParaRPr lang="en-US"/>
           </a:p>
@@ -5641,7 +5641,7 @@
           <a:p>
             <a:fld id="{A4F65825-1538-3A4D-944A-D06B0D1CBF06}" type="datetimeFigureOut">
               <a:rPr lang="en-US" smtClean="0"/>
-              <a:t>4/2/16</a:t>
+              <a:t>4/11/16</a:t>
             </a:fld>
             <a:endParaRPr lang="en-US"/>
           </a:p>
@@ -5894,7 +5894,7 @@
           <a:p>
             <a:fld id="{A4F65825-1538-3A4D-944A-D06B0D1CBF06}" type="datetimeFigureOut">
               <a:rPr lang="en-US" smtClean="0"/>
-              <a:t>4/2/16</a:t>
+              <a:t>4/11/16</a:t>
             </a:fld>
             <a:endParaRPr lang="en-US"/>
           </a:p>
@@ -6107,7 +6107,7 @@
           <a:p>
             <a:fld id="{A4F65825-1538-3A4D-944A-D06B0D1CBF06}" type="datetimeFigureOut">
               <a:rPr lang="en-US" smtClean="0"/>
-              <a:t>4/2/16</a:t>
+              <a:t>4/11/16</a:t>
             </a:fld>
             <a:endParaRPr lang="en-US"/>
           </a:p>
@@ -6500,30 +6500,62 @@
         </p:spPr>
         <p:txBody>
           <a:bodyPr>
-            <a:normAutofit fontScale="90000"/>
+            <a:normAutofit/>
           </a:bodyPr>
           <a:lstStyle/>
           <a:p>
             <a:r>
-              <a:rPr lang="en-US" sz="6000" dirty="0" smtClean="0"/>
+              <a:rPr lang="en-US" sz="3600" dirty="0" err="1">
+                <a:solidFill>
+                  <a:prstClr val="black"/>
+                </a:solidFill>
+              </a:rPr>
+              <a:t>DevOps</a:t>
+            </a:r>
+            <a:r>
+              <a:rPr lang="en-US" sz="3600" dirty="0">
+                <a:solidFill>
+                  <a:prstClr val="black"/>
+                </a:solidFill>
+              </a:rPr>
+              <a:t> &amp; Cloud Infrastructure</a:t>
+            </a:r>
+            <a:br>
+              <a:rPr lang="en-US" sz="3600" dirty="0">
+                <a:solidFill>
+                  <a:prstClr val="black"/>
+                </a:solidFill>
+              </a:rPr>
+            </a:br>
+            <a:r>
+              <a:rPr lang="en-US" sz="3600" dirty="0">
+                <a:solidFill>
+                  <a:prstClr val="black"/>
+                </a:solidFill>
+              </a:rPr>
               <a:t>SEIS 6XX</a:t>
             </a:r>
             <a:br>
-              <a:rPr lang="en-US" sz="6000" dirty="0" smtClean="0"/>
+              <a:rPr lang="en-US" sz="3600" dirty="0">
+                <a:solidFill>
+                  <a:prstClr val="black"/>
+                </a:solidFill>
+              </a:rPr>
             </a:br>
             <a:r>
-              <a:rPr lang="en-US" sz="6000" dirty="0" smtClean="0"/>
-              <a:t>IT Infrastructure</a:t>
-            </a:r>
-            <a:br>
-              <a:rPr lang="en-US" sz="6000" dirty="0" smtClean="0"/>
-            </a:br>
-            <a:r>
-              <a:rPr lang="en-US" sz="6000" dirty="0" smtClean="0"/>
+              <a:rPr lang="en-US" sz="3600" dirty="0">
+                <a:solidFill>
+                  <a:prstClr val="black"/>
+                </a:solidFill>
+              </a:rPr>
               <a:t>Week </a:t>
             </a:r>
             <a:r>
-              <a:rPr lang="en-US" sz="6000" dirty="0" smtClean="0"/>
+              <a:rPr lang="en-US" sz="3600" dirty="0" smtClean="0">
+                <a:solidFill>
+                  <a:prstClr val="black"/>
+                </a:solidFill>
+              </a:rPr>
               <a:t>4</a:t>
             </a:r>
             <a:endParaRPr lang="en-US" sz="6000" dirty="0"/>
@@ -6584,6 +6616,30 @@
           </a:p>
         </p:txBody>
       </p:sp>
+      <p:pic>
+        <p:nvPicPr>
+          <p:cNvPr id="4" name="Picture 3"/>
+          <p:cNvPicPr>
+            <a:picLocks noChangeAspect="1"/>
+          </p:cNvPicPr>
+          <p:nvPr/>
+        </p:nvPicPr>
+        <p:blipFill>
+          <a:blip r:embed="rId2"/>
+          <a:stretch>
+            <a:fillRect/>
+          </a:stretch>
+        </p:blipFill>
+        <p:spPr>
+          <a:xfrm>
+            <a:off x="5168123" y="3886200"/>
+            <a:ext cx="3695700" cy="2197100"/>
+          </a:xfrm>
+          <a:prstGeom prst="rect">
+            <a:avLst/>
+          </a:prstGeom>
+        </p:spPr>
+      </p:pic>
     </p:spTree>
     <p:extLst>
       <p:ext uri="{BB962C8B-B14F-4D97-AF65-F5344CB8AC3E}">
@@ -8411,6 +8467,30 @@
           </a:p>
         </p:txBody>
       </p:sp>
+      <p:pic>
+        <p:nvPicPr>
+          <p:cNvPr id="4" name="Picture 3"/>
+          <p:cNvPicPr>
+            <a:picLocks noChangeAspect="1"/>
+          </p:cNvPicPr>
+          <p:nvPr/>
+        </p:nvPicPr>
+        <p:blipFill>
+          <a:blip r:embed="rId2"/>
+          <a:stretch>
+            <a:fillRect/>
+          </a:stretch>
+        </p:blipFill>
+        <p:spPr>
+          <a:xfrm>
+            <a:off x="7268698" y="403586"/>
+            <a:ext cx="1014052" cy="1014052"/>
+          </a:xfrm>
+          <a:prstGeom prst="rect">
+            <a:avLst/>
+          </a:prstGeom>
+        </p:spPr>
+      </p:pic>
     </p:spTree>
     <p:extLst>
       <p:ext uri="{BB962C8B-B14F-4D97-AF65-F5344CB8AC3E}">
@@ -8843,11 +8923,7 @@
           <a:p>
             <a:r>
               <a:rPr lang="en-US" dirty="0" smtClean="0"/>
-              <a:t>Data </a:t>
-            </a:r>
-            <a:r>
-              <a:rPr lang="en-US" dirty="0" smtClean="0"/>
-              <a:t>consistency</a:t>
+              <a:t>Data consistency</a:t>
             </a:r>
           </a:p>
           <a:p>
@@ -8964,19 +9040,7 @@
             <a:pPr lvl="1"/>
             <a:r>
               <a:rPr lang="en-US" dirty="0" smtClean="0"/>
-              <a:t>Encrypt </a:t>
-            </a:r>
-            <a:r>
-              <a:rPr lang="en-US" dirty="0" smtClean="0"/>
-              <a:t>data-at-rest </a:t>
-            </a:r>
-            <a:r>
-              <a:rPr lang="en-US" dirty="0" smtClean="0"/>
-              <a:t>for greater </a:t>
-            </a:r>
-            <a:r>
-              <a:rPr lang="en-US" dirty="0" smtClean="0"/>
-              <a:t>security</a:t>
+              <a:t>Encrypt data-at-rest for greater security</a:t>
             </a:r>
           </a:p>
           <a:p>
@@ -8985,7 +9049,6 @@
               <a:rPr lang="en-US" dirty="0" smtClean="0"/>
               <a:t>Transmit data via SSL/TLS</a:t>
             </a:r>
-            <a:endParaRPr lang="en-US" dirty="0" smtClean="0"/>
           </a:p>
           <a:p>
             <a:pPr lvl="1"/>
@@ -9288,6 +9351,30 @@
           </a:p>
         </p:txBody>
       </p:sp>
+      <p:pic>
+        <p:nvPicPr>
+          <p:cNvPr id="4" name="Picture 3"/>
+          <p:cNvPicPr>
+            <a:picLocks noChangeAspect="1"/>
+          </p:cNvPicPr>
+          <p:nvPr/>
+        </p:nvPicPr>
+        <p:blipFill>
+          <a:blip r:embed="rId3"/>
+          <a:stretch>
+            <a:fillRect/>
+          </a:stretch>
+        </p:blipFill>
+        <p:spPr>
+          <a:xfrm>
+            <a:off x="7268698" y="403586"/>
+            <a:ext cx="1014052" cy="1014052"/>
+          </a:xfrm>
+          <a:prstGeom prst="rect">
+            <a:avLst/>
+          </a:prstGeom>
+        </p:spPr>
+      </p:pic>
     </p:spTree>
     <p:extLst>
       <p:ext uri="{BB962C8B-B14F-4D97-AF65-F5344CB8AC3E}">
@@ -12502,6 +12589,30 @@
           </a:p>
         </p:txBody>
       </p:sp>
+      <p:pic>
+        <p:nvPicPr>
+          <p:cNvPr id="5" name="Picture 4"/>
+          <p:cNvPicPr>
+            <a:picLocks noChangeAspect="1"/>
+          </p:cNvPicPr>
+          <p:nvPr/>
+        </p:nvPicPr>
+        <p:blipFill>
+          <a:blip r:embed="rId2"/>
+          <a:stretch>
+            <a:fillRect/>
+          </a:stretch>
+        </p:blipFill>
+        <p:spPr>
+          <a:xfrm>
+            <a:off x="7268698" y="403586"/>
+            <a:ext cx="1014052" cy="1014052"/>
+          </a:xfrm>
+          <a:prstGeom prst="rect">
+            <a:avLst/>
+          </a:prstGeom>
+        </p:spPr>
+      </p:pic>
     </p:spTree>
     <p:extLst>
       <p:ext uri="{BB962C8B-B14F-4D97-AF65-F5344CB8AC3E}">
@@ -12581,13 +12692,8 @@
           <a:p>
             <a:r>
               <a:rPr lang="en-US" dirty="0" smtClean="0"/>
-              <a:t>Assignment </a:t>
-            </a:r>
-            <a:r>
-              <a:rPr lang="en-US" dirty="0" smtClean="0"/>
-              <a:t>4</a:t>
-            </a:r>
-            <a:endParaRPr lang="en-US" dirty="0" smtClean="0"/>
+              <a:t>Assignment 4</a:t>
+            </a:r>
           </a:p>
           <a:p>
             <a:r>

--- a/infrastructure-week-4.pptx
+++ b/infrastructure-week-4.pptx
@@ -15,42 +15,41 @@
     <p:sldId id="265" r:id="rId9"/>
     <p:sldId id="266" r:id="rId10"/>
     <p:sldId id="267" r:id="rId11"/>
-    <p:sldId id="268" r:id="rId12"/>
-    <p:sldId id="269" r:id="rId13"/>
-    <p:sldId id="270" r:id="rId14"/>
-    <p:sldId id="274" r:id="rId15"/>
-    <p:sldId id="271" r:id="rId16"/>
-    <p:sldId id="272" r:id="rId17"/>
-    <p:sldId id="273" r:id="rId18"/>
-    <p:sldId id="275" r:id="rId19"/>
-    <p:sldId id="276" r:id="rId20"/>
-    <p:sldId id="277" r:id="rId21"/>
-    <p:sldId id="278" r:id="rId22"/>
-    <p:sldId id="279" r:id="rId23"/>
-    <p:sldId id="280" r:id="rId24"/>
-    <p:sldId id="281" r:id="rId25"/>
-    <p:sldId id="282" r:id="rId26"/>
-    <p:sldId id="283" r:id="rId27"/>
-    <p:sldId id="284" r:id="rId28"/>
-    <p:sldId id="285" r:id="rId29"/>
-    <p:sldId id="286" r:id="rId30"/>
-    <p:sldId id="287" r:id="rId31"/>
-    <p:sldId id="288" r:id="rId32"/>
-    <p:sldId id="289" r:id="rId33"/>
-    <p:sldId id="290" r:id="rId34"/>
-    <p:sldId id="291" r:id="rId35"/>
-    <p:sldId id="292" r:id="rId36"/>
-    <p:sldId id="293" r:id="rId37"/>
-    <p:sldId id="294" r:id="rId38"/>
-    <p:sldId id="300" r:id="rId39"/>
-    <p:sldId id="295" r:id="rId40"/>
-    <p:sldId id="296" r:id="rId41"/>
-    <p:sldId id="299" r:id="rId42"/>
-    <p:sldId id="301" r:id="rId43"/>
-    <p:sldId id="297" r:id="rId44"/>
-    <p:sldId id="298" r:id="rId45"/>
-    <p:sldId id="302" r:id="rId46"/>
-    <p:sldId id="259" r:id="rId47"/>
+    <p:sldId id="269" r:id="rId12"/>
+    <p:sldId id="270" r:id="rId13"/>
+    <p:sldId id="274" r:id="rId14"/>
+    <p:sldId id="271" r:id="rId15"/>
+    <p:sldId id="272" r:id="rId16"/>
+    <p:sldId id="273" r:id="rId17"/>
+    <p:sldId id="275" r:id="rId18"/>
+    <p:sldId id="276" r:id="rId19"/>
+    <p:sldId id="277" r:id="rId20"/>
+    <p:sldId id="278" r:id="rId21"/>
+    <p:sldId id="279" r:id="rId22"/>
+    <p:sldId id="280" r:id="rId23"/>
+    <p:sldId id="281" r:id="rId24"/>
+    <p:sldId id="282" r:id="rId25"/>
+    <p:sldId id="283" r:id="rId26"/>
+    <p:sldId id="284" r:id="rId27"/>
+    <p:sldId id="285" r:id="rId28"/>
+    <p:sldId id="286" r:id="rId29"/>
+    <p:sldId id="287" r:id="rId30"/>
+    <p:sldId id="288" r:id="rId31"/>
+    <p:sldId id="289" r:id="rId32"/>
+    <p:sldId id="290" r:id="rId33"/>
+    <p:sldId id="291" r:id="rId34"/>
+    <p:sldId id="292" r:id="rId35"/>
+    <p:sldId id="293" r:id="rId36"/>
+    <p:sldId id="294" r:id="rId37"/>
+    <p:sldId id="300" r:id="rId38"/>
+    <p:sldId id="295" r:id="rId39"/>
+    <p:sldId id="296" r:id="rId40"/>
+    <p:sldId id="299" r:id="rId41"/>
+    <p:sldId id="301" r:id="rId42"/>
+    <p:sldId id="297" r:id="rId43"/>
+    <p:sldId id="298" r:id="rId44"/>
+    <p:sldId id="302" r:id="rId45"/>
+    <p:sldId id="259" r:id="rId46"/>
   </p:sldIdLst>
   <p:sldSz cx="9144000" cy="6858000" type="screen4x3"/>
   <p:notesSz cx="6858000" cy="9144000"/>
@@ -1221,8 +1220,8 @@
             <a:t>Ability to rapidly provision and de-provision services as </a:t>
           </a:r>
           <a:r>
-            <a:rPr lang="en-US" dirty="0" err="1" smtClean="0"/>
-            <a:t>nedded</a:t>
+            <a:rPr lang="en-US" dirty="0" smtClean="0"/>
+            <a:t>needed</a:t>
           </a:r>
           <a:endParaRPr lang="en-US" dirty="0"/>
         </a:p>
@@ -2123,8 +2122,8 @@
             <a:t>Ability to rapidly provision and de-provision services as </a:t>
           </a:r>
           <a:r>
-            <a:rPr lang="en-US" sz="1600" kern="1200" dirty="0" err="1" smtClean="0"/>
-            <a:t>nedded</a:t>
+            <a:rPr lang="en-US" sz="1600" kern="1200" dirty="0" smtClean="0"/>
+            <a:t>needed</a:t>
           </a:r>
           <a:endParaRPr lang="en-US" sz="1600" kern="1200" dirty="0"/>
         </a:p>
@@ -3675,7 +3674,7 @@
           <a:p>
             <a:fld id="{A4F65825-1538-3A4D-944A-D06B0D1CBF06}" type="datetimeFigureOut">
               <a:rPr lang="en-US" smtClean="0"/>
-              <a:t>4/11/16</a:t>
+              <a:t>8/5/16</a:t>
             </a:fld>
             <a:endParaRPr lang="en-US"/>
           </a:p>
@@ -3845,7 +3844,7 @@
           <a:p>
             <a:fld id="{A4F65825-1538-3A4D-944A-D06B0D1CBF06}" type="datetimeFigureOut">
               <a:rPr lang="en-US" smtClean="0"/>
-              <a:t>4/11/16</a:t>
+              <a:t>8/5/16</a:t>
             </a:fld>
             <a:endParaRPr lang="en-US"/>
           </a:p>
@@ -4025,7 +4024,7 @@
           <a:p>
             <a:fld id="{A4F65825-1538-3A4D-944A-D06B0D1CBF06}" type="datetimeFigureOut">
               <a:rPr lang="en-US" smtClean="0"/>
-              <a:t>4/11/16</a:t>
+              <a:t>8/5/16</a:t>
             </a:fld>
             <a:endParaRPr lang="en-US"/>
           </a:p>
@@ -4195,7 +4194,7 @@
           <a:p>
             <a:fld id="{A4F65825-1538-3A4D-944A-D06B0D1CBF06}" type="datetimeFigureOut">
               <a:rPr lang="en-US" smtClean="0"/>
-              <a:t>4/11/16</a:t>
+              <a:t>8/5/16</a:t>
             </a:fld>
             <a:endParaRPr lang="en-US"/>
           </a:p>
@@ -4441,7 +4440,7 @@
           <a:p>
             <a:fld id="{A4F65825-1538-3A4D-944A-D06B0D1CBF06}" type="datetimeFigureOut">
               <a:rPr lang="en-US" smtClean="0"/>
-              <a:t>4/11/16</a:t>
+              <a:t>8/5/16</a:t>
             </a:fld>
             <a:endParaRPr lang="en-US"/>
           </a:p>
@@ -4729,7 +4728,7 @@
           <a:p>
             <a:fld id="{A4F65825-1538-3A4D-944A-D06B0D1CBF06}" type="datetimeFigureOut">
               <a:rPr lang="en-US" smtClean="0"/>
-              <a:t>4/11/16</a:t>
+              <a:t>8/5/16</a:t>
             </a:fld>
             <a:endParaRPr lang="en-US"/>
           </a:p>
@@ -5151,7 +5150,7 @@
           <a:p>
             <a:fld id="{A4F65825-1538-3A4D-944A-D06B0D1CBF06}" type="datetimeFigureOut">
               <a:rPr lang="en-US" smtClean="0"/>
-              <a:t>4/11/16</a:t>
+              <a:t>8/5/16</a:t>
             </a:fld>
             <a:endParaRPr lang="en-US"/>
           </a:p>
@@ -5269,7 +5268,7 @@
           <a:p>
             <a:fld id="{A4F65825-1538-3A4D-944A-D06B0D1CBF06}" type="datetimeFigureOut">
               <a:rPr lang="en-US" smtClean="0"/>
-              <a:t>4/11/16</a:t>
+              <a:t>8/5/16</a:t>
             </a:fld>
             <a:endParaRPr lang="en-US"/>
           </a:p>
@@ -5364,7 +5363,7 @@
           <a:p>
             <a:fld id="{A4F65825-1538-3A4D-944A-D06B0D1CBF06}" type="datetimeFigureOut">
               <a:rPr lang="en-US" smtClean="0"/>
-              <a:t>4/11/16</a:t>
+              <a:t>8/5/16</a:t>
             </a:fld>
             <a:endParaRPr lang="en-US"/>
           </a:p>
@@ -5641,7 +5640,7 @@
           <a:p>
             <a:fld id="{A4F65825-1538-3A4D-944A-D06B0D1CBF06}" type="datetimeFigureOut">
               <a:rPr lang="en-US" smtClean="0"/>
-              <a:t>4/11/16</a:t>
+              <a:t>8/5/16</a:t>
             </a:fld>
             <a:endParaRPr lang="en-US"/>
           </a:p>
@@ -5894,7 +5893,7 @@
           <a:p>
             <a:fld id="{A4F65825-1538-3A4D-944A-D06B0D1CBF06}" type="datetimeFigureOut">
               <a:rPr lang="en-US" smtClean="0"/>
-              <a:t>4/11/16</a:t>
+              <a:t>8/5/16</a:t>
             </a:fld>
             <a:endParaRPr lang="en-US"/>
           </a:p>
@@ -6107,7 +6106,7 @@
           <a:p>
             <a:fld id="{A4F65825-1538-3A4D-944A-D06B0D1CBF06}" type="datetimeFigureOut">
               <a:rPr lang="en-US" smtClean="0"/>
-              <a:t>4/11/16</a:t>
+              <a:t>8/5/16</a:t>
             </a:fld>
             <a:endParaRPr lang="en-US"/>
           </a:p>
@@ -6533,7 +6532,23 @@
                   <a:prstClr val="black"/>
                 </a:solidFill>
               </a:rPr>
-              <a:t>SEIS 6XX</a:t>
+              <a:t>SEIS </a:t>
+            </a:r>
+            <a:r>
+              <a:rPr lang="en-US" sz="3600" dirty="0" smtClean="0">
+                <a:solidFill>
+                  <a:prstClr val="black"/>
+                </a:solidFill>
+              </a:rPr>
+              <a:t>665</a:t>
+            </a:r>
+            <a:r>
+              <a:rPr lang="en-US" sz="3600" dirty="0">
+                <a:solidFill>
+                  <a:prstClr val="black"/>
+                </a:solidFill>
+              </a:rPr>
+              <a:t/>
             </a:r>
             <a:br>
               <a:rPr lang="en-US" sz="3600" dirty="0">
@@ -6747,100 +6762,6 @@
           <a:chExt cx="0" cy="0"/>
         </a:xfrm>
       </p:grpSpPr>
-      <p:sp>
-        <p:nvSpPr>
-          <p:cNvPr id="2" name="Title 1"/>
-          <p:cNvSpPr>
-            <a:spLocks noGrp="1"/>
-          </p:cNvSpPr>
-          <p:nvPr>
-            <p:ph type="title"/>
-          </p:nvPr>
-        </p:nvSpPr>
-        <p:spPr/>
-        <p:txBody>
-          <a:bodyPr/>
-          <a:lstStyle/>
-          <a:p>
-            <a:r>
-              <a:rPr lang="en-US" dirty="0" smtClean="0"/>
-              <a:t>Questions</a:t>
-            </a:r>
-            <a:endParaRPr lang="en-US" dirty="0"/>
-          </a:p>
-        </p:txBody>
-      </p:sp>
-      <p:sp>
-        <p:nvSpPr>
-          <p:cNvPr id="3" name="Content Placeholder 2"/>
-          <p:cNvSpPr>
-            <a:spLocks noGrp="1"/>
-          </p:cNvSpPr>
-          <p:nvPr>
-            <p:ph idx="1"/>
-          </p:nvPr>
-        </p:nvSpPr>
-        <p:spPr/>
-        <p:txBody>
-          <a:bodyPr/>
-          <a:lstStyle/>
-          <a:p>
-            <a:r>
-              <a:rPr lang="en-US" dirty="0" smtClean="0"/>
-              <a:t>Does “Private” cloud really exist?</a:t>
-            </a:r>
-          </a:p>
-          <a:p>
-            <a:pPr lvl="1"/>
-            <a:r>
-              <a:rPr lang="en-US" dirty="0" smtClean="0"/>
-              <a:t>Most private cloud solutions are heavily marketed by traditional IT manufacturers</a:t>
-            </a:r>
-          </a:p>
-          <a:p>
-            <a:r>
-              <a:rPr lang="en-US" dirty="0" smtClean="0"/>
-              <a:t>Is the public cloud more or less secure than private cloud?</a:t>
-            </a:r>
-          </a:p>
-          <a:p>
-            <a:r>
-              <a:rPr lang="en-US" dirty="0" smtClean="0"/>
-              <a:t>Where will most IT infrastructure be deployed in the year 2020? 2030?</a:t>
-            </a:r>
-          </a:p>
-        </p:txBody>
-      </p:sp>
-    </p:spTree>
-    <p:extLst>
-      <p:ext uri="{BB962C8B-B14F-4D97-AF65-F5344CB8AC3E}">
-        <p14:creationId xmlns:p14="http://schemas.microsoft.com/office/powerpoint/2010/main" val="1260403083"/>
-      </p:ext>
-    </p:extLst>
-  </p:cSld>
-  <p:clrMapOvr>
-    <a:masterClrMapping/>
-  </p:clrMapOvr>
-</p:sld>
-</file>
-
-<file path=ppt/slides/slide12.xml><?xml version="1.0" encoding="utf-8"?>
-<p:sld xmlns:a="http://schemas.openxmlformats.org/drawingml/2006/main" xmlns:r="http://schemas.openxmlformats.org/officeDocument/2006/relationships" xmlns:p="http://schemas.openxmlformats.org/presentationml/2006/main">
-  <p:cSld>
-    <p:spTree>
-      <p:nvGrpSpPr>
-        <p:cNvPr id="1" name=""/>
-        <p:cNvGrpSpPr/>
-        <p:nvPr/>
-      </p:nvGrpSpPr>
-      <p:grpSpPr>
-        <a:xfrm>
-          <a:off x="0" y="0"/>
-          <a:ext cx="0" cy="0"/>
-          <a:chOff x="0" y="0"/>
-          <a:chExt cx="0" cy="0"/>
-        </a:xfrm>
-      </p:grpSpPr>
       <p:pic>
         <p:nvPicPr>
           <p:cNvPr id="4" name="Picture 3"/>
@@ -6878,6 +6799,170 @@
 </p:sld>
 </file>
 
+<file path=ppt/slides/slide12.xml><?xml version="1.0" encoding="utf-8"?>
+<p:sld xmlns:a="http://schemas.openxmlformats.org/drawingml/2006/main" xmlns:r="http://schemas.openxmlformats.org/officeDocument/2006/relationships" xmlns:p="http://schemas.openxmlformats.org/presentationml/2006/main">
+  <p:cSld>
+    <p:spTree>
+      <p:nvGrpSpPr>
+        <p:cNvPr id="1" name=""/>
+        <p:cNvGrpSpPr/>
+        <p:nvPr/>
+      </p:nvGrpSpPr>
+      <p:grpSpPr>
+        <a:xfrm>
+          <a:off x="0" y="0"/>
+          <a:ext cx="0" cy="0"/>
+          <a:chOff x="0" y="0"/>
+          <a:chExt cx="0" cy="0"/>
+        </a:xfrm>
+      </p:grpSpPr>
+      <p:sp>
+        <p:nvSpPr>
+          <p:cNvPr id="2" name="Title 1"/>
+          <p:cNvSpPr>
+            <a:spLocks noGrp="1"/>
+          </p:cNvSpPr>
+          <p:nvPr>
+            <p:ph type="title"/>
+          </p:nvPr>
+        </p:nvSpPr>
+        <p:spPr/>
+        <p:txBody>
+          <a:bodyPr/>
+          <a:lstStyle/>
+          <a:p>
+            <a:r>
+              <a:rPr lang="en-US" dirty="0" smtClean="0"/>
+              <a:t>Amazon Web Services</a:t>
+            </a:r>
+            <a:endParaRPr lang="en-US" dirty="0"/>
+          </a:p>
+        </p:txBody>
+      </p:sp>
+      <p:sp>
+        <p:nvSpPr>
+          <p:cNvPr id="3" name="Content Placeholder 2"/>
+          <p:cNvSpPr>
+            <a:spLocks noGrp="1"/>
+          </p:cNvSpPr>
+          <p:nvPr>
+            <p:ph idx="1"/>
+          </p:nvPr>
+        </p:nvSpPr>
+        <p:spPr/>
+        <p:txBody>
+          <a:bodyPr>
+            <a:normAutofit fontScale="77500" lnSpcReduction="20000"/>
+          </a:bodyPr>
+          <a:lstStyle/>
+          <a:p>
+            <a:r>
+              <a:rPr lang="en-US" dirty="0" smtClean="0"/>
+              <a:t>1</a:t>
+            </a:r>
+            <a:r>
+              <a:rPr lang="en-US" baseline="30000" dirty="0" smtClean="0"/>
+              <a:t>st</a:t>
+            </a:r>
+            <a:r>
+              <a:rPr lang="en-US" dirty="0" smtClean="0"/>
+              <a:t> public cloud computing platform</a:t>
+            </a:r>
+          </a:p>
+          <a:p>
+            <a:pPr lvl="1"/>
+            <a:r>
+              <a:rPr lang="en-US" dirty="0" smtClean="0"/>
+              <a:t>Chris </a:t>
+            </a:r>
+            <a:r>
+              <a:rPr lang="en-US" dirty="0" err="1" smtClean="0"/>
+              <a:t>Pinkman</a:t>
+            </a:r>
+            <a:r>
+              <a:rPr lang="en-US" dirty="0" smtClean="0"/>
+              <a:t> and Benjamin Black described what Amazon infrastructure should like and how it could be sold as a service</a:t>
+            </a:r>
+          </a:p>
+          <a:p>
+            <a:pPr lvl="1"/>
+            <a:r>
+              <a:rPr lang="en-US" dirty="0" smtClean="0"/>
+              <a:t>Simple Queue Service (SQS) launched in 2004</a:t>
+            </a:r>
+          </a:p>
+          <a:p>
+            <a:pPr lvl="1"/>
+            <a:r>
+              <a:rPr lang="en-US" dirty="0" smtClean="0"/>
+              <a:t>S3 &amp; EC2 (AWS) launched in </a:t>
+            </a:r>
+            <a:r>
+              <a:rPr lang="en-US" dirty="0" smtClean="0"/>
+              <a:t>2006</a:t>
+            </a:r>
+          </a:p>
+          <a:p>
+            <a:pPr lvl="1"/>
+            <a:endParaRPr lang="en-US" dirty="0" smtClean="0"/>
+          </a:p>
+          <a:p>
+            <a:r>
+              <a:rPr lang="en-US" dirty="0" smtClean="0"/>
+              <a:t>Largest public cloud </a:t>
+            </a:r>
+            <a:r>
+              <a:rPr lang="en-US" dirty="0" smtClean="0"/>
+              <a:t>provider with </a:t>
+            </a:r>
+            <a:r>
+              <a:rPr lang="en-US" dirty="0" smtClean="0"/>
+              <a:t>millions of </a:t>
+            </a:r>
+            <a:r>
+              <a:rPr lang="en-US" dirty="0" smtClean="0"/>
+              <a:t>customers</a:t>
+            </a:r>
+          </a:p>
+          <a:p>
+            <a:pPr lvl="1"/>
+            <a:r>
+              <a:rPr lang="en-US" dirty="0" smtClean="0"/>
+              <a:t>Gartner 2015: AWS 10x larger than next 14 largest cloud providers combined</a:t>
+            </a:r>
+          </a:p>
+          <a:p>
+            <a:pPr lvl="1"/>
+            <a:endParaRPr lang="en-US" dirty="0" smtClean="0"/>
+          </a:p>
+          <a:p>
+            <a:r>
+              <a:rPr lang="en-US" dirty="0" err="1" smtClean="0"/>
+              <a:t>Amazon.com</a:t>
+            </a:r>
+            <a:r>
+              <a:rPr lang="en-US" dirty="0" smtClean="0"/>
+              <a:t> runs on top of AWS (though on completely separate infrastructure)</a:t>
+            </a:r>
+          </a:p>
+          <a:p>
+            <a:endParaRPr lang="en-US" dirty="0"/>
+          </a:p>
+        </p:txBody>
+      </p:sp>
+    </p:spTree>
+    <p:extLst>
+      <p:ext uri="{BB962C8B-B14F-4D97-AF65-F5344CB8AC3E}">
+        <p14:creationId xmlns:p14="http://schemas.microsoft.com/office/powerpoint/2010/main" val="41560593"/>
+      </p:ext>
+    </p:extLst>
+  </p:cSld>
+  <p:clrMapOvr>
+    <a:masterClrMapping/>
+  </p:clrMapOvr>
+</p:sld>
+</file>
+
 <file path=ppt/slides/slide13.xml><?xml version="1.0" encoding="utf-8"?>
 <p:sld xmlns:a="http://schemas.openxmlformats.org/drawingml/2006/main" xmlns:r="http://schemas.openxmlformats.org/officeDocument/2006/relationships" xmlns:p="http://schemas.openxmlformats.org/presentationml/2006/main">
   <p:cSld>
@@ -6912,139 +6997,6 @@
           <a:p>
             <a:r>
               <a:rPr lang="en-US" dirty="0" smtClean="0"/>
-              <a:t>Amazon Web Services</a:t>
-            </a:r>
-            <a:endParaRPr lang="en-US" dirty="0"/>
-          </a:p>
-        </p:txBody>
-      </p:sp>
-      <p:sp>
-        <p:nvSpPr>
-          <p:cNvPr id="3" name="Content Placeholder 2"/>
-          <p:cNvSpPr>
-            <a:spLocks noGrp="1"/>
-          </p:cNvSpPr>
-          <p:nvPr>
-            <p:ph idx="1"/>
-          </p:nvPr>
-        </p:nvSpPr>
-        <p:spPr/>
-        <p:txBody>
-          <a:bodyPr>
-            <a:normAutofit fontScale="92500" lnSpcReduction="10000"/>
-          </a:bodyPr>
-          <a:lstStyle/>
-          <a:p>
-            <a:r>
-              <a:rPr lang="en-US" dirty="0" smtClean="0"/>
-              <a:t>1</a:t>
-            </a:r>
-            <a:r>
-              <a:rPr lang="en-US" baseline="30000" dirty="0" smtClean="0"/>
-              <a:t>st</a:t>
-            </a:r>
-            <a:r>
-              <a:rPr lang="en-US" dirty="0" smtClean="0"/>
-              <a:t> public cloud computing platform</a:t>
-            </a:r>
-          </a:p>
-          <a:p>
-            <a:pPr lvl="1"/>
-            <a:r>
-              <a:rPr lang="en-US" dirty="0" smtClean="0"/>
-              <a:t>Chris </a:t>
-            </a:r>
-            <a:r>
-              <a:rPr lang="en-US" dirty="0" err="1" smtClean="0"/>
-              <a:t>Pinkman</a:t>
-            </a:r>
-            <a:r>
-              <a:rPr lang="en-US" dirty="0" smtClean="0"/>
-              <a:t> and Benjamin Black described what Amazon infrastructure should like and how it could be sold as a service</a:t>
-            </a:r>
-          </a:p>
-          <a:p>
-            <a:pPr lvl="1"/>
-            <a:r>
-              <a:rPr lang="en-US" dirty="0" smtClean="0"/>
-              <a:t>Simple Queue Service (SQS) launched in 2004</a:t>
-            </a:r>
-          </a:p>
-          <a:p>
-            <a:pPr lvl="1"/>
-            <a:r>
-              <a:rPr lang="en-US" dirty="0" smtClean="0"/>
-              <a:t>S3 &amp; EC2 (AWS) launched in 2006</a:t>
-            </a:r>
-          </a:p>
-          <a:p>
-            <a:r>
-              <a:rPr lang="en-US" dirty="0" smtClean="0"/>
-              <a:t>Largest public cloud provider (by far) with millions of customers</a:t>
-            </a:r>
-          </a:p>
-          <a:p>
-            <a:r>
-              <a:rPr lang="en-US" dirty="0" err="1" smtClean="0"/>
-              <a:t>Amazon.com</a:t>
-            </a:r>
-            <a:r>
-              <a:rPr lang="en-US" dirty="0" smtClean="0"/>
-              <a:t> runs on top of AWS (though on completely separate infrastructure)</a:t>
-            </a:r>
-          </a:p>
-          <a:p>
-            <a:endParaRPr lang="en-US" dirty="0"/>
-          </a:p>
-        </p:txBody>
-      </p:sp>
-    </p:spTree>
-    <p:extLst>
-      <p:ext uri="{BB962C8B-B14F-4D97-AF65-F5344CB8AC3E}">
-        <p14:creationId xmlns:p14="http://schemas.microsoft.com/office/powerpoint/2010/main" val="41560593"/>
-      </p:ext>
-    </p:extLst>
-  </p:cSld>
-  <p:clrMapOvr>
-    <a:masterClrMapping/>
-  </p:clrMapOvr>
-</p:sld>
-</file>
-
-<file path=ppt/slides/slide14.xml><?xml version="1.0" encoding="utf-8"?>
-<p:sld xmlns:a="http://schemas.openxmlformats.org/drawingml/2006/main" xmlns:r="http://schemas.openxmlformats.org/officeDocument/2006/relationships" xmlns:p="http://schemas.openxmlformats.org/presentationml/2006/main">
-  <p:cSld>
-    <p:spTree>
-      <p:nvGrpSpPr>
-        <p:cNvPr id="1" name=""/>
-        <p:cNvGrpSpPr/>
-        <p:nvPr/>
-      </p:nvGrpSpPr>
-      <p:grpSpPr>
-        <a:xfrm>
-          <a:off x="0" y="0"/>
-          <a:ext cx="0" cy="0"/>
-          <a:chOff x="0" y="0"/>
-          <a:chExt cx="0" cy="0"/>
-        </a:xfrm>
-      </p:grpSpPr>
-      <p:sp>
-        <p:nvSpPr>
-          <p:cNvPr id="2" name="Title 1"/>
-          <p:cNvSpPr>
-            <a:spLocks noGrp="1"/>
-          </p:cNvSpPr>
-          <p:nvPr>
-            <p:ph type="title"/>
-          </p:nvPr>
-        </p:nvSpPr>
-        <p:spPr/>
-        <p:txBody>
-          <a:bodyPr/>
-          <a:lstStyle/>
-          <a:p>
-            <a:r>
-              <a:rPr lang="en-US" dirty="0" smtClean="0"/>
               <a:t>Why AWS?</a:t>
             </a:r>
             <a:endParaRPr lang="en-US" dirty="0"/>
@@ -7104,7 +7056,7 @@
 </p:sld>
 </file>
 
-<file path=ppt/slides/slide15.xml><?xml version="1.0" encoding="utf-8"?>
+<file path=ppt/slides/slide14.xml><?xml version="1.0" encoding="utf-8"?>
 <p:sld xmlns:a="http://schemas.openxmlformats.org/drawingml/2006/main" xmlns:r="http://schemas.openxmlformats.org/officeDocument/2006/relationships" xmlns:p="http://schemas.openxmlformats.org/presentationml/2006/main">
   <p:cSld>
     <p:spTree>
@@ -7181,7 +7133,7 @@
 </p:sld>
 </file>
 
-<file path=ppt/slides/slide16.xml><?xml version="1.0" encoding="utf-8"?>
+<file path=ppt/slides/slide15.xml><?xml version="1.0" encoding="utf-8"?>
 <p:sld xmlns:a="http://schemas.openxmlformats.org/drawingml/2006/main" xmlns:r="http://schemas.openxmlformats.org/officeDocument/2006/relationships" xmlns:p="http://schemas.openxmlformats.org/presentationml/2006/main">
   <p:cSld>
     <p:spTree>
@@ -7258,7 +7210,7 @@
 </p:sld>
 </file>
 
-<file path=ppt/slides/slide17.xml><?xml version="1.0" encoding="utf-8"?>
+<file path=ppt/slides/slide16.xml><?xml version="1.0" encoding="utf-8"?>
 <p:sld xmlns:a="http://schemas.openxmlformats.org/drawingml/2006/main" xmlns:r="http://schemas.openxmlformats.org/officeDocument/2006/relationships" xmlns:p="http://schemas.openxmlformats.org/presentationml/2006/main">
   <p:cSld>
     <p:spTree>
@@ -7918,7 +7870,26 @@
             </a:pPr>
             <a:r>
               <a:rPr lang="en-US" sz="2000" dirty="0" smtClean="0"/>
-              <a:t>Regions are in completely separate physical parts of the world, AZs represent datacenters within a particular region </a:t>
+              <a:t>Regions are in completely separate physical parts of the </a:t>
+            </a:r>
+            <a:r>
+              <a:rPr lang="en-US" sz="2000" dirty="0" smtClean="0"/>
+              <a:t>world</a:t>
+            </a:r>
+            <a:endParaRPr lang="en-US" sz="2000" dirty="0"/>
+          </a:p>
+          <a:p>
+            <a:pPr marL="285750" indent="-285750">
+              <a:buFont typeface="Arial"/>
+              <a:buChar char="•"/>
+            </a:pPr>
+            <a:r>
+              <a:rPr lang="en-US" sz="2000" dirty="0" smtClean="0"/>
+              <a:t>AZs </a:t>
+            </a:r>
+            <a:r>
+              <a:rPr lang="en-US" sz="2000" dirty="0" smtClean="0"/>
+              <a:t>represent datacenters within a particular region </a:t>
             </a:r>
           </a:p>
           <a:p>
@@ -7949,7 +7920,7 @@
 </p:sld>
 </file>
 
-<file path=ppt/slides/slide18.xml><?xml version="1.0" encoding="utf-8"?>
+<file path=ppt/slides/slide17.xml><?xml version="1.0" encoding="utf-8"?>
 <p:sld xmlns:a="http://schemas.openxmlformats.org/drawingml/2006/main" xmlns:r="http://schemas.openxmlformats.org/officeDocument/2006/relationships" xmlns:p="http://schemas.openxmlformats.org/presentationml/2006/main">
   <p:cSld>
     <p:spTree>
@@ -8009,7 +7980,7 @@
         </p:spPr>
         <p:txBody>
           <a:bodyPr>
-            <a:normAutofit fontScale="92500" lnSpcReduction="20000"/>
+            <a:normAutofit fontScale="85000" lnSpcReduction="10000"/>
           </a:bodyPr>
           <a:lstStyle/>
           <a:p>
@@ -8046,7 +8017,15 @@
           <a:p>
             <a:r>
               <a:rPr lang="en-US" dirty="0" smtClean="0"/>
-              <a:t>Signup account is your master account, best practice is not to use it for day-to-day management</a:t>
+              <a:t>Signup account </a:t>
+            </a:r>
+            <a:r>
+              <a:rPr lang="en-US" dirty="0" smtClean="0"/>
+              <a:t>(root account) is </a:t>
+            </a:r>
+            <a:r>
+              <a:rPr lang="en-US" dirty="0" smtClean="0"/>
+              <a:t>your master account, best practice is not to use it for day-to-day management</a:t>
             </a:r>
             <a:endParaRPr lang="en-US" dirty="0"/>
           </a:p>
@@ -8089,6 +8068,78 @@
 </p:sld>
 </file>
 
+<file path=ppt/slides/slide18.xml><?xml version="1.0" encoding="utf-8"?>
+<p:sld xmlns:a="http://schemas.openxmlformats.org/drawingml/2006/main" xmlns:r="http://schemas.openxmlformats.org/officeDocument/2006/relationships" xmlns:p="http://schemas.openxmlformats.org/presentationml/2006/main">
+  <p:cSld>
+    <p:spTree>
+      <p:nvGrpSpPr>
+        <p:cNvPr id="1" name=""/>
+        <p:cNvGrpSpPr/>
+        <p:nvPr/>
+      </p:nvGrpSpPr>
+      <p:grpSpPr>
+        <a:xfrm>
+          <a:off x="0" y="0"/>
+          <a:ext cx="0" cy="0"/>
+          <a:chOff x="0" y="0"/>
+          <a:chExt cx="0" cy="0"/>
+        </a:xfrm>
+      </p:grpSpPr>
+      <p:sp>
+        <p:nvSpPr>
+          <p:cNvPr id="2" name="Title 1"/>
+          <p:cNvSpPr>
+            <a:spLocks noGrp="1"/>
+          </p:cNvSpPr>
+          <p:nvPr>
+            <p:ph type="title"/>
+          </p:nvPr>
+        </p:nvSpPr>
+        <p:spPr/>
+        <p:txBody>
+          <a:bodyPr/>
+          <a:lstStyle/>
+          <a:p>
+            <a:r>
+              <a:rPr lang="en-US" dirty="0" smtClean="0"/>
+              <a:t>IAM</a:t>
+            </a:r>
+            <a:endParaRPr lang="en-US" dirty="0"/>
+          </a:p>
+        </p:txBody>
+      </p:sp>
+      <p:pic>
+        <p:nvPicPr>
+          <p:cNvPr id="4" name="Content Placeholder 3"/>
+          <p:cNvPicPr>
+            <a:picLocks noGrp="1" noChangeAspect="1"/>
+          </p:cNvPicPr>
+          <p:nvPr>
+            <p:ph idx="1"/>
+          </p:nvPr>
+        </p:nvPicPr>
+        <p:blipFill>
+          <a:blip r:embed="rId2"/>
+          <a:srcRect t="-16574" b="-16574"/>
+          <a:stretch>
+            <a:fillRect/>
+          </a:stretch>
+        </p:blipFill>
+        <p:spPr/>
+      </p:pic>
+    </p:spTree>
+    <p:extLst>
+      <p:ext uri="{BB962C8B-B14F-4D97-AF65-F5344CB8AC3E}">
+        <p14:creationId xmlns:p14="http://schemas.microsoft.com/office/powerpoint/2010/main" val="3581768081"/>
+      </p:ext>
+    </p:extLst>
+  </p:cSld>
+  <p:clrMapOvr>
+    <a:masterClrMapping/>
+  </p:clrMapOvr>
+</p:sld>
+</file>
+
 <file path=ppt/slides/slide19.xml><?xml version="1.0" encoding="utf-8"?>
 <p:sld xmlns:a="http://schemas.openxmlformats.org/drawingml/2006/main" xmlns:r="http://schemas.openxmlformats.org/officeDocument/2006/relationships" xmlns:p="http://schemas.openxmlformats.org/presentationml/2006/main">
   <p:cSld>
@@ -8123,35 +8174,66 @@
           <a:p>
             <a:r>
               <a:rPr lang="en-US" dirty="0" smtClean="0"/>
-              <a:t>IAM</a:t>
+              <a:t>IAM Terms</a:t>
             </a:r>
             <a:endParaRPr lang="en-US" dirty="0"/>
           </a:p>
         </p:txBody>
       </p:sp>
-      <p:pic>
-        <p:nvPicPr>
-          <p:cNvPr id="4" name="Content Placeholder 3"/>
-          <p:cNvPicPr>
-            <a:picLocks noGrp="1" noChangeAspect="1"/>
-          </p:cNvPicPr>
+      <p:sp>
+        <p:nvSpPr>
+          <p:cNvPr id="3" name="Content Placeholder 2"/>
+          <p:cNvSpPr>
+            <a:spLocks noGrp="1"/>
+          </p:cNvSpPr>
           <p:nvPr>
             <p:ph idx="1"/>
           </p:nvPr>
-        </p:nvPicPr>
-        <p:blipFill>
-          <a:blip r:embed="rId2"/>
-          <a:srcRect t="-16574" b="-16574"/>
-          <a:stretch>
-            <a:fillRect/>
-          </a:stretch>
-        </p:blipFill>
+        </p:nvSpPr>
         <p:spPr/>
-      </p:pic>
+        <p:txBody>
+          <a:bodyPr>
+            <a:normAutofit fontScale="92500"/>
+          </a:bodyPr>
+          <a:lstStyle/>
+          <a:p>
+            <a:r>
+              <a:rPr lang="en-US" dirty="0" smtClean="0"/>
+              <a:t>User: an individual setup with an account in IAM</a:t>
+            </a:r>
+          </a:p>
+          <a:p>
+            <a:r>
+              <a:rPr lang="en-US" dirty="0" smtClean="0"/>
+              <a:t>Group: a set of users sharing similar access privileges</a:t>
+            </a:r>
+          </a:p>
+          <a:p>
+            <a:r>
+              <a:rPr lang="en-US" dirty="0" smtClean="0"/>
+              <a:t>Role: access privileges that may be assigned to AWS resources</a:t>
+            </a:r>
+          </a:p>
+          <a:p>
+            <a:pPr lvl="1"/>
+            <a:r>
+              <a:rPr lang="en-US" dirty="0" smtClean="0"/>
+              <a:t>Lets resources act like users with specific privileges</a:t>
+            </a:r>
+          </a:p>
+          <a:p>
+            <a:r>
+              <a:rPr lang="en-US" dirty="0" smtClean="0"/>
+              <a:t>Policy: a document containing one or more defined privileges</a:t>
+            </a:r>
+            <a:endParaRPr lang="en-US" dirty="0"/>
+          </a:p>
+        </p:txBody>
+      </p:sp>
     </p:spTree>
     <p:extLst>
       <p:ext uri="{BB962C8B-B14F-4D97-AF65-F5344CB8AC3E}">
-        <p14:creationId xmlns:p14="http://schemas.microsoft.com/office/powerpoint/2010/main" val="3581768081"/>
+        <p14:creationId xmlns:p14="http://schemas.microsoft.com/office/powerpoint/2010/main" val="1956360709"/>
       </p:ext>
     </p:extLst>
   </p:cSld>
@@ -8270,109 +8352,6 @@
 </file>
 
 <file path=ppt/slides/slide20.xml><?xml version="1.0" encoding="utf-8"?>
-<p:sld xmlns:a="http://schemas.openxmlformats.org/drawingml/2006/main" xmlns:r="http://schemas.openxmlformats.org/officeDocument/2006/relationships" xmlns:p="http://schemas.openxmlformats.org/presentationml/2006/main">
-  <p:cSld>
-    <p:spTree>
-      <p:nvGrpSpPr>
-        <p:cNvPr id="1" name=""/>
-        <p:cNvGrpSpPr/>
-        <p:nvPr/>
-      </p:nvGrpSpPr>
-      <p:grpSpPr>
-        <a:xfrm>
-          <a:off x="0" y="0"/>
-          <a:ext cx="0" cy="0"/>
-          <a:chOff x="0" y="0"/>
-          <a:chExt cx="0" cy="0"/>
-        </a:xfrm>
-      </p:grpSpPr>
-      <p:sp>
-        <p:nvSpPr>
-          <p:cNvPr id="2" name="Title 1"/>
-          <p:cNvSpPr>
-            <a:spLocks noGrp="1"/>
-          </p:cNvSpPr>
-          <p:nvPr>
-            <p:ph type="title"/>
-          </p:nvPr>
-        </p:nvSpPr>
-        <p:spPr/>
-        <p:txBody>
-          <a:bodyPr/>
-          <a:lstStyle/>
-          <a:p>
-            <a:r>
-              <a:rPr lang="en-US" dirty="0" smtClean="0"/>
-              <a:t>IAM Terms</a:t>
-            </a:r>
-            <a:endParaRPr lang="en-US" dirty="0"/>
-          </a:p>
-        </p:txBody>
-      </p:sp>
-      <p:sp>
-        <p:nvSpPr>
-          <p:cNvPr id="3" name="Content Placeholder 2"/>
-          <p:cNvSpPr>
-            <a:spLocks noGrp="1"/>
-          </p:cNvSpPr>
-          <p:nvPr>
-            <p:ph idx="1"/>
-          </p:nvPr>
-        </p:nvSpPr>
-        <p:spPr/>
-        <p:txBody>
-          <a:bodyPr>
-            <a:normAutofit fontScale="92500"/>
-          </a:bodyPr>
-          <a:lstStyle/>
-          <a:p>
-            <a:r>
-              <a:rPr lang="en-US" dirty="0" smtClean="0"/>
-              <a:t>User: an individual setup with an account in IAM</a:t>
-            </a:r>
-          </a:p>
-          <a:p>
-            <a:r>
-              <a:rPr lang="en-US" dirty="0" smtClean="0"/>
-              <a:t>Group: a set of users sharing similar access privileges</a:t>
-            </a:r>
-          </a:p>
-          <a:p>
-            <a:r>
-              <a:rPr lang="en-US" dirty="0" smtClean="0"/>
-              <a:t>Role: access privileges that may be assigned to AWS resources</a:t>
-            </a:r>
-          </a:p>
-          <a:p>
-            <a:pPr lvl="1"/>
-            <a:r>
-              <a:rPr lang="en-US" dirty="0" smtClean="0"/>
-              <a:t>Lets resources act like users with specific privileges</a:t>
-            </a:r>
-          </a:p>
-          <a:p>
-            <a:r>
-              <a:rPr lang="en-US" dirty="0" smtClean="0"/>
-              <a:t>Policy: a document containing one or more defined privileges</a:t>
-            </a:r>
-            <a:endParaRPr lang="en-US" dirty="0"/>
-          </a:p>
-        </p:txBody>
-      </p:sp>
-    </p:spTree>
-    <p:extLst>
-      <p:ext uri="{BB962C8B-B14F-4D97-AF65-F5344CB8AC3E}">
-        <p14:creationId xmlns:p14="http://schemas.microsoft.com/office/powerpoint/2010/main" val="1956360709"/>
-      </p:ext>
-    </p:extLst>
-  </p:cSld>
-  <p:clrMapOvr>
-    <a:masterClrMapping/>
-  </p:clrMapOvr>
-</p:sld>
-</file>
-
-<file path=ppt/slides/slide21.xml><?xml version="1.0" encoding="utf-8"?>
 <p:sld xmlns:a="http://schemas.openxmlformats.org/drawingml/2006/main" xmlns:r="http://schemas.openxmlformats.org/officeDocument/2006/relationships" xmlns:p="http://schemas.openxmlformats.org/presentationml/2006/main">
   <p:cSld>
     <p:spTree>
@@ -8504,7 +8483,7 @@
 </p:sld>
 </file>
 
-<file path=ppt/slides/slide22.xml><?xml version="1.0" encoding="utf-8"?>
+<file path=ppt/slides/slide21.xml><?xml version="1.0" encoding="utf-8"?>
 <p:sld xmlns:a="http://schemas.openxmlformats.org/drawingml/2006/main" xmlns:r="http://schemas.openxmlformats.org/officeDocument/2006/relationships" xmlns:p="http://schemas.openxmlformats.org/presentationml/2006/main">
   <p:cSld>
     <p:spTree>
@@ -8655,7 +8634,7 @@
 </p:sld>
 </file>
 
-<file path=ppt/slides/slide23.xml><?xml version="1.0" encoding="utf-8"?>
+<file path=ppt/slides/slide22.xml><?xml version="1.0" encoding="utf-8"?>
 <p:sld xmlns:a="http://schemas.openxmlformats.org/drawingml/2006/main" xmlns:r="http://schemas.openxmlformats.org/officeDocument/2006/relationships" xmlns:p="http://schemas.openxmlformats.org/presentationml/2006/main">
   <p:cSld>
     <p:spTree>
@@ -8844,6 +8823,125 @@
 </p:sld>
 </file>
 
+<file path=ppt/slides/slide23.xml><?xml version="1.0" encoding="utf-8"?>
+<p:sld xmlns:a="http://schemas.openxmlformats.org/drawingml/2006/main" xmlns:r="http://schemas.openxmlformats.org/officeDocument/2006/relationships" xmlns:p="http://schemas.openxmlformats.org/presentationml/2006/main">
+  <p:cSld>
+    <p:spTree>
+      <p:nvGrpSpPr>
+        <p:cNvPr id="1" name=""/>
+        <p:cNvGrpSpPr/>
+        <p:nvPr/>
+      </p:nvGrpSpPr>
+      <p:grpSpPr>
+        <a:xfrm>
+          <a:off x="0" y="0"/>
+          <a:ext cx="0" cy="0"/>
+          <a:chOff x="0" y="0"/>
+          <a:chExt cx="0" cy="0"/>
+        </a:xfrm>
+      </p:grpSpPr>
+      <p:sp>
+        <p:nvSpPr>
+          <p:cNvPr id="2" name="Title 1"/>
+          <p:cNvSpPr>
+            <a:spLocks noGrp="1"/>
+          </p:cNvSpPr>
+          <p:nvPr>
+            <p:ph type="title"/>
+          </p:nvPr>
+        </p:nvSpPr>
+        <p:spPr/>
+        <p:txBody>
+          <a:bodyPr/>
+          <a:lstStyle/>
+          <a:p>
+            <a:r>
+              <a:rPr lang="en-US" dirty="0" smtClean="0"/>
+              <a:t>S3</a:t>
+            </a:r>
+            <a:endParaRPr lang="en-US" dirty="0"/>
+          </a:p>
+        </p:txBody>
+      </p:sp>
+      <p:sp>
+        <p:nvSpPr>
+          <p:cNvPr id="3" name="Content Placeholder 2"/>
+          <p:cNvSpPr>
+            <a:spLocks noGrp="1"/>
+          </p:cNvSpPr>
+          <p:nvPr>
+            <p:ph idx="1"/>
+          </p:nvPr>
+        </p:nvSpPr>
+        <p:spPr/>
+        <p:txBody>
+          <a:bodyPr>
+            <a:normAutofit lnSpcReduction="10000"/>
+          </a:bodyPr>
+          <a:lstStyle/>
+          <a:p>
+            <a:r>
+              <a:rPr lang="en-US" dirty="0" smtClean="0"/>
+              <a:t>S3 storage namespace partitioned into buckets in each region</a:t>
+            </a:r>
+          </a:p>
+          <a:p>
+            <a:pPr lvl="1"/>
+            <a:r>
+              <a:rPr lang="en-US" dirty="0" smtClean="0"/>
+              <a:t>Files are stored in a bucket</a:t>
+            </a:r>
+          </a:p>
+          <a:p>
+            <a:pPr lvl="1"/>
+            <a:r>
+              <a:rPr lang="en-US" dirty="0" smtClean="0"/>
+              <a:t>Bucket name is universal and must be unique</a:t>
+            </a:r>
+          </a:p>
+          <a:p>
+            <a:r>
+              <a:rPr lang="en-US" dirty="0" smtClean="0"/>
+              <a:t>Data consistency</a:t>
+            </a:r>
+          </a:p>
+          <a:p>
+            <a:pPr lvl="1"/>
+            <a:r>
+              <a:rPr lang="en-US" dirty="0" smtClean="0"/>
+              <a:t>New objects = Read after Write consistency</a:t>
+            </a:r>
+          </a:p>
+          <a:p>
+            <a:pPr lvl="1"/>
+            <a:r>
+              <a:rPr lang="en-US" dirty="0" smtClean="0"/>
+              <a:t>Updated or deleted objects = Eventual consistency</a:t>
+            </a:r>
+          </a:p>
+          <a:p>
+            <a:pPr lvl="2"/>
+            <a:r>
+              <a:rPr lang="en-US" dirty="0" smtClean="0"/>
+              <a:t>If you update an object and then try to immediately read it again, you might get the old version.</a:t>
+            </a:r>
+            <a:endParaRPr lang="en-US" dirty="0"/>
+          </a:p>
+        </p:txBody>
+      </p:sp>
+    </p:spTree>
+    <p:extLst>
+      <p:ext uri="{BB962C8B-B14F-4D97-AF65-F5344CB8AC3E}">
+        <p14:creationId xmlns:p14="http://schemas.microsoft.com/office/powerpoint/2010/main" val="3447607714"/>
+      </p:ext>
+    </p:extLst>
+  </p:cSld>
+  <p:clrMapOvr>
+    <a:masterClrMapping/>
+  </p:clrMapOvr>
+</p:sld>
+</file>
+
 <file path=ppt/slides/slide24.xml><?xml version="1.0" encoding="utf-8"?>
 <p:sld xmlns:a="http://schemas.openxmlformats.org/drawingml/2006/main" xmlns:r="http://schemas.openxmlformats.org/officeDocument/2006/relationships" xmlns:p="http://schemas.openxmlformats.org/presentationml/2006/main">
   <p:cSld>
@@ -8897,63 +8995,101 @@
         <p:spPr/>
         <p:txBody>
           <a:bodyPr>
-            <a:normAutofit lnSpcReduction="10000"/>
+            <a:normAutofit fontScale="77500" lnSpcReduction="20000"/>
           </a:bodyPr>
           <a:lstStyle/>
           <a:p>
             <a:r>
               <a:rPr lang="en-US" dirty="0" smtClean="0"/>
-              <a:t>S3 storage namespace partitioned into buckets in each region</a:t>
+              <a:t>Security</a:t>
             </a:r>
           </a:p>
           <a:p>
             <a:pPr lvl="1"/>
             <a:r>
-              <a:rPr lang="en-US" dirty="0" smtClean="0"/>
-              <a:t>Files are stored in a bucket</a:t>
+              <a:rPr lang="en-US" dirty="0"/>
+              <a:t>S</a:t>
+            </a:r>
+            <a:r>
+              <a:rPr lang="en-US" dirty="0" smtClean="0"/>
+              <a:t>et access control policies on a bucket level or a per-file level</a:t>
             </a:r>
           </a:p>
           <a:p>
             <a:pPr lvl="1"/>
             <a:r>
               <a:rPr lang="en-US" dirty="0" smtClean="0"/>
-              <a:t>Bucket name is universal and must be unique</a:t>
-            </a:r>
-          </a:p>
-          <a:p>
-            <a:r>
-              <a:rPr lang="en-US" dirty="0" smtClean="0"/>
-              <a:t>Data consistency</a:t>
+              <a:t>Encrypt data-at-rest for greater security</a:t>
             </a:r>
           </a:p>
           <a:p>
             <a:pPr lvl="1"/>
             <a:r>
               <a:rPr lang="en-US" dirty="0" smtClean="0"/>
-              <a:t>New objects = Read after Write consistency</a:t>
+              <a:t>Transmit data via SSL/TLS</a:t>
             </a:r>
           </a:p>
           <a:p>
             <a:pPr lvl="1"/>
             <a:r>
               <a:rPr lang="en-US" dirty="0" smtClean="0"/>
-              <a:t>Updated or deleted objects = Eventual consistency</a:t>
-            </a:r>
-          </a:p>
-          <a:p>
-            <a:pPr lvl="2"/>
-            <a:r>
-              <a:rPr lang="en-US" dirty="0" smtClean="0"/>
-              <a:t>If you update an object and then try to immediately read it again, you might get the old version.</a:t>
-            </a:r>
-            <a:endParaRPr lang="en-US" dirty="0"/>
+              <a:t>Create logs tracking all access to buckets and files</a:t>
+            </a:r>
+          </a:p>
+          <a:p>
+            <a:pPr lvl="1"/>
+            <a:endParaRPr lang="en-US" dirty="0" smtClean="0"/>
+          </a:p>
+          <a:p>
+            <a:r>
+              <a:rPr lang="en-US" dirty="0" smtClean="0"/>
+              <a:t>Cost</a:t>
+            </a:r>
+          </a:p>
+          <a:p>
+            <a:pPr lvl="1"/>
+            <a:r>
+              <a:rPr lang="en-US" dirty="0" smtClean="0"/>
+              <a:t>Pay for storage space per GB and for data transmission</a:t>
+            </a:r>
+          </a:p>
+          <a:p>
+            <a:pPr lvl="1"/>
+            <a:endParaRPr lang="en-US" dirty="0" smtClean="0"/>
+          </a:p>
+          <a:p>
+            <a:r>
+              <a:rPr lang="en-US" dirty="0" smtClean="0"/>
+              <a:t>Additional S3 features</a:t>
+            </a:r>
+          </a:p>
+          <a:p>
+            <a:pPr lvl="1"/>
+            <a:r>
+              <a:rPr lang="en-US" dirty="0" smtClean="0"/>
+              <a:t>Tiered storage options for increased performance or lower cost</a:t>
+            </a:r>
+          </a:p>
+          <a:p>
+            <a:pPr lvl="1"/>
+            <a:r>
+              <a:rPr lang="en-US" dirty="0" smtClean="0"/>
+              <a:t>Lifecycle management to automatically delete or archive data</a:t>
+            </a:r>
+          </a:p>
+          <a:p>
+            <a:pPr lvl="1"/>
+            <a:r>
+              <a:rPr lang="en-US" dirty="0" smtClean="0"/>
+              <a:t>Versioning to track changes to file</a:t>
+            </a:r>
           </a:p>
         </p:txBody>
       </p:sp>
     </p:spTree>
     <p:extLst>
       <p:ext uri="{BB962C8B-B14F-4D97-AF65-F5344CB8AC3E}">
-        <p14:creationId xmlns:p14="http://schemas.microsoft.com/office/powerpoint/2010/main" val="3447607714"/>
+        <p14:creationId xmlns:p14="http://schemas.microsoft.com/office/powerpoint/2010/main" val="737962163"/>
       </p:ext>
     </p:extLst>
   </p:cSld>
@@ -9015,163 +9151,6 @@
         </p:nvSpPr>
         <p:spPr/>
         <p:txBody>
-          <a:bodyPr>
-            <a:normAutofit fontScale="77500" lnSpcReduction="20000"/>
-          </a:bodyPr>
-          <a:lstStyle/>
-          <a:p>
-            <a:r>
-              <a:rPr lang="en-US" dirty="0" smtClean="0"/>
-              <a:t>Security</a:t>
-            </a:r>
-          </a:p>
-          <a:p>
-            <a:pPr lvl="1"/>
-            <a:r>
-              <a:rPr lang="en-US" dirty="0"/>
-              <a:t>S</a:t>
-            </a:r>
-            <a:r>
-              <a:rPr lang="en-US" dirty="0" smtClean="0"/>
-              <a:t>et access control policies on a bucket level or a per-file level</a:t>
-            </a:r>
-          </a:p>
-          <a:p>
-            <a:pPr lvl="1"/>
-            <a:r>
-              <a:rPr lang="en-US" dirty="0" smtClean="0"/>
-              <a:t>Encrypt data-at-rest for greater security</a:t>
-            </a:r>
-          </a:p>
-          <a:p>
-            <a:pPr lvl="1"/>
-            <a:r>
-              <a:rPr lang="en-US" dirty="0" smtClean="0"/>
-              <a:t>Transmit data via SSL/TLS</a:t>
-            </a:r>
-          </a:p>
-          <a:p>
-            <a:pPr lvl="1"/>
-            <a:r>
-              <a:rPr lang="en-US" dirty="0" smtClean="0"/>
-              <a:t>Create logs tracking all access to buckets and files</a:t>
-            </a:r>
-          </a:p>
-          <a:p>
-            <a:pPr lvl="1"/>
-            <a:endParaRPr lang="en-US" dirty="0" smtClean="0"/>
-          </a:p>
-          <a:p>
-            <a:r>
-              <a:rPr lang="en-US" dirty="0" smtClean="0"/>
-              <a:t>Cost</a:t>
-            </a:r>
-          </a:p>
-          <a:p>
-            <a:pPr lvl="1"/>
-            <a:r>
-              <a:rPr lang="en-US" dirty="0" smtClean="0"/>
-              <a:t>Pay for storage space per GB and for data transmission</a:t>
-            </a:r>
-          </a:p>
-          <a:p>
-            <a:pPr lvl="1"/>
-            <a:endParaRPr lang="en-US" dirty="0" smtClean="0"/>
-          </a:p>
-          <a:p>
-            <a:r>
-              <a:rPr lang="en-US" dirty="0" smtClean="0"/>
-              <a:t>Additional S3 features</a:t>
-            </a:r>
-          </a:p>
-          <a:p>
-            <a:pPr lvl="1"/>
-            <a:r>
-              <a:rPr lang="en-US" dirty="0" smtClean="0"/>
-              <a:t>Tiered storage options for increased performance or lower cost</a:t>
-            </a:r>
-          </a:p>
-          <a:p>
-            <a:pPr lvl="1"/>
-            <a:r>
-              <a:rPr lang="en-US" dirty="0" smtClean="0"/>
-              <a:t>Lifecycle management to automatically delete or archive data</a:t>
-            </a:r>
-          </a:p>
-          <a:p>
-            <a:pPr lvl="1"/>
-            <a:r>
-              <a:rPr lang="en-US" dirty="0" smtClean="0"/>
-              <a:t>Versioning to track changes to file</a:t>
-            </a:r>
-          </a:p>
-        </p:txBody>
-      </p:sp>
-    </p:spTree>
-    <p:extLst>
-      <p:ext uri="{BB962C8B-B14F-4D97-AF65-F5344CB8AC3E}">
-        <p14:creationId xmlns:p14="http://schemas.microsoft.com/office/powerpoint/2010/main" val="737962163"/>
-      </p:ext>
-    </p:extLst>
-  </p:cSld>
-  <p:clrMapOvr>
-    <a:masterClrMapping/>
-  </p:clrMapOvr>
-</p:sld>
-</file>
-
-<file path=ppt/slides/slide26.xml><?xml version="1.0" encoding="utf-8"?>
-<p:sld xmlns:a="http://schemas.openxmlformats.org/drawingml/2006/main" xmlns:r="http://schemas.openxmlformats.org/officeDocument/2006/relationships" xmlns:p="http://schemas.openxmlformats.org/presentationml/2006/main">
-  <p:cSld>
-    <p:spTree>
-      <p:nvGrpSpPr>
-        <p:cNvPr id="1" name=""/>
-        <p:cNvGrpSpPr/>
-        <p:nvPr/>
-      </p:nvGrpSpPr>
-      <p:grpSpPr>
-        <a:xfrm>
-          <a:off x="0" y="0"/>
-          <a:ext cx="0" cy="0"/>
-          <a:chOff x="0" y="0"/>
-          <a:chExt cx="0" cy="0"/>
-        </a:xfrm>
-      </p:grpSpPr>
-      <p:sp>
-        <p:nvSpPr>
-          <p:cNvPr id="2" name="Title 1"/>
-          <p:cNvSpPr>
-            <a:spLocks noGrp="1"/>
-          </p:cNvSpPr>
-          <p:nvPr>
-            <p:ph type="title"/>
-          </p:nvPr>
-        </p:nvSpPr>
-        <p:spPr/>
-        <p:txBody>
-          <a:bodyPr/>
-          <a:lstStyle/>
-          <a:p>
-            <a:r>
-              <a:rPr lang="en-US" dirty="0" smtClean="0"/>
-              <a:t>S3</a:t>
-            </a:r>
-            <a:endParaRPr lang="en-US" dirty="0"/>
-          </a:p>
-        </p:txBody>
-      </p:sp>
-      <p:sp>
-        <p:nvSpPr>
-          <p:cNvPr id="3" name="Content Placeholder 2"/>
-          <p:cNvSpPr>
-            <a:spLocks noGrp="1"/>
-          </p:cNvSpPr>
-          <p:nvPr>
-            <p:ph idx="1"/>
-          </p:nvPr>
-        </p:nvSpPr>
-        <p:spPr/>
-        <p:txBody>
           <a:bodyPr/>
           <a:lstStyle/>
           <a:p>
@@ -9224,7 +9203,7 @@
 </p:sld>
 </file>
 
-<file path=ppt/slides/slide27.xml><?xml version="1.0" encoding="utf-8"?>
+<file path=ppt/slides/slide26.xml><?xml version="1.0" encoding="utf-8"?>
 <p:sld xmlns:a="http://schemas.openxmlformats.org/drawingml/2006/main" xmlns:r="http://schemas.openxmlformats.org/officeDocument/2006/relationships" xmlns:p="http://schemas.openxmlformats.org/presentationml/2006/main">
   <p:cSld>
     <p:spTree>
@@ -9388,6 +9367,123 @@
 </p:sld>
 </file>
 
+<file path=ppt/slides/slide27.xml><?xml version="1.0" encoding="utf-8"?>
+<p:sld xmlns:a="http://schemas.openxmlformats.org/drawingml/2006/main" xmlns:r="http://schemas.openxmlformats.org/officeDocument/2006/relationships" xmlns:p="http://schemas.openxmlformats.org/presentationml/2006/main">
+  <p:cSld>
+    <p:spTree>
+      <p:nvGrpSpPr>
+        <p:cNvPr id="1" name=""/>
+        <p:cNvGrpSpPr/>
+        <p:nvPr/>
+      </p:nvGrpSpPr>
+      <p:grpSpPr>
+        <a:xfrm>
+          <a:off x="0" y="0"/>
+          <a:ext cx="0" cy="0"/>
+          <a:chOff x="0" y="0"/>
+          <a:chExt cx="0" cy="0"/>
+        </a:xfrm>
+      </p:grpSpPr>
+      <p:sp>
+        <p:nvSpPr>
+          <p:cNvPr id="2" name="Title 1"/>
+          <p:cNvSpPr>
+            <a:spLocks noGrp="1"/>
+          </p:cNvSpPr>
+          <p:nvPr>
+            <p:ph type="title"/>
+          </p:nvPr>
+        </p:nvSpPr>
+        <p:spPr/>
+        <p:txBody>
+          <a:bodyPr/>
+          <a:lstStyle/>
+          <a:p>
+            <a:r>
+              <a:rPr lang="en-US" dirty="0" smtClean="0"/>
+              <a:t>S3 Hands-on</a:t>
+            </a:r>
+            <a:endParaRPr lang="en-US" dirty="0"/>
+          </a:p>
+        </p:txBody>
+      </p:sp>
+      <p:sp>
+        <p:nvSpPr>
+          <p:cNvPr id="3" name="Content Placeholder 2"/>
+          <p:cNvSpPr>
+            <a:spLocks noGrp="1"/>
+          </p:cNvSpPr>
+          <p:nvPr>
+            <p:ph idx="1"/>
+          </p:nvPr>
+        </p:nvSpPr>
+        <p:spPr/>
+        <p:txBody>
+          <a:bodyPr/>
+          <a:lstStyle/>
+          <a:p>
+            <a:r>
+              <a:rPr lang="en-US" dirty="0" smtClean="0"/>
+              <a:t>Add a new file</a:t>
+            </a:r>
+          </a:p>
+          <a:p>
+            <a:pPr lvl="1"/>
+            <a:r>
+              <a:rPr lang="en-US" dirty="0" smtClean="0"/>
+              <a:t>Upload a file through web console or API/SDK</a:t>
+            </a:r>
+          </a:p>
+          <a:p>
+            <a:pPr lvl="1"/>
+            <a:r>
+              <a:rPr lang="en-US" dirty="0" smtClean="0"/>
+              <a:t>File changes via HTTP PUT or DELETE</a:t>
+            </a:r>
+          </a:p>
+          <a:p>
+            <a:pPr lvl="1"/>
+            <a:r>
+              <a:rPr lang="en-US" dirty="0" smtClean="0"/>
+              <a:t>Each file has a set of metadata</a:t>
+            </a:r>
+          </a:p>
+          <a:p>
+            <a:pPr lvl="1"/>
+            <a:r>
+              <a:rPr lang="en-US" dirty="0" smtClean="0"/>
+              <a:t>Each file has a unique web link</a:t>
+            </a:r>
+          </a:p>
+          <a:p>
+            <a:pPr lvl="1"/>
+            <a:r>
+              <a:rPr lang="en-US" dirty="0" smtClean="0"/>
+              <a:t>Can set storage class and encryption on a per-file basis</a:t>
+            </a:r>
+          </a:p>
+          <a:p>
+            <a:endParaRPr lang="en-US" dirty="0" smtClean="0"/>
+          </a:p>
+          <a:p>
+            <a:pPr lvl="1"/>
+            <a:endParaRPr lang="en-US" dirty="0"/>
+          </a:p>
+        </p:txBody>
+      </p:sp>
+    </p:spTree>
+    <p:extLst>
+      <p:ext uri="{BB962C8B-B14F-4D97-AF65-F5344CB8AC3E}">
+        <p14:creationId xmlns:p14="http://schemas.microsoft.com/office/powerpoint/2010/main" val="3950726447"/>
+      </p:ext>
+    </p:extLst>
+  </p:cSld>
+  <p:clrMapOvr>
+    <a:masterClrMapping/>
+  </p:clrMapOvr>
+</p:sld>
+</file>
+
 <file path=ppt/slides/slide28.xml><?xml version="1.0" encoding="utf-8"?>
 <p:sld xmlns:a="http://schemas.openxmlformats.org/drawingml/2006/main" xmlns:r="http://schemas.openxmlformats.org/officeDocument/2006/relationships" xmlns:p="http://schemas.openxmlformats.org/presentationml/2006/main">
   <p:cSld>
@@ -9440,54 +9536,57 @@
         </p:nvSpPr>
         <p:spPr/>
         <p:txBody>
-          <a:bodyPr/>
+          <a:bodyPr>
+            <a:normAutofit lnSpcReduction="10000"/>
+          </a:bodyPr>
           <a:lstStyle/>
           <a:p>
             <a:r>
               <a:rPr lang="en-US" dirty="0" smtClean="0"/>
-              <a:t>Add a new file</a:t>
+              <a:t>Versioning</a:t>
             </a:r>
           </a:p>
           <a:p>
             <a:pPr lvl="1"/>
             <a:r>
               <a:rPr lang="en-US" dirty="0" smtClean="0"/>
-              <a:t>Upload a file through web console or API/SDK</a:t>
+              <a:t>Enabled on a per-bucket basis</a:t>
             </a:r>
           </a:p>
           <a:p>
             <a:pPr lvl="1"/>
             <a:r>
               <a:rPr lang="en-US" dirty="0" smtClean="0"/>
-              <a:t>File changes via HTTP PUT or DELETE</a:t>
+              <a:t>Once a bucket is enabled, it cannot be disabled only suspended</a:t>
             </a:r>
           </a:p>
           <a:p>
             <a:pPr lvl="1"/>
             <a:r>
               <a:rPr lang="en-US" dirty="0" smtClean="0"/>
-              <a:t>Each file has a set of metadata</a:t>
+              <a:t>S3 tracks the version of each file</a:t>
             </a:r>
           </a:p>
           <a:p>
             <a:pPr lvl="1"/>
             <a:r>
               <a:rPr lang="en-US" dirty="0" smtClean="0"/>
-              <a:t>Each file has a unique web link</a:t>
+              <a:t>Files are hidden (delete markers) and not deleted</a:t>
             </a:r>
           </a:p>
           <a:p>
             <a:pPr lvl="1"/>
             <a:r>
               <a:rPr lang="en-US" dirty="0" smtClean="0"/>
-              <a:t>Can set storage class and encryption on a per-file basis</a:t>
-            </a:r>
-          </a:p>
-          <a:p>
-            <a:endParaRPr lang="en-US" dirty="0" smtClean="0"/>
+              <a:t>Great for protecting and tracking files, but consumes more storage space</a:t>
+            </a:r>
           </a:p>
           <a:p>
             <a:pPr lvl="1"/>
+            <a:r>
+              <a:rPr lang="en-US" dirty="0" smtClean="0"/>
+              <a:t>Cross region replication: requires versioning to be enabled on the source bucket</a:t>
+            </a:r>
             <a:endParaRPr lang="en-US" dirty="0"/>
           </a:p>
         </p:txBody>
@@ -9495,7 +9594,7 @@
     </p:spTree>
     <p:extLst>
       <p:ext uri="{BB962C8B-B14F-4D97-AF65-F5344CB8AC3E}">
-        <p14:creationId xmlns:p14="http://schemas.microsoft.com/office/powerpoint/2010/main" val="3950726447"/>
+        <p14:creationId xmlns:p14="http://schemas.microsoft.com/office/powerpoint/2010/main" val="2474150708"/>
       </p:ext>
     </p:extLst>
   </p:cSld>
@@ -9557,56 +9656,47 @@
         </p:nvSpPr>
         <p:spPr/>
         <p:txBody>
-          <a:bodyPr>
-            <a:normAutofit lnSpcReduction="10000"/>
-          </a:bodyPr>
+          <a:bodyPr/>
           <a:lstStyle/>
           <a:p>
             <a:r>
               <a:rPr lang="en-US" dirty="0" smtClean="0"/>
-              <a:t>Versioning</a:t>
+              <a:t>Lifecycle Management</a:t>
             </a:r>
           </a:p>
           <a:p>
             <a:pPr lvl="1"/>
             <a:r>
               <a:rPr lang="en-US" dirty="0" smtClean="0"/>
-              <a:t>Enabled on a per-bucket basis</a:t>
+              <a:t>Automatically transition files from one storage tier to another after a specified amount of time</a:t>
             </a:r>
           </a:p>
           <a:p>
             <a:pPr lvl="1"/>
             <a:r>
               <a:rPr lang="en-US" dirty="0" smtClean="0"/>
-              <a:t>Once a bucket is enabled, it cannot be disabled only suspended</a:t>
+              <a:t>Permanently delete files based on a set schedule</a:t>
             </a:r>
           </a:p>
           <a:p>
             <a:pPr lvl="1"/>
             <a:r>
               <a:rPr lang="en-US" dirty="0" smtClean="0"/>
-              <a:t>S3 tracks the version of each file</a:t>
-            </a:r>
-          </a:p>
-          <a:p>
-            <a:pPr lvl="1"/>
-            <a:r>
-              <a:rPr lang="en-US" dirty="0" smtClean="0"/>
-              <a:t>Files are hidden (delete markers) and not deleted</a:t>
-            </a:r>
-          </a:p>
-          <a:p>
-            <a:pPr lvl="1"/>
-            <a:r>
-              <a:rPr lang="en-US" dirty="0" smtClean="0"/>
-              <a:t>Great for protecting and tracking files, but consumes more storage space</a:t>
-            </a:r>
-          </a:p>
-          <a:p>
-            <a:pPr lvl="1"/>
-            <a:r>
-              <a:rPr lang="en-US" dirty="0" smtClean="0"/>
-              <a:t>Cross region replication: requires versioning to be enabled on the source bucket</a:t>
+              <a:t>Benefits:</a:t>
+            </a:r>
+          </a:p>
+          <a:p>
+            <a:pPr lvl="2"/>
+            <a:r>
+              <a:rPr lang="en-US" dirty="0" smtClean="0"/>
+              <a:t>Convenient way to enforce organizational data retention policies</a:t>
+            </a:r>
+          </a:p>
+          <a:p>
+            <a:pPr lvl="2"/>
+            <a:r>
+              <a:rPr lang="en-US" dirty="0" smtClean="0"/>
+              <a:t>Reduce storage costs by moving older data to cheaper tiers of storage</a:t>
             </a:r>
             <a:endParaRPr lang="en-US" dirty="0"/>
           </a:p>
@@ -9615,7 +9705,7 @@
     </p:spTree>
     <p:extLst>
       <p:ext uri="{BB962C8B-B14F-4D97-AF65-F5344CB8AC3E}">
-        <p14:creationId xmlns:p14="http://schemas.microsoft.com/office/powerpoint/2010/main" val="2474150708"/>
+        <p14:creationId xmlns:p14="http://schemas.microsoft.com/office/powerpoint/2010/main" val="1647815124"/>
       </p:ext>
     </p:extLst>
   </p:cSld>
@@ -9786,117 +9876,6 @@
 </file>
 
 <file path=ppt/slides/slide30.xml><?xml version="1.0" encoding="utf-8"?>
-<p:sld xmlns:a="http://schemas.openxmlformats.org/drawingml/2006/main" xmlns:r="http://schemas.openxmlformats.org/officeDocument/2006/relationships" xmlns:p="http://schemas.openxmlformats.org/presentationml/2006/main">
-  <p:cSld>
-    <p:spTree>
-      <p:nvGrpSpPr>
-        <p:cNvPr id="1" name=""/>
-        <p:cNvGrpSpPr/>
-        <p:nvPr/>
-      </p:nvGrpSpPr>
-      <p:grpSpPr>
-        <a:xfrm>
-          <a:off x="0" y="0"/>
-          <a:ext cx="0" cy="0"/>
-          <a:chOff x="0" y="0"/>
-          <a:chExt cx="0" cy="0"/>
-        </a:xfrm>
-      </p:grpSpPr>
-      <p:sp>
-        <p:nvSpPr>
-          <p:cNvPr id="2" name="Title 1"/>
-          <p:cNvSpPr>
-            <a:spLocks noGrp="1"/>
-          </p:cNvSpPr>
-          <p:nvPr>
-            <p:ph type="title"/>
-          </p:nvPr>
-        </p:nvSpPr>
-        <p:spPr/>
-        <p:txBody>
-          <a:bodyPr/>
-          <a:lstStyle/>
-          <a:p>
-            <a:r>
-              <a:rPr lang="en-US" dirty="0" smtClean="0"/>
-              <a:t>S3 Hands-on</a:t>
-            </a:r>
-            <a:endParaRPr lang="en-US" dirty="0"/>
-          </a:p>
-        </p:txBody>
-      </p:sp>
-      <p:sp>
-        <p:nvSpPr>
-          <p:cNvPr id="3" name="Content Placeholder 2"/>
-          <p:cNvSpPr>
-            <a:spLocks noGrp="1"/>
-          </p:cNvSpPr>
-          <p:nvPr>
-            <p:ph idx="1"/>
-          </p:nvPr>
-        </p:nvSpPr>
-        <p:spPr/>
-        <p:txBody>
-          <a:bodyPr/>
-          <a:lstStyle/>
-          <a:p>
-            <a:r>
-              <a:rPr lang="en-US" dirty="0" smtClean="0"/>
-              <a:t>Lifecycle Management</a:t>
-            </a:r>
-          </a:p>
-          <a:p>
-            <a:pPr lvl="1"/>
-            <a:r>
-              <a:rPr lang="en-US" dirty="0" smtClean="0"/>
-              <a:t>Automatically transition files from one storage tier to another after a specified amount of time</a:t>
-            </a:r>
-          </a:p>
-          <a:p>
-            <a:pPr lvl="1"/>
-            <a:r>
-              <a:rPr lang="en-US" dirty="0" smtClean="0"/>
-              <a:t>Permanently delete files based on a set schedule</a:t>
-            </a:r>
-          </a:p>
-          <a:p>
-            <a:pPr lvl="1"/>
-            <a:r>
-              <a:rPr lang="en-US" dirty="0" smtClean="0"/>
-              <a:t>Benefits:</a:t>
-            </a:r>
-          </a:p>
-          <a:p>
-            <a:pPr lvl="2"/>
-            <a:r>
-              <a:rPr lang="en-US" dirty="0" smtClean="0"/>
-              <a:t>Convenient way to enforce organizational data retention policies</a:t>
-            </a:r>
-          </a:p>
-          <a:p>
-            <a:pPr lvl="2"/>
-            <a:r>
-              <a:rPr lang="en-US" dirty="0" smtClean="0"/>
-              <a:t>Reduce storage costs by moving older data to cheaper tiers of storage</a:t>
-            </a:r>
-            <a:endParaRPr lang="en-US" dirty="0"/>
-          </a:p>
-        </p:txBody>
-      </p:sp>
-    </p:spTree>
-    <p:extLst>
-      <p:ext uri="{BB962C8B-B14F-4D97-AF65-F5344CB8AC3E}">
-        <p14:creationId xmlns:p14="http://schemas.microsoft.com/office/powerpoint/2010/main" val="1647815124"/>
-      </p:ext>
-    </p:extLst>
-  </p:cSld>
-  <p:clrMapOvr>
-    <a:masterClrMapping/>
-  </p:clrMapOvr>
-</p:sld>
-</file>
-
-<file path=ppt/slides/slide31.xml><?xml version="1.0" encoding="utf-8"?>
 <p:sld xmlns:a="http://schemas.openxmlformats.org/drawingml/2006/main" xmlns:r="http://schemas.openxmlformats.org/officeDocument/2006/relationships" xmlns:p="http://schemas.openxmlformats.org/presentationml/2006/main">
   <p:cSld>
     <p:spTree>
@@ -10049,7 +10028,7 @@
 </p:sld>
 </file>
 
-<file path=ppt/slides/slide32.xml><?xml version="1.0" encoding="utf-8"?>
+<file path=ppt/slides/slide31.xml><?xml version="1.0" encoding="utf-8"?>
 <p:sld xmlns:a="http://schemas.openxmlformats.org/drawingml/2006/main" xmlns:r="http://schemas.openxmlformats.org/officeDocument/2006/relationships" xmlns:p="http://schemas.openxmlformats.org/presentationml/2006/main">
   <p:cSld>
     <p:spTree>
@@ -10174,7 +10153,7 @@
 </p:sld>
 </file>
 
-<file path=ppt/slides/slide33.xml><?xml version="1.0" encoding="utf-8"?>
+<file path=ppt/slides/slide32.xml><?xml version="1.0" encoding="utf-8"?>
 <p:sld xmlns:a="http://schemas.openxmlformats.org/drawingml/2006/main" xmlns:r="http://schemas.openxmlformats.org/officeDocument/2006/relationships" xmlns:p="http://schemas.openxmlformats.org/presentationml/2006/main">
   <p:cSld>
     <p:spTree>
@@ -10251,7 +10230,7 @@
 </p:sld>
 </file>
 
-<file path=ppt/slides/slide34.xml><?xml version="1.0" encoding="utf-8"?>
+<file path=ppt/slides/slide33.xml><?xml version="1.0" encoding="utf-8"?>
 <p:sld xmlns:a="http://schemas.openxmlformats.org/drawingml/2006/main" xmlns:r="http://schemas.openxmlformats.org/officeDocument/2006/relationships" xmlns:p="http://schemas.openxmlformats.org/presentationml/2006/main">
   <p:cSld>
     <p:spTree>
@@ -10328,7 +10307,7 @@
 </p:sld>
 </file>
 
-<file path=ppt/slides/slide35.xml><?xml version="1.0" encoding="utf-8"?>
+<file path=ppt/slides/slide34.xml><?xml version="1.0" encoding="utf-8"?>
 <p:sld xmlns:a="http://schemas.openxmlformats.org/drawingml/2006/main" xmlns:r="http://schemas.openxmlformats.org/officeDocument/2006/relationships" xmlns:p="http://schemas.openxmlformats.org/presentationml/2006/main">
   <p:cSld>
     <p:spTree>
@@ -10448,7 +10427,7 @@
 </p:sld>
 </file>
 
-<file path=ppt/slides/slide36.xml><?xml version="1.0" encoding="utf-8"?>
+<file path=ppt/slides/slide35.xml><?xml version="1.0" encoding="utf-8"?>
 <p:sld xmlns:a="http://schemas.openxmlformats.org/drawingml/2006/main" xmlns:r="http://schemas.openxmlformats.org/officeDocument/2006/relationships" xmlns:p="http://schemas.openxmlformats.org/presentationml/2006/main">
   <p:cSld>
     <p:spTree>
@@ -10597,7 +10576,7 @@
 </p:sld>
 </file>
 
-<file path=ppt/slides/slide37.xml><?xml version="1.0" encoding="utf-8"?>
+<file path=ppt/slides/slide36.xml><?xml version="1.0" encoding="utf-8"?>
 <p:sld xmlns:a="http://schemas.openxmlformats.org/drawingml/2006/main" xmlns:r="http://schemas.openxmlformats.org/officeDocument/2006/relationships" xmlns:p="http://schemas.openxmlformats.org/presentationml/2006/main">
   <p:cSld>
     <p:spTree>
@@ -10959,6 +10938,124 @@
 </p:sld>
 </file>
 
+<file path=ppt/slides/slide37.xml><?xml version="1.0" encoding="utf-8"?>
+<p:sld xmlns:a="http://schemas.openxmlformats.org/drawingml/2006/main" xmlns:r="http://schemas.openxmlformats.org/officeDocument/2006/relationships" xmlns:p="http://schemas.openxmlformats.org/presentationml/2006/main">
+  <p:cSld>
+    <p:spTree>
+      <p:nvGrpSpPr>
+        <p:cNvPr id="1" name=""/>
+        <p:cNvGrpSpPr/>
+        <p:nvPr/>
+      </p:nvGrpSpPr>
+      <p:grpSpPr>
+        <a:xfrm>
+          <a:off x="0" y="0"/>
+          <a:ext cx="0" cy="0"/>
+          <a:chOff x="0" y="0"/>
+          <a:chExt cx="0" cy="0"/>
+        </a:xfrm>
+      </p:grpSpPr>
+      <p:sp>
+        <p:nvSpPr>
+          <p:cNvPr id="2" name="Title 1"/>
+          <p:cNvSpPr>
+            <a:spLocks noGrp="1"/>
+          </p:cNvSpPr>
+          <p:nvPr>
+            <p:ph type="title"/>
+          </p:nvPr>
+        </p:nvSpPr>
+        <p:spPr/>
+        <p:txBody>
+          <a:bodyPr/>
+          <a:lstStyle/>
+          <a:p>
+            <a:r>
+              <a:rPr lang="en-US" dirty="0" smtClean="0"/>
+              <a:t>EC2 Amazon Machine Image (AMI)</a:t>
+            </a:r>
+            <a:endParaRPr lang="en-US" dirty="0"/>
+          </a:p>
+        </p:txBody>
+      </p:sp>
+      <p:sp>
+        <p:nvSpPr>
+          <p:cNvPr id="3" name="Content Placeholder 2"/>
+          <p:cNvSpPr>
+            <a:spLocks noGrp="1"/>
+          </p:cNvSpPr>
+          <p:nvPr>
+            <p:ph idx="1"/>
+          </p:nvPr>
+        </p:nvSpPr>
+        <p:spPr/>
+        <p:txBody>
+          <a:bodyPr>
+            <a:normAutofit fontScale="92500" lnSpcReduction="10000"/>
+          </a:bodyPr>
+          <a:lstStyle/>
+          <a:p>
+            <a:r>
+              <a:rPr lang="en-US" dirty="0" smtClean="0"/>
+              <a:t>An AMI defines the base OS, applications, networking and storage components for an EC2 instance.</a:t>
+            </a:r>
+          </a:p>
+          <a:p>
+            <a:r>
+              <a:rPr lang="en-US" dirty="0" smtClean="0"/>
+              <a:t>AMI sources:</a:t>
+            </a:r>
+          </a:p>
+          <a:p>
+            <a:pPr lvl="1"/>
+            <a:r>
+              <a:rPr lang="en-US" dirty="0" smtClean="0"/>
+              <a:t>Amazon curated images</a:t>
+            </a:r>
+          </a:p>
+          <a:p>
+            <a:pPr lvl="1"/>
+            <a:r>
+              <a:rPr lang="en-US" dirty="0" smtClean="0"/>
+              <a:t>Community provided images</a:t>
+            </a:r>
+          </a:p>
+          <a:p>
+            <a:pPr lvl="1"/>
+            <a:r>
+              <a:rPr lang="en-US" dirty="0" smtClean="0"/>
+              <a:t>Commercial images on the Amazon Marketplace</a:t>
+            </a:r>
+          </a:p>
+          <a:p>
+            <a:pPr lvl="1"/>
+            <a:r>
+              <a:rPr lang="en-US" dirty="0" smtClean="0"/>
+              <a:t>Your own private images</a:t>
+            </a:r>
+          </a:p>
+          <a:p>
+            <a:r>
+              <a:rPr lang="en-US" dirty="0" smtClean="0"/>
+              <a:t>AMIs only exist within a specific region (you can copy to other regions if necessary)</a:t>
+            </a:r>
+            <a:endParaRPr lang="en-US" dirty="0"/>
+          </a:p>
+        </p:txBody>
+      </p:sp>
+    </p:spTree>
+    <p:extLst>
+      <p:ext uri="{BB962C8B-B14F-4D97-AF65-F5344CB8AC3E}">
+        <p14:creationId xmlns:p14="http://schemas.microsoft.com/office/powerpoint/2010/main" val="2007583489"/>
+      </p:ext>
+    </p:extLst>
+  </p:cSld>
+  <p:clrMapOvr>
+    <a:masterClrMapping/>
+  </p:clrMapOvr>
+</p:sld>
+</file>
+
 <file path=ppt/slides/slide38.xml><?xml version="1.0" encoding="utf-8"?>
 <p:sld xmlns:a="http://schemas.openxmlformats.org/drawingml/2006/main" xmlns:r="http://schemas.openxmlformats.org/officeDocument/2006/relationships" xmlns:p="http://schemas.openxmlformats.org/presentationml/2006/main">
   <p:cSld>
@@ -10993,7 +11090,7 @@
           <a:p>
             <a:r>
               <a:rPr lang="en-US" dirty="0" smtClean="0"/>
-              <a:t>EC2 Amazon Machine Image (AMI)</a:t>
+              <a:t>Elastic Block Storage (EBS)</a:t>
             </a:r>
             <a:endParaRPr lang="en-US" dirty="0"/>
           </a:p>
@@ -11011,54 +11108,46 @@
         </p:nvSpPr>
         <p:spPr/>
         <p:txBody>
-          <a:bodyPr>
-            <a:normAutofit fontScale="92500" lnSpcReduction="10000"/>
-          </a:bodyPr>
+          <a:bodyPr/>
           <a:lstStyle/>
           <a:p>
             <a:r>
               <a:rPr lang="en-US" dirty="0" smtClean="0"/>
-              <a:t>An AMI defines the base OS, applications, networking and storage components for an EC2 instance.</a:t>
-            </a:r>
-          </a:p>
-          <a:p>
-            <a:r>
-              <a:rPr lang="en-US" dirty="0" smtClean="0"/>
-              <a:t>AMI sources:</a:t>
+              <a:t>Service that allows you to create disk storage </a:t>
+            </a:r>
+            <a:r>
+              <a:rPr lang="en-US" b="1" dirty="0" smtClean="0"/>
+              <a:t>volumes</a:t>
+            </a:r>
+            <a:r>
+              <a:rPr lang="en-US" dirty="0" smtClean="0"/>
+              <a:t> that can be attached to EC2 instances</a:t>
             </a:r>
           </a:p>
           <a:p>
             <a:pPr lvl="1"/>
             <a:r>
               <a:rPr lang="en-US" dirty="0" smtClean="0"/>
-              <a:t>Amazon curated images</a:t>
+              <a:t>A volume is like a hard drive for your instance.</a:t>
+            </a:r>
+          </a:p>
+          <a:p>
+            <a:r>
+              <a:rPr lang="en-US" dirty="0" smtClean="0"/>
+              <a:t>EBS volumes are block storage and support file systems and databases</a:t>
+            </a:r>
+          </a:p>
+          <a:p>
+            <a:r>
+              <a:rPr lang="en-US" dirty="0" smtClean="0"/>
+              <a:t>Each volume replicated in a single AZ to provide high availability</a:t>
             </a:r>
           </a:p>
           <a:p>
             <a:pPr lvl="1"/>
             <a:r>
               <a:rPr lang="en-US" dirty="0" smtClean="0"/>
-              <a:t>Community provided images</a:t>
-            </a:r>
-          </a:p>
-          <a:p>
-            <a:pPr lvl="1"/>
-            <a:r>
-              <a:rPr lang="en-US" dirty="0" smtClean="0"/>
-              <a:t>Commercial images on the Amazon Marketplace</a:t>
-            </a:r>
-          </a:p>
-          <a:p>
-            <a:pPr lvl="1"/>
-            <a:r>
-              <a:rPr lang="en-US" dirty="0" smtClean="0"/>
-              <a:t>Your own private images</a:t>
-            </a:r>
-          </a:p>
-          <a:p>
-            <a:r>
-              <a:rPr lang="en-US" dirty="0" smtClean="0"/>
-              <a:t>AMIs only exist within a specific region (you can copy to other regions if necessary)</a:t>
+              <a:t>Delivered like a volume from a SAN</a:t>
             </a:r>
             <a:endParaRPr lang="en-US" dirty="0"/>
           </a:p>
@@ -11067,7 +11156,7 @@
     </p:spTree>
     <p:extLst>
       <p:ext uri="{BB962C8B-B14F-4D97-AF65-F5344CB8AC3E}">
-        <p14:creationId xmlns:p14="http://schemas.microsoft.com/office/powerpoint/2010/main" val="2007583489"/>
+        <p14:creationId xmlns:p14="http://schemas.microsoft.com/office/powerpoint/2010/main" val="906329309"/>
       </p:ext>
     </p:extLst>
   </p:cSld>
@@ -11111,7 +11200,7 @@
           <a:p>
             <a:r>
               <a:rPr lang="en-US" dirty="0" smtClean="0"/>
-              <a:t>Elastic Block Storage (EBS)</a:t>
+              <a:t>EBS Volume Types</a:t>
             </a:r>
             <a:endParaRPr lang="en-US" dirty="0"/>
           </a:p>
@@ -11134,41 +11223,47 @@
           <a:p>
             <a:r>
               <a:rPr lang="en-US" dirty="0" smtClean="0"/>
-              <a:t>Service that allows you to create disk storage </a:t>
-            </a:r>
-            <a:r>
-              <a:rPr lang="en-US" b="1" dirty="0" smtClean="0"/>
-              <a:t>volumes</a:t>
-            </a:r>
-            <a:r>
-              <a:rPr lang="en-US" dirty="0" smtClean="0"/>
-              <a:t> that can be attached to EC2 instances</a:t>
+              <a:t>General Purpose SSD (GP2)</a:t>
             </a:r>
           </a:p>
           <a:p>
             <a:pPr lvl="1"/>
             <a:r>
               <a:rPr lang="en-US" dirty="0" smtClean="0"/>
-              <a:t>A volume is like a hard drive for your instance.</a:t>
-            </a:r>
-          </a:p>
-          <a:p>
-            <a:r>
-              <a:rPr lang="en-US" dirty="0" smtClean="0"/>
-              <a:t>EBS volumes are block storage and support file systems and databases</a:t>
-            </a:r>
-          </a:p>
-          <a:p>
-            <a:r>
-              <a:rPr lang="en-US" dirty="0" smtClean="0"/>
-              <a:t>Each volume replicated in a single AZ to provide high availability</a:t>
+              <a:t>5 9’s availability (99.999%)</a:t>
             </a:r>
           </a:p>
           <a:p>
             <a:pPr lvl="1"/>
             <a:r>
               <a:rPr lang="en-US" dirty="0" smtClean="0"/>
-              <a:t>Delivered like a volume from a SAN</a:t>
+              <a:t>3 IOPS per GB, up to 10,000 IOPS</a:t>
+            </a:r>
+          </a:p>
+          <a:p>
+            <a:r>
+              <a:rPr lang="en-US" dirty="0" smtClean="0"/>
+              <a:t>Provisioned IOPS SSD (IO1)</a:t>
+            </a:r>
+          </a:p>
+          <a:p>
+            <a:pPr lvl="1"/>
+            <a:r>
+              <a:rPr lang="en-US" dirty="0" smtClean="0"/>
+              <a:t>Very high IOPS capacity for disk I/O intensive applications requiring &gt; 10,000 IOPS</a:t>
+            </a:r>
+          </a:p>
+          <a:p>
+            <a:r>
+              <a:rPr lang="en-US" dirty="0" smtClean="0"/>
+              <a:t>Magnetic (Standard)</a:t>
+            </a:r>
+          </a:p>
+          <a:p>
+            <a:pPr lvl="1"/>
+            <a:r>
+              <a:rPr lang="en-US" dirty="0" smtClean="0"/>
+              <a:t>Cheapest storage option with lowest performance</a:t>
             </a:r>
             <a:endParaRPr lang="en-US" dirty="0"/>
           </a:p>
@@ -11177,7 +11272,7 @@
     </p:spTree>
     <p:extLst>
       <p:ext uri="{BB962C8B-B14F-4D97-AF65-F5344CB8AC3E}">
-        <p14:creationId xmlns:p14="http://schemas.microsoft.com/office/powerpoint/2010/main" val="906329309"/>
+        <p14:creationId xmlns:p14="http://schemas.microsoft.com/office/powerpoint/2010/main" val="2168219385"/>
       </p:ext>
     </p:extLst>
   </p:cSld>
@@ -11353,7 +11448,7 @@
           <a:p>
             <a:r>
               <a:rPr lang="en-US" dirty="0" smtClean="0"/>
-              <a:t>EBS Volume Types</a:t>
+              <a:t>EBS Snapshots</a:t>
             </a:r>
             <a:endParaRPr lang="en-US" dirty="0"/>
           </a:p>
@@ -11371,61 +11466,54 @@
         </p:nvSpPr>
         <p:spPr/>
         <p:txBody>
-          <a:bodyPr/>
+          <a:bodyPr>
+            <a:normAutofit fontScale="92500" lnSpcReduction="10000"/>
+          </a:bodyPr>
           <a:lstStyle/>
           <a:p>
             <a:r>
               <a:rPr lang="en-US" dirty="0" smtClean="0"/>
-              <a:t>General Purpose SSD (GP2)</a:t>
+              <a:t>A snapshot is a point-in-time copy of an EBS volume stored on S3</a:t>
+            </a:r>
+          </a:p>
+          <a:p>
+            <a:r>
+              <a:rPr lang="en-US" dirty="0" smtClean="0"/>
+              <a:t>Snapshots are incremental, only saving data that changed since the previous snapshot.</a:t>
+            </a:r>
+          </a:p>
+          <a:p>
+            <a:r>
+              <a:rPr lang="en-US" dirty="0" smtClean="0"/>
+              <a:t>You pay for snapshot storage at S3 rates</a:t>
+            </a:r>
+          </a:p>
+          <a:p>
+            <a:r>
+              <a:rPr lang="en-US" dirty="0" smtClean="0"/>
+              <a:t>Benefits:</a:t>
             </a:r>
           </a:p>
           <a:p>
             <a:pPr lvl="1"/>
             <a:r>
               <a:rPr lang="en-US" dirty="0" smtClean="0"/>
-              <a:t>5 9’s availability (99.999%)</a:t>
+              <a:t>Quickly backup data periodically or before making big changes</a:t>
             </a:r>
           </a:p>
           <a:p>
             <a:pPr lvl="1"/>
             <a:r>
               <a:rPr lang="en-US" dirty="0" smtClean="0"/>
-              <a:t>3 IOPS per GB, up to 10,000 IOPS</a:t>
-            </a:r>
-          </a:p>
-          <a:p>
-            <a:r>
-              <a:rPr lang="en-US" dirty="0" smtClean="0"/>
-              <a:t>Provisioned IOPS SSD (IO1)</a:t>
-            </a:r>
-          </a:p>
-          <a:p>
-            <a:pPr lvl="1"/>
-            <a:r>
-              <a:rPr lang="en-US" dirty="0" smtClean="0"/>
-              <a:t>Very high IOPS capacity for disk I/O intensive applications requiring &gt; 10,000 IOPS</a:t>
-            </a:r>
-          </a:p>
-          <a:p>
-            <a:r>
-              <a:rPr lang="en-US" dirty="0" smtClean="0"/>
-              <a:t>Magnetic (Standard)</a:t>
-            </a:r>
-          </a:p>
-          <a:p>
-            <a:pPr lvl="1"/>
-            <a:r>
-              <a:rPr lang="en-US" dirty="0" smtClean="0"/>
-              <a:t>Cheapest storage option with lowest performance</a:t>
-            </a:r>
-            <a:endParaRPr lang="en-US" dirty="0"/>
+              <a:t>Roll back system changes by reverting to previous snapshots</a:t>
+            </a:r>
           </a:p>
         </p:txBody>
       </p:sp>
     </p:spTree>
     <p:extLst>
       <p:ext uri="{BB962C8B-B14F-4D97-AF65-F5344CB8AC3E}">
-        <p14:creationId xmlns:p14="http://schemas.microsoft.com/office/powerpoint/2010/main" val="2168219385"/>
+        <p14:creationId xmlns:p14="http://schemas.microsoft.com/office/powerpoint/2010/main" val="430771417"/>
       </p:ext>
     </p:extLst>
   </p:cSld>
@@ -11469,7 +11557,7 @@
           <a:p>
             <a:r>
               <a:rPr lang="en-US" dirty="0" smtClean="0"/>
-              <a:t>EBS Snapshots</a:t>
+              <a:t>Instance Store</a:t>
             </a:r>
             <a:endParaRPr lang="en-US" dirty="0"/>
           </a:p>
@@ -11488,45 +11576,67 @@
         <p:spPr/>
         <p:txBody>
           <a:bodyPr>
-            <a:normAutofit fontScale="92500" lnSpcReduction="10000"/>
+            <a:normAutofit fontScale="85000" lnSpcReduction="10000"/>
           </a:bodyPr>
           <a:lstStyle/>
           <a:p>
             <a:r>
               <a:rPr lang="en-US" dirty="0" smtClean="0"/>
-              <a:t>A snapshot is a point-in-time copy of an EBS volume stored on S3</a:t>
-            </a:r>
-          </a:p>
-          <a:p>
-            <a:r>
-              <a:rPr lang="en-US" dirty="0" smtClean="0"/>
-              <a:t>Snapshots are incremental, only saving data that changed since the previous snapshot.</a:t>
-            </a:r>
-          </a:p>
-          <a:p>
-            <a:r>
-              <a:rPr lang="en-US" dirty="0" smtClean="0"/>
-              <a:t>You pay for snapshot storage at S3 rates</a:t>
-            </a:r>
-          </a:p>
-          <a:p>
-            <a:r>
-              <a:rPr lang="en-US" dirty="0" smtClean="0"/>
-              <a:t>Benefits:</a:t>
+              <a:t>Another data storage option for EC2 instances</a:t>
             </a:r>
           </a:p>
           <a:p>
             <a:pPr lvl="1"/>
             <a:r>
               <a:rPr lang="en-US" dirty="0" smtClean="0"/>
-              <a:t>Quickly backup data periodically or before making big changes</a:t>
+              <a:t>Actually, the original storage option!</a:t>
+            </a:r>
+          </a:p>
+          <a:p>
+            <a:r>
+              <a:rPr lang="en-US" dirty="0" smtClean="0"/>
+              <a:t>Instance data is stored on the local host server versus a networked volume</a:t>
+            </a:r>
+          </a:p>
+          <a:p>
+            <a:r>
+              <a:rPr lang="en-US" dirty="0" smtClean="0"/>
+              <a:t>The storage is </a:t>
+            </a:r>
+            <a:r>
+              <a:rPr lang="en-US" b="1" dirty="0" smtClean="0"/>
+              <a:t>ephemeral</a:t>
+            </a:r>
+            <a:r>
+              <a:rPr lang="en-US" dirty="0" smtClean="0"/>
+              <a:t>, if the instance is stopped the data is gone forever.</a:t>
             </a:r>
           </a:p>
           <a:p>
             <a:pPr lvl="1"/>
             <a:r>
               <a:rPr lang="en-US" dirty="0" smtClean="0"/>
-              <a:t>Roll back system changes by reverting to previous snapshots</a:t>
+              <a:t>You can still reboot the instance without loosing data though.</a:t>
+            </a:r>
+          </a:p>
+          <a:p>
+            <a:r>
+              <a:rPr lang="en-US" dirty="0" smtClean="0"/>
+              <a:t>Why ephemeral storage?</a:t>
+            </a:r>
+          </a:p>
+          <a:p>
+            <a:pPr lvl="1"/>
+            <a:r>
+              <a:rPr lang="en-US" dirty="0" smtClean="0"/>
+              <a:t>Cheap</a:t>
+            </a:r>
+          </a:p>
+          <a:p>
+            <a:pPr lvl="1"/>
+            <a:r>
+              <a:rPr lang="en-US" dirty="0" smtClean="0"/>
+              <a:t>Data persistence may not matter in certain architectures</a:t>
             </a:r>
           </a:p>
         </p:txBody>
@@ -11534,7 +11644,7 @@
     </p:spTree>
     <p:extLst>
       <p:ext uri="{BB962C8B-B14F-4D97-AF65-F5344CB8AC3E}">
-        <p14:creationId xmlns:p14="http://schemas.microsoft.com/office/powerpoint/2010/main" val="430771417"/>
+        <p14:creationId xmlns:p14="http://schemas.microsoft.com/office/powerpoint/2010/main" val="2311776645"/>
       </p:ext>
     </p:extLst>
   </p:cSld>
@@ -11578,137 +11688,6 @@
           <a:p>
             <a:r>
               <a:rPr lang="en-US" dirty="0" smtClean="0"/>
-              <a:t>Instance Store</a:t>
-            </a:r>
-            <a:endParaRPr lang="en-US" dirty="0"/>
-          </a:p>
-        </p:txBody>
-      </p:sp>
-      <p:sp>
-        <p:nvSpPr>
-          <p:cNvPr id="3" name="Content Placeholder 2"/>
-          <p:cNvSpPr>
-            <a:spLocks noGrp="1"/>
-          </p:cNvSpPr>
-          <p:nvPr>
-            <p:ph idx="1"/>
-          </p:nvPr>
-        </p:nvSpPr>
-        <p:spPr/>
-        <p:txBody>
-          <a:bodyPr>
-            <a:normAutofit fontScale="85000" lnSpcReduction="10000"/>
-          </a:bodyPr>
-          <a:lstStyle/>
-          <a:p>
-            <a:r>
-              <a:rPr lang="en-US" dirty="0" smtClean="0"/>
-              <a:t>Another data storage option for EC2 instances</a:t>
-            </a:r>
-          </a:p>
-          <a:p>
-            <a:pPr lvl="1"/>
-            <a:r>
-              <a:rPr lang="en-US" dirty="0" smtClean="0"/>
-              <a:t>Actually, the original storage option!</a:t>
-            </a:r>
-          </a:p>
-          <a:p>
-            <a:r>
-              <a:rPr lang="en-US" dirty="0" smtClean="0"/>
-              <a:t>Instance data is stored on the local host server versus a networked volume</a:t>
-            </a:r>
-          </a:p>
-          <a:p>
-            <a:r>
-              <a:rPr lang="en-US" dirty="0" smtClean="0"/>
-              <a:t>The storage is </a:t>
-            </a:r>
-            <a:r>
-              <a:rPr lang="en-US" b="1" dirty="0" smtClean="0"/>
-              <a:t>ephemeral</a:t>
-            </a:r>
-            <a:r>
-              <a:rPr lang="en-US" dirty="0" smtClean="0"/>
-              <a:t>, if the instance is stopped the data is gone forever.</a:t>
-            </a:r>
-          </a:p>
-          <a:p>
-            <a:pPr lvl="1"/>
-            <a:r>
-              <a:rPr lang="en-US" dirty="0" smtClean="0"/>
-              <a:t>You can still reboot the instance without loosing data though.</a:t>
-            </a:r>
-          </a:p>
-          <a:p>
-            <a:r>
-              <a:rPr lang="en-US" dirty="0" smtClean="0"/>
-              <a:t>Why ephemeral storage?</a:t>
-            </a:r>
-          </a:p>
-          <a:p>
-            <a:pPr lvl="1"/>
-            <a:r>
-              <a:rPr lang="en-US" dirty="0" smtClean="0"/>
-              <a:t>Cheap</a:t>
-            </a:r>
-          </a:p>
-          <a:p>
-            <a:pPr lvl="1"/>
-            <a:r>
-              <a:rPr lang="en-US" dirty="0" smtClean="0"/>
-              <a:t>Data persistence may not matter in certain architectures</a:t>
-            </a:r>
-          </a:p>
-        </p:txBody>
-      </p:sp>
-    </p:spTree>
-    <p:extLst>
-      <p:ext uri="{BB962C8B-B14F-4D97-AF65-F5344CB8AC3E}">
-        <p14:creationId xmlns:p14="http://schemas.microsoft.com/office/powerpoint/2010/main" val="2311776645"/>
-      </p:ext>
-    </p:extLst>
-  </p:cSld>
-  <p:clrMapOvr>
-    <a:masterClrMapping/>
-  </p:clrMapOvr>
-</p:sld>
-</file>
-
-<file path=ppt/slides/slide43.xml><?xml version="1.0" encoding="utf-8"?>
-<p:sld xmlns:a="http://schemas.openxmlformats.org/drawingml/2006/main" xmlns:r="http://schemas.openxmlformats.org/officeDocument/2006/relationships" xmlns:p="http://schemas.openxmlformats.org/presentationml/2006/main">
-  <p:cSld>
-    <p:spTree>
-      <p:nvGrpSpPr>
-        <p:cNvPr id="1" name=""/>
-        <p:cNvGrpSpPr/>
-        <p:nvPr/>
-      </p:nvGrpSpPr>
-      <p:grpSpPr>
-        <a:xfrm>
-          <a:off x="0" y="0"/>
-          <a:ext cx="0" cy="0"/>
-          <a:chOff x="0" y="0"/>
-          <a:chExt cx="0" cy="0"/>
-        </a:xfrm>
-      </p:grpSpPr>
-      <p:sp>
-        <p:nvSpPr>
-          <p:cNvPr id="2" name="Title 1"/>
-          <p:cNvSpPr>
-            <a:spLocks noGrp="1"/>
-          </p:cNvSpPr>
-          <p:nvPr>
-            <p:ph type="title"/>
-          </p:nvPr>
-        </p:nvSpPr>
-        <p:spPr/>
-        <p:txBody>
-          <a:bodyPr/>
-          <a:lstStyle/>
-          <a:p>
-            <a:r>
-              <a:rPr lang="en-US" dirty="0" smtClean="0"/>
               <a:t>Security Groups</a:t>
             </a:r>
             <a:endParaRPr lang="en-US" dirty="0"/>
@@ -11810,7 +11789,7 @@
 </p:sld>
 </file>
 
-<file path=ppt/slides/slide44.xml><?xml version="1.0" encoding="utf-8"?>
+<file path=ppt/slides/slide43.xml><?xml version="1.0" encoding="utf-8"?>
 <p:sld xmlns:a="http://schemas.openxmlformats.org/drawingml/2006/main" xmlns:r="http://schemas.openxmlformats.org/officeDocument/2006/relationships" xmlns:p="http://schemas.openxmlformats.org/presentationml/2006/main">
   <p:cSld>
     <p:spTree>
@@ -12469,7 +12448,7 @@
 </p:sld>
 </file>
 
-<file path=ppt/slides/slide45.xml><?xml version="1.0" encoding="utf-8"?>
+<file path=ppt/slides/slide44.xml><?xml version="1.0" encoding="utf-8"?>
 <p:sld xmlns:a="http://schemas.openxmlformats.org/drawingml/2006/main" xmlns:r="http://schemas.openxmlformats.org/officeDocument/2006/relationships" xmlns:p="http://schemas.openxmlformats.org/presentationml/2006/main">
   <p:cSld>
     <p:spTree>
@@ -12626,7 +12605,7 @@
 </p:sld>
 </file>
 
-<file path=ppt/slides/slide46.xml><?xml version="1.0" encoding="utf-8"?>
+<file path=ppt/slides/slide45.xml><?xml version="1.0" encoding="utf-8"?>
 <p:sld xmlns:a="http://schemas.openxmlformats.org/drawingml/2006/main" xmlns:r="http://schemas.openxmlformats.org/officeDocument/2006/relationships" xmlns:p="http://schemas.openxmlformats.org/presentationml/2006/main">
   <p:cSld>
     <p:spTree>
@@ -12920,7 +12899,7 @@
             <p:ph idx="1"/>
             <p:extLst>
               <p:ext uri="{D42A27DB-BD31-4B8C-83A1-F6EECF244321}">
-                <p14:modId xmlns:p14="http://schemas.microsoft.com/office/powerpoint/2010/main" val="906499032"/>
+                <p14:modId xmlns:p14="http://schemas.microsoft.com/office/powerpoint/2010/main" val="1991648289"/>
               </p:ext>
             </p:extLst>
           </p:nvPr>

--- a/infrastructure-week-4.pptx
+++ b/infrastructure-week-4.pptx
@@ -1217,11 +1217,7 @@
         <a:p>
           <a:r>
             <a:rPr lang="en-US" dirty="0" smtClean="0"/>
-            <a:t>Ability to rapidly provision and de-provision services as </a:t>
-          </a:r>
-          <a:r>
-            <a:rPr lang="en-US" dirty="0" smtClean="0"/>
-            <a:t>needed</a:t>
+            <a:t>Ability to rapidly provision and de-provision services as needed</a:t>
           </a:r>
           <a:endParaRPr lang="en-US" dirty="0"/>
         </a:p>
@@ -2119,11 +2115,7 @@
           </a:pPr>
           <a:r>
             <a:rPr lang="en-US" sz="1600" kern="1200" dirty="0" smtClean="0"/>
-            <a:t>Ability to rapidly provision and de-provision services as </a:t>
-          </a:r>
-          <a:r>
-            <a:rPr lang="en-US" sz="1600" kern="1200" dirty="0" smtClean="0"/>
-            <a:t>needed</a:t>
+            <a:t>Ability to rapidly provision and de-provision services as needed</a:t>
           </a:r>
           <a:endParaRPr lang="en-US" sz="1600" kern="1200" dirty="0"/>
         </a:p>
@@ -3674,7 +3666,7 @@
           <a:p>
             <a:fld id="{A4F65825-1538-3A4D-944A-D06B0D1CBF06}" type="datetimeFigureOut">
               <a:rPr lang="en-US" smtClean="0"/>
-              <a:t>8/5/16</a:t>
+              <a:t>8/7/16</a:t>
             </a:fld>
             <a:endParaRPr lang="en-US"/>
           </a:p>
@@ -3844,7 +3836,7 @@
           <a:p>
             <a:fld id="{A4F65825-1538-3A4D-944A-D06B0D1CBF06}" type="datetimeFigureOut">
               <a:rPr lang="en-US" smtClean="0"/>
-              <a:t>8/5/16</a:t>
+              <a:t>8/7/16</a:t>
             </a:fld>
             <a:endParaRPr lang="en-US"/>
           </a:p>
@@ -4024,7 +4016,7 @@
           <a:p>
             <a:fld id="{A4F65825-1538-3A4D-944A-D06B0D1CBF06}" type="datetimeFigureOut">
               <a:rPr lang="en-US" smtClean="0"/>
-              <a:t>8/5/16</a:t>
+              <a:t>8/7/16</a:t>
             </a:fld>
             <a:endParaRPr lang="en-US"/>
           </a:p>
@@ -4194,7 +4186,7 @@
           <a:p>
             <a:fld id="{A4F65825-1538-3A4D-944A-D06B0D1CBF06}" type="datetimeFigureOut">
               <a:rPr lang="en-US" smtClean="0"/>
-              <a:t>8/5/16</a:t>
+              <a:t>8/7/16</a:t>
             </a:fld>
             <a:endParaRPr lang="en-US"/>
           </a:p>
@@ -4440,7 +4432,7 @@
           <a:p>
             <a:fld id="{A4F65825-1538-3A4D-944A-D06B0D1CBF06}" type="datetimeFigureOut">
               <a:rPr lang="en-US" smtClean="0"/>
-              <a:t>8/5/16</a:t>
+              <a:t>8/7/16</a:t>
             </a:fld>
             <a:endParaRPr lang="en-US"/>
           </a:p>
@@ -4728,7 +4720,7 @@
           <a:p>
             <a:fld id="{A4F65825-1538-3A4D-944A-D06B0D1CBF06}" type="datetimeFigureOut">
               <a:rPr lang="en-US" smtClean="0"/>
-              <a:t>8/5/16</a:t>
+              <a:t>8/7/16</a:t>
             </a:fld>
             <a:endParaRPr lang="en-US"/>
           </a:p>
@@ -5150,7 +5142,7 @@
           <a:p>
             <a:fld id="{A4F65825-1538-3A4D-944A-D06B0D1CBF06}" type="datetimeFigureOut">
               <a:rPr lang="en-US" smtClean="0"/>
-              <a:t>8/5/16</a:t>
+              <a:t>8/7/16</a:t>
             </a:fld>
             <a:endParaRPr lang="en-US"/>
           </a:p>
@@ -5268,7 +5260,7 @@
           <a:p>
             <a:fld id="{A4F65825-1538-3A4D-944A-D06B0D1CBF06}" type="datetimeFigureOut">
               <a:rPr lang="en-US" smtClean="0"/>
-              <a:t>8/5/16</a:t>
+              <a:t>8/7/16</a:t>
             </a:fld>
             <a:endParaRPr lang="en-US"/>
           </a:p>
@@ -5363,7 +5355,7 @@
           <a:p>
             <a:fld id="{A4F65825-1538-3A4D-944A-D06B0D1CBF06}" type="datetimeFigureOut">
               <a:rPr lang="en-US" smtClean="0"/>
-              <a:t>8/5/16</a:t>
+              <a:t>8/7/16</a:t>
             </a:fld>
             <a:endParaRPr lang="en-US"/>
           </a:p>
@@ -5640,7 +5632,7 @@
           <a:p>
             <a:fld id="{A4F65825-1538-3A4D-944A-D06B0D1CBF06}" type="datetimeFigureOut">
               <a:rPr lang="en-US" smtClean="0"/>
-              <a:t>8/5/16</a:t>
+              <a:t>8/7/16</a:t>
             </a:fld>
             <a:endParaRPr lang="en-US"/>
           </a:p>
@@ -5893,7 +5885,7 @@
           <a:p>
             <a:fld id="{A4F65825-1538-3A4D-944A-D06B0D1CBF06}" type="datetimeFigureOut">
               <a:rPr lang="en-US" smtClean="0"/>
-              <a:t>8/5/16</a:t>
+              <a:t>8/7/16</a:t>
             </a:fld>
             <a:endParaRPr lang="en-US"/>
           </a:p>
@@ -6106,7 +6098,7 @@
           <a:p>
             <a:fld id="{A4F65825-1538-3A4D-944A-D06B0D1CBF06}" type="datetimeFigureOut">
               <a:rPr lang="en-US" smtClean="0"/>
-              <a:t>8/5/16</a:t>
+              <a:t>8/7/16</a:t>
             </a:fld>
             <a:endParaRPr lang="en-US"/>
           </a:p>
@@ -6895,11 +6887,7 @@
             <a:pPr lvl="1"/>
             <a:r>
               <a:rPr lang="en-US" dirty="0" smtClean="0"/>
-              <a:t>S3 &amp; EC2 (AWS) launched in </a:t>
-            </a:r>
-            <a:r>
-              <a:rPr lang="en-US" dirty="0" smtClean="0"/>
-              <a:t>2006</a:t>
+              <a:t>S3 &amp; EC2 (AWS) launched in 2006</a:t>
             </a:r>
           </a:p>
           <a:p>
@@ -6909,19 +6897,7 @@
           <a:p>
             <a:r>
               <a:rPr lang="en-US" dirty="0" smtClean="0"/>
-              <a:t>Largest public cloud </a:t>
-            </a:r>
-            <a:r>
-              <a:rPr lang="en-US" dirty="0" smtClean="0"/>
-              <a:t>provider with </a:t>
-            </a:r>
-            <a:r>
-              <a:rPr lang="en-US" dirty="0" smtClean="0"/>
-              <a:t>millions of </a:t>
-            </a:r>
-            <a:r>
-              <a:rPr lang="en-US" dirty="0" smtClean="0"/>
-              <a:t>customers</a:t>
+              <a:t>Largest public cloud provider with millions of customers</a:t>
             </a:r>
           </a:p>
           <a:p>
@@ -7015,25 +6991,52 @@
         </p:nvSpPr>
         <p:spPr/>
         <p:txBody>
-          <a:bodyPr/>
+          <a:bodyPr>
+            <a:normAutofit fontScale="85000" lnSpcReduction="10000"/>
+          </a:bodyPr>
           <a:lstStyle/>
           <a:p>
             <a:r>
               <a:rPr lang="en-US" dirty="0" smtClean="0"/>
-              <a:t>AWS platform contains all of the services needed to reinforce concepts in this course</a:t>
-            </a:r>
-          </a:p>
-          <a:p>
-            <a:r>
-              <a:rPr lang="en-US" dirty="0" smtClean="0"/>
-              <a:t>IT professionals should understand how to use the most popular cloud platform</a:t>
-            </a:r>
-          </a:p>
-          <a:p>
-            <a:r>
-              <a:rPr lang="en-US" dirty="0" smtClean="0"/>
-              <a:t>Students receive educational credits for using AWS</a:t>
-            </a:r>
+              <a:t>AWS platform contains all of the services needed to reinforce concepts in this </a:t>
+            </a:r>
+            <a:r>
+              <a:rPr lang="en-US" dirty="0" smtClean="0"/>
+              <a:t>course</a:t>
+            </a:r>
+          </a:p>
+          <a:p>
+            <a:r>
+              <a:rPr lang="en-US" dirty="0"/>
+              <a:t/>
+            </a:r>
+            <a:endParaRPr lang="en-US" dirty="0" smtClean="0"/>
+          </a:p>
+          <a:p>
+            <a:r>
+              <a:rPr lang="en-US" dirty="0" smtClean="0"/>
+              <a:t>IT professionals should understand how to use the most popular cloud </a:t>
+            </a:r>
+            <a:r>
+              <a:rPr lang="en-US" dirty="0" smtClean="0"/>
+              <a:t>platform</a:t>
+            </a:r>
+          </a:p>
+          <a:p>
+            <a:endParaRPr lang="en-US" dirty="0" smtClean="0"/>
+          </a:p>
+          <a:p>
+            <a:r>
+              <a:rPr lang="en-US" dirty="0" smtClean="0"/>
+              <a:t>Students receive educational credits for using </a:t>
+            </a:r>
+            <a:r>
+              <a:rPr lang="en-US" dirty="0" smtClean="0"/>
+              <a:t>AWS</a:t>
+            </a:r>
+          </a:p>
+          <a:p>
+            <a:endParaRPr lang="en-US" dirty="0" smtClean="0"/>
           </a:p>
           <a:p>
             <a:r>
@@ -7870,11 +7873,7 @@
             </a:pPr>
             <a:r>
               <a:rPr lang="en-US" sz="2000" dirty="0" smtClean="0"/>
-              <a:t>Regions are in completely separate physical parts of the </a:t>
-            </a:r>
-            <a:r>
-              <a:rPr lang="en-US" sz="2000" dirty="0" smtClean="0"/>
-              <a:t>world</a:t>
+              <a:t>Regions are in completely separate physical parts of the world</a:t>
             </a:r>
             <a:endParaRPr lang="en-US" sz="2000" dirty="0"/>
           </a:p>
@@ -7885,11 +7884,7 @@
             </a:pPr>
             <a:r>
               <a:rPr lang="en-US" sz="2000" dirty="0" smtClean="0"/>
-              <a:t>AZs </a:t>
-            </a:r>
-            <a:r>
-              <a:rPr lang="en-US" sz="2000" dirty="0" smtClean="0"/>
-              <a:t>represent datacenters within a particular region </a:t>
+              <a:t>AZs represent datacenters within a particular region </a:t>
             </a:r>
           </a:p>
           <a:p>
@@ -7980,14 +7975,21 @@
         </p:spPr>
         <p:txBody>
           <a:bodyPr>
-            <a:normAutofit fontScale="85000" lnSpcReduction="10000"/>
+            <a:normAutofit fontScale="85000" lnSpcReduction="20000"/>
           </a:bodyPr>
           <a:lstStyle/>
           <a:p>
             <a:r>
               <a:rPr lang="en-US" dirty="0" smtClean="0"/>
-              <a:t>IAM allows organizations to create users and manage their access to AWS resources</a:t>
-            </a:r>
+              <a:t>IAM allows organizations to create users and manage their access to AWS </a:t>
+            </a:r>
+            <a:r>
+              <a:rPr lang="en-US" dirty="0" smtClean="0"/>
+              <a:t>resources</a:t>
+            </a:r>
+          </a:p>
+          <a:p>
+            <a:endParaRPr lang="en-US" dirty="0" smtClean="0"/>
           </a:p>
           <a:p>
             <a:r>
@@ -8015,17 +8017,13 @@
             <a:endParaRPr lang="en-US" dirty="0" smtClean="0"/>
           </a:p>
           <a:p>
-            <a:r>
-              <a:rPr lang="en-US" dirty="0" smtClean="0"/>
-              <a:t>Signup account </a:t>
-            </a:r>
-            <a:r>
-              <a:rPr lang="en-US" dirty="0" smtClean="0"/>
-              <a:t>(root account) is </a:t>
-            </a:r>
-            <a:r>
-              <a:rPr lang="en-US" dirty="0" smtClean="0"/>
-              <a:t>your master account, best practice is not to use it for day-to-day management</a:t>
+            <a:pPr lvl="1"/>
+            <a:endParaRPr lang="en-US" dirty="0" smtClean="0"/>
+          </a:p>
+          <a:p>
+            <a:r>
+              <a:rPr lang="en-US" dirty="0" smtClean="0"/>
+              <a:t>Signup account (root account) is your master account, best practice is not to use it for day-to-day management</a:t>
             </a:r>
             <a:endParaRPr lang="en-US" dirty="0"/>
           </a:p>
@@ -8193,38 +8191,76 @@
         <p:spPr/>
         <p:txBody>
           <a:bodyPr>
-            <a:normAutofit fontScale="92500"/>
+            <a:normAutofit fontScale="85000" lnSpcReduction="10000"/>
           </a:bodyPr>
           <a:lstStyle/>
           <a:p>
             <a:r>
-              <a:rPr lang="en-US" dirty="0" smtClean="0"/>
-              <a:t>User: an individual setup with an account in IAM</a:t>
-            </a:r>
-          </a:p>
-          <a:p>
-            <a:r>
-              <a:rPr lang="en-US" dirty="0" smtClean="0"/>
-              <a:t>Group: a set of users sharing similar access privileges</a:t>
-            </a:r>
-          </a:p>
-          <a:p>
-            <a:r>
-              <a:rPr lang="en-US" dirty="0" smtClean="0"/>
-              <a:t>Role: access privileges that may be assigned to AWS resources</a:t>
-            </a:r>
-          </a:p>
-          <a:p>
-            <a:pPr lvl="1"/>
-            <a:r>
-              <a:rPr lang="en-US" dirty="0" smtClean="0"/>
-              <a:t>Lets resources act like users with specific privileges</a:t>
-            </a:r>
-          </a:p>
-          <a:p>
-            <a:r>
-              <a:rPr lang="en-US" dirty="0" smtClean="0"/>
-              <a:t>Policy: a document containing one or more defined privileges</a:t>
+              <a:rPr lang="en-US" b="1" dirty="0" smtClean="0"/>
+              <a:t>User</a:t>
+            </a:r>
+            <a:r>
+              <a:rPr lang="en-US" dirty="0" smtClean="0"/>
+              <a:t>: an individual setup with an account in </a:t>
+            </a:r>
+            <a:r>
+              <a:rPr lang="en-US" dirty="0" smtClean="0"/>
+              <a:t>IAM</a:t>
+            </a:r>
+          </a:p>
+          <a:p>
+            <a:endParaRPr lang="en-US" dirty="0" smtClean="0"/>
+          </a:p>
+          <a:p>
+            <a:r>
+              <a:rPr lang="en-US" b="1" dirty="0" smtClean="0"/>
+              <a:t>Group</a:t>
+            </a:r>
+            <a:r>
+              <a:rPr lang="en-US" dirty="0" smtClean="0"/>
+              <a:t>: a set of users sharing similar access </a:t>
+            </a:r>
+            <a:r>
+              <a:rPr lang="en-US" dirty="0" smtClean="0"/>
+              <a:t>privileges</a:t>
+            </a:r>
+          </a:p>
+          <a:p>
+            <a:endParaRPr lang="en-US" dirty="0" smtClean="0"/>
+          </a:p>
+          <a:p>
+            <a:r>
+              <a:rPr lang="en-US" b="1" dirty="0" smtClean="0"/>
+              <a:t>Role</a:t>
+            </a:r>
+            <a:r>
+              <a:rPr lang="en-US" dirty="0" smtClean="0"/>
+              <a:t>: access privileges that may be assigned to AWS resources</a:t>
+            </a:r>
+          </a:p>
+          <a:p>
+            <a:pPr lvl="1"/>
+            <a:r>
+              <a:rPr lang="en-US" dirty="0" smtClean="0"/>
+              <a:t>Lets resources act like users with specific </a:t>
+            </a:r>
+            <a:r>
+              <a:rPr lang="en-US" dirty="0" smtClean="0"/>
+              <a:t>privileges</a:t>
+            </a:r>
+          </a:p>
+          <a:p>
+            <a:pPr lvl="1"/>
+            <a:endParaRPr lang="en-US" dirty="0" smtClean="0"/>
+          </a:p>
+          <a:p>
+            <a:r>
+              <a:rPr lang="en-US" b="1" dirty="0" smtClean="0"/>
+              <a:t>Policy</a:t>
+            </a:r>
+            <a:r>
+              <a:rPr lang="en-US" dirty="0" smtClean="0"/>
+              <a:t>: a document containing one or more defined privileges</a:t>
             </a:r>
             <a:endParaRPr lang="en-US" dirty="0"/>
           </a:p>
@@ -8403,7 +8439,9 @@
         </p:nvSpPr>
         <p:spPr/>
         <p:txBody>
-          <a:bodyPr/>
+          <a:bodyPr>
+            <a:normAutofit fontScale="85000" lnSpcReduction="10000"/>
+          </a:bodyPr>
           <a:lstStyle/>
           <a:p>
             <a:r>
@@ -8416,20 +8454,41 @@
             </a:r>
             <a:r>
               <a:rPr lang="en-US" dirty="0" smtClean="0"/>
-              <a:t>, any changes we make impact all regions</a:t>
-            </a:r>
-          </a:p>
-          <a:p>
-            <a:r>
-              <a:rPr lang="en-US" dirty="0" smtClean="0"/>
-              <a:t>All activities we do on the web console may also be done via command line or SDK</a:t>
-            </a:r>
-          </a:p>
-          <a:p>
-            <a:r>
-              <a:rPr lang="en-US" dirty="0" smtClean="0"/>
-              <a:t>IAM users sign-in link is the web login URL for users (and it may be customized)</a:t>
-            </a:r>
+              <a:t>, any changes we make impact all </a:t>
+            </a:r>
+            <a:r>
+              <a:rPr lang="en-US" dirty="0" smtClean="0"/>
+              <a:t>regions</a:t>
+            </a:r>
+          </a:p>
+          <a:p>
+            <a:endParaRPr lang="en-US" dirty="0" smtClean="0"/>
+          </a:p>
+          <a:p>
+            <a:r>
+              <a:rPr lang="en-US" dirty="0" smtClean="0"/>
+              <a:t>All activities we do on the web console may also be done via command line or </a:t>
+            </a:r>
+            <a:r>
+              <a:rPr lang="en-US" dirty="0" smtClean="0"/>
+              <a:t>SDK</a:t>
+            </a:r>
+          </a:p>
+          <a:p>
+            <a:endParaRPr lang="en-US" dirty="0" smtClean="0"/>
+          </a:p>
+          <a:p>
+            <a:r>
+              <a:rPr lang="en-US" dirty="0" smtClean="0"/>
+              <a:t>IAM users sign-in link is the web login URL for users (and it may be customized</a:t>
+            </a:r>
+            <a:r>
+              <a:rPr lang="en-US" dirty="0" smtClean="0"/>
+              <a:t>)</a:t>
+            </a:r>
+          </a:p>
+          <a:p>
+            <a:endParaRPr lang="en-US" dirty="0" smtClean="0"/>
           </a:p>
           <a:p>
             <a:r>
@@ -8533,10 +8592,15 @@
             <p:ph idx="1"/>
           </p:nvPr>
         </p:nvSpPr>
-        <p:spPr/>
+        <p:spPr>
+          <a:xfrm>
+            <a:off x="457200" y="1600200"/>
+            <a:ext cx="8229600" cy="4831095"/>
+          </a:xfrm>
+        </p:spPr>
         <p:txBody>
           <a:bodyPr>
-            <a:normAutofit fontScale="70000" lnSpcReduction="20000"/>
+            <a:normAutofit fontScale="62500" lnSpcReduction="20000"/>
           </a:bodyPr>
           <a:lstStyle/>
           <a:p>
@@ -8563,8 +8627,16 @@
             <a:pPr lvl="1"/>
             <a:r>
               <a:rPr lang="en-US" dirty="0" smtClean="0"/>
-              <a:t>Access key and secret access key required to use AWS API (** KEEP THESE SAFE!!)</a:t>
-            </a:r>
+              <a:t>Access key and secret access key required to use AWS API (** KEEP THESE SAFE!!</a:t>
+            </a:r>
+            <a:r>
+              <a:rPr lang="en-US" dirty="0" smtClean="0"/>
+              <a:t>)</a:t>
+            </a:r>
+          </a:p>
+          <a:p>
+            <a:pPr lvl="1"/>
+            <a:endParaRPr lang="en-US" dirty="0" smtClean="0"/>
           </a:p>
           <a:p>
             <a:r>
@@ -8583,8 +8655,16 @@
             <a:pPr lvl="1"/>
             <a:r>
               <a:rPr lang="en-US" dirty="0" smtClean="0"/>
-              <a:t>Policies define access privileges for group members</a:t>
-            </a:r>
+              <a:t>Policies define access privileges for group </a:t>
+            </a:r>
+            <a:r>
+              <a:rPr lang="en-US" dirty="0" smtClean="0"/>
+              <a:t>members</a:t>
+            </a:r>
+          </a:p>
+          <a:p>
+            <a:pPr lvl="1"/>
+            <a:endParaRPr lang="en-US" dirty="0" smtClean="0"/>
           </a:p>
           <a:p>
             <a:r>
@@ -8596,8 +8676,16 @@
             <a:pPr lvl="1"/>
             <a:r>
               <a:rPr lang="en-US" dirty="0" smtClean="0"/>
-              <a:t>Define password strength/expiration requirements</a:t>
-            </a:r>
+              <a:t>Define password strength/expiration </a:t>
+            </a:r>
+            <a:r>
+              <a:rPr lang="en-US" dirty="0" smtClean="0"/>
+              <a:t>requirements</a:t>
+            </a:r>
+          </a:p>
+          <a:p>
+            <a:pPr lvl="1"/>
+            <a:endParaRPr lang="en-US" dirty="0" smtClean="0"/>
           </a:p>
           <a:p>
             <a:r>
@@ -8684,10 +8772,15 @@
             <p:ph idx="1"/>
           </p:nvPr>
         </p:nvSpPr>
-        <p:spPr/>
+        <p:spPr>
+          <a:xfrm>
+            <a:off x="457200" y="1600200"/>
+            <a:ext cx="8229600" cy="4926677"/>
+          </a:xfrm>
+        </p:spPr>
         <p:txBody>
           <a:bodyPr>
-            <a:normAutofit fontScale="85000" lnSpcReduction="20000"/>
+            <a:normAutofit fontScale="77500" lnSpcReduction="20000"/>
           </a:bodyPr>
           <a:lstStyle/>
           <a:p>
@@ -8728,14 +8821,26 @@
             <a:pPr lvl="2"/>
             <a:r>
               <a:rPr lang="en-US" dirty="0" smtClean="0"/>
-              <a:t>Metadata = various descriptive information about the file</a:t>
-            </a:r>
-          </a:p>
-          <a:p>
-            <a:pPr lvl="1"/>
-            <a:r>
-              <a:rPr lang="en-US" dirty="0" smtClean="0"/>
-              <a:t>Data is stored across multiple AZs in a region (11 9’s durability: 99.999999999%)</a:t>
+              <a:t>Metadata = various descriptive information about the </a:t>
+            </a:r>
+            <a:r>
+              <a:rPr lang="en-US" dirty="0" smtClean="0"/>
+              <a:t>file</a:t>
+            </a:r>
+          </a:p>
+          <a:p>
+            <a:pPr lvl="2"/>
+            <a:endParaRPr lang="en-US" dirty="0" smtClean="0"/>
+          </a:p>
+          <a:p>
+            <a:pPr lvl="1"/>
+            <a:r>
+              <a:rPr lang="en-US" dirty="0" smtClean="0"/>
+              <a:t>Standard S3 data is </a:t>
+            </a:r>
+            <a:r>
+              <a:rPr lang="en-US" dirty="0" smtClean="0"/>
+              <a:t>stored across multiple AZs in a region (11 9’s durability: 99.999999999%)</a:t>
             </a:r>
           </a:p>
           <a:p>
@@ -8756,27 +8861,22 @@
             <a:pPr lvl="2"/>
             <a:r>
               <a:rPr lang="en-US" dirty="0" smtClean="0"/>
-              <a:t>Individual files may be 0 bytes to 5TB</a:t>
-            </a:r>
-          </a:p>
-          <a:p>
-            <a:r>
-              <a:rPr lang="en-US" dirty="0" smtClean="0"/>
-              <a:t>You cannot install a file system </a:t>
-            </a:r>
-            <a:r>
-              <a:rPr lang="en-US" smtClean="0"/>
-              <a:t>on S3 or </a:t>
-            </a:r>
-            <a:r>
-              <a:rPr lang="en-US" dirty="0" smtClean="0"/>
-              <a:t>use for </a:t>
-            </a:r>
-            <a:r>
-              <a:rPr lang="en-US" smtClean="0"/>
-              <a:t>database storage!</a:t>
-            </a:r>
+              <a:t>Individual files may be 0 bytes to </a:t>
+            </a:r>
+            <a:r>
+              <a:rPr lang="en-US" dirty="0" smtClean="0"/>
+              <a:t>5TB</a:t>
+            </a:r>
+          </a:p>
+          <a:p>
+            <a:pPr lvl="2"/>
             <a:endParaRPr lang="en-US" dirty="0" smtClean="0"/>
+          </a:p>
+          <a:p>
+            <a:r>
+              <a:rPr lang="en-US" dirty="0" smtClean="0"/>
+              <a:t>You cannot install a file system on S3 or use for database storage!</a:t>
+            </a:r>
           </a:p>
           <a:p>
             <a:pPr marL="457200" lvl="1" indent="0">
@@ -8873,16 +8973,29 @@
             <p:ph idx="1"/>
           </p:nvPr>
         </p:nvSpPr>
-        <p:spPr/>
+        <p:spPr>
+          <a:xfrm>
+            <a:off x="457200" y="1600200"/>
+            <a:ext cx="8229600" cy="4967641"/>
+          </a:xfrm>
+        </p:spPr>
         <p:txBody>
           <a:bodyPr>
-            <a:normAutofit lnSpcReduction="10000"/>
+            <a:normAutofit fontScale="92500" lnSpcReduction="20000"/>
           </a:bodyPr>
           <a:lstStyle/>
           <a:p>
             <a:r>
               <a:rPr lang="en-US" dirty="0" smtClean="0"/>
-              <a:t>S3 storage namespace partitioned into buckets in each region</a:t>
+              <a:t>S3 storage namespace partitioned into </a:t>
+            </a:r>
+            <a:r>
+              <a:rPr lang="en-US" b="1" dirty="0" smtClean="0"/>
+              <a:t>buckets</a:t>
+            </a:r>
+            <a:r>
+              <a:rPr lang="en-US" dirty="0" smtClean="0"/>
+              <a:t> in each region</a:t>
             </a:r>
           </a:p>
           <a:p>
@@ -8896,8 +9009,40 @@
             <a:pPr lvl="1"/>
             <a:r>
               <a:rPr lang="en-US" dirty="0" smtClean="0"/>
-              <a:t>Bucket name is universal and must be unique</a:t>
-            </a:r>
+              <a:t>Bucket name is </a:t>
+            </a:r>
+            <a:r>
+              <a:rPr lang="en-US" u="sng" dirty="0" smtClean="0"/>
+              <a:t>global</a:t>
+            </a:r>
+            <a:r>
+              <a:rPr lang="en-US" dirty="0" smtClean="0"/>
+              <a:t> </a:t>
+            </a:r>
+            <a:r>
+              <a:rPr lang="en-US" dirty="0" smtClean="0"/>
+              <a:t>and </a:t>
+            </a:r>
+            <a:r>
+              <a:rPr lang="en-US" dirty="0" smtClean="0"/>
+              <a:t>must be </a:t>
+            </a:r>
+            <a:r>
+              <a:rPr lang="en-US" dirty="0" smtClean="0"/>
+              <a:t>unique</a:t>
+            </a:r>
+          </a:p>
+          <a:p>
+            <a:pPr lvl="1"/>
+            <a:r>
+              <a:rPr lang="en-US" dirty="0" smtClean="0"/>
+              <a:t>Limit of 100 buckets per account (but can be increased)</a:t>
+            </a:r>
+            <a:endParaRPr lang="en-US" dirty="0" smtClean="0"/>
+          </a:p>
+          <a:p>
+            <a:pPr lvl="1"/>
+            <a:endParaRPr lang="en-US" dirty="0" smtClean="0"/>
           </a:p>
           <a:p>
             <a:r>
@@ -8992,10 +9137,15 @@
             <p:ph idx="1"/>
           </p:nvPr>
         </p:nvSpPr>
-        <p:spPr/>
+        <p:spPr>
+          <a:xfrm>
+            <a:off x="457200" y="1600200"/>
+            <a:ext cx="8229600" cy="4885713"/>
+          </a:xfrm>
+        </p:spPr>
         <p:txBody>
           <a:bodyPr>
-            <a:normAutofit fontScale="77500" lnSpcReduction="20000"/>
+            <a:normAutofit fontScale="70000" lnSpcReduction="20000"/>
           </a:bodyPr>
           <a:lstStyle/>
           <a:p>
@@ -9019,8 +9169,13 @@
             <a:pPr lvl="1"/>
             <a:r>
               <a:rPr lang="en-US" dirty="0" smtClean="0"/>
-              <a:t>Encrypt data-at-rest for greater security</a:t>
-            </a:r>
+              <a:t>Encrypt data-at-rest for greater </a:t>
+            </a:r>
+            <a:r>
+              <a:rPr lang="en-US" dirty="0" smtClean="0"/>
+              <a:t>security (AES-256)</a:t>
+            </a:r>
+            <a:endParaRPr lang="en-US" dirty="0" smtClean="0"/>
           </a:p>
           <a:p>
             <a:pPr lvl="1"/>
@@ -9050,8 +9205,20 @@
             <a:pPr lvl="1"/>
             <a:r>
               <a:rPr lang="en-US" dirty="0" smtClean="0"/>
-              <a:t>Pay for storage space per GB and for data transmission</a:t>
-            </a:r>
+              <a:t>Pay for storage space per </a:t>
+            </a:r>
+            <a:r>
+              <a:rPr lang="en-US" dirty="0" smtClean="0"/>
+              <a:t>GB, number of requests (GET, PUT, etc.) and data transmission</a:t>
+            </a:r>
+          </a:p>
+          <a:p>
+            <a:pPr lvl="2"/>
+            <a:r>
+              <a:rPr lang="en-US" dirty="0" smtClean="0"/>
+              <a:t>No fee for incoming data</a:t>
+            </a:r>
+            <a:endParaRPr lang="en-US" dirty="0" smtClean="0"/>
           </a:p>
           <a:p>
             <a:pPr lvl="1"/>
@@ -9133,7 +9300,7 @@
           <a:p>
             <a:r>
               <a:rPr lang="en-US" dirty="0" smtClean="0"/>
-              <a:t>S3</a:t>
+              <a:t>S3 Storage Tiers</a:t>
             </a:r>
             <a:endParaRPr lang="en-US" dirty="0"/>
           </a:p>
@@ -9149,42 +9316,143 @@
             <p:ph idx="1"/>
           </p:nvPr>
         </p:nvSpPr>
-        <p:spPr/>
-        <p:txBody>
-          <a:bodyPr/>
+        <p:spPr>
+          <a:xfrm>
+            <a:off x="457200" y="1600200"/>
+            <a:ext cx="8229600" cy="5076877"/>
+          </a:xfrm>
+        </p:spPr>
+        <p:txBody>
+          <a:bodyPr>
+            <a:normAutofit fontScale="70000" lnSpcReduction="20000"/>
+          </a:bodyPr>
           <a:lstStyle/>
           <a:p>
             <a:r>
-              <a:rPr lang="en-US" dirty="0" smtClean="0"/>
-              <a:t>Storage tiers</a:t>
-            </a:r>
-          </a:p>
-          <a:p>
-            <a:pPr lvl="1"/>
-            <a:r>
-              <a:rPr lang="en-US" dirty="0" smtClean="0"/>
-              <a:t>Standard S3</a:t>
-            </a:r>
-          </a:p>
-          <a:p>
-            <a:pPr lvl="1"/>
-            <a:r>
-              <a:rPr lang="en-US" dirty="0" smtClean="0"/>
-              <a:t>S3-IA (Infrequently Accessed): data which isn’t accessed frequently, but must be available immediately</a:t>
-            </a:r>
-          </a:p>
-          <a:p>
-            <a:pPr lvl="1"/>
-            <a:r>
-              <a:rPr lang="en-US" dirty="0" smtClean="0"/>
-              <a:t>RRS (Reduced Redundancy Storage): lower durability (99.99%) than standard S3, storage for non-critical or easily reproduced data</a:t>
-            </a:r>
-          </a:p>
-          <a:p>
-            <a:pPr lvl="1"/>
-            <a:r>
-              <a:rPr lang="en-US" dirty="0" smtClean="0"/>
-              <a:t>Glacier: data archiving, 3-5 hours to restore data</a:t>
+              <a:rPr lang="en-US" b="1" dirty="0" smtClean="0"/>
+              <a:t>Standard</a:t>
+            </a:r>
+            <a:r>
+              <a:rPr lang="en-US" dirty="0" smtClean="0"/>
+              <a:t> S3: default storage tier appropriate for most requirements</a:t>
+            </a:r>
+          </a:p>
+          <a:p>
+            <a:pPr lvl="1"/>
+            <a:r>
+              <a:rPr lang="en-US" dirty="0" smtClean="0"/>
+              <a:t>Durability: 99.999999999% (11 9’s)</a:t>
+            </a:r>
+          </a:p>
+          <a:p>
+            <a:pPr lvl="1"/>
+            <a:r>
+              <a:rPr lang="en-US" dirty="0" smtClean="0"/>
+              <a:t>Availability: 99.99% (4 9’s)</a:t>
+            </a:r>
+          </a:p>
+          <a:p>
+            <a:pPr lvl="1"/>
+            <a:endParaRPr lang="en-US" dirty="0" smtClean="0"/>
+          </a:p>
+          <a:p>
+            <a:r>
+              <a:rPr lang="en-US" b="1" dirty="0" smtClean="0"/>
+              <a:t>S3-IA </a:t>
+            </a:r>
+            <a:r>
+              <a:rPr lang="en-US" dirty="0" smtClean="0"/>
+              <a:t>(Infrequently Accessed): data which isn’t accessed frequently, but must be available </a:t>
+            </a:r>
+            <a:r>
+              <a:rPr lang="en-US" dirty="0" smtClean="0"/>
+              <a:t>immediately</a:t>
+            </a:r>
+          </a:p>
+          <a:p>
+            <a:pPr lvl="1"/>
+            <a:r>
+              <a:rPr lang="en-US" dirty="0"/>
+              <a:t>Durability: 99.999999999% (11 9’s)</a:t>
+            </a:r>
+          </a:p>
+          <a:p>
+            <a:pPr lvl="1"/>
+            <a:r>
+              <a:rPr lang="en-US" dirty="0"/>
+              <a:t>Availability: </a:t>
+            </a:r>
+            <a:r>
+              <a:rPr lang="en-US" dirty="0" smtClean="0"/>
+              <a:t>99.9% (3 </a:t>
+            </a:r>
+            <a:r>
+              <a:rPr lang="en-US" dirty="0"/>
+              <a:t>9’s)</a:t>
+            </a:r>
+          </a:p>
+          <a:p>
+            <a:pPr marL="457200" lvl="1" indent="0">
+              <a:buNone/>
+            </a:pPr>
+            <a:endParaRPr lang="en-US" dirty="0" smtClean="0"/>
+          </a:p>
+          <a:p>
+            <a:r>
+              <a:rPr lang="en-US" b="1" dirty="0" smtClean="0"/>
+              <a:t>RRS</a:t>
+            </a:r>
+            <a:r>
+              <a:rPr lang="en-US" dirty="0" smtClean="0"/>
+              <a:t> (Reduced Redundancy Storage): </a:t>
+            </a:r>
+            <a:r>
+              <a:rPr lang="en-US" dirty="0" smtClean="0"/>
+              <a:t>storage </a:t>
+            </a:r>
+            <a:r>
+              <a:rPr lang="en-US" dirty="0" smtClean="0"/>
+              <a:t>for non-critical or easily reproduced </a:t>
+            </a:r>
+            <a:r>
+              <a:rPr lang="en-US" dirty="0" smtClean="0"/>
+              <a:t>data</a:t>
+            </a:r>
+          </a:p>
+          <a:p>
+            <a:pPr lvl="1"/>
+            <a:r>
+              <a:rPr lang="en-US" dirty="0" smtClean="0"/>
+              <a:t>Durability: 99.99% </a:t>
+            </a:r>
+          </a:p>
+          <a:p>
+            <a:pPr lvl="1"/>
+            <a:r>
+              <a:rPr lang="en-US" dirty="0" smtClean="0"/>
+              <a:t>Availability: 99.99%</a:t>
+            </a:r>
+          </a:p>
+          <a:p>
+            <a:pPr lvl="1"/>
+            <a:endParaRPr lang="en-US" dirty="0" smtClean="0"/>
+          </a:p>
+          <a:p>
+            <a:r>
+              <a:rPr lang="en-US" b="1" dirty="0" smtClean="0"/>
+              <a:t>Glacier</a:t>
+            </a:r>
+            <a:r>
+              <a:rPr lang="en-US" dirty="0" smtClean="0"/>
+              <a:t>: </a:t>
+            </a:r>
+            <a:r>
+              <a:rPr lang="en-US" dirty="0" smtClean="0"/>
+              <a:t>inexpensive data </a:t>
+            </a:r>
+            <a:r>
+              <a:rPr lang="en-US" dirty="0" smtClean="0"/>
+              <a:t>archiving, 3-5 hours to restore data</a:t>
             </a:r>
             <a:endParaRPr lang="en-US" dirty="0"/>
           </a:p>
@@ -9269,7 +9537,15 @@
             <a:pPr lvl="1"/>
             <a:r>
               <a:rPr lang="en-US" dirty="0" smtClean="0"/>
-              <a:t>Bucket name must be universally unique and associated with a specific region</a:t>
+              <a:t>Bucket name must be </a:t>
+            </a:r>
+            <a:r>
+              <a:rPr lang="en-US" dirty="0" smtClean="0"/>
+              <a:t>globally unique </a:t>
+            </a:r>
+            <a:r>
+              <a:rPr lang="en-US" dirty="0" smtClean="0"/>
+              <a:t>and associated with a specific region</a:t>
             </a:r>
           </a:p>
           <a:p>
@@ -9765,10 +10041,15 @@
             <p:ph idx="1"/>
           </p:nvPr>
         </p:nvSpPr>
-        <p:spPr/>
+        <p:spPr>
+          <a:xfrm>
+            <a:off x="457200" y="1600200"/>
+            <a:ext cx="8229600" cy="4872059"/>
+          </a:xfrm>
+        </p:spPr>
         <p:txBody>
           <a:bodyPr>
-            <a:normAutofit fontScale="77500" lnSpcReduction="20000"/>
+            <a:normAutofit fontScale="70000" lnSpcReduction="20000"/>
           </a:bodyPr>
           <a:lstStyle/>
           <a:p>
@@ -9795,8 +10076,16 @@
             <a:pPr lvl="1"/>
             <a:r>
               <a:rPr lang="en-US" dirty="0" smtClean="0"/>
-              <a:t>No web!</a:t>
-            </a:r>
+              <a:t>No web</a:t>
+            </a:r>
+            <a:r>
+              <a:rPr lang="en-US" dirty="0" smtClean="0"/>
+              <a:t>!</a:t>
+            </a:r>
+          </a:p>
+          <a:p>
+            <a:pPr lvl="1"/>
+            <a:endParaRPr lang="en-US" dirty="0" smtClean="0"/>
           </a:p>
           <a:p>
             <a:r>
@@ -9822,8 +10111,16 @@
             <a:pPr lvl="1"/>
             <a:r>
               <a:rPr lang="en-US" dirty="0" smtClean="0"/>
-              <a:t>Dot-coms spent millions on hardware alone</a:t>
-            </a:r>
+              <a:t>Dot-coms spent millions on hardware </a:t>
+            </a:r>
+            <a:r>
+              <a:rPr lang="en-US" dirty="0" smtClean="0"/>
+              <a:t>alone</a:t>
+            </a:r>
+          </a:p>
+          <a:p>
+            <a:pPr lvl="1"/>
+            <a:endParaRPr lang="en-US" dirty="0" smtClean="0"/>
           </a:p>
           <a:p>
             <a:r>
@@ -9925,10 +10222,15 @@
             <p:ph idx="1"/>
           </p:nvPr>
         </p:nvSpPr>
-        <p:spPr/>
+        <p:spPr>
+          <a:xfrm>
+            <a:off x="457200" y="1600200"/>
+            <a:ext cx="8229600" cy="4872059"/>
+          </a:xfrm>
+        </p:spPr>
         <p:txBody>
           <a:bodyPr>
-            <a:normAutofit/>
+            <a:normAutofit fontScale="77500" lnSpcReduction="20000"/>
           </a:bodyPr>
           <a:lstStyle/>
           <a:p>
@@ -9941,8 +10243,16 @@
             <a:pPr lvl="1"/>
             <a:r>
               <a:rPr lang="en-US" dirty="0" smtClean="0"/>
-              <a:t>Cache S3 files at over 50 edge locations throughout the world</a:t>
-            </a:r>
+              <a:t>Cache S3 files at over 50 edge locations throughout the </a:t>
+            </a:r>
+            <a:r>
+              <a:rPr lang="en-US" dirty="0" smtClean="0"/>
+              <a:t>world</a:t>
+            </a:r>
+          </a:p>
+          <a:p>
+            <a:pPr lvl="1"/>
+            <a:endParaRPr lang="en-US" dirty="0" smtClean="0"/>
           </a:p>
           <a:p>
             <a:pPr lvl="1"/>
@@ -9955,15 +10265,31 @@
             <a:pPr lvl="2"/>
             <a:r>
               <a:rPr lang="en-US" dirty="0" smtClean="0"/>
-              <a:t>Don’t confuse edge locations with regions</a:t>
-            </a:r>
-          </a:p>
-          <a:p>
-            <a:pPr lvl="1"/>
-            <a:r>
-              <a:rPr lang="en-US" dirty="0" smtClean="0"/>
-              <a:t>Distribution: set of S3 files that are cached</a:t>
-            </a:r>
+              <a:t>Don’t confuse edge locations with </a:t>
+            </a:r>
+            <a:r>
+              <a:rPr lang="en-US" dirty="0" smtClean="0"/>
+              <a:t>regions</a:t>
+            </a:r>
+          </a:p>
+          <a:p>
+            <a:pPr lvl="2"/>
+            <a:endParaRPr lang="en-US" dirty="0" smtClean="0"/>
+          </a:p>
+          <a:p>
+            <a:pPr lvl="1"/>
+            <a:r>
+              <a:rPr lang="en-US" dirty="0" smtClean="0"/>
+              <a:t>Distribution: set of S3 files that are </a:t>
+            </a:r>
+            <a:r>
+              <a:rPr lang="en-US" dirty="0" smtClean="0"/>
+              <a:t>cached</a:t>
+            </a:r>
+          </a:p>
+          <a:p>
+            <a:pPr lvl="1"/>
+            <a:endParaRPr lang="en-US" dirty="0" smtClean="0"/>
           </a:p>
           <a:p>
             <a:pPr lvl="1"/>
@@ -9985,7 +10311,22 @@
             </a:r>
             <a:r>
               <a:rPr lang="en-US" dirty="0" smtClean="0"/>
-              <a:t> file cache, decreasing download latency and improving website response time.</a:t>
+              <a:t> file cache, decreasing download latency and improving website response time</a:t>
+            </a:r>
+            <a:r>
+              <a:rPr lang="en-US" dirty="0" smtClean="0"/>
+              <a:t>.</a:t>
+            </a:r>
+          </a:p>
+          <a:p>
+            <a:pPr lvl="1"/>
+            <a:endParaRPr lang="en-US" dirty="0"/>
+          </a:p>
+          <a:p>
+            <a:pPr lvl="1"/>
+            <a:r>
+              <a:rPr lang="en-US" dirty="0" smtClean="0"/>
+              <a:t>Note: it can be expensive to remove (invalidate) cached objects. Most people just add new versions of their files to the distribution.</a:t>
             </a:r>
             <a:endParaRPr lang="en-US" dirty="0"/>
           </a:p>
@@ -10078,10 +10419,15 @@
             <p:ph idx="1"/>
           </p:nvPr>
         </p:nvSpPr>
-        <p:spPr/>
+        <p:spPr>
+          <a:xfrm>
+            <a:off x="457200" y="1600200"/>
+            <a:ext cx="8229600" cy="5090532"/>
+          </a:xfrm>
+        </p:spPr>
         <p:txBody>
           <a:bodyPr>
-            <a:normAutofit fontScale="85000" lnSpcReduction="10000"/>
+            <a:normAutofit fontScale="85000" lnSpcReduction="20000"/>
           </a:bodyPr>
           <a:lstStyle/>
           <a:p>
@@ -10100,22 +10446,70 @@
             <a:pPr lvl="1"/>
             <a:r>
               <a:rPr lang="en-US" dirty="0" smtClean="0"/>
-              <a:t>Store all files on S3, but cache frequently-accessed files locally</a:t>
-            </a:r>
-          </a:p>
-          <a:p>
-            <a:pPr lvl="1"/>
-            <a:r>
-              <a:rPr lang="en-US" dirty="0" smtClean="0"/>
-              <a:t>Store all files locally, but replicate some or all files on S3</a:t>
-            </a:r>
-          </a:p>
-          <a:p>
-            <a:pPr lvl="1"/>
-            <a:r>
-              <a:rPr lang="en-US" dirty="0" smtClean="0"/>
-              <a:t>Treat S3 like a virtual tape library when using backup software</a:t>
-            </a:r>
+              <a:t>Store all files on S3, but </a:t>
+            </a:r>
+            <a:r>
+              <a:rPr lang="en-US" b="1" dirty="0" smtClean="0"/>
+              <a:t>cache</a:t>
+            </a:r>
+            <a:r>
+              <a:rPr lang="en-US" dirty="0" smtClean="0"/>
+              <a:t> frequently-accessed files </a:t>
+            </a:r>
+            <a:r>
+              <a:rPr lang="en-US" dirty="0" smtClean="0"/>
+              <a:t>locally</a:t>
+            </a:r>
+          </a:p>
+          <a:p>
+            <a:pPr lvl="1"/>
+            <a:endParaRPr lang="en-US" dirty="0" smtClean="0"/>
+          </a:p>
+          <a:p>
+            <a:pPr lvl="1"/>
+            <a:r>
+              <a:rPr lang="en-US" dirty="0" smtClean="0"/>
+              <a:t>Store all files locally, but </a:t>
+            </a:r>
+            <a:r>
+              <a:rPr lang="en-US" b="1" dirty="0" smtClean="0"/>
+              <a:t>replicate</a:t>
+            </a:r>
+            <a:r>
+              <a:rPr lang="en-US" dirty="0" smtClean="0"/>
+              <a:t> some or all files on </a:t>
+            </a:r>
+            <a:r>
+              <a:rPr lang="en-US" dirty="0" smtClean="0"/>
+              <a:t>S3</a:t>
+            </a:r>
+          </a:p>
+          <a:p>
+            <a:pPr lvl="1"/>
+            <a:endParaRPr lang="en-US" dirty="0" smtClean="0"/>
+          </a:p>
+          <a:p>
+            <a:pPr lvl="1"/>
+            <a:r>
+              <a:rPr lang="en-US" dirty="0" smtClean="0"/>
+              <a:t>Treat S3 like a </a:t>
+            </a:r>
+            <a:r>
+              <a:rPr lang="en-US" b="1" dirty="0" smtClean="0"/>
+              <a:t>virtual tape library </a:t>
+            </a:r>
+            <a:r>
+              <a:rPr lang="en-US" dirty="0" smtClean="0"/>
+              <a:t>when using backup </a:t>
+            </a:r>
+            <a:r>
+              <a:rPr lang="en-US" dirty="0" smtClean="0"/>
+              <a:t>software</a:t>
+            </a:r>
+          </a:p>
+          <a:p>
+            <a:pPr lvl="1"/>
+            <a:endParaRPr lang="en-US" dirty="0" smtClean="0"/>
           </a:p>
           <a:p>
             <a:r>
@@ -10359,24 +10753,48 @@
         </p:nvSpPr>
         <p:spPr/>
         <p:txBody>
-          <a:bodyPr/>
+          <a:bodyPr>
+            <a:normAutofit lnSpcReduction="10000"/>
+          </a:bodyPr>
           <a:lstStyle/>
           <a:p>
             <a:r>
               <a:rPr lang="en-US" dirty="0" smtClean="0"/>
-              <a:t>Service that provides resizable compute capacity in the cloud</a:t>
-            </a:r>
-          </a:p>
-          <a:p>
-            <a:r>
-              <a:rPr lang="en-US" dirty="0" smtClean="0"/>
-              <a:t>Core computing infrastructure building block that supports many other AWS services</a:t>
-            </a:r>
-          </a:p>
-          <a:p>
-            <a:r>
-              <a:rPr lang="en-US" dirty="0" smtClean="0"/>
-              <a:t>It’s basically a cloud-based server (AWS calls them </a:t>
+              <a:t>Service that provides resizable compute capacity in the </a:t>
+            </a:r>
+            <a:r>
+              <a:rPr lang="en-US" dirty="0" smtClean="0"/>
+              <a:t>cloud</a:t>
+            </a:r>
+          </a:p>
+          <a:p>
+            <a:endParaRPr lang="en-US" dirty="0" smtClean="0"/>
+          </a:p>
+          <a:p>
+            <a:r>
+              <a:rPr lang="en-US" dirty="0" smtClean="0"/>
+              <a:t>Core computing infrastructure building block that supports many other AWS </a:t>
+            </a:r>
+            <a:r>
+              <a:rPr lang="en-US" dirty="0" smtClean="0"/>
+              <a:t>services</a:t>
+            </a:r>
+          </a:p>
+          <a:p>
+            <a:endParaRPr lang="en-US" dirty="0" smtClean="0"/>
+          </a:p>
+          <a:p>
+            <a:r>
+              <a:rPr lang="en-US" dirty="0" smtClean="0"/>
+              <a:t>It’s basically a cloud-based </a:t>
+            </a:r>
+            <a:r>
+              <a:rPr lang="en-US" dirty="0" smtClean="0"/>
+              <a:t>virtual machine (</a:t>
+            </a:r>
+            <a:r>
+              <a:rPr lang="en-US" dirty="0" smtClean="0"/>
+              <a:t>AWS calls them </a:t>
             </a:r>
             <a:r>
               <a:rPr lang="en-US" b="1" dirty="0" smtClean="0"/>
@@ -10384,8 +10802,21 @@
             </a:r>
             <a:r>
               <a:rPr lang="en-US" dirty="0" smtClean="0"/>
-              <a:t>)</a:t>
-            </a:r>
+              <a:t>) running on top of the </a:t>
+            </a:r>
+            <a:r>
+              <a:rPr lang="en-US" dirty="0" err="1" smtClean="0"/>
+              <a:t>Xen</a:t>
+            </a:r>
+            <a:r>
+              <a:rPr lang="en-US" dirty="0" smtClean="0"/>
+              <a:t> hypervisor.</a:t>
+            </a:r>
+          </a:p>
+          <a:p>
+            <a:endParaRPr lang="en-US" dirty="0"/>
+          </a:p>
+          <a:p>
             <a:endParaRPr lang="en-US" dirty="0"/>
           </a:p>
         </p:txBody>
@@ -10477,10 +10908,15 @@
             <p:ph idx="1"/>
           </p:nvPr>
         </p:nvSpPr>
-        <p:spPr/>
+        <p:spPr>
+          <a:xfrm>
+            <a:off x="457200" y="1600200"/>
+            <a:ext cx="8229600" cy="5076877"/>
+          </a:xfrm>
+        </p:spPr>
         <p:txBody>
           <a:bodyPr>
-            <a:normAutofit fontScale="85000" lnSpcReduction="20000"/>
+            <a:normAutofit fontScale="77500" lnSpcReduction="20000"/>
           </a:bodyPr>
           <a:lstStyle/>
           <a:p>
@@ -10520,6 +10956,10 @@
             </a:r>
           </a:p>
           <a:p>
+            <a:pPr lvl="2"/>
+            <a:endParaRPr lang="en-US" dirty="0" smtClean="0"/>
+          </a:p>
+          <a:p>
             <a:r>
               <a:rPr lang="en-US" b="1" dirty="0" smtClean="0"/>
               <a:t>Reserved</a:t>
@@ -10533,8 +10973,16 @@
             <a:pPr lvl="2"/>
             <a:r>
               <a:rPr lang="en-US" dirty="0" smtClean="0"/>
-              <a:t>Long-term, predictable workloads with known capacity requirements</a:t>
-            </a:r>
+              <a:t>Long-term, predictable workloads with known capacity </a:t>
+            </a:r>
+            <a:r>
+              <a:rPr lang="en-US" dirty="0" smtClean="0"/>
+              <a:t>requirements</a:t>
+            </a:r>
+          </a:p>
+          <a:p>
+            <a:pPr lvl="2"/>
+            <a:endParaRPr lang="en-US" dirty="0" smtClean="0"/>
           </a:p>
           <a:p>
             <a:r>
@@ -10925,6 +11373,46 @@
           </a:graphicData>
         </a:graphic>
       </p:graphicFrame>
+      <p:sp>
+        <p:nvSpPr>
+          <p:cNvPr id="3" name="TextBox 2"/>
+          <p:cNvSpPr txBox="1"/>
+          <p:nvPr/>
+        </p:nvSpPr>
+        <p:spPr>
+          <a:xfrm>
+            <a:off x="457200" y="5229695"/>
+            <a:ext cx="8122736" cy="369332"/>
+          </a:xfrm>
+          <a:prstGeom prst="rect">
+            <a:avLst/>
+          </a:prstGeom>
+          <a:noFill/>
+        </p:spPr>
+        <p:txBody>
+          <a:bodyPr wrap="none" rtlCol="0">
+            <a:spAutoFit/>
+          </a:bodyPr>
+          <a:lstStyle/>
+          <a:p>
+            <a:r>
+              <a:rPr lang="en-US" dirty="0" smtClean="0"/>
+              <a:t>* Easy way to compare instance features </a:t>
+            </a:r>
+            <a:r>
+              <a:rPr lang="en-US" dirty="0"/>
+              <a:t>and pricing: </a:t>
+            </a:r>
+            <a:r>
+              <a:rPr lang="en-US" dirty="0">
+                <a:hlinkClick r:id="rId2"/>
+              </a:rPr>
+              <a:t>http://www.ec2instances.info/</a:t>
+            </a:r>
+            <a:endParaRPr lang="en-US" dirty="0"/>
+          </a:p>
+        </p:txBody>
+      </p:sp>
     </p:spTree>
     <p:extLst>
       <p:ext uri="{BB962C8B-B14F-4D97-AF65-F5344CB8AC3E}">
@@ -10988,17 +11476,42 @@
             <p:ph idx="1"/>
           </p:nvPr>
         </p:nvSpPr>
-        <p:spPr/>
+        <p:spPr>
+          <a:xfrm>
+            <a:off x="457200" y="1600200"/>
+            <a:ext cx="8229600" cy="5090532"/>
+          </a:xfrm>
+        </p:spPr>
         <p:txBody>
           <a:bodyPr>
-            <a:normAutofit fontScale="92500" lnSpcReduction="10000"/>
+            <a:normAutofit fontScale="85000" lnSpcReduction="20000"/>
           </a:bodyPr>
           <a:lstStyle/>
           <a:p>
             <a:r>
               <a:rPr lang="en-US" dirty="0" smtClean="0"/>
-              <a:t>An AMI defines the base OS, applications, networking and storage components for an EC2 instance.</a:t>
-            </a:r>
+              <a:t>You create an EC2 instance using an AMI (template).</a:t>
+            </a:r>
+          </a:p>
+          <a:p>
+            <a:endParaRPr lang="en-US" dirty="0" smtClean="0"/>
+          </a:p>
+          <a:p>
+            <a:r>
+              <a:rPr lang="en-US" dirty="0" smtClean="0"/>
+              <a:t>An </a:t>
+            </a:r>
+            <a:r>
+              <a:rPr lang="en-US" dirty="0" smtClean="0"/>
+              <a:t>AMI defines the base OS, applications, networking and storage components for an EC2 instance</a:t>
+            </a:r>
+            <a:r>
+              <a:rPr lang="en-US" dirty="0" smtClean="0"/>
+              <a:t>.</a:t>
+            </a:r>
+          </a:p>
+          <a:p>
+            <a:endParaRPr lang="en-US" dirty="0" smtClean="0"/>
           </a:p>
           <a:p>
             <a:r>
@@ -11031,13 +11544,25 @@
             <a:pPr lvl="1"/>
             <a:r>
               <a:rPr lang="en-US" dirty="0" smtClean="0"/>
-              <a:t>Your own private images</a:t>
-            </a:r>
-          </a:p>
-          <a:p>
-            <a:r>
-              <a:rPr lang="en-US" dirty="0" smtClean="0"/>
-              <a:t>AMIs only exist within a specific region (you can copy to other regions if necessary)</a:t>
+              <a:t>Your own private </a:t>
+            </a:r>
+            <a:r>
+              <a:rPr lang="en-US" dirty="0" smtClean="0"/>
+              <a:t>images</a:t>
+            </a:r>
+          </a:p>
+          <a:p>
+            <a:pPr lvl="1"/>
+            <a:endParaRPr lang="en-US" dirty="0" smtClean="0"/>
+          </a:p>
+          <a:p>
+            <a:r>
+              <a:rPr lang="en-US" dirty="0" smtClean="0"/>
+              <a:t>AMIs only exist within a specific region (you can copy to other regions if necessary</a:t>
+            </a:r>
+            <a:r>
+              <a:rPr lang="en-US" dirty="0" smtClean="0"/>
+              <a:t>).</a:t>
             </a:r>
             <a:endParaRPr lang="en-US" dirty="0"/>
           </a:p>
@@ -11106,9 +11631,16 @@
             <p:ph idx="1"/>
           </p:nvPr>
         </p:nvSpPr>
-        <p:spPr/>
-        <p:txBody>
-          <a:bodyPr/>
+        <p:spPr>
+          <a:xfrm>
+            <a:off x="457200" y="1600200"/>
+            <a:ext cx="8229600" cy="4872059"/>
+          </a:xfrm>
+        </p:spPr>
+        <p:txBody>
+          <a:bodyPr>
+            <a:normAutofit fontScale="92500" lnSpcReduction="20000"/>
+          </a:bodyPr>
           <a:lstStyle/>
           <a:p>
             <a:r>
@@ -11121,33 +11653,88 @@
             </a:r>
             <a:r>
               <a:rPr lang="en-US" dirty="0" smtClean="0"/>
-              <a:t> that can be attached to EC2 instances</a:t>
-            </a:r>
-          </a:p>
-          <a:p>
-            <a:pPr lvl="1"/>
-            <a:r>
-              <a:rPr lang="en-US" dirty="0" smtClean="0"/>
-              <a:t>A volume is like a hard drive for your instance.</a:t>
-            </a:r>
-          </a:p>
-          <a:p>
-            <a:r>
-              <a:rPr lang="en-US" dirty="0" smtClean="0"/>
-              <a:t>EBS volumes are block storage and support file systems and databases</a:t>
-            </a:r>
-          </a:p>
-          <a:p>
-            <a:r>
-              <a:rPr lang="en-US" dirty="0" smtClean="0"/>
-              <a:t>Each volume replicated in a single AZ to provide high availability</a:t>
-            </a:r>
-          </a:p>
-          <a:p>
-            <a:pPr lvl="1"/>
-            <a:r>
-              <a:rPr lang="en-US" dirty="0" smtClean="0"/>
-              <a:t>Delivered like a volume from a SAN</a:t>
+              <a:t> that can be attached to EC2 </a:t>
+            </a:r>
+            <a:r>
+              <a:rPr lang="en-US" dirty="0" smtClean="0"/>
+              <a:t>instances.</a:t>
+            </a:r>
+            <a:endParaRPr lang="en-US" dirty="0" smtClean="0"/>
+          </a:p>
+          <a:p>
+            <a:pPr lvl="1"/>
+            <a:r>
+              <a:rPr lang="en-US" dirty="0" smtClean="0"/>
+              <a:t>A volume is like a hard drive for your instance</a:t>
+            </a:r>
+            <a:r>
+              <a:rPr lang="en-US" dirty="0" smtClean="0"/>
+              <a:t>.</a:t>
+            </a:r>
+          </a:p>
+          <a:p>
+            <a:pPr lvl="1"/>
+            <a:endParaRPr lang="en-US" dirty="0" smtClean="0"/>
+          </a:p>
+          <a:p>
+            <a:r>
+              <a:rPr lang="en-US" dirty="0" smtClean="0"/>
+              <a:t>EBS volumes are </a:t>
+            </a:r>
+            <a:r>
+              <a:rPr lang="en-US" b="1" dirty="0" smtClean="0"/>
+              <a:t>block storage </a:t>
+            </a:r>
+            <a:r>
+              <a:rPr lang="en-US" dirty="0" smtClean="0"/>
+              <a:t>and support file systems and </a:t>
+            </a:r>
+            <a:r>
+              <a:rPr lang="en-US" dirty="0" smtClean="0"/>
+              <a:t>databases.</a:t>
+            </a:r>
+          </a:p>
+          <a:p>
+            <a:endParaRPr lang="en-US" dirty="0" smtClean="0"/>
+          </a:p>
+          <a:p>
+            <a:r>
+              <a:rPr lang="en-US" dirty="0" smtClean="0"/>
+              <a:t>Each volume replicated </a:t>
+            </a:r>
+            <a:r>
+              <a:rPr lang="en-US" dirty="0" smtClean="0"/>
+              <a:t>within the </a:t>
+            </a:r>
+            <a:r>
+              <a:rPr lang="en-US" dirty="0" smtClean="0"/>
+              <a:t>AZ </a:t>
+            </a:r>
+            <a:r>
+              <a:rPr lang="en-US" dirty="0" smtClean="0"/>
+              <a:t>to provide high availability</a:t>
+            </a:r>
+          </a:p>
+          <a:p>
+            <a:pPr lvl="1"/>
+            <a:r>
+              <a:rPr lang="en-US" dirty="0" smtClean="0"/>
+              <a:t>Its delivered </a:t>
+            </a:r>
+            <a:r>
+              <a:rPr lang="en-US" dirty="0" smtClean="0"/>
+              <a:t>like a volume from a </a:t>
+            </a:r>
+            <a:r>
+              <a:rPr lang="en-US" dirty="0" smtClean="0"/>
+              <a:t>SAN.</a:t>
+            </a:r>
+          </a:p>
+          <a:p>
+            <a:pPr lvl="1"/>
+            <a:r>
+              <a:rPr lang="en-US" dirty="0" smtClean="0"/>
+              <a:t>EC2 instance sees it as a physically attached drive.</a:t>
             </a:r>
             <a:endParaRPr lang="en-US" dirty="0"/>
           </a:p>
@@ -11216,9 +11803,16 @@
             <p:ph idx="1"/>
           </p:nvPr>
         </p:nvSpPr>
-        <p:spPr/>
-        <p:txBody>
-          <a:bodyPr/>
+        <p:spPr>
+          <a:xfrm>
+            <a:off x="457200" y="1600200"/>
+            <a:ext cx="8229600" cy="4994950"/>
+          </a:xfrm>
+        </p:spPr>
+        <p:txBody>
+          <a:bodyPr>
+            <a:normAutofit lnSpcReduction="10000"/>
+          </a:bodyPr>
           <a:lstStyle/>
           <a:p>
             <a:r>
@@ -11237,8 +11831,16 @@
             <a:pPr lvl="1"/>
             <a:r>
               <a:rPr lang="en-US" dirty="0" smtClean="0"/>
-              <a:t>3 IOPS per GB, up to 10,000 IOPS</a:t>
-            </a:r>
+              <a:t>3 IOPS per GB, up to 10,000 </a:t>
+            </a:r>
+            <a:r>
+              <a:rPr lang="en-US" dirty="0" smtClean="0"/>
+              <a:t>IOPS</a:t>
+            </a:r>
+          </a:p>
+          <a:p>
+            <a:pPr lvl="1"/>
+            <a:endParaRPr lang="en-US" dirty="0" smtClean="0"/>
           </a:p>
           <a:p>
             <a:r>
@@ -11250,14 +11852,23 @@
             <a:pPr lvl="1"/>
             <a:r>
               <a:rPr lang="en-US" dirty="0" smtClean="0"/>
-              <a:t>Very high IOPS capacity for disk I/O intensive applications requiring &gt; 10,000 IOPS</a:t>
-            </a:r>
-          </a:p>
-          <a:p>
-            <a:r>
-              <a:rPr lang="en-US" dirty="0" smtClean="0"/>
-              <a:t>Magnetic (Standard)</a:t>
-            </a:r>
+              <a:t>Very high IOPS capacity for disk I/O intensive applications requiring &gt; 10,000 </a:t>
+            </a:r>
+            <a:r>
+              <a:rPr lang="en-US" dirty="0" smtClean="0"/>
+              <a:t>IOPS</a:t>
+            </a:r>
+          </a:p>
+          <a:p>
+            <a:pPr lvl="1"/>
+            <a:endParaRPr lang="en-US" dirty="0" smtClean="0"/>
+          </a:p>
+          <a:p>
+            <a:r>
+              <a:rPr lang="en-US" dirty="0" smtClean="0"/>
+              <a:t>Magnetic</a:t>
+            </a:r>
+            <a:endParaRPr lang="en-US" dirty="0" smtClean="0"/>
           </a:p>
           <a:p>
             <a:pPr lvl="1"/>
@@ -11335,7 +11946,7 @@
         <p:spPr/>
         <p:txBody>
           <a:bodyPr>
-            <a:normAutofit fontScale="92500"/>
+            <a:normAutofit fontScale="85000" lnSpcReduction="20000"/>
           </a:bodyPr>
           <a:lstStyle/>
           <a:p>
@@ -11362,8 +11973,16 @@
             <a:pPr lvl="1"/>
             <a:r>
               <a:rPr lang="en-US" dirty="0" smtClean="0"/>
-              <a:t>Outsourced application hosting</a:t>
-            </a:r>
+              <a:t>Outsourced application </a:t>
+            </a:r>
+            <a:r>
+              <a:rPr lang="en-US" dirty="0" smtClean="0"/>
+              <a:t>hosting</a:t>
+            </a:r>
+          </a:p>
+          <a:p>
+            <a:pPr lvl="1"/>
+            <a:endParaRPr lang="en-US" dirty="0" smtClean="0"/>
           </a:p>
           <a:p>
             <a:r>
@@ -11389,8 +12008,16 @@
             <a:pPr lvl="1"/>
             <a:r>
               <a:rPr lang="en-US" dirty="0" smtClean="0"/>
-              <a:t>Infrastructure orchestration/ Infrastructure as code</a:t>
-            </a:r>
+              <a:t>Infrastructure orchestration/ Infrastructure as </a:t>
+            </a:r>
+            <a:r>
+              <a:rPr lang="en-US" dirty="0" smtClean="0"/>
+              <a:t>code</a:t>
+            </a:r>
+          </a:p>
+          <a:p>
+            <a:pPr lvl="1"/>
+            <a:endParaRPr lang="en-US" dirty="0" smtClean="0"/>
           </a:p>
           <a:p>
             <a:r>
@@ -11464,29 +12091,55 @@
             <p:ph idx="1"/>
           </p:nvPr>
         </p:nvSpPr>
-        <p:spPr/>
+        <p:spPr>
+          <a:xfrm>
+            <a:off x="457200" y="1600200"/>
+            <a:ext cx="8229600" cy="5022259"/>
+          </a:xfrm>
+        </p:spPr>
         <p:txBody>
           <a:bodyPr>
-            <a:normAutofit fontScale="92500" lnSpcReduction="10000"/>
+            <a:normAutofit fontScale="85000" lnSpcReduction="20000"/>
           </a:bodyPr>
           <a:lstStyle/>
           <a:p>
             <a:r>
               <a:rPr lang="en-US" dirty="0" smtClean="0"/>
-              <a:t>A snapshot is a point-in-time copy of an EBS volume stored on S3</a:t>
-            </a:r>
-          </a:p>
-          <a:p>
-            <a:r>
-              <a:rPr lang="en-US" dirty="0" smtClean="0"/>
-              <a:t>Snapshots are incremental, only saving data that changed since the previous snapshot.</a:t>
-            </a:r>
-          </a:p>
-          <a:p>
-            <a:r>
-              <a:rPr lang="en-US" dirty="0" smtClean="0"/>
-              <a:t>You pay for snapshot storage at S3 rates</a:t>
-            </a:r>
+              <a:t>A snapshot is a point-in-time copy of an EBS volume stored on </a:t>
+            </a:r>
+            <a:r>
+              <a:rPr lang="en-US" dirty="0" smtClean="0"/>
+              <a:t>S3.</a:t>
+            </a:r>
+          </a:p>
+          <a:p>
+            <a:endParaRPr lang="en-US" dirty="0" smtClean="0"/>
+          </a:p>
+          <a:p>
+            <a:r>
+              <a:rPr lang="en-US" dirty="0" smtClean="0"/>
+              <a:t>Snapshots are incremental, only saving data that changed since the previous snapshot</a:t>
+            </a:r>
+            <a:r>
+              <a:rPr lang="en-US" dirty="0" smtClean="0"/>
+              <a:t>.</a:t>
+            </a:r>
+          </a:p>
+          <a:p>
+            <a:endParaRPr lang="en-US" dirty="0" smtClean="0"/>
+          </a:p>
+          <a:p>
+            <a:r>
+              <a:rPr lang="en-US" dirty="0" smtClean="0"/>
+              <a:t>You pay for snapshot storage at S3 </a:t>
+            </a:r>
+            <a:r>
+              <a:rPr lang="en-US" dirty="0" smtClean="0"/>
+              <a:t>rates.</a:t>
+            </a:r>
+          </a:p>
+          <a:p>
+            <a:endParaRPr lang="en-US" dirty="0" smtClean="0"/>
           </a:p>
           <a:p>
             <a:r>
@@ -11573,10 +12226,15 @@
             <p:ph idx="1"/>
           </p:nvPr>
         </p:nvSpPr>
-        <p:spPr/>
+        <p:spPr>
+          <a:xfrm>
+            <a:off x="457200" y="1600200"/>
+            <a:ext cx="8229600" cy="5076877"/>
+          </a:xfrm>
+        </p:spPr>
         <p:txBody>
           <a:bodyPr>
-            <a:normAutofit fontScale="85000" lnSpcReduction="10000"/>
+            <a:normAutofit fontScale="77500" lnSpcReduction="20000"/>
           </a:bodyPr>
           <a:lstStyle/>
           <a:p>
@@ -11589,14 +12247,41 @@
             <a:pPr lvl="1"/>
             <a:r>
               <a:rPr lang="en-US" dirty="0" smtClean="0"/>
-              <a:t>Actually, the original storage option!</a:t>
-            </a:r>
-          </a:p>
-          <a:p>
-            <a:r>
-              <a:rPr lang="en-US" dirty="0" smtClean="0"/>
-              <a:t>Instance data is stored on the local host server versus a networked volume</a:t>
-            </a:r>
+              <a:t>Actually, the original storage option</a:t>
+            </a:r>
+            <a:r>
+              <a:rPr lang="en-US" dirty="0" smtClean="0"/>
+              <a:t>!</a:t>
+            </a:r>
+          </a:p>
+          <a:p>
+            <a:pPr lvl="1"/>
+            <a:endParaRPr lang="en-US" dirty="0" smtClean="0"/>
+          </a:p>
+          <a:p>
+            <a:r>
+              <a:rPr lang="en-US" dirty="0" smtClean="0"/>
+              <a:t>Instance data is stored on </a:t>
+            </a:r>
+            <a:r>
+              <a:rPr lang="en-US" dirty="0" smtClean="0"/>
+              <a:t>a physical hard drive attached to the </a:t>
+            </a:r>
+            <a:r>
+              <a:rPr lang="en-US" dirty="0" smtClean="0"/>
+              <a:t>host </a:t>
+            </a:r>
+            <a:r>
+              <a:rPr lang="en-US" dirty="0" smtClean="0"/>
+              <a:t>server versus a networked </a:t>
+            </a:r>
+            <a:r>
+              <a:rPr lang="en-US" dirty="0" smtClean="0"/>
+              <a:t>volume.</a:t>
+            </a:r>
+          </a:p>
+          <a:p>
+            <a:endParaRPr lang="en-US" dirty="0" smtClean="0"/>
           </a:p>
           <a:p>
             <a:r>
@@ -11616,8 +12301,16 @@
             <a:pPr lvl="1"/>
             <a:r>
               <a:rPr lang="en-US" dirty="0" smtClean="0"/>
-              <a:t>You can still reboot the instance without loosing data though.</a:t>
-            </a:r>
+              <a:t>You can still reboot the instance without loosing data though</a:t>
+            </a:r>
+            <a:r>
+              <a:rPr lang="en-US" dirty="0" smtClean="0"/>
+              <a:t>.</a:t>
+            </a:r>
+          </a:p>
+          <a:p>
+            <a:pPr lvl="1"/>
+            <a:endParaRPr lang="en-US" dirty="0" smtClean="0"/>
           </a:p>
           <a:p>
             <a:r>
@@ -11704,7 +12397,12 @@
             <p:ph idx="1"/>
           </p:nvPr>
         </p:nvSpPr>
-        <p:spPr/>
+        <p:spPr>
+          <a:xfrm>
+            <a:off x="457200" y="1600200"/>
+            <a:ext cx="8229600" cy="5035913"/>
+          </a:xfrm>
+        </p:spPr>
         <p:txBody>
           <a:bodyPr>
             <a:normAutofit fontScale="77500" lnSpcReduction="20000"/>
@@ -11720,21 +12418,39 @@
             <a:pPr lvl="1"/>
             <a:r>
               <a:rPr lang="en-US" dirty="0" smtClean="0"/>
-              <a:t>Define a set of IP addresses and protocols that can send data to and from servers</a:t>
-            </a:r>
-          </a:p>
-          <a:p>
-            <a:pPr lvl="1"/>
-            <a:r>
-              <a:rPr lang="en-US" dirty="0" smtClean="0"/>
-              <a:t>It’s like a basic firewall system</a:t>
-            </a:r>
-          </a:p>
-          <a:p>
-            <a:r>
-              <a:rPr lang="en-US" dirty="0" smtClean="0"/>
-              <a:t>Default security group</a:t>
-            </a:r>
+              <a:t>Define a set of IP addresses and protocols that can send data to and from </a:t>
+            </a:r>
+            <a:r>
+              <a:rPr lang="en-US" dirty="0" smtClean="0"/>
+              <a:t>servers.</a:t>
+            </a:r>
+            <a:endParaRPr lang="en-US" dirty="0" smtClean="0"/>
+          </a:p>
+          <a:p>
+            <a:pPr lvl="1"/>
+            <a:r>
+              <a:rPr lang="en-US" dirty="0" smtClean="0"/>
+              <a:t>It’s like a basic </a:t>
+            </a:r>
+            <a:r>
+              <a:rPr lang="en-US" dirty="0" smtClean="0"/>
+              <a:t>layer-4 firewall system.</a:t>
+            </a:r>
+          </a:p>
+          <a:p>
+            <a:pPr lvl="1"/>
+            <a:endParaRPr lang="en-US" dirty="0" smtClean="0"/>
+          </a:p>
+          <a:p>
+            <a:r>
+              <a:rPr lang="en-US" dirty="0" smtClean="0"/>
+              <a:t>Default security </a:t>
+            </a:r>
+            <a:r>
+              <a:rPr lang="en-US" dirty="0" smtClean="0"/>
+              <a:t>group</a:t>
+            </a:r>
+            <a:endParaRPr lang="en-US" dirty="0" smtClean="0"/>
           </a:p>
           <a:p>
             <a:pPr lvl="1"/>
@@ -11747,8 +12463,16 @@
             <a:pPr lvl="1"/>
             <a:r>
               <a:rPr lang="en-US" dirty="0" smtClean="0"/>
-              <a:t>All outbound traffic allowed</a:t>
-            </a:r>
+              <a:t>All outbound traffic </a:t>
+            </a:r>
+            <a:r>
+              <a:rPr lang="en-US" dirty="0" smtClean="0"/>
+              <a:t>allowed</a:t>
+            </a:r>
+          </a:p>
+          <a:p>
+            <a:pPr lvl="1"/>
+            <a:endParaRPr lang="en-US" dirty="0" smtClean="0"/>
           </a:p>
           <a:p>
             <a:r>
@@ -11768,8 +12492,13 @@
             <a:pPr lvl="1"/>
             <a:r>
               <a:rPr lang="en-US" dirty="0" smtClean="0"/>
-              <a:t>Server can initiate outbound web request and receive an inbound response even if port 80 (http) incoming traffic is blocked</a:t>
-            </a:r>
+              <a:t>Server can initiate outbound web request and receive an inbound response even if port 80 (http) incoming traffic is </a:t>
+            </a:r>
+            <a:r>
+              <a:rPr lang="en-US" dirty="0" smtClean="0"/>
+              <a:t>blocked.</a:t>
+            </a:r>
+            <a:endParaRPr lang="en-US" dirty="0" smtClean="0"/>
           </a:p>
           <a:p>
             <a:endParaRPr lang="en-US" dirty="0"/>
@@ -12309,7 +13038,7 @@
         <p:spPr>
           <a:xfrm>
             <a:off x="217374" y="1417639"/>
-            <a:ext cx="2299586" cy="2585323"/>
+            <a:ext cx="2299586" cy="3693319"/>
           </a:xfrm>
           <a:prstGeom prst="rect">
             <a:avLst/>
@@ -12345,7 +13074,28 @@
             </a:pPr>
             <a:r>
               <a:rPr lang="en-US" dirty="0" smtClean="0"/>
-              <a:t>An EC2 instance may be associated with up to 5 different security groups</a:t>
+              <a:t>An EC2 instance may be associated with up to 5 different security </a:t>
+            </a:r>
+            <a:r>
+              <a:rPr lang="en-US" dirty="0" smtClean="0"/>
+              <a:t>groups</a:t>
+            </a:r>
+          </a:p>
+          <a:p>
+            <a:pPr marL="285750" indent="-285750">
+              <a:buFont typeface="Arial"/>
+              <a:buChar char="•"/>
+            </a:pPr>
+            <a:endParaRPr lang="en-US" dirty="0"/>
+          </a:p>
+          <a:p>
+            <a:pPr marL="285750" indent="-285750">
+              <a:buFont typeface="Arial"/>
+              <a:buChar char="•"/>
+            </a:pPr>
+            <a:r>
+              <a:rPr lang="en-US" dirty="0" smtClean="0"/>
+              <a:t>0.0.0.0/0 represents “everywhere”</a:t>
             </a:r>
             <a:endParaRPr lang="en-US" dirty="0"/>
           </a:p>
@@ -12498,10 +13248,15 @@
             <p:ph idx="1"/>
           </p:nvPr>
         </p:nvSpPr>
-        <p:spPr/>
+        <p:spPr>
+          <a:xfrm>
+            <a:off x="457200" y="1600200"/>
+            <a:ext cx="8229600" cy="4953986"/>
+          </a:xfrm>
+        </p:spPr>
         <p:txBody>
           <a:bodyPr>
-            <a:normAutofit lnSpcReduction="10000"/>
+            <a:normAutofit fontScale="62500" lnSpcReduction="20000"/>
           </a:bodyPr>
           <a:lstStyle/>
           <a:p>
@@ -12514,8 +13269,13 @@
             <a:pPr lvl="1"/>
             <a:r>
               <a:rPr lang="en-US" dirty="0" smtClean="0"/>
-              <a:t>Select an AMI</a:t>
-            </a:r>
+              <a:t>Select an </a:t>
+            </a:r>
+            <a:r>
+              <a:rPr lang="en-US" dirty="0" smtClean="0"/>
+              <a:t>Amazon Linux AMI</a:t>
+            </a:r>
+            <a:endParaRPr lang="en-US" dirty="0" smtClean="0"/>
           </a:p>
           <a:p>
             <a:pPr lvl="1"/>
@@ -12535,15 +13295,100 @@
             <a:pPr lvl="1"/>
             <a:r>
               <a:rPr lang="en-US" dirty="0" smtClean="0"/>
-              <a:t>Tag instance</a:t>
-            </a:r>
-          </a:p>
-          <a:p>
-            <a:pPr lvl="1"/>
-            <a:r>
-              <a:rPr lang="en-US" dirty="0" smtClean="0"/>
-              <a:t> Configure a security group</a:t>
-            </a:r>
+              <a:t>Tag </a:t>
+            </a:r>
+            <a:r>
+              <a:rPr lang="en-US" dirty="0" smtClean="0"/>
+              <a:t>instance</a:t>
+            </a:r>
+          </a:p>
+          <a:p>
+            <a:pPr lvl="1"/>
+            <a:endParaRPr lang="en-US" dirty="0" smtClean="0"/>
+          </a:p>
+          <a:p>
+            <a:r>
+              <a:rPr lang="en-US" dirty="0" smtClean="0"/>
+              <a:t>Log into EC2 instance</a:t>
+            </a:r>
+          </a:p>
+          <a:p>
+            <a:pPr lvl="1"/>
+            <a:r>
+              <a:rPr lang="en-US" dirty="0" smtClean="0"/>
+              <a:t>Add a new security group (webservers)</a:t>
+            </a:r>
+          </a:p>
+          <a:p>
+            <a:pPr lvl="2"/>
+            <a:r>
+              <a:rPr lang="en-US" dirty="0" smtClean="0"/>
+              <a:t>Make sure </a:t>
+            </a:r>
+            <a:r>
+              <a:rPr lang="en-US" dirty="0" err="1" smtClean="0"/>
+              <a:t>ssh</a:t>
+            </a:r>
+            <a:r>
+              <a:rPr lang="en-US" dirty="0" smtClean="0"/>
+              <a:t> port is open in SG</a:t>
+            </a:r>
+          </a:p>
+          <a:p>
+            <a:pPr lvl="1"/>
+            <a:r>
+              <a:rPr lang="en-US" dirty="0" smtClean="0"/>
+              <a:t>Update server packages</a:t>
+            </a:r>
+            <a:endParaRPr lang="en-US" dirty="0" smtClean="0"/>
+          </a:p>
+          <a:p>
+            <a:pPr lvl="1"/>
+            <a:r>
+              <a:rPr lang="en-US" dirty="0" smtClean="0"/>
+              <a:t>Show </a:t>
+            </a:r>
+            <a:r>
+              <a:rPr lang="en-US" dirty="0" smtClean="0"/>
+              <a:t>instance meta-data capability:</a:t>
+            </a:r>
+          </a:p>
+          <a:p>
+            <a:pPr lvl="2"/>
+            <a:r>
+              <a:rPr lang="en-US" dirty="0"/>
+              <a:t>curl </a:t>
+            </a:r>
+            <a:r>
+              <a:rPr lang="en-US" dirty="0">
+                <a:hlinkClick r:id="rId2"/>
+              </a:rPr>
+              <a:t>http://169.254.169.254/latest/meta-data/</a:t>
+            </a:r>
+            <a:r>
+              <a:rPr lang="en-US" dirty="0"/>
+              <a:t> </a:t>
+            </a:r>
+            <a:endParaRPr lang="en-US" dirty="0" smtClean="0"/>
+          </a:p>
+          <a:p>
+            <a:pPr lvl="1"/>
+            <a:r>
+              <a:rPr lang="en-US" dirty="0" smtClean="0"/>
+              <a:t>Show AWS CLI (</a:t>
+            </a:r>
+            <a:r>
+              <a:rPr lang="en-US" dirty="0" err="1" smtClean="0"/>
+              <a:t>aws</a:t>
+            </a:r>
+            <a:r>
+              <a:rPr lang="en-US" dirty="0" smtClean="0"/>
+              <a:t> help)</a:t>
+            </a:r>
+          </a:p>
+          <a:p>
+            <a:pPr lvl="1"/>
+            <a:endParaRPr lang="en-US" dirty="0" smtClean="0"/>
           </a:p>
           <a:p>
             <a:r>
@@ -12554,8 +13399,13 @@
           <a:p>
             <a:r>
               <a:rPr lang="en-US" dirty="0" smtClean="0"/>
-              <a:t>Create AMI from snapshot</a:t>
-            </a:r>
+              <a:t>Create AMI from </a:t>
+            </a:r>
+            <a:r>
+              <a:rPr lang="en-US" dirty="0" smtClean="0"/>
+              <a:t>instance</a:t>
+            </a:r>
+            <a:endParaRPr lang="en-US" dirty="0" smtClean="0"/>
           </a:p>
           <a:p>
             <a:r>
@@ -12577,7 +13427,7 @@
           <p:nvPr/>
         </p:nvPicPr>
         <p:blipFill>
-          <a:blip r:embed="rId2"/>
+          <a:blip r:embed="rId3"/>
           <a:stretch>
             <a:fillRect/>
           </a:stretch>
@@ -12876,7 +13726,12 @@
             <p:ph type="title"/>
           </p:nvPr>
         </p:nvSpPr>
-        <p:spPr/>
+        <p:spPr>
+          <a:xfrm>
+            <a:off x="457200" y="288293"/>
+            <a:ext cx="8229600" cy="1143000"/>
+          </a:xfrm>
+        </p:spPr>
         <p:txBody>
           <a:bodyPr/>
           <a:lstStyle/>
@@ -12980,7 +13835,7 @@
         <p:spPr/>
         <p:txBody>
           <a:bodyPr>
-            <a:normAutofit/>
+            <a:normAutofit lnSpcReduction="10000"/>
           </a:bodyPr>
           <a:lstStyle/>
           <a:p>
@@ -13007,7 +13862,19 @@
             <a:pPr lvl="1"/>
             <a:r>
               <a:rPr lang="en-US" dirty="0" smtClean="0"/>
-              <a:t>Self-service interfaces = reduced need for system admins, storage engineers, network admins, </a:t>
+              <a:t>Self-service interfaces = reduced </a:t>
+            </a:r>
+            <a:r>
+              <a:rPr lang="en-US" dirty="0" smtClean="0"/>
+              <a:t>demand on</a:t>
+            </a:r>
+            <a:r>
+              <a:rPr lang="en-US" dirty="0" smtClean="0"/>
+              <a:t> </a:t>
+            </a:r>
+            <a:r>
+              <a:rPr lang="en-US" dirty="0" smtClean="0"/>
+              <a:t>system admins, storage engineers, network admins, </a:t>
             </a:r>
             <a:r>
               <a:rPr lang="en-US" dirty="0" err="1" smtClean="0"/>

--- a/infrastructure-week-4.pptx
+++ b/infrastructure-week-4.pptx
@@ -6657,6 +6657,13 @@
   <p:clrMapOvr>
     <a:masterClrMapping/>
   </p:clrMapOvr>
+  <p:timing>
+    <p:tnLst>
+      <p:par>
+        <p:cTn xmlns:p14="http://schemas.microsoft.com/office/powerpoint/2010/main" id="1" dur="indefinite" restart="never" nodeType="tmRoot"/>
+      </p:par>
+    </p:tnLst>
+  </p:timing>
 </p:sld>
 </file>
 
@@ -6734,6 +6741,13 @@
   <p:clrMapOvr>
     <a:masterClrMapping/>
   </p:clrMapOvr>
+  <p:timing>
+    <p:tnLst>
+      <p:par>
+        <p:cTn xmlns:p14="http://schemas.microsoft.com/office/powerpoint/2010/main" id="1" dur="indefinite" restart="never" nodeType="tmRoot"/>
+      </p:par>
+    </p:tnLst>
+  </p:timing>
 </p:sld>
 </file>
 
@@ -6788,6 +6802,13 @@
   <p:clrMapOvr>
     <a:masterClrMapping/>
   </p:clrMapOvr>
+  <p:timing>
+    <p:tnLst>
+      <p:par>
+        <p:cTn xmlns:p14="http://schemas.microsoft.com/office/powerpoint/2010/main" id="1" dur="indefinite" restart="never" nodeType="tmRoot"/>
+      </p:par>
+    </p:tnLst>
+  </p:timing>
 </p:sld>
 </file>
 
@@ -6936,6 +6957,13 @@
   <p:clrMapOvr>
     <a:masterClrMapping/>
   </p:clrMapOvr>
+  <p:timing>
+    <p:tnLst>
+      <p:par>
+        <p:cTn xmlns:p14="http://schemas.microsoft.com/office/powerpoint/2010/main" id="1" dur="indefinite" restart="never" nodeType="tmRoot"/>
+      </p:par>
+    </p:tnLst>
+  </p:timing>
 </p:sld>
 </file>
 
@@ -8384,6 +8412,13 @@
   <p:clrMapOvr>
     <a:masterClrMapping/>
   </p:clrMapOvr>
+  <p:timing>
+    <p:tnLst>
+      <p:par>
+        <p:cTn xmlns:p14="http://schemas.microsoft.com/office/powerpoint/2010/main" id="1" dur="indefinite" restart="never" nodeType="tmRoot"/>
+      </p:par>
+    </p:tnLst>
+  </p:timing>
 </p:sld>
 </file>
 
@@ -9833,7 +9868,15 @@
             <a:pPr lvl="1"/>
             <a:r>
               <a:rPr lang="en-US" dirty="0" smtClean="0"/>
-              <a:t>Once a bucket is enabled, it cannot be disabled only suspended</a:t>
+              <a:t>Once </a:t>
+            </a:r>
+            <a:r>
+              <a:rPr lang="en-US" dirty="0" smtClean="0"/>
+              <a:t>versioning on a </a:t>
+            </a:r>
+            <a:r>
+              <a:rPr lang="en-US" dirty="0" smtClean="0"/>
+              <a:t>bucket is enabled, it cannot be disabled only suspended</a:t>
             </a:r>
           </a:p>
           <a:p>
@@ -10169,6 +10212,13 @@
   <p:clrMapOvr>
     <a:masterClrMapping/>
   </p:clrMapOvr>
+  <p:timing>
+    <p:tnLst>
+      <p:par>
+        <p:cTn xmlns:p14="http://schemas.microsoft.com/office/powerpoint/2010/main" id="1" dur="indefinite" restart="never" nodeType="tmRoot"/>
+      </p:par>
+    </p:tnLst>
+  </p:timing>
 </p:sld>
 </file>
 
@@ -12038,6 +12088,13 @@
   <p:clrMapOvr>
     <a:masterClrMapping/>
   </p:clrMapOvr>
+  <p:timing>
+    <p:tnLst>
+      <p:par>
+        <p:cTn xmlns:p14="http://schemas.microsoft.com/office/powerpoint/2010/main" id="1" dur="indefinite" restart="never" nodeType="tmRoot"/>
+      </p:par>
+    </p:tnLst>
+  </p:timing>
 </p:sld>
 </file>
 
@@ -13696,6 +13753,13 @@
   <p:clrMapOvr>
     <a:masterClrMapping/>
   </p:clrMapOvr>
+  <p:timing>
+    <p:tnLst>
+      <p:par>
+        <p:cTn xmlns:p14="http://schemas.microsoft.com/office/powerpoint/2010/main" id="1" dur="indefinite" restart="never" nodeType="tmRoot"/>
+      </p:par>
+    </p:tnLst>
+  </p:timing>
 </p:sld>
 </file>
 
@@ -13779,6 +13843,13 @@
   <p:clrMapOvr>
     <a:masterClrMapping/>
   </p:clrMapOvr>
+  <p:timing>
+    <p:tnLst>
+      <p:par>
+        <p:cTn xmlns:p14="http://schemas.microsoft.com/office/powerpoint/2010/main" id="1" dur="indefinite" restart="never" nodeType="tmRoot"/>
+      </p:par>
+    </p:tnLst>
+  </p:timing>
 </p:sld>
 </file>
 
@@ -13907,6 +13978,13 @@
   <p:clrMapOvr>
     <a:masterClrMapping/>
   </p:clrMapOvr>
+  <p:timing>
+    <p:tnLst>
+      <p:par>
+        <p:cTn xmlns:p14="http://schemas.microsoft.com/office/powerpoint/2010/main" id="1" dur="indefinite" restart="never" nodeType="tmRoot"/>
+      </p:par>
+    </p:tnLst>
+  </p:timing>
 </p:sld>
 </file>
 
@@ -14016,6 +14094,13 @@
   <p:clrMapOvr>
     <a:masterClrMapping/>
   </p:clrMapOvr>
+  <p:timing>
+    <p:tnLst>
+      <p:par>
+        <p:cTn xmlns:p14="http://schemas.microsoft.com/office/powerpoint/2010/main" id="1" dur="indefinite" restart="never" nodeType="tmRoot"/>
+      </p:par>
+    </p:tnLst>
+  </p:timing>
 </p:sld>
 </file>
 
@@ -14178,6 +14263,13 @@
   <p:clrMapOvr>
     <a:masterClrMapping/>
   </p:clrMapOvr>
+  <p:timing>
+    <p:tnLst>
+      <p:par>
+        <p:cTn xmlns:p14="http://schemas.microsoft.com/office/powerpoint/2010/main" id="1" dur="indefinite" restart="never" nodeType="tmRoot"/>
+      </p:par>
+    </p:tnLst>
+  </p:timing>
 </p:sld>
 </file>
 

--- a/infrastructure-week-4.pptx
+++ b/infrastructure-week-4.pptx
@@ -3666,7 +3666,7 @@
           <a:p>
             <a:fld id="{A4F65825-1538-3A4D-944A-D06B0D1CBF06}" type="datetimeFigureOut">
               <a:rPr lang="en-US" smtClean="0"/>
-              <a:t>8/7/16</a:t>
+              <a:t>8/10/16</a:t>
             </a:fld>
             <a:endParaRPr lang="en-US"/>
           </a:p>
@@ -3836,7 +3836,7 @@
           <a:p>
             <a:fld id="{A4F65825-1538-3A4D-944A-D06B0D1CBF06}" type="datetimeFigureOut">
               <a:rPr lang="en-US" smtClean="0"/>
-              <a:t>8/7/16</a:t>
+              <a:t>8/10/16</a:t>
             </a:fld>
             <a:endParaRPr lang="en-US"/>
           </a:p>
@@ -4016,7 +4016,7 @@
           <a:p>
             <a:fld id="{A4F65825-1538-3A4D-944A-D06B0D1CBF06}" type="datetimeFigureOut">
               <a:rPr lang="en-US" smtClean="0"/>
-              <a:t>8/7/16</a:t>
+              <a:t>8/10/16</a:t>
             </a:fld>
             <a:endParaRPr lang="en-US"/>
           </a:p>
@@ -4186,7 +4186,7 @@
           <a:p>
             <a:fld id="{A4F65825-1538-3A4D-944A-D06B0D1CBF06}" type="datetimeFigureOut">
               <a:rPr lang="en-US" smtClean="0"/>
-              <a:t>8/7/16</a:t>
+              <a:t>8/10/16</a:t>
             </a:fld>
             <a:endParaRPr lang="en-US"/>
           </a:p>
@@ -4432,7 +4432,7 @@
           <a:p>
             <a:fld id="{A4F65825-1538-3A4D-944A-D06B0D1CBF06}" type="datetimeFigureOut">
               <a:rPr lang="en-US" smtClean="0"/>
-              <a:t>8/7/16</a:t>
+              <a:t>8/10/16</a:t>
             </a:fld>
             <a:endParaRPr lang="en-US"/>
           </a:p>
@@ -4720,7 +4720,7 @@
           <a:p>
             <a:fld id="{A4F65825-1538-3A4D-944A-D06B0D1CBF06}" type="datetimeFigureOut">
               <a:rPr lang="en-US" smtClean="0"/>
-              <a:t>8/7/16</a:t>
+              <a:t>8/10/16</a:t>
             </a:fld>
             <a:endParaRPr lang="en-US"/>
           </a:p>
@@ -5142,7 +5142,7 @@
           <a:p>
             <a:fld id="{A4F65825-1538-3A4D-944A-D06B0D1CBF06}" type="datetimeFigureOut">
               <a:rPr lang="en-US" smtClean="0"/>
-              <a:t>8/7/16</a:t>
+              <a:t>8/10/16</a:t>
             </a:fld>
             <a:endParaRPr lang="en-US"/>
           </a:p>
@@ -5260,7 +5260,7 @@
           <a:p>
             <a:fld id="{A4F65825-1538-3A4D-944A-D06B0D1CBF06}" type="datetimeFigureOut">
               <a:rPr lang="en-US" smtClean="0"/>
-              <a:t>8/7/16</a:t>
+              <a:t>8/10/16</a:t>
             </a:fld>
             <a:endParaRPr lang="en-US"/>
           </a:p>
@@ -5355,7 +5355,7 @@
           <a:p>
             <a:fld id="{A4F65825-1538-3A4D-944A-D06B0D1CBF06}" type="datetimeFigureOut">
               <a:rPr lang="en-US" smtClean="0"/>
-              <a:t>8/7/16</a:t>
+              <a:t>8/10/16</a:t>
             </a:fld>
             <a:endParaRPr lang="en-US"/>
           </a:p>
@@ -5632,7 +5632,7 @@
           <a:p>
             <a:fld id="{A4F65825-1538-3A4D-944A-D06B0D1CBF06}" type="datetimeFigureOut">
               <a:rPr lang="en-US" smtClean="0"/>
-              <a:t>8/7/16</a:t>
+              <a:t>8/10/16</a:t>
             </a:fld>
             <a:endParaRPr lang="en-US"/>
           </a:p>
@@ -5885,7 +5885,7 @@
           <a:p>
             <a:fld id="{A4F65825-1538-3A4D-944A-D06B0D1CBF06}" type="datetimeFigureOut">
               <a:rPr lang="en-US" smtClean="0"/>
-              <a:t>8/7/16</a:t>
+              <a:t>8/10/16</a:t>
             </a:fld>
             <a:endParaRPr lang="en-US"/>
           </a:p>
@@ -6098,7 +6098,7 @@
           <a:p>
             <a:fld id="{A4F65825-1538-3A4D-944A-D06B0D1CBF06}" type="datetimeFigureOut">
               <a:rPr lang="en-US" smtClean="0"/>
-              <a:t>8/7/16</a:t>
+              <a:t>8/10/16</a:t>
             </a:fld>
             <a:endParaRPr lang="en-US"/>
           </a:p>
@@ -7026,28 +7026,16 @@
           <a:p>
             <a:r>
               <a:rPr lang="en-US" dirty="0" smtClean="0"/>
-              <a:t>AWS platform contains all of the services needed to reinforce concepts in this </a:t>
-            </a:r>
-            <a:r>
-              <a:rPr lang="en-US" dirty="0" smtClean="0"/>
-              <a:t>course</a:t>
-            </a:r>
-          </a:p>
-          <a:p>
-            <a:r>
-              <a:rPr lang="en-US" dirty="0"/>
-              <a:t/>
-            </a:r>
+              <a:t>AWS platform contains all of the services needed to reinforce concepts in this course</a:t>
+            </a:r>
+          </a:p>
+          <a:p>
             <a:endParaRPr lang="en-US" dirty="0" smtClean="0"/>
           </a:p>
           <a:p>
             <a:r>
               <a:rPr lang="en-US" dirty="0" smtClean="0"/>
-              <a:t>IT professionals should understand how to use the most popular cloud </a:t>
-            </a:r>
-            <a:r>
-              <a:rPr lang="en-US" dirty="0" smtClean="0"/>
-              <a:t>platform</a:t>
+              <a:t>IT professionals should understand how to use the most popular cloud platform</a:t>
             </a:r>
           </a:p>
           <a:p>
@@ -7056,11 +7044,7 @@
           <a:p>
             <a:r>
               <a:rPr lang="en-US" dirty="0" smtClean="0"/>
-              <a:t>Students receive educational credits for using </a:t>
-            </a:r>
-            <a:r>
-              <a:rPr lang="en-US" dirty="0" smtClean="0"/>
-              <a:t>AWS</a:t>
+              <a:t>Students receive educational credits for using AWS</a:t>
             </a:r>
           </a:p>
           <a:p>
@@ -8009,11 +7993,7 @@
           <a:p>
             <a:r>
               <a:rPr lang="en-US" dirty="0" smtClean="0"/>
-              <a:t>IAM allows organizations to create users and manage their access to AWS </a:t>
-            </a:r>
-            <a:r>
-              <a:rPr lang="en-US" dirty="0" smtClean="0"/>
-              <a:t>resources</a:t>
+              <a:t>IAM allows organizations to create users and manage their access to AWS resources</a:t>
             </a:r>
           </a:p>
           <a:p>
@@ -8229,11 +8209,7 @@
             </a:r>
             <a:r>
               <a:rPr lang="en-US" dirty="0" smtClean="0"/>
-              <a:t>: an individual setup with an account in </a:t>
-            </a:r>
-            <a:r>
-              <a:rPr lang="en-US" dirty="0" smtClean="0"/>
-              <a:t>IAM</a:t>
+              <a:t>: an individual setup with an account in IAM</a:t>
             </a:r>
           </a:p>
           <a:p>
@@ -8246,11 +8222,7 @@
             </a:r>
             <a:r>
               <a:rPr lang="en-US" dirty="0" smtClean="0"/>
-              <a:t>: a set of users sharing similar access </a:t>
-            </a:r>
-            <a:r>
-              <a:rPr lang="en-US" dirty="0" smtClean="0"/>
-              <a:t>privileges</a:t>
+              <a:t>: a set of users sharing similar access privileges</a:t>
             </a:r>
           </a:p>
           <a:p>
@@ -8270,11 +8242,7 @@
             <a:pPr lvl="1"/>
             <a:r>
               <a:rPr lang="en-US" dirty="0" smtClean="0"/>
-              <a:t>Lets resources act like users with specific </a:t>
-            </a:r>
-            <a:r>
-              <a:rPr lang="en-US" dirty="0" smtClean="0"/>
-              <a:t>privileges</a:t>
+              <a:t>Lets resources act like users with specific privileges</a:t>
             </a:r>
           </a:p>
           <a:p>
@@ -8489,11 +8457,7 @@
             </a:r>
             <a:r>
               <a:rPr lang="en-US" dirty="0" smtClean="0"/>
-              <a:t>, any changes we make impact all </a:t>
-            </a:r>
-            <a:r>
-              <a:rPr lang="en-US" dirty="0" smtClean="0"/>
-              <a:t>regions</a:t>
+              <a:t>, any changes we make impact all regions</a:t>
             </a:r>
           </a:p>
           <a:p>
@@ -8502,11 +8466,7 @@
           <a:p>
             <a:r>
               <a:rPr lang="en-US" dirty="0" smtClean="0"/>
-              <a:t>All activities we do on the web console may also be done via command line or </a:t>
-            </a:r>
-            <a:r>
-              <a:rPr lang="en-US" dirty="0" smtClean="0"/>
-              <a:t>SDK</a:t>
+              <a:t>All activities we do on the web console may also be done via command line or SDK</a:t>
             </a:r>
           </a:p>
           <a:p>
@@ -8515,11 +8475,7 @@
           <a:p>
             <a:r>
               <a:rPr lang="en-US" dirty="0" smtClean="0"/>
-              <a:t>IAM users sign-in link is the web login URL for users (and it may be customized</a:t>
-            </a:r>
-            <a:r>
-              <a:rPr lang="en-US" dirty="0" smtClean="0"/>
-              <a:t>)</a:t>
+              <a:t>IAM users sign-in link is the web login URL for users (and it may be customized)</a:t>
             </a:r>
           </a:p>
           <a:p>
@@ -8662,11 +8618,7 @@
             <a:pPr lvl="1"/>
             <a:r>
               <a:rPr lang="en-US" dirty="0" smtClean="0"/>
-              <a:t>Access key and secret access key required to use AWS API (** KEEP THESE SAFE!!</a:t>
-            </a:r>
-            <a:r>
-              <a:rPr lang="en-US" dirty="0" smtClean="0"/>
-              <a:t>)</a:t>
+              <a:t>Access key and secret access key required to use AWS API (** KEEP THESE SAFE!!)</a:t>
             </a:r>
           </a:p>
           <a:p>
@@ -8690,11 +8642,7 @@
             <a:pPr lvl="1"/>
             <a:r>
               <a:rPr lang="en-US" dirty="0" smtClean="0"/>
-              <a:t>Policies define access privileges for group </a:t>
-            </a:r>
-            <a:r>
-              <a:rPr lang="en-US" dirty="0" smtClean="0"/>
-              <a:t>members</a:t>
+              <a:t>Policies define access privileges for group members</a:t>
             </a:r>
           </a:p>
           <a:p>
@@ -8711,11 +8659,7 @@
             <a:pPr lvl="1"/>
             <a:r>
               <a:rPr lang="en-US" dirty="0" smtClean="0"/>
-              <a:t>Define password strength/expiration </a:t>
-            </a:r>
-            <a:r>
-              <a:rPr lang="en-US" dirty="0" smtClean="0"/>
-              <a:t>requirements</a:t>
+              <a:t>Define password strength/expiration requirements</a:t>
             </a:r>
           </a:p>
           <a:p>
@@ -8856,11 +8800,7 @@
             <a:pPr lvl="2"/>
             <a:r>
               <a:rPr lang="en-US" dirty="0" smtClean="0"/>
-              <a:t>Metadata = various descriptive information about the </a:t>
-            </a:r>
-            <a:r>
-              <a:rPr lang="en-US" dirty="0" smtClean="0"/>
-              <a:t>file</a:t>
+              <a:t>Metadata = various descriptive information about the file</a:t>
             </a:r>
           </a:p>
           <a:p>
@@ -8871,11 +8811,7 @@
             <a:pPr lvl="1"/>
             <a:r>
               <a:rPr lang="en-US" dirty="0" smtClean="0"/>
-              <a:t>Standard S3 data is </a:t>
-            </a:r>
-            <a:r>
-              <a:rPr lang="en-US" dirty="0" smtClean="0"/>
-              <a:t>stored across multiple AZs in a region (11 9’s durability: 99.999999999%)</a:t>
+              <a:t>Standard S3 data is stored across multiple AZs in a region (11 9’s durability: 99.999999999%)</a:t>
             </a:r>
           </a:p>
           <a:p>
@@ -8896,11 +8832,7 @@
             <a:pPr lvl="2"/>
             <a:r>
               <a:rPr lang="en-US" dirty="0" smtClean="0"/>
-              <a:t>Individual files may be 0 bytes to </a:t>
-            </a:r>
-            <a:r>
-              <a:rPr lang="en-US" dirty="0" smtClean="0"/>
-              <a:t>5TB</a:t>
+              <a:t>Individual files may be 0 bytes to 5TB</a:t>
             </a:r>
           </a:p>
           <a:p>
@@ -9052,19 +8984,7 @@
             </a:r>
             <a:r>
               <a:rPr lang="en-US" dirty="0" smtClean="0"/>
-              <a:t> </a:t>
-            </a:r>
-            <a:r>
-              <a:rPr lang="en-US" dirty="0" smtClean="0"/>
-              <a:t>and </a:t>
-            </a:r>
-            <a:r>
-              <a:rPr lang="en-US" dirty="0" smtClean="0"/>
-              <a:t>must be </a:t>
-            </a:r>
-            <a:r>
-              <a:rPr lang="en-US" dirty="0" smtClean="0"/>
-              <a:t>unique</a:t>
+              <a:t> and must be unique</a:t>
             </a:r>
           </a:p>
           <a:p>
@@ -9073,7 +8993,6 @@
               <a:rPr lang="en-US" dirty="0" smtClean="0"/>
               <a:t>Limit of 100 buckets per account (but can be increased)</a:t>
             </a:r>
-            <a:endParaRPr lang="en-US" dirty="0" smtClean="0"/>
           </a:p>
           <a:p>
             <a:pPr lvl="1"/>
@@ -9204,33 +9123,28 @@
             <a:pPr lvl="1"/>
             <a:r>
               <a:rPr lang="en-US" dirty="0" smtClean="0"/>
-              <a:t>Encrypt data-at-rest for greater </a:t>
-            </a:r>
-            <a:r>
-              <a:rPr lang="en-US" dirty="0" smtClean="0"/>
-              <a:t>security (AES-256)</a:t>
-            </a:r>
+              <a:t>Encrypt data-at-rest for greater security (AES-256)</a:t>
+            </a:r>
+          </a:p>
+          <a:p>
+            <a:pPr lvl="1"/>
+            <a:r>
+              <a:rPr lang="en-US" dirty="0" smtClean="0"/>
+              <a:t>Transmit data via SSL/TLS</a:t>
+            </a:r>
+          </a:p>
+          <a:p>
+            <a:pPr lvl="1"/>
+            <a:r>
+              <a:rPr lang="en-US" dirty="0" smtClean="0"/>
+              <a:t>Create logs tracking all access to buckets and files</a:t>
+            </a:r>
+          </a:p>
+          <a:p>
+            <a:pPr lvl="1"/>
             <a:endParaRPr lang="en-US" dirty="0" smtClean="0"/>
           </a:p>
           <a:p>
-            <a:pPr lvl="1"/>
-            <a:r>
-              <a:rPr lang="en-US" dirty="0" smtClean="0"/>
-              <a:t>Transmit data via SSL/TLS</a:t>
-            </a:r>
-          </a:p>
-          <a:p>
-            <a:pPr lvl="1"/>
-            <a:r>
-              <a:rPr lang="en-US" dirty="0" smtClean="0"/>
-              <a:t>Create logs tracking all access to buckets and files</a:t>
-            </a:r>
-          </a:p>
-          <a:p>
-            <a:pPr lvl="1"/>
-            <a:endParaRPr lang="en-US" dirty="0" smtClean="0"/>
-          </a:p>
-          <a:p>
             <a:r>
               <a:rPr lang="en-US" dirty="0" smtClean="0"/>
               <a:t>Cost</a:t>
@@ -9240,11 +9154,7 @@
             <a:pPr lvl="1"/>
             <a:r>
               <a:rPr lang="en-US" dirty="0" smtClean="0"/>
-              <a:t>Pay for storage space per </a:t>
-            </a:r>
-            <a:r>
-              <a:rPr lang="en-US" dirty="0" smtClean="0"/>
-              <a:t>GB, number of requests (GET, PUT, etc.) and data transmission</a:t>
+              <a:t>Pay for storage space per GB, number of requests (GET, PUT, etc.) and data transmission</a:t>
             </a:r>
           </a:p>
           <a:p>
@@ -9253,7 +9163,6 @@
               <a:rPr lang="en-US" dirty="0" smtClean="0"/>
               <a:t>No fee for incoming data</a:t>
             </a:r>
-            <a:endParaRPr lang="en-US" dirty="0" smtClean="0"/>
           </a:p>
           <a:p>
             <a:pPr lvl="1"/>
@@ -9397,11 +9306,7 @@
             </a:r>
             <a:r>
               <a:rPr lang="en-US" dirty="0" smtClean="0"/>
-              <a:t>(Infrequently Accessed): data which isn’t accessed frequently, but must be available </a:t>
-            </a:r>
-            <a:r>
-              <a:rPr lang="en-US" dirty="0" smtClean="0"/>
-              <a:t>immediately</a:t>
+              <a:t>(Infrequently Accessed): data which isn’t accessed frequently, but must be available immediately</a:t>
             </a:r>
           </a:p>
           <a:p>
@@ -9439,19 +9344,7 @@
             </a:r>
             <a:r>
               <a:rPr lang="en-US" dirty="0" smtClean="0"/>
-              <a:t> (Reduced Redundancy Storage): </a:t>
-            </a:r>
-            <a:r>
-              <a:rPr lang="en-US" dirty="0" smtClean="0"/>
-              <a:t>storage </a:t>
-            </a:r>
-            <a:r>
-              <a:rPr lang="en-US" dirty="0" smtClean="0"/>
-              <a:t>for non-critical or easily reproduced </a:t>
-            </a:r>
-            <a:r>
-              <a:rPr lang="en-US" dirty="0" smtClean="0"/>
-              <a:t>data</a:t>
+              <a:t> (Reduced Redundancy Storage): storage for non-critical or easily reproduced data</a:t>
             </a:r>
           </a:p>
           <a:p>
@@ -9479,15 +9372,7 @@
             </a:r>
             <a:r>
               <a:rPr lang="en-US" dirty="0" smtClean="0"/>
-              <a:t>: </a:t>
-            </a:r>
-            <a:r>
-              <a:rPr lang="en-US" dirty="0" smtClean="0"/>
-              <a:t>inexpensive data </a:t>
-            </a:r>
-            <a:r>
-              <a:rPr lang="en-US" dirty="0" smtClean="0"/>
-              <a:t>archiving, 3-5 hours to restore data</a:t>
+              <a:t>: inexpensive data archiving, 3-5 hours to restore data</a:t>
             </a:r>
             <a:endParaRPr lang="en-US" dirty="0"/>
           </a:p>
@@ -9572,15 +9457,7 @@
             <a:pPr lvl="1"/>
             <a:r>
               <a:rPr lang="en-US" dirty="0" smtClean="0"/>
-              <a:t>Bucket name must be </a:t>
-            </a:r>
-            <a:r>
-              <a:rPr lang="en-US" dirty="0" smtClean="0"/>
-              <a:t>globally unique </a:t>
-            </a:r>
-            <a:r>
-              <a:rPr lang="en-US" dirty="0" smtClean="0"/>
-              <a:t>and associated with a specific region</a:t>
+              <a:t>Bucket name must be globally unique and associated with a specific region</a:t>
             </a:r>
           </a:p>
           <a:p>
@@ -9868,15 +9745,7 @@
             <a:pPr lvl="1"/>
             <a:r>
               <a:rPr lang="en-US" dirty="0" smtClean="0"/>
-              <a:t>Once </a:t>
-            </a:r>
-            <a:r>
-              <a:rPr lang="en-US" dirty="0" smtClean="0"/>
-              <a:t>versioning on a </a:t>
-            </a:r>
-            <a:r>
-              <a:rPr lang="en-US" dirty="0" smtClean="0"/>
-              <a:t>bucket is enabled, it cannot be disabled only suspended</a:t>
+              <a:t>Once versioning on a bucket is enabled, it cannot be disabled only suspended</a:t>
             </a:r>
           </a:p>
           <a:p>
@@ -10119,11 +9988,7 @@
             <a:pPr lvl="1"/>
             <a:r>
               <a:rPr lang="en-US" dirty="0" smtClean="0"/>
-              <a:t>No web</a:t>
-            </a:r>
-            <a:r>
-              <a:rPr lang="en-US" dirty="0" smtClean="0"/>
-              <a:t>!</a:t>
+              <a:t>No web!</a:t>
             </a:r>
           </a:p>
           <a:p>
@@ -10154,11 +10019,7 @@
             <a:pPr lvl="1"/>
             <a:r>
               <a:rPr lang="en-US" dirty="0" smtClean="0"/>
-              <a:t>Dot-coms spent millions on hardware </a:t>
-            </a:r>
-            <a:r>
-              <a:rPr lang="en-US" dirty="0" smtClean="0"/>
-              <a:t>alone</a:t>
+              <a:t>Dot-coms spent millions on hardware alone</a:t>
             </a:r>
           </a:p>
           <a:p>
@@ -10293,11 +10154,7 @@
             <a:pPr lvl="1"/>
             <a:r>
               <a:rPr lang="en-US" dirty="0" smtClean="0"/>
-              <a:t>Cache S3 files at over 50 edge locations throughout the </a:t>
-            </a:r>
-            <a:r>
-              <a:rPr lang="en-US" dirty="0" smtClean="0"/>
-              <a:t>world</a:t>
+              <a:t>Cache S3 files at over 50 edge locations throughout the world</a:t>
             </a:r>
           </a:p>
           <a:p>
@@ -10315,11 +10172,7 @@
             <a:pPr lvl="2"/>
             <a:r>
               <a:rPr lang="en-US" dirty="0" smtClean="0"/>
-              <a:t>Don’t confuse edge locations with </a:t>
-            </a:r>
-            <a:r>
-              <a:rPr lang="en-US" dirty="0" smtClean="0"/>
-              <a:t>regions</a:t>
+              <a:t>Don’t confuse edge locations with regions</a:t>
             </a:r>
           </a:p>
           <a:p>
@@ -10330,11 +10183,7 @@
             <a:pPr lvl="1"/>
             <a:r>
               <a:rPr lang="en-US" dirty="0" smtClean="0"/>
-              <a:t>Distribution: set of S3 files that are </a:t>
-            </a:r>
-            <a:r>
-              <a:rPr lang="en-US" dirty="0" smtClean="0"/>
-              <a:t>cached</a:t>
+              <a:t>Distribution: set of S3 files that are cached</a:t>
             </a:r>
           </a:p>
           <a:p>
@@ -10361,11 +10210,7 @@
             </a:r>
             <a:r>
               <a:rPr lang="en-US" dirty="0" smtClean="0"/>
-              <a:t> file cache, decreasing download latency and improving website response time</a:t>
-            </a:r>
-            <a:r>
-              <a:rPr lang="en-US" dirty="0" smtClean="0"/>
-              <a:t>.</a:t>
+              <a:t> file cache, decreasing download latency and improving website response time.</a:t>
             </a:r>
           </a:p>
           <a:p>
@@ -10504,11 +10349,7 @@
             </a:r>
             <a:r>
               <a:rPr lang="en-US" dirty="0" smtClean="0"/>
-              <a:t> frequently-accessed files </a:t>
-            </a:r>
-            <a:r>
-              <a:rPr lang="en-US" dirty="0" smtClean="0"/>
-              <a:t>locally</a:t>
+              <a:t> frequently-accessed files locally</a:t>
             </a:r>
           </a:p>
           <a:p>
@@ -10527,11 +10368,7 @@
             </a:r>
             <a:r>
               <a:rPr lang="en-US" dirty="0" smtClean="0"/>
-              <a:t> some or all files on </a:t>
-            </a:r>
-            <a:r>
-              <a:rPr lang="en-US" dirty="0" smtClean="0"/>
-              <a:t>S3</a:t>
+              <a:t> some or all files on S3</a:t>
             </a:r>
           </a:p>
           <a:p>
@@ -10550,11 +10387,7 @@
             </a:r>
             <a:r>
               <a:rPr lang="en-US" dirty="0" smtClean="0"/>
-              <a:t>when using backup </a:t>
-            </a:r>
-            <a:r>
-              <a:rPr lang="en-US" dirty="0" smtClean="0"/>
-              <a:t>software</a:t>
+              <a:t>when using backup software</a:t>
             </a:r>
           </a:p>
           <a:p>
@@ -10810,11 +10643,7 @@
           <a:p>
             <a:r>
               <a:rPr lang="en-US" dirty="0" smtClean="0"/>
-              <a:t>Service that provides resizable compute capacity in the </a:t>
-            </a:r>
-            <a:r>
-              <a:rPr lang="en-US" dirty="0" smtClean="0"/>
-              <a:t>cloud</a:t>
+              <a:t>Service that provides resizable compute capacity in the cloud</a:t>
             </a:r>
           </a:p>
           <a:p>
@@ -10823,11 +10652,7 @@
           <a:p>
             <a:r>
               <a:rPr lang="en-US" dirty="0" smtClean="0"/>
-              <a:t>Core computing infrastructure building block that supports many other AWS </a:t>
-            </a:r>
-            <a:r>
-              <a:rPr lang="en-US" dirty="0" smtClean="0"/>
-              <a:t>services</a:t>
+              <a:t>Core computing infrastructure building block that supports many other AWS services</a:t>
             </a:r>
           </a:p>
           <a:p>
@@ -10836,15 +10661,7 @@
           <a:p>
             <a:r>
               <a:rPr lang="en-US" dirty="0" smtClean="0"/>
-              <a:t>It’s basically a cloud-based </a:t>
-            </a:r>
-            <a:r>
-              <a:rPr lang="en-US" dirty="0" smtClean="0"/>
-              <a:t>virtual machine (</a:t>
-            </a:r>
-            <a:r>
-              <a:rPr lang="en-US" dirty="0" smtClean="0"/>
-              <a:t>AWS calls them </a:t>
+              <a:t>It’s basically a cloud-based virtual machine (AWS calls them </a:t>
             </a:r>
             <a:r>
               <a:rPr lang="en-US" b="1" dirty="0" smtClean="0"/>
@@ -11023,11 +10840,7 @@
             <a:pPr lvl="2"/>
             <a:r>
               <a:rPr lang="en-US" dirty="0" smtClean="0"/>
-              <a:t>Long-term, predictable workloads with known capacity </a:t>
-            </a:r>
-            <a:r>
-              <a:rPr lang="en-US" dirty="0" smtClean="0"/>
-              <a:t>requirements</a:t>
+              <a:t>Long-term, predictable workloads with known capacity requirements</a:t>
             </a:r>
           </a:p>
           <a:p>
@@ -11549,15 +11362,7 @@
           <a:p>
             <a:r>
               <a:rPr lang="en-US" dirty="0" smtClean="0"/>
-              <a:t>An </a:t>
-            </a:r>
-            <a:r>
-              <a:rPr lang="en-US" dirty="0" smtClean="0"/>
-              <a:t>AMI defines the base OS, applications, networking and storage components for an EC2 instance</a:t>
-            </a:r>
-            <a:r>
-              <a:rPr lang="en-US" dirty="0" smtClean="0"/>
-              <a:t>.</a:t>
+              <a:t>An AMI defines the base OS, applications, networking and storage components for an EC2 instance.</a:t>
             </a:r>
           </a:p>
           <a:p>
@@ -11594,11 +11399,7 @@
             <a:pPr lvl="1"/>
             <a:r>
               <a:rPr lang="en-US" dirty="0" smtClean="0"/>
-              <a:t>Your own private </a:t>
-            </a:r>
-            <a:r>
-              <a:rPr lang="en-US" dirty="0" smtClean="0"/>
-              <a:t>images</a:t>
+              <a:t>Your own private images</a:t>
             </a:r>
           </a:p>
           <a:p>
@@ -11608,11 +11409,7 @@
           <a:p>
             <a:r>
               <a:rPr lang="en-US" dirty="0" smtClean="0"/>
-              <a:t>AMIs only exist within a specific region (you can copy to other regions if necessary</a:t>
-            </a:r>
-            <a:r>
-              <a:rPr lang="en-US" dirty="0" smtClean="0"/>
-              <a:t>).</a:t>
+              <a:t>AMIs only exist within a specific region (you can copy to other regions if necessary).</a:t>
             </a:r>
             <a:endParaRPr lang="en-US" dirty="0"/>
           </a:p>
@@ -11703,23 +11500,14 @@
             </a:r>
             <a:r>
               <a:rPr lang="en-US" dirty="0" smtClean="0"/>
-              <a:t> that can be attached to EC2 </a:t>
-            </a:r>
-            <a:r>
-              <a:rPr lang="en-US" dirty="0" smtClean="0"/>
-              <a:t>instances.</a:t>
-            </a:r>
-            <a:endParaRPr lang="en-US" dirty="0" smtClean="0"/>
-          </a:p>
-          <a:p>
-            <a:pPr lvl="1"/>
-            <a:r>
-              <a:rPr lang="en-US" dirty="0" smtClean="0"/>
-              <a:t>A volume is like a hard drive for your instance</a:t>
-            </a:r>
-            <a:r>
-              <a:rPr lang="en-US" dirty="0" smtClean="0"/>
-              <a:t>.</a:t>
+              <a:t> that can be attached to EC2 instances.</a:t>
+            </a:r>
+          </a:p>
+          <a:p>
+            <a:pPr lvl="1"/>
+            <a:r>
+              <a:rPr lang="en-US" dirty="0" smtClean="0"/>
+              <a:t>A volume is like a hard drive for your instance.</a:t>
             </a:r>
           </a:p>
           <a:p>
@@ -11737,11 +11525,7 @@
             </a:r>
             <a:r>
               <a:rPr lang="en-US" dirty="0" smtClean="0"/>
-              <a:t>and support file systems and </a:t>
-            </a:r>
-            <a:r>
-              <a:rPr lang="en-US" dirty="0" smtClean="0"/>
-              <a:t>databases.</a:t>
+              <a:t>and support file systems and databases.</a:t>
             </a:r>
           </a:p>
           <a:p>
@@ -11750,34 +11534,14 @@
           <a:p>
             <a:r>
               <a:rPr lang="en-US" dirty="0" smtClean="0"/>
-              <a:t>Each volume replicated </a:t>
-            </a:r>
-            <a:r>
-              <a:rPr lang="en-US" dirty="0" smtClean="0"/>
-              <a:t>within the </a:t>
-            </a:r>
-            <a:r>
-              <a:rPr lang="en-US" dirty="0" smtClean="0"/>
-              <a:t>AZ </a:t>
-            </a:r>
-            <a:r>
-              <a:rPr lang="en-US" dirty="0" smtClean="0"/>
-              <a:t>to provide high availability</a:t>
-            </a:r>
-          </a:p>
-          <a:p>
-            <a:pPr lvl="1"/>
-            <a:r>
-              <a:rPr lang="en-US" dirty="0" smtClean="0"/>
-              <a:t>Its delivered </a:t>
-            </a:r>
-            <a:r>
-              <a:rPr lang="en-US" dirty="0" smtClean="0"/>
-              <a:t>like a volume from a </a:t>
-            </a:r>
-            <a:r>
-              <a:rPr lang="en-US" dirty="0" smtClean="0"/>
-              <a:t>SAN.</a:t>
+              <a:t>Each volume replicated within the AZ to provide high availability</a:t>
+            </a:r>
+          </a:p>
+          <a:p>
+            <a:pPr lvl="1"/>
+            <a:r>
+              <a:rPr lang="en-US" dirty="0" smtClean="0"/>
+              <a:t>Its delivered like a volume from a SAN.</a:t>
             </a:r>
           </a:p>
           <a:p>
@@ -11881,11 +11645,7 @@
             <a:pPr lvl="1"/>
             <a:r>
               <a:rPr lang="en-US" dirty="0" smtClean="0"/>
-              <a:t>3 IOPS per GB, up to 10,000 </a:t>
-            </a:r>
-            <a:r>
-              <a:rPr lang="en-US" dirty="0" smtClean="0"/>
-              <a:t>IOPS</a:t>
+              <a:t>3 IOPS per GB, up to 10,000 IOPS</a:t>
             </a:r>
           </a:p>
           <a:p>
@@ -11902,11 +11662,7 @@
             <a:pPr lvl="1"/>
             <a:r>
               <a:rPr lang="en-US" dirty="0" smtClean="0"/>
-              <a:t>Very high IOPS capacity for disk I/O intensive applications requiring &gt; 10,000 </a:t>
-            </a:r>
-            <a:r>
-              <a:rPr lang="en-US" dirty="0" smtClean="0"/>
-              <a:t>IOPS</a:t>
+              <a:t>Very high IOPS capacity for disk I/O intensive applications requiring &gt; 10,000 IOPS</a:t>
             </a:r>
           </a:p>
           <a:p>
@@ -11918,7 +11674,6 @@
               <a:rPr lang="en-US" dirty="0" smtClean="0"/>
               <a:t>Magnetic</a:t>
             </a:r>
-            <a:endParaRPr lang="en-US" dirty="0" smtClean="0"/>
           </a:p>
           <a:p>
             <a:pPr lvl="1"/>
@@ -12023,11 +11778,7 @@
             <a:pPr lvl="1"/>
             <a:r>
               <a:rPr lang="en-US" dirty="0" smtClean="0"/>
-              <a:t>Outsourced application </a:t>
-            </a:r>
-            <a:r>
-              <a:rPr lang="en-US" dirty="0" smtClean="0"/>
-              <a:t>hosting</a:t>
+              <a:t>Outsourced application hosting</a:t>
             </a:r>
           </a:p>
           <a:p>
@@ -12058,11 +11809,7 @@
             <a:pPr lvl="1"/>
             <a:r>
               <a:rPr lang="en-US" dirty="0" smtClean="0"/>
-              <a:t>Infrastructure orchestration/ Infrastructure as </a:t>
-            </a:r>
-            <a:r>
-              <a:rPr lang="en-US" dirty="0" smtClean="0"/>
-              <a:t>code</a:t>
+              <a:t>Infrastructure orchestration/ Infrastructure as code</a:t>
             </a:r>
           </a:p>
           <a:p>
@@ -12156,17 +11903,13 @@
         </p:spPr>
         <p:txBody>
           <a:bodyPr>
-            <a:normAutofit fontScale="85000" lnSpcReduction="20000"/>
+            <a:normAutofit fontScale="70000" lnSpcReduction="20000"/>
           </a:bodyPr>
           <a:lstStyle/>
           <a:p>
             <a:r>
               <a:rPr lang="en-US" dirty="0" smtClean="0"/>
-              <a:t>A snapshot is a point-in-time copy of an EBS volume stored on </a:t>
-            </a:r>
-            <a:r>
-              <a:rPr lang="en-US" dirty="0" smtClean="0"/>
-              <a:t>S3.</a:t>
+              <a:t>A snapshot is a point-in-time copy of an EBS volume stored on S3.</a:t>
             </a:r>
           </a:p>
           <a:p>
@@ -12175,11 +11918,7 @@
           <a:p>
             <a:r>
               <a:rPr lang="en-US" dirty="0" smtClean="0"/>
-              <a:t>Snapshots are incremental, only saving data that changed since the previous snapshot</a:t>
-            </a:r>
-            <a:r>
-              <a:rPr lang="en-US" dirty="0" smtClean="0"/>
-              <a:t>.</a:t>
+              <a:t>Snapshots are incremental, only saving data that changed since the previous snapshot.</a:t>
             </a:r>
           </a:p>
           <a:p>
@@ -12188,11 +11927,7 @@
           <a:p>
             <a:r>
               <a:rPr lang="en-US" dirty="0" smtClean="0"/>
-              <a:t>You pay for snapshot storage at S3 </a:t>
-            </a:r>
-            <a:r>
-              <a:rPr lang="en-US" dirty="0" smtClean="0"/>
-              <a:t>rates.</a:t>
+              <a:t>You pay for snapshot storage at S3 rates.</a:t>
             </a:r>
           </a:p>
           <a:p>
@@ -12215,8 +11950,37 @@
             <a:pPr lvl="1"/>
             <a:r>
               <a:rPr lang="en-US" dirty="0" smtClean="0"/>
-              <a:t>Roll back system changes by reverting to previous snapshots</a:t>
-            </a:r>
+              <a:t>Roll back system changes by reverting to previous </a:t>
+            </a:r>
+            <a:r>
+              <a:rPr lang="en-US" dirty="0" smtClean="0"/>
+              <a:t>snapshots</a:t>
+            </a:r>
+          </a:p>
+          <a:p>
+            <a:pPr lvl="1"/>
+            <a:endParaRPr lang="en-US" dirty="0" smtClean="0"/>
+          </a:p>
+          <a:p>
+            <a:r>
+              <a:rPr lang="en-US" dirty="0" smtClean="0"/>
+              <a:t>Notes:</a:t>
+            </a:r>
+          </a:p>
+          <a:p>
+            <a:pPr lvl="1"/>
+            <a:r>
+              <a:rPr lang="en-US" dirty="0" smtClean="0"/>
+              <a:t>Initial snapshots will take longer</a:t>
+            </a:r>
+          </a:p>
+          <a:p>
+            <a:pPr lvl="1"/>
+            <a:r>
+              <a:rPr lang="en-US" dirty="0" smtClean="0"/>
+              <a:t>You should stop a root volume before taking a snapshot to ensure consistency.</a:t>
+            </a:r>
+            <a:endParaRPr lang="en-US" dirty="0" smtClean="0"/>
           </a:p>
         </p:txBody>
       </p:sp>
@@ -12304,11 +12068,7 @@
             <a:pPr lvl="1"/>
             <a:r>
               <a:rPr lang="en-US" dirty="0" smtClean="0"/>
-              <a:t>Actually, the original storage option</a:t>
-            </a:r>
-            <a:r>
-              <a:rPr lang="en-US" dirty="0" smtClean="0"/>
-              <a:t>!</a:t>
+              <a:t>Actually, the original storage option!</a:t>
             </a:r>
           </a:p>
           <a:p>
@@ -12318,23 +12078,7 @@
           <a:p>
             <a:r>
               <a:rPr lang="en-US" dirty="0" smtClean="0"/>
-              <a:t>Instance data is stored on </a:t>
-            </a:r>
-            <a:r>
-              <a:rPr lang="en-US" dirty="0" smtClean="0"/>
-              <a:t>a physical hard drive attached to the </a:t>
-            </a:r>
-            <a:r>
-              <a:rPr lang="en-US" dirty="0" smtClean="0"/>
-              <a:t>host </a:t>
-            </a:r>
-            <a:r>
-              <a:rPr lang="en-US" dirty="0" smtClean="0"/>
-              <a:t>server versus a networked </a:t>
-            </a:r>
-            <a:r>
-              <a:rPr lang="en-US" dirty="0" smtClean="0"/>
-              <a:t>volume.</a:t>
+              <a:t>Instance data is stored on a physical hard drive attached to the host server versus a networked volume.</a:t>
             </a:r>
           </a:p>
           <a:p>
@@ -12358,11 +12102,7 @@
             <a:pPr lvl="1"/>
             <a:r>
               <a:rPr lang="en-US" dirty="0" smtClean="0"/>
-              <a:t>You can still reboot the instance without loosing data though</a:t>
-            </a:r>
-            <a:r>
-              <a:rPr lang="en-US" dirty="0" smtClean="0"/>
-              <a:t>.</a:t>
+              <a:t>You can still reboot the instance without loosing data though.</a:t>
             </a:r>
           </a:p>
           <a:p>
@@ -12475,39 +12215,25 @@
             <a:pPr lvl="1"/>
             <a:r>
               <a:rPr lang="en-US" dirty="0" smtClean="0"/>
-              <a:t>Define a set of IP addresses and protocols that can send data to and from </a:t>
-            </a:r>
-            <a:r>
-              <a:rPr lang="en-US" dirty="0" smtClean="0"/>
-              <a:t>servers.</a:t>
-            </a:r>
+              <a:t>Define a set of IP addresses and protocols that can send data to and from servers.</a:t>
+            </a:r>
+          </a:p>
+          <a:p>
+            <a:pPr lvl="1"/>
+            <a:r>
+              <a:rPr lang="en-US" dirty="0" smtClean="0"/>
+              <a:t>It’s like a basic layer-4 firewall system.</a:t>
+            </a:r>
+          </a:p>
+          <a:p>
+            <a:pPr lvl="1"/>
             <a:endParaRPr lang="en-US" dirty="0" smtClean="0"/>
           </a:p>
           <a:p>
-            <a:pPr lvl="1"/>
-            <a:r>
-              <a:rPr lang="en-US" dirty="0" smtClean="0"/>
-              <a:t>It’s like a basic </a:t>
-            </a:r>
-            <a:r>
-              <a:rPr lang="en-US" dirty="0" smtClean="0"/>
-              <a:t>layer-4 firewall system.</a:t>
-            </a:r>
-          </a:p>
-          <a:p>
-            <a:pPr lvl="1"/>
-            <a:endParaRPr lang="en-US" dirty="0" smtClean="0"/>
-          </a:p>
-          <a:p>
-            <a:r>
-              <a:rPr lang="en-US" dirty="0" smtClean="0"/>
-              <a:t>Default security </a:t>
-            </a:r>
-            <a:r>
-              <a:rPr lang="en-US" dirty="0" smtClean="0"/>
-              <a:t>group</a:t>
-            </a:r>
-            <a:endParaRPr lang="en-US" dirty="0" smtClean="0"/>
+            <a:r>
+              <a:rPr lang="en-US" dirty="0" smtClean="0"/>
+              <a:t>Default security group</a:t>
+            </a:r>
           </a:p>
           <a:p>
             <a:pPr lvl="1"/>
@@ -12520,11 +12246,7 @@
             <a:pPr lvl="1"/>
             <a:r>
               <a:rPr lang="en-US" dirty="0" smtClean="0"/>
-              <a:t>All outbound traffic </a:t>
-            </a:r>
-            <a:r>
-              <a:rPr lang="en-US" dirty="0" smtClean="0"/>
-              <a:t>allowed</a:t>
+              <a:t>All outbound traffic allowed</a:t>
             </a:r>
           </a:p>
           <a:p>
@@ -12549,13 +12271,8 @@
             <a:pPr lvl="1"/>
             <a:r>
               <a:rPr lang="en-US" dirty="0" smtClean="0"/>
-              <a:t>Server can initiate outbound web request and receive an inbound response even if port 80 (http) incoming traffic is </a:t>
-            </a:r>
-            <a:r>
-              <a:rPr lang="en-US" dirty="0" smtClean="0"/>
-              <a:t>blocked.</a:t>
-            </a:r>
-            <a:endParaRPr lang="en-US" dirty="0" smtClean="0"/>
+              <a:t>Server can initiate outbound web request and receive an inbound response even if port 80 (http) incoming traffic is blocked.</a:t>
+            </a:r>
           </a:p>
           <a:p>
             <a:endParaRPr lang="en-US" dirty="0"/>
@@ -13131,11 +12848,7 @@
             </a:pPr>
             <a:r>
               <a:rPr lang="en-US" dirty="0" smtClean="0"/>
-              <a:t>An EC2 instance may be associated with up to 5 different security </a:t>
-            </a:r>
-            <a:r>
-              <a:rPr lang="en-US" dirty="0" smtClean="0"/>
-              <a:t>groups</a:t>
+              <a:t>An EC2 instance may be associated with up to 5 different security groups</a:t>
             </a:r>
           </a:p>
           <a:p>
@@ -13326,13 +13039,8 @@
             <a:pPr lvl="1"/>
             <a:r>
               <a:rPr lang="en-US" dirty="0" smtClean="0"/>
-              <a:t>Select an </a:t>
-            </a:r>
-            <a:r>
-              <a:rPr lang="en-US" dirty="0" smtClean="0"/>
-              <a:t>Amazon Linux AMI</a:t>
-            </a:r>
-            <a:endParaRPr lang="en-US" dirty="0" smtClean="0"/>
+              <a:t>Select an Amazon Linux AMI</a:t>
+            </a:r>
           </a:p>
           <a:p>
             <a:pPr lvl="1"/>
@@ -13352,11 +13060,7 @@
             <a:pPr lvl="1"/>
             <a:r>
               <a:rPr lang="en-US" dirty="0" smtClean="0"/>
-              <a:t>Tag </a:t>
-            </a:r>
-            <a:r>
-              <a:rPr lang="en-US" dirty="0" smtClean="0"/>
-              <a:t>instance</a:t>
+              <a:t>Tag instance</a:t>
             </a:r>
           </a:p>
           <a:p>
@@ -13397,17 +13101,12 @@
               <a:rPr lang="en-US" dirty="0" smtClean="0"/>
               <a:t>Update server packages</a:t>
             </a:r>
-            <a:endParaRPr lang="en-US" dirty="0" smtClean="0"/>
-          </a:p>
-          <a:p>
-            <a:pPr lvl="1"/>
-            <a:r>
-              <a:rPr lang="en-US" dirty="0" smtClean="0"/>
-              <a:t>Show </a:t>
-            </a:r>
-            <a:r>
-              <a:rPr lang="en-US" dirty="0" smtClean="0"/>
-              <a:t>instance meta-data capability:</a:t>
+          </a:p>
+          <a:p>
+            <a:pPr lvl="1"/>
+            <a:r>
+              <a:rPr lang="en-US" dirty="0" smtClean="0"/>
+              <a:t>Show instance meta-data capability:</a:t>
             </a:r>
           </a:p>
           <a:p>
@@ -13456,13 +13155,8 @@
           <a:p>
             <a:r>
               <a:rPr lang="en-US" dirty="0" smtClean="0"/>
-              <a:t>Create AMI from </a:t>
-            </a:r>
-            <a:r>
-              <a:rPr lang="en-US" dirty="0" smtClean="0"/>
-              <a:t>instance</a:t>
-            </a:r>
-            <a:endParaRPr lang="en-US" dirty="0" smtClean="0"/>
+              <a:t>Create AMI from instance</a:t>
+            </a:r>
           </a:p>
           <a:p>
             <a:r>
@@ -13933,19 +13627,7 @@
             <a:pPr lvl="1"/>
             <a:r>
               <a:rPr lang="en-US" dirty="0" smtClean="0"/>
-              <a:t>Self-service interfaces = reduced </a:t>
-            </a:r>
-            <a:r>
-              <a:rPr lang="en-US" dirty="0" smtClean="0"/>
-              <a:t>demand on</a:t>
-            </a:r>
-            <a:r>
-              <a:rPr lang="en-US" dirty="0" smtClean="0"/>
-              <a:t> </a:t>
-            </a:r>
-            <a:r>
-              <a:rPr lang="en-US" dirty="0" smtClean="0"/>
-              <a:t>system admins, storage engineers, network admins, </a:t>
+              <a:t>Self-service interfaces = reduced demand on system admins, storage engineers, network admins, </a:t>
             </a:r>
             <a:r>
               <a:rPr lang="en-US" dirty="0" err="1" smtClean="0"/>

--- a/infrastructure-week-4.pptx
+++ b/infrastructure-week-4.pptx
@@ -7,49 +7,47 @@
   <p:sldIdLst>
     <p:sldId id="257" r:id="rId2"/>
     <p:sldId id="258" r:id="rId3"/>
-    <p:sldId id="260" r:id="rId4"/>
-    <p:sldId id="261" r:id="rId5"/>
-    <p:sldId id="262" r:id="rId6"/>
-    <p:sldId id="263" r:id="rId7"/>
-    <p:sldId id="264" r:id="rId8"/>
-    <p:sldId id="265" r:id="rId9"/>
-    <p:sldId id="266" r:id="rId10"/>
-    <p:sldId id="267" r:id="rId11"/>
-    <p:sldId id="269" r:id="rId12"/>
-    <p:sldId id="270" r:id="rId13"/>
-    <p:sldId id="274" r:id="rId14"/>
-    <p:sldId id="271" r:id="rId15"/>
-    <p:sldId id="272" r:id="rId16"/>
-    <p:sldId id="273" r:id="rId17"/>
-    <p:sldId id="275" r:id="rId18"/>
-    <p:sldId id="276" r:id="rId19"/>
-    <p:sldId id="277" r:id="rId20"/>
-    <p:sldId id="278" r:id="rId21"/>
-    <p:sldId id="279" r:id="rId22"/>
-    <p:sldId id="280" r:id="rId23"/>
-    <p:sldId id="281" r:id="rId24"/>
-    <p:sldId id="282" r:id="rId25"/>
-    <p:sldId id="283" r:id="rId26"/>
-    <p:sldId id="284" r:id="rId27"/>
-    <p:sldId id="285" r:id="rId28"/>
-    <p:sldId id="286" r:id="rId29"/>
-    <p:sldId id="287" r:id="rId30"/>
-    <p:sldId id="288" r:id="rId31"/>
-    <p:sldId id="289" r:id="rId32"/>
-    <p:sldId id="290" r:id="rId33"/>
-    <p:sldId id="291" r:id="rId34"/>
-    <p:sldId id="292" r:id="rId35"/>
-    <p:sldId id="293" r:id="rId36"/>
-    <p:sldId id="294" r:id="rId37"/>
-    <p:sldId id="300" r:id="rId38"/>
-    <p:sldId id="295" r:id="rId39"/>
-    <p:sldId id="296" r:id="rId40"/>
-    <p:sldId id="299" r:id="rId41"/>
-    <p:sldId id="301" r:id="rId42"/>
-    <p:sldId id="297" r:id="rId43"/>
-    <p:sldId id="298" r:id="rId44"/>
-    <p:sldId id="302" r:id="rId45"/>
-    <p:sldId id="259" r:id="rId46"/>
+    <p:sldId id="262" r:id="rId4"/>
+    <p:sldId id="263" r:id="rId5"/>
+    <p:sldId id="264" r:id="rId6"/>
+    <p:sldId id="265" r:id="rId7"/>
+    <p:sldId id="266" r:id="rId8"/>
+    <p:sldId id="267" r:id="rId9"/>
+    <p:sldId id="269" r:id="rId10"/>
+    <p:sldId id="270" r:id="rId11"/>
+    <p:sldId id="274" r:id="rId12"/>
+    <p:sldId id="271" r:id="rId13"/>
+    <p:sldId id="272" r:id="rId14"/>
+    <p:sldId id="273" r:id="rId15"/>
+    <p:sldId id="275" r:id="rId16"/>
+    <p:sldId id="276" r:id="rId17"/>
+    <p:sldId id="277" r:id="rId18"/>
+    <p:sldId id="278" r:id="rId19"/>
+    <p:sldId id="279" r:id="rId20"/>
+    <p:sldId id="280" r:id="rId21"/>
+    <p:sldId id="281" r:id="rId22"/>
+    <p:sldId id="282" r:id="rId23"/>
+    <p:sldId id="283" r:id="rId24"/>
+    <p:sldId id="284" r:id="rId25"/>
+    <p:sldId id="285" r:id="rId26"/>
+    <p:sldId id="286" r:id="rId27"/>
+    <p:sldId id="287" r:id="rId28"/>
+    <p:sldId id="288" r:id="rId29"/>
+    <p:sldId id="289" r:id="rId30"/>
+    <p:sldId id="290" r:id="rId31"/>
+    <p:sldId id="291" r:id="rId32"/>
+    <p:sldId id="292" r:id="rId33"/>
+    <p:sldId id="293" r:id="rId34"/>
+    <p:sldId id="294" r:id="rId35"/>
+    <p:sldId id="300" r:id="rId36"/>
+    <p:sldId id="295" r:id="rId37"/>
+    <p:sldId id="296" r:id="rId38"/>
+    <p:sldId id="299" r:id="rId39"/>
+    <p:sldId id="301" r:id="rId40"/>
+    <p:sldId id="297" r:id="rId41"/>
+    <p:sldId id="298" r:id="rId42"/>
+    <p:sldId id="302" r:id="rId43"/>
+    <p:sldId id="259" r:id="rId44"/>
   </p:sldIdLst>
   <p:sldSz cx="9144000" cy="6858000" type="screen4x3"/>
   <p:notesSz cx="6858000" cy="9144000"/>
@@ -3666,7 +3664,7 @@
           <a:p>
             <a:fld id="{A4F65825-1538-3A4D-944A-D06B0D1CBF06}" type="datetimeFigureOut">
               <a:rPr lang="en-US" smtClean="0"/>
-              <a:t>8/10/16</a:t>
+              <a:t>8/13/16</a:t>
             </a:fld>
             <a:endParaRPr lang="en-US"/>
           </a:p>
@@ -3836,7 +3834,7 @@
           <a:p>
             <a:fld id="{A4F65825-1538-3A4D-944A-D06B0D1CBF06}" type="datetimeFigureOut">
               <a:rPr lang="en-US" smtClean="0"/>
-              <a:t>8/10/16</a:t>
+              <a:t>8/13/16</a:t>
             </a:fld>
             <a:endParaRPr lang="en-US"/>
           </a:p>
@@ -4016,7 +4014,7 @@
           <a:p>
             <a:fld id="{A4F65825-1538-3A4D-944A-D06B0D1CBF06}" type="datetimeFigureOut">
               <a:rPr lang="en-US" smtClean="0"/>
-              <a:t>8/10/16</a:t>
+              <a:t>8/13/16</a:t>
             </a:fld>
             <a:endParaRPr lang="en-US"/>
           </a:p>
@@ -4186,7 +4184,7 @@
           <a:p>
             <a:fld id="{A4F65825-1538-3A4D-944A-D06B0D1CBF06}" type="datetimeFigureOut">
               <a:rPr lang="en-US" smtClean="0"/>
-              <a:t>8/10/16</a:t>
+              <a:t>8/13/16</a:t>
             </a:fld>
             <a:endParaRPr lang="en-US"/>
           </a:p>
@@ -4432,7 +4430,7 @@
           <a:p>
             <a:fld id="{A4F65825-1538-3A4D-944A-D06B0D1CBF06}" type="datetimeFigureOut">
               <a:rPr lang="en-US" smtClean="0"/>
-              <a:t>8/10/16</a:t>
+              <a:t>8/13/16</a:t>
             </a:fld>
             <a:endParaRPr lang="en-US"/>
           </a:p>
@@ -4720,7 +4718,7 @@
           <a:p>
             <a:fld id="{A4F65825-1538-3A4D-944A-D06B0D1CBF06}" type="datetimeFigureOut">
               <a:rPr lang="en-US" smtClean="0"/>
-              <a:t>8/10/16</a:t>
+              <a:t>8/13/16</a:t>
             </a:fld>
             <a:endParaRPr lang="en-US"/>
           </a:p>
@@ -5142,7 +5140,7 @@
           <a:p>
             <a:fld id="{A4F65825-1538-3A4D-944A-D06B0D1CBF06}" type="datetimeFigureOut">
               <a:rPr lang="en-US" smtClean="0"/>
-              <a:t>8/10/16</a:t>
+              <a:t>8/13/16</a:t>
             </a:fld>
             <a:endParaRPr lang="en-US"/>
           </a:p>
@@ -5260,7 +5258,7 @@
           <a:p>
             <a:fld id="{A4F65825-1538-3A4D-944A-D06B0D1CBF06}" type="datetimeFigureOut">
               <a:rPr lang="en-US" smtClean="0"/>
-              <a:t>8/10/16</a:t>
+              <a:t>8/13/16</a:t>
             </a:fld>
             <a:endParaRPr lang="en-US"/>
           </a:p>
@@ -5355,7 +5353,7 @@
           <a:p>
             <a:fld id="{A4F65825-1538-3A4D-944A-D06B0D1CBF06}" type="datetimeFigureOut">
               <a:rPr lang="en-US" smtClean="0"/>
-              <a:t>8/10/16</a:t>
+              <a:t>8/13/16</a:t>
             </a:fld>
             <a:endParaRPr lang="en-US"/>
           </a:p>
@@ -5632,7 +5630,7 @@
           <a:p>
             <a:fld id="{A4F65825-1538-3A4D-944A-D06B0D1CBF06}" type="datetimeFigureOut">
               <a:rPr lang="en-US" smtClean="0"/>
-              <a:t>8/10/16</a:t>
+              <a:t>8/13/16</a:t>
             </a:fld>
             <a:endParaRPr lang="en-US"/>
           </a:p>
@@ -5885,7 +5883,7 @@
           <a:p>
             <a:fld id="{A4F65825-1538-3A4D-944A-D06B0D1CBF06}" type="datetimeFigureOut">
               <a:rPr lang="en-US" smtClean="0"/>
-              <a:t>8/10/16</a:t>
+              <a:t>8/13/16</a:t>
             </a:fld>
             <a:endParaRPr lang="en-US"/>
           </a:p>
@@ -6098,7 +6096,7 @@
           <a:p>
             <a:fld id="{A4F65825-1538-3A4D-944A-D06B0D1CBF06}" type="datetimeFigureOut">
               <a:rPr lang="en-US" smtClean="0"/>
-              <a:t>8/10/16</a:t>
+              <a:t>8/13/16</a:t>
             </a:fld>
             <a:endParaRPr lang="en-US"/>
           </a:p>
@@ -6701,40 +6699,111 @@
           <a:p>
             <a:r>
               <a:rPr lang="en-US" dirty="0" smtClean="0"/>
-              <a:t>Cloud Deployment Models</a:t>
+              <a:t>Amazon Web Services</a:t>
             </a:r>
             <a:endParaRPr lang="en-US" dirty="0"/>
           </a:p>
         </p:txBody>
       </p:sp>
-      <p:pic>
-        <p:nvPicPr>
-          <p:cNvPr id="4" name="Picture 3"/>
-          <p:cNvPicPr>
-            <a:picLocks noChangeAspect="1"/>
-          </p:cNvPicPr>
-          <p:nvPr/>
-        </p:nvPicPr>
-        <p:blipFill>
-          <a:blip r:embed="rId2"/>
-          <a:stretch>
-            <a:fillRect/>
-          </a:stretch>
-        </p:blipFill>
-        <p:spPr>
-          <a:xfrm>
-            <a:off x="889173" y="1841499"/>
-            <a:ext cx="7193212" cy="3875653"/>
-          </a:xfrm>
-          <a:prstGeom prst="rect">
-            <a:avLst/>
-          </a:prstGeom>
-        </p:spPr>
-      </p:pic>
+      <p:sp>
+        <p:nvSpPr>
+          <p:cNvPr id="3" name="Content Placeholder 2"/>
+          <p:cNvSpPr>
+            <a:spLocks noGrp="1"/>
+          </p:cNvSpPr>
+          <p:nvPr>
+            <p:ph idx="1"/>
+          </p:nvPr>
+        </p:nvSpPr>
+        <p:spPr/>
+        <p:txBody>
+          <a:bodyPr>
+            <a:normAutofit fontScale="77500" lnSpcReduction="20000"/>
+          </a:bodyPr>
+          <a:lstStyle/>
+          <a:p>
+            <a:r>
+              <a:rPr lang="en-US" dirty="0" smtClean="0"/>
+              <a:t>1</a:t>
+            </a:r>
+            <a:r>
+              <a:rPr lang="en-US" baseline="30000" dirty="0" smtClean="0"/>
+              <a:t>st</a:t>
+            </a:r>
+            <a:r>
+              <a:rPr lang="en-US" dirty="0" smtClean="0"/>
+              <a:t> public cloud computing platform</a:t>
+            </a:r>
+          </a:p>
+          <a:p>
+            <a:pPr lvl="1"/>
+            <a:r>
+              <a:rPr lang="en-US" dirty="0" smtClean="0"/>
+              <a:t>Chris </a:t>
+            </a:r>
+            <a:r>
+              <a:rPr lang="en-US" dirty="0" err="1" smtClean="0"/>
+              <a:t>Pinkman</a:t>
+            </a:r>
+            <a:r>
+              <a:rPr lang="en-US" dirty="0" smtClean="0"/>
+              <a:t> and Benjamin Black described what Amazon infrastructure should like and how it could be sold as a service</a:t>
+            </a:r>
+          </a:p>
+          <a:p>
+            <a:pPr lvl="1"/>
+            <a:r>
+              <a:rPr lang="en-US" dirty="0" smtClean="0"/>
+              <a:t>Simple Queue Service (SQS) launched in 2004</a:t>
+            </a:r>
+          </a:p>
+          <a:p>
+            <a:pPr lvl="1"/>
+            <a:r>
+              <a:rPr lang="en-US" dirty="0" smtClean="0"/>
+              <a:t>S3 &amp; EC2 (AWS) launched in 2006</a:t>
+            </a:r>
+          </a:p>
+          <a:p>
+            <a:pPr lvl="1"/>
+            <a:endParaRPr lang="en-US" dirty="0" smtClean="0"/>
+          </a:p>
+          <a:p>
+            <a:r>
+              <a:rPr lang="en-US" dirty="0" smtClean="0"/>
+              <a:t>Largest public cloud provider with millions of customers</a:t>
+            </a:r>
+          </a:p>
+          <a:p>
+            <a:pPr lvl="1"/>
+            <a:r>
+              <a:rPr lang="en-US" dirty="0" smtClean="0"/>
+              <a:t>Gartner 2015: AWS 10x larger than next 14 largest cloud providers combined</a:t>
+            </a:r>
+          </a:p>
+          <a:p>
+            <a:pPr lvl="1"/>
+            <a:endParaRPr lang="en-US" dirty="0" smtClean="0"/>
+          </a:p>
+          <a:p>
+            <a:r>
+              <a:rPr lang="en-US" dirty="0" err="1" smtClean="0"/>
+              <a:t>Amazon.com</a:t>
+            </a:r>
+            <a:r>
+              <a:rPr lang="en-US" dirty="0" smtClean="0"/>
+              <a:t> runs on top of AWS (though on completely separate infrastructure)</a:t>
+            </a:r>
+          </a:p>
+          <a:p>
+            <a:endParaRPr lang="en-US" dirty="0"/>
+          </a:p>
+        </p:txBody>
+      </p:sp>
     </p:spTree>
     <p:extLst>
       <p:ext uri="{BB962C8B-B14F-4D97-AF65-F5344CB8AC3E}">
-        <p14:creationId xmlns:p14="http://schemas.microsoft.com/office/powerpoint/2010/main" val="2664566296"/>
+        <p14:creationId xmlns:p14="http://schemas.microsoft.com/office/powerpoint/2010/main" val="41560593"/>
       </p:ext>
     </p:extLst>
   </p:cSld>
@@ -6768,222 +6837,6 @@
           <a:chExt cx="0" cy="0"/>
         </a:xfrm>
       </p:grpSpPr>
-      <p:pic>
-        <p:nvPicPr>
-          <p:cNvPr id="4" name="Picture 3"/>
-          <p:cNvPicPr>
-            <a:picLocks noChangeAspect="1"/>
-          </p:cNvPicPr>
-          <p:nvPr/>
-        </p:nvPicPr>
-        <p:blipFill>
-          <a:blip r:embed="rId2"/>
-          <a:stretch>
-            <a:fillRect/>
-          </a:stretch>
-        </p:blipFill>
-        <p:spPr>
-          <a:xfrm>
-            <a:off x="519778" y="1434936"/>
-            <a:ext cx="8002203" cy="3200881"/>
-          </a:xfrm>
-          <a:prstGeom prst="rect">
-            <a:avLst/>
-          </a:prstGeom>
-        </p:spPr>
-      </p:pic>
-    </p:spTree>
-    <p:extLst>
-      <p:ext uri="{BB962C8B-B14F-4D97-AF65-F5344CB8AC3E}">
-        <p14:creationId xmlns:p14="http://schemas.microsoft.com/office/powerpoint/2010/main" val="3581397802"/>
-      </p:ext>
-    </p:extLst>
-  </p:cSld>
-  <p:clrMapOvr>
-    <a:masterClrMapping/>
-  </p:clrMapOvr>
-  <p:timing>
-    <p:tnLst>
-      <p:par>
-        <p:cTn xmlns:p14="http://schemas.microsoft.com/office/powerpoint/2010/main" id="1" dur="indefinite" restart="never" nodeType="tmRoot"/>
-      </p:par>
-    </p:tnLst>
-  </p:timing>
-</p:sld>
-</file>
-
-<file path=ppt/slides/slide12.xml><?xml version="1.0" encoding="utf-8"?>
-<p:sld xmlns:a="http://schemas.openxmlformats.org/drawingml/2006/main" xmlns:r="http://schemas.openxmlformats.org/officeDocument/2006/relationships" xmlns:p="http://schemas.openxmlformats.org/presentationml/2006/main">
-  <p:cSld>
-    <p:spTree>
-      <p:nvGrpSpPr>
-        <p:cNvPr id="1" name=""/>
-        <p:cNvGrpSpPr/>
-        <p:nvPr/>
-      </p:nvGrpSpPr>
-      <p:grpSpPr>
-        <a:xfrm>
-          <a:off x="0" y="0"/>
-          <a:ext cx="0" cy="0"/>
-          <a:chOff x="0" y="0"/>
-          <a:chExt cx="0" cy="0"/>
-        </a:xfrm>
-      </p:grpSpPr>
-      <p:sp>
-        <p:nvSpPr>
-          <p:cNvPr id="2" name="Title 1"/>
-          <p:cNvSpPr>
-            <a:spLocks noGrp="1"/>
-          </p:cNvSpPr>
-          <p:nvPr>
-            <p:ph type="title"/>
-          </p:nvPr>
-        </p:nvSpPr>
-        <p:spPr/>
-        <p:txBody>
-          <a:bodyPr/>
-          <a:lstStyle/>
-          <a:p>
-            <a:r>
-              <a:rPr lang="en-US" dirty="0" smtClean="0"/>
-              <a:t>Amazon Web Services</a:t>
-            </a:r>
-            <a:endParaRPr lang="en-US" dirty="0"/>
-          </a:p>
-        </p:txBody>
-      </p:sp>
-      <p:sp>
-        <p:nvSpPr>
-          <p:cNvPr id="3" name="Content Placeholder 2"/>
-          <p:cNvSpPr>
-            <a:spLocks noGrp="1"/>
-          </p:cNvSpPr>
-          <p:nvPr>
-            <p:ph idx="1"/>
-          </p:nvPr>
-        </p:nvSpPr>
-        <p:spPr/>
-        <p:txBody>
-          <a:bodyPr>
-            <a:normAutofit fontScale="77500" lnSpcReduction="20000"/>
-          </a:bodyPr>
-          <a:lstStyle/>
-          <a:p>
-            <a:r>
-              <a:rPr lang="en-US" dirty="0" smtClean="0"/>
-              <a:t>1</a:t>
-            </a:r>
-            <a:r>
-              <a:rPr lang="en-US" baseline="30000" dirty="0" smtClean="0"/>
-              <a:t>st</a:t>
-            </a:r>
-            <a:r>
-              <a:rPr lang="en-US" dirty="0" smtClean="0"/>
-              <a:t> public cloud computing platform</a:t>
-            </a:r>
-          </a:p>
-          <a:p>
-            <a:pPr lvl="1"/>
-            <a:r>
-              <a:rPr lang="en-US" dirty="0" smtClean="0"/>
-              <a:t>Chris </a:t>
-            </a:r>
-            <a:r>
-              <a:rPr lang="en-US" dirty="0" err="1" smtClean="0"/>
-              <a:t>Pinkman</a:t>
-            </a:r>
-            <a:r>
-              <a:rPr lang="en-US" dirty="0" smtClean="0"/>
-              <a:t> and Benjamin Black described what Amazon infrastructure should like and how it could be sold as a service</a:t>
-            </a:r>
-          </a:p>
-          <a:p>
-            <a:pPr lvl="1"/>
-            <a:r>
-              <a:rPr lang="en-US" dirty="0" smtClean="0"/>
-              <a:t>Simple Queue Service (SQS) launched in 2004</a:t>
-            </a:r>
-          </a:p>
-          <a:p>
-            <a:pPr lvl="1"/>
-            <a:r>
-              <a:rPr lang="en-US" dirty="0" smtClean="0"/>
-              <a:t>S3 &amp; EC2 (AWS) launched in 2006</a:t>
-            </a:r>
-          </a:p>
-          <a:p>
-            <a:pPr lvl="1"/>
-            <a:endParaRPr lang="en-US" dirty="0" smtClean="0"/>
-          </a:p>
-          <a:p>
-            <a:r>
-              <a:rPr lang="en-US" dirty="0" smtClean="0"/>
-              <a:t>Largest public cloud provider with millions of customers</a:t>
-            </a:r>
-          </a:p>
-          <a:p>
-            <a:pPr lvl="1"/>
-            <a:r>
-              <a:rPr lang="en-US" dirty="0" smtClean="0"/>
-              <a:t>Gartner 2015: AWS 10x larger than next 14 largest cloud providers combined</a:t>
-            </a:r>
-          </a:p>
-          <a:p>
-            <a:pPr lvl="1"/>
-            <a:endParaRPr lang="en-US" dirty="0" smtClean="0"/>
-          </a:p>
-          <a:p>
-            <a:r>
-              <a:rPr lang="en-US" dirty="0" err="1" smtClean="0"/>
-              <a:t>Amazon.com</a:t>
-            </a:r>
-            <a:r>
-              <a:rPr lang="en-US" dirty="0" smtClean="0"/>
-              <a:t> runs on top of AWS (though on completely separate infrastructure)</a:t>
-            </a:r>
-          </a:p>
-          <a:p>
-            <a:endParaRPr lang="en-US" dirty="0"/>
-          </a:p>
-        </p:txBody>
-      </p:sp>
-    </p:spTree>
-    <p:extLst>
-      <p:ext uri="{BB962C8B-B14F-4D97-AF65-F5344CB8AC3E}">
-        <p14:creationId xmlns:p14="http://schemas.microsoft.com/office/powerpoint/2010/main" val="41560593"/>
-      </p:ext>
-    </p:extLst>
-  </p:cSld>
-  <p:clrMapOvr>
-    <a:masterClrMapping/>
-  </p:clrMapOvr>
-  <p:timing>
-    <p:tnLst>
-      <p:par>
-        <p:cTn xmlns:p14="http://schemas.microsoft.com/office/powerpoint/2010/main" id="1" dur="indefinite" restart="never" nodeType="tmRoot"/>
-      </p:par>
-    </p:tnLst>
-  </p:timing>
-</p:sld>
-</file>
-
-<file path=ppt/slides/slide13.xml><?xml version="1.0" encoding="utf-8"?>
-<p:sld xmlns:a="http://schemas.openxmlformats.org/drawingml/2006/main" xmlns:r="http://schemas.openxmlformats.org/officeDocument/2006/relationships" xmlns:p="http://schemas.openxmlformats.org/presentationml/2006/main">
-  <p:cSld>
-    <p:spTree>
-      <p:nvGrpSpPr>
-        <p:cNvPr id="1" name=""/>
-        <p:cNvGrpSpPr/>
-        <p:nvPr/>
-      </p:nvGrpSpPr>
-      <p:grpSpPr>
-        <a:xfrm>
-          <a:off x="0" y="0"/>
-          <a:ext cx="0" cy="0"/>
-          <a:chOff x="0" y="0"/>
-          <a:chExt cx="0" cy="0"/>
-        </a:xfrm>
-      </p:grpSpPr>
       <p:sp>
         <p:nvSpPr>
           <p:cNvPr id="2" name="Title 1"/>
@@ -7071,7 +6924,7 @@
 </p:sld>
 </file>
 
-<file path=ppt/slides/slide14.xml><?xml version="1.0" encoding="utf-8"?>
+<file path=ppt/slides/slide12.xml><?xml version="1.0" encoding="utf-8"?>
 <p:sld xmlns:a="http://schemas.openxmlformats.org/drawingml/2006/main" xmlns:r="http://schemas.openxmlformats.org/officeDocument/2006/relationships" xmlns:p="http://schemas.openxmlformats.org/presentationml/2006/main">
   <p:cSld>
     <p:spTree>
@@ -7148,7 +7001,7 @@
 </p:sld>
 </file>
 
-<file path=ppt/slides/slide15.xml><?xml version="1.0" encoding="utf-8"?>
+<file path=ppt/slides/slide13.xml><?xml version="1.0" encoding="utf-8"?>
 <p:sld xmlns:a="http://schemas.openxmlformats.org/drawingml/2006/main" xmlns:r="http://schemas.openxmlformats.org/officeDocument/2006/relationships" xmlns:p="http://schemas.openxmlformats.org/presentationml/2006/main">
   <p:cSld>
     <p:spTree>
@@ -7225,7 +7078,7 @@
 </p:sld>
 </file>
 
-<file path=ppt/slides/slide16.xml><?xml version="1.0" encoding="utf-8"?>
+<file path=ppt/slides/slide14.xml><?xml version="1.0" encoding="utf-8"?>
 <p:sld xmlns:a="http://schemas.openxmlformats.org/drawingml/2006/main" xmlns:r="http://schemas.openxmlformats.org/officeDocument/2006/relationships" xmlns:p="http://schemas.openxmlformats.org/presentationml/2006/main">
   <p:cSld>
     <p:spTree>
@@ -7927,7 +7780,7 @@
 </p:sld>
 </file>
 
-<file path=ppt/slides/slide17.xml><?xml version="1.0" encoding="utf-8"?>
+<file path=ppt/slides/slide15.xml><?xml version="1.0" encoding="utf-8"?>
 <p:sld xmlns:a="http://schemas.openxmlformats.org/drawingml/2006/main" xmlns:r="http://schemas.openxmlformats.org/officeDocument/2006/relationships" xmlns:p="http://schemas.openxmlformats.org/presentationml/2006/main">
   <p:cSld>
     <p:spTree>
@@ -8074,7 +7927,7 @@
 </p:sld>
 </file>
 
-<file path=ppt/slides/slide18.xml><?xml version="1.0" encoding="utf-8"?>
+<file path=ppt/slides/slide16.xml><?xml version="1.0" encoding="utf-8"?>
 <p:sld xmlns:a="http://schemas.openxmlformats.org/drawingml/2006/main" xmlns:r="http://schemas.openxmlformats.org/officeDocument/2006/relationships" xmlns:p="http://schemas.openxmlformats.org/presentationml/2006/main">
   <p:cSld>
     <p:spTree>
@@ -8146,6 +7999,278 @@
 </p:sld>
 </file>
 
+<file path=ppt/slides/slide17.xml><?xml version="1.0" encoding="utf-8"?>
+<p:sld xmlns:a="http://schemas.openxmlformats.org/drawingml/2006/main" xmlns:r="http://schemas.openxmlformats.org/officeDocument/2006/relationships" xmlns:p="http://schemas.openxmlformats.org/presentationml/2006/main">
+  <p:cSld>
+    <p:spTree>
+      <p:nvGrpSpPr>
+        <p:cNvPr id="1" name=""/>
+        <p:cNvGrpSpPr/>
+        <p:nvPr/>
+      </p:nvGrpSpPr>
+      <p:grpSpPr>
+        <a:xfrm>
+          <a:off x="0" y="0"/>
+          <a:ext cx="0" cy="0"/>
+          <a:chOff x="0" y="0"/>
+          <a:chExt cx="0" cy="0"/>
+        </a:xfrm>
+      </p:grpSpPr>
+      <p:sp>
+        <p:nvSpPr>
+          <p:cNvPr id="2" name="Title 1"/>
+          <p:cNvSpPr>
+            <a:spLocks noGrp="1"/>
+          </p:cNvSpPr>
+          <p:nvPr>
+            <p:ph type="title"/>
+          </p:nvPr>
+        </p:nvSpPr>
+        <p:spPr/>
+        <p:txBody>
+          <a:bodyPr/>
+          <a:lstStyle/>
+          <a:p>
+            <a:r>
+              <a:rPr lang="en-US" dirty="0" smtClean="0"/>
+              <a:t>IAM Terms</a:t>
+            </a:r>
+            <a:endParaRPr lang="en-US" dirty="0"/>
+          </a:p>
+        </p:txBody>
+      </p:sp>
+      <p:sp>
+        <p:nvSpPr>
+          <p:cNvPr id="3" name="Content Placeholder 2"/>
+          <p:cNvSpPr>
+            <a:spLocks noGrp="1"/>
+          </p:cNvSpPr>
+          <p:nvPr>
+            <p:ph idx="1"/>
+          </p:nvPr>
+        </p:nvSpPr>
+        <p:spPr/>
+        <p:txBody>
+          <a:bodyPr>
+            <a:normAutofit fontScale="85000" lnSpcReduction="10000"/>
+          </a:bodyPr>
+          <a:lstStyle/>
+          <a:p>
+            <a:r>
+              <a:rPr lang="en-US" b="1" dirty="0" smtClean="0"/>
+              <a:t>User</a:t>
+            </a:r>
+            <a:r>
+              <a:rPr lang="en-US" dirty="0" smtClean="0"/>
+              <a:t>: an individual setup with an account in IAM</a:t>
+            </a:r>
+          </a:p>
+          <a:p>
+            <a:endParaRPr lang="en-US" dirty="0" smtClean="0"/>
+          </a:p>
+          <a:p>
+            <a:r>
+              <a:rPr lang="en-US" b="1" dirty="0" smtClean="0"/>
+              <a:t>Group</a:t>
+            </a:r>
+            <a:r>
+              <a:rPr lang="en-US" dirty="0" smtClean="0"/>
+              <a:t>: a set of users sharing similar access privileges</a:t>
+            </a:r>
+          </a:p>
+          <a:p>
+            <a:endParaRPr lang="en-US" dirty="0" smtClean="0"/>
+          </a:p>
+          <a:p>
+            <a:r>
+              <a:rPr lang="en-US" b="1" dirty="0" smtClean="0"/>
+              <a:t>Role</a:t>
+            </a:r>
+            <a:r>
+              <a:rPr lang="en-US" dirty="0" smtClean="0"/>
+              <a:t>: access privileges that may be assigned to AWS resources</a:t>
+            </a:r>
+          </a:p>
+          <a:p>
+            <a:pPr lvl="1"/>
+            <a:r>
+              <a:rPr lang="en-US" dirty="0" smtClean="0"/>
+              <a:t>Lets resources act like users with specific privileges</a:t>
+            </a:r>
+          </a:p>
+          <a:p>
+            <a:pPr lvl="1"/>
+            <a:endParaRPr lang="en-US" dirty="0" smtClean="0"/>
+          </a:p>
+          <a:p>
+            <a:r>
+              <a:rPr lang="en-US" b="1" dirty="0" smtClean="0"/>
+              <a:t>Policy</a:t>
+            </a:r>
+            <a:r>
+              <a:rPr lang="en-US" dirty="0" smtClean="0"/>
+              <a:t>: a document containing one or more defined privileges</a:t>
+            </a:r>
+            <a:endParaRPr lang="en-US" dirty="0"/>
+          </a:p>
+        </p:txBody>
+      </p:sp>
+    </p:spTree>
+    <p:extLst>
+      <p:ext uri="{BB962C8B-B14F-4D97-AF65-F5344CB8AC3E}">
+        <p14:creationId xmlns:p14="http://schemas.microsoft.com/office/powerpoint/2010/main" val="1956360709"/>
+      </p:ext>
+    </p:extLst>
+  </p:cSld>
+  <p:clrMapOvr>
+    <a:masterClrMapping/>
+  </p:clrMapOvr>
+</p:sld>
+</file>
+
+<file path=ppt/slides/slide18.xml><?xml version="1.0" encoding="utf-8"?>
+<p:sld xmlns:a="http://schemas.openxmlformats.org/drawingml/2006/main" xmlns:r="http://schemas.openxmlformats.org/officeDocument/2006/relationships" xmlns:p="http://schemas.openxmlformats.org/presentationml/2006/main">
+  <p:cSld>
+    <p:spTree>
+      <p:nvGrpSpPr>
+        <p:cNvPr id="1" name=""/>
+        <p:cNvGrpSpPr/>
+        <p:nvPr/>
+      </p:nvGrpSpPr>
+      <p:grpSpPr>
+        <a:xfrm>
+          <a:off x="0" y="0"/>
+          <a:ext cx="0" cy="0"/>
+          <a:chOff x="0" y="0"/>
+          <a:chExt cx="0" cy="0"/>
+        </a:xfrm>
+      </p:grpSpPr>
+      <p:sp>
+        <p:nvSpPr>
+          <p:cNvPr id="2" name="Title 1"/>
+          <p:cNvSpPr>
+            <a:spLocks noGrp="1"/>
+          </p:cNvSpPr>
+          <p:nvPr>
+            <p:ph type="title"/>
+          </p:nvPr>
+        </p:nvSpPr>
+        <p:spPr/>
+        <p:txBody>
+          <a:bodyPr/>
+          <a:lstStyle/>
+          <a:p>
+            <a:r>
+              <a:rPr lang="en-US" dirty="0" smtClean="0"/>
+              <a:t>IAM Hands-on</a:t>
+            </a:r>
+            <a:endParaRPr lang="en-US" dirty="0"/>
+          </a:p>
+        </p:txBody>
+      </p:sp>
+      <p:sp>
+        <p:nvSpPr>
+          <p:cNvPr id="3" name="Content Placeholder 2"/>
+          <p:cNvSpPr>
+            <a:spLocks noGrp="1"/>
+          </p:cNvSpPr>
+          <p:nvPr>
+            <p:ph idx="1"/>
+          </p:nvPr>
+        </p:nvSpPr>
+        <p:spPr/>
+        <p:txBody>
+          <a:bodyPr>
+            <a:normAutofit fontScale="85000" lnSpcReduction="10000"/>
+          </a:bodyPr>
+          <a:lstStyle/>
+          <a:p>
+            <a:r>
+              <a:rPr lang="en-US" dirty="0" smtClean="0"/>
+              <a:t>IAM is </a:t>
+            </a:r>
+            <a:r>
+              <a:rPr lang="en-US" u="sng" dirty="0" smtClean="0"/>
+              <a:t>global</a:t>
+            </a:r>
+            <a:r>
+              <a:rPr lang="en-US" dirty="0" smtClean="0"/>
+              <a:t>, any changes we make impact all regions</a:t>
+            </a:r>
+          </a:p>
+          <a:p>
+            <a:endParaRPr lang="en-US" dirty="0" smtClean="0"/>
+          </a:p>
+          <a:p>
+            <a:r>
+              <a:rPr lang="en-US" dirty="0" smtClean="0"/>
+              <a:t>All activities we do on the web console may also be done via command line or SDK</a:t>
+            </a:r>
+          </a:p>
+          <a:p>
+            <a:endParaRPr lang="en-US" dirty="0" smtClean="0"/>
+          </a:p>
+          <a:p>
+            <a:r>
+              <a:rPr lang="en-US" dirty="0" smtClean="0"/>
+              <a:t>IAM users sign-in link is the web login URL for users (and it may be customized)</a:t>
+            </a:r>
+          </a:p>
+          <a:p>
+            <a:endParaRPr lang="en-US" dirty="0" smtClean="0"/>
+          </a:p>
+          <a:p>
+            <a:r>
+              <a:rPr lang="en-US" dirty="0" smtClean="0"/>
+              <a:t>IAM Security Status shows important security steps (recommend turning on MFA)</a:t>
+            </a:r>
+          </a:p>
+          <a:p>
+            <a:endParaRPr lang="en-US" dirty="0" smtClean="0"/>
+          </a:p>
+          <a:p>
+            <a:pPr lvl="1"/>
+            <a:endParaRPr lang="en-US" dirty="0"/>
+          </a:p>
+        </p:txBody>
+      </p:sp>
+      <p:pic>
+        <p:nvPicPr>
+          <p:cNvPr id="4" name="Picture 3"/>
+          <p:cNvPicPr>
+            <a:picLocks noChangeAspect="1"/>
+          </p:cNvPicPr>
+          <p:nvPr/>
+        </p:nvPicPr>
+        <p:blipFill>
+          <a:blip r:embed="rId2"/>
+          <a:stretch>
+            <a:fillRect/>
+          </a:stretch>
+        </p:blipFill>
+        <p:spPr>
+          <a:xfrm>
+            <a:off x="7268698" y="403586"/>
+            <a:ext cx="1014052" cy="1014052"/>
+          </a:xfrm>
+          <a:prstGeom prst="rect">
+            <a:avLst/>
+          </a:prstGeom>
+        </p:spPr>
+      </p:pic>
+    </p:spTree>
+    <p:extLst>
+      <p:ext uri="{BB962C8B-B14F-4D97-AF65-F5344CB8AC3E}">
+        <p14:creationId xmlns:p14="http://schemas.microsoft.com/office/powerpoint/2010/main" val="1178092886"/>
+      </p:ext>
+    </p:extLst>
+  </p:cSld>
+  <p:clrMapOvr>
+    <a:masterClrMapping/>
+  </p:clrMapOvr>
+</p:sld>
+</file>
+
 <file path=ppt/slides/slide19.xml><?xml version="1.0" encoding="utf-8"?>
 <p:sld xmlns:a="http://schemas.openxmlformats.org/drawingml/2006/main" xmlns:r="http://schemas.openxmlformats.org/officeDocument/2006/relationships" xmlns:p="http://schemas.openxmlformats.org/presentationml/2006/main">
   <p:cSld>
@@ -8180,7 +8305,7 @@
           <a:p>
             <a:r>
               <a:rPr lang="en-US" dirty="0" smtClean="0"/>
-              <a:t>IAM Terms</a:t>
+              <a:t>IAM Hands-on</a:t>
             </a:r>
             <a:endParaRPr lang="en-US" dirty="0"/>
           </a:p>
@@ -8196,53 +8321,83 @@
             <p:ph idx="1"/>
           </p:nvPr>
         </p:nvSpPr>
-        <p:spPr/>
+        <p:spPr>
+          <a:xfrm>
+            <a:off x="457200" y="1600200"/>
+            <a:ext cx="8229600" cy="4831095"/>
+          </a:xfrm>
+        </p:spPr>
         <p:txBody>
           <a:bodyPr>
-            <a:normAutofit fontScale="85000" lnSpcReduction="10000"/>
+            <a:normAutofit fontScale="62500" lnSpcReduction="20000"/>
           </a:bodyPr>
           <a:lstStyle/>
           <a:p>
             <a:r>
-              <a:rPr lang="en-US" b="1" dirty="0" smtClean="0"/>
-              <a:t>User</a:t>
-            </a:r>
-            <a:r>
-              <a:rPr lang="en-US" dirty="0" smtClean="0"/>
-              <a:t>: an individual setup with an account in IAM</a:t>
-            </a:r>
-          </a:p>
-          <a:p>
+              <a:rPr lang="en-US" dirty="0" smtClean="0"/>
+              <a:t>Create new user</a:t>
+            </a:r>
+          </a:p>
+          <a:p>
+            <a:pPr lvl="1"/>
+            <a:r>
+              <a:rPr lang="en-US" dirty="0" smtClean="0"/>
+              <a:t>Each user has a user name, password, access key ID, and secret access key</a:t>
+            </a:r>
+          </a:p>
+          <a:p>
+            <a:pPr lvl="1"/>
+            <a:r>
+              <a:rPr lang="en-US" dirty="0" smtClean="0"/>
+              <a:t>User name and password required to log into web console</a:t>
+            </a:r>
+          </a:p>
+          <a:p>
+            <a:pPr lvl="1"/>
+            <a:r>
+              <a:rPr lang="en-US" dirty="0" smtClean="0"/>
+              <a:t>Access key and secret access key required to use AWS API (** KEEP THESE SAFE!!)</a:t>
+            </a:r>
+          </a:p>
+          <a:p>
+            <a:pPr lvl="1"/>
             <a:endParaRPr lang="en-US" dirty="0" smtClean="0"/>
           </a:p>
           <a:p>
             <a:r>
-              <a:rPr lang="en-US" b="1" dirty="0" smtClean="0"/>
-              <a:t>Group</a:t>
-            </a:r>
-            <a:r>
-              <a:rPr lang="en-US" dirty="0" smtClean="0"/>
-              <a:t>: a set of users sharing similar access privileges</a:t>
-            </a:r>
-          </a:p>
-          <a:p>
+              <a:rPr lang="en-US" dirty="0" smtClean="0"/>
+              <a:t>Create a new group</a:t>
+            </a:r>
+          </a:p>
+          <a:p>
+            <a:pPr lvl="1"/>
+            <a:r>
+              <a:rPr lang="en-US" dirty="0" smtClean="0"/>
+              <a:t>Each group has one or more policies attached</a:t>
+            </a:r>
+          </a:p>
+          <a:p>
+            <a:pPr lvl="1"/>
+            <a:r>
+              <a:rPr lang="en-US" dirty="0" smtClean="0"/>
+              <a:t>Policies define access privileges for group members</a:t>
+            </a:r>
+          </a:p>
+          <a:p>
+            <a:pPr lvl="1"/>
             <a:endParaRPr lang="en-US" dirty="0" smtClean="0"/>
           </a:p>
           <a:p>
             <a:r>
-              <a:rPr lang="en-US" b="1" dirty="0" smtClean="0"/>
-              <a:t>Role</a:t>
-            </a:r>
-            <a:r>
-              <a:rPr lang="en-US" dirty="0" smtClean="0"/>
-              <a:t>: access privileges that may be assigned to AWS resources</a:t>
-            </a:r>
-          </a:p>
-          <a:p>
-            <a:pPr lvl="1"/>
-            <a:r>
-              <a:rPr lang="en-US" dirty="0" smtClean="0"/>
-              <a:t>Lets resources act like users with specific privileges</a:t>
+              <a:rPr lang="en-US" dirty="0" smtClean="0"/>
+              <a:t>Account Settings</a:t>
+            </a:r>
+          </a:p>
+          <a:p>
+            <a:pPr lvl="1"/>
+            <a:r>
+              <a:rPr lang="en-US" dirty="0" smtClean="0"/>
+              <a:t>Define password strength/expiration requirements</a:t>
             </a:r>
           </a:p>
           <a:p>
@@ -8251,21 +8406,30 @@
           </a:p>
           <a:p>
             <a:r>
-              <a:rPr lang="en-US" b="1" dirty="0" smtClean="0"/>
-              <a:t>Policy</a:t>
-            </a:r>
-            <a:r>
-              <a:rPr lang="en-US" dirty="0" smtClean="0"/>
-              <a:t>: a document containing one or more defined privileges</a:t>
-            </a:r>
-            <a:endParaRPr lang="en-US" dirty="0"/>
+              <a:rPr lang="en-US" dirty="0" smtClean="0"/>
+              <a:t>Roles</a:t>
+            </a:r>
+          </a:p>
+          <a:p>
+            <a:pPr lvl="1"/>
+            <a:r>
+              <a:rPr lang="en-US" dirty="0" smtClean="0"/>
+              <a:t>Allow a resource to access other resources with set privileges</a:t>
+            </a:r>
+          </a:p>
+          <a:p>
+            <a:pPr lvl="1"/>
+            <a:r>
+              <a:rPr lang="en-US" dirty="0" smtClean="0"/>
+              <a:t>Example: Allow webserver on EC2 to retrieve files stored on S3</a:t>
+            </a:r>
           </a:p>
         </p:txBody>
       </p:sp>
     </p:spTree>
     <p:extLst>
       <p:ext uri="{BB962C8B-B14F-4D97-AF65-F5344CB8AC3E}">
-        <p14:creationId xmlns:p14="http://schemas.microsoft.com/office/powerpoint/2010/main" val="1956360709"/>
+        <p14:creationId xmlns:p14="http://schemas.microsoft.com/office/powerpoint/2010/main" val="3968251801"/>
       </p:ext>
     </p:extLst>
   </p:cSld>
@@ -8329,12 +8493,6 @@
         <p:txBody>
           <a:bodyPr/>
           <a:lstStyle/>
-          <a:p>
-            <a:r>
-              <a:rPr lang="en-US" dirty="0" smtClean="0"/>
-              <a:t>Weekly reading</a:t>
-            </a:r>
-          </a:p>
           <a:p>
             <a:r>
               <a:rPr lang="en-US" dirty="0" smtClean="0"/>
@@ -8424,317 +8582,6 @@
           <a:p>
             <a:r>
               <a:rPr lang="en-US" dirty="0" smtClean="0"/>
-              <a:t>IAM Hands-on</a:t>
-            </a:r>
-            <a:endParaRPr lang="en-US" dirty="0"/>
-          </a:p>
-        </p:txBody>
-      </p:sp>
-      <p:sp>
-        <p:nvSpPr>
-          <p:cNvPr id="3" name="Content Placeholder 2"/>
-          <p:cNvSpPr>
-            <a:spLocks noGrp="1"/>
-          </p:cNvSpPr>
-          <p:nvPr>
-            <p:ph idx="1"/>
-          </p:nvPr>
-        </p:nvSpPr>
-        <p:spPr/>
-        <p:txBody>
-          <a:bodyPr>
-            <a:normAutofit fontScale="85000" lnSpcReduction="10000"/>
-          </a:bodyPr>
-          <a:lstStyle/>
-          <a:p>
-            <a:r>
-              <a:rPr lang="en-US" dirty="0" smtClean="0"/>
-              <a:t>IAM is </a:t>
-            </a:r>
-            <a:r>
-              <a:rPr lang="en-US" u="sng" dirty="0" smtClean="0"/>
-              <a:t>global</a:t>
-            </a:r>
-            <a:r>
-              <a:rPr lang="en-US" dirty="0" smtClean="0"/>
-              <a:t>, any changes we make impact all regions</a:t>
-            </a:r>
-          </a:p>
-          <a:p>
-            <a:endParaRPr lang="en-US" dirty="0" smtClean="0"/>
-          </a:p>
-          <a:p>
-            <a:r>
-              <a:rPr lang="en-US" dirty="0" smtClean="0"/>
-              <a:t>All activities we do on the web console may also be done via command line or SDK</a:t>
-            </a:r>
-          </a:p>
-          <a:p>
-            <a:endParaRPr lang="en-US" dirty="0" smtClean="0"/>
-          </a:p>
-          <a:p>
-            <a:r>
-              <a:rPr lang="en-US" dirty="0" smtClean="0"/>
-              <a:t>IAM users sign-in link is the web login URL for users (and it may be customized)</a:t>
-            </a:r>
-          </a:p>
-          <a:p>
-            <a:endParaRPr lang="en-US" dirty="0" smtClean="0"/>
-          </a:p>
-          <a:p>
-            <a:r>
-              <a:rPr lang="en-US" dirty="0" smtClean="0"/>
-              <a:t>IAM Security Status shows important security steps (recommend turning on MFA)</a:t>
-            </a:r>
-          </a:p>
-          <a:p>
-            <a:endParaRPr lang="en-US" dirty="0" smtClean="0"/>
-          </a:p>
-          <a:p>
-            <a:pPr lvl="1"/>
-            <a:endParaRPr lang="en-US" dirty="0"/>
-          </a:p>
-        </p:txBody>
-      </p:sp>
-      <p:pic>
-        <p:nvPicPr>
-          <p:cNvPr id="4" name="Picture 3"/>
-          <p:cNvPicPr>
-            <a:picLocks noChangeAspect="1"/>
-          </p:cNvPicPr>
-          <p:nvPr/>
-        </p:nvPicPr>
-        <p:blipFill>
-          <a:blip r:embed="rId2"/>
-          <a:stretch>
-            <a:fillRect/>
-          </a:stretch>
-        </p:blipFill>
-        <p:spPr>
-          <a:xfrm>
-            <a:off x="7268698" y="403586"/>
-            <a:ext cx="1014052" cy="1014052"/>
-          </a:xfrm>
-          <a:prstGeom prst="rect">
-            <a:avLst/>
-          </a:prstGeom>
-        </p:spPr>
-      </p:pic>
-    </p:spTree>
-    <p:extLst>
-      <p:ext uri="{BB962C8B-B14F-4D97-AF65-F5344CB8AC3E}">
-        <p14:creationId xmlns:p14="http://schemas.microsoft.com/office/powerpoint/2010/main" val="1178092886"/>
-      </p:ext>
-    </p:extLst>
-  </p:cSld>
-  <p:clrMapOvr>
-    <a:masterClrMapping/>
-  </p:clrMapOvr>
-</p:sld>
-</file>
-
-<file path=ppt/slides/slide21.xml><?xml version="1.0" encoding="utf-8"?>
-<p:sld xmlns:a="http://schemas.openxmlformats.org/drawingml/2006/main" xmlns:r="http://schemas.openxmlformats.org/officeDocument/2006/relationships" xmlns:p="http://schemas.openxmlformats.org/presentationml/2006/main">
-  <p:cSld>
-    <p:spTree>
-      <p:nvGrpSpPr>
-        <p:cNvPr id="1" name=""/>
-        <p:cNvGrpSpPr/>
-        <p:nvPr/>
-      </p:nvGrpSpPr>
-      <p:grpSpPr>
-        <a:xfrm>
-          <a:off x="0" y="0"/>
-          <a:ext cx="0" cy="0"/>
-          <a:chOff x="0" y="0"/>
-          <a:chExt cx="0" cy="0"/>
-        </a:xfrm>
-      </p:grpSpPr>
-      <p:sp>
-        <p:nvSpPr>
-          <p:cNvPr id="2" name="Title 1"/>
-          <p:cNvSpPr>
-            <a:spLocks noGrp="1"/>
-          </p:cNvSpPr>
-          <p:nvPr>
-            <p:ph type="title"/>
-          </p:nvPr>
-        </p:nvSpPr>
-        <p:spPr/>
-        <p:txBody>
-          <a:bodyPr/>
-          <a:lstStyle/>
-          <a:p>
-            <a:r>
-              <a:rPr lang="en-US" dirty="0" smtClean="0"/>
-              <a:t>IAM Hands-on</a:t>
-            </a:r>
-            <a:endParaRPr lang="en-US" dirty="0"/>
-          </a:p>
-        </p:txBody>
-      </p:sp>
-      <p:sp>
-        <p:nvSpPr>
-          <p:cNvPr id="3" name="Content Placeholder 2"/>
-          <p:cNvSpPr>
-            <a:spLocks noGrp="1"/>
-          </p:cNvSpPr>
-          <p:nvPr>
-            <p:ph idx="1"/>
-          </p:nvPr>
-        </p:nvSpPr>
-        <p:spPr>
-          <a:xfrm>
-            <a:off x="457200" y="1600200"/>
-            <a:ext cx="8229600" cy="4831095"/>
-          </a:xfrm>
-        </p:spPr>
-        <p:txBody>
-          <a:bodyPr>
-            <a:normAutofit fontScale="62500" lnSpcReduction="20000"/>
-          </a:bodyPr>
-          <a:lstStyle/>
-          <a:p>
-            <a:r>
-              <a:rPr lang="en-US" dirty="0" smtClean="0"/>
-              <a:t>Create new user</a:t>
-            </a:r>
-          </a:p>
-          <a:p>
-            <a:pPr lvl="1"/>
-            <a:r>
-              <a:rPr lang="en-US" dirty="0" smtClean="0"/>
-              <a:t>Each user has a user name, password, access key ID, and secret access key</a:t>
-            </a:r>
-          </a:p>
-          <a:p>
-            <a:pPr lvl="1"/>
-            <a:r>
-              <a:rPr lang="en-US" dirty="0" smtClean="0"/>
-              <a:t>User name and password required to log into web console</a:t>
-            </a:r>
-          </a:p>
-          <a:p>
-            <a:pPr lvl="1"/>
-            <a:r>
-              <a:rPr lang="en-US" dirty="0" smtClean="0"/>
-              <a:t>Access key and secret access key required to use AWS API (** KEEP THESE SAFE!!)</a:t>
-            </a:r>
-          </a:p>
-          <a:p>
-            <a:pPr lvl="1"/>
-            <a:endParaRPr lang="en-US" dirty="0" smtClean="0"/>
-          </a:p>
-          <a:p>
-            <a:r>
-              <a:rPr lang="en-US" dirty="0" smtClean="0"/>
-              <a:t>Create a new group</a:t>
-            </a:r>
-          </a:p>
-          <a:p>
-            <a:pPr lvl="1"/>
-            <a:r>
-              <a:rPr lang="en-US" dirty="0" smtClean="0"/>
-              <a:t>Each group has one or more policies attached</a:t>
-            </a:r>
-          </a:p>
-          <a:p>
-            <a:pPr lvl="1"/>
-            <a:r>
-              <a:rPr lang="en-US" dirty="0" smtClean="0"/>
-              <a:t>Policies define access privileges for group members</a:t>
-            </a:r>
-          </a:p>
-          <a:p>
-            <a:pPr lvl="1"/>
-            <a:endParaRPr lang="en-US" dirty="0" smtClean="0"/>
-          </a:p>
-          <a:p>
-            <a:r>
-              <a:rPr lang="en-US" dirty="0" smtClean="0"/>
-              <a:t>Account Settings</a:t>
-            </a:r>
-          </a:p>
-          <a:p>
-            <a:pPr lvl="1"/>
-            <a:r>
-              <a:rPr lang="en-US" dirty="0" smtClean="0"/>
-              <a:t>Define password strength/expiration requirements</a:t>
-            </a:r>
-          </a:p>
-          <a:p>
-            <a:pPr lvl="1"/>
-            <a:endParaRPr lang="en-US" dirty="0" smtClean="0"/>
-          </a:p>
-          <a:p>
-            <a:r>
-              <a:rPr lang="en-US" dirty="0" smtClean="0"/>
-              <a:t>Roles</a:t>
-            </a:r>
-          </a:p>
-          <a:p>
-            <a:pPr lvl="1"/>
-            <a:r>
-              <a:rPr lang="en-US" dirty="0" smtClean="0"/>
-              <a:t>Allow a resource to access other resources with set privileges</a:t>
-            </a:r>
-          </a:p>
-          <a:p>
-            <a:pPr lvl="1"/>
-            <a:r>
-              <a:rPr lang="en-US" dirty="0" smtClean="0"/>
-              <a:t>Example: Allow webserver on EC2 to retrieve files stored on S3</a:t>
-            </a:r>
-          </a:p>
-        </p:txBody>
-      </p:sp>
-    </p:spTree>
-    <p:extLst>
-      <p:ext uri="{BB962C8B-B14F-4D97-AF65-F5344CB8AC3E}">
-        <p14:creationId xmlns:p14="http://schemas.microsoft.com/office/powerpoint/2010/main" val="3968251801"/>
-      </p:ext>
-    </p:extLst>
-  </p:cSld>
-  <p:clrMapOvr>
-    <a:masterClrMapping/>
-  </p:clrMapOvr>
-</p:sld>
-</file>
-
-<file path=ppt/slides/slide22.xml><?xml version="1.0" encoding="utf-8"?>
-<p:sld xmlns:a="http://schemas.openxmlformats.org/drawingml/2006/main" xmlns:r="http://schemas.openxmlformats.org/officeDocument/2006/relationships" xmlns:p="http://schemas.openxmlformats.org/presentationml/2006/main">
-  <p:cSld>
-    <p:spTree>
-      <p:nvGrpSpPr>
-        <p:cNvPr id="1" name=""/>
-        <p:cNvGrpSpPr/>
-        <p:nvPr/>
-      </p:nvGrpSpPr>
-      <p:grpSpPr>
-        <a:xfrm>
-          <a:off x="0" y="0"/>
-          <a:ext cx="0" cy="0"/>
-          <a:chOff x="0" y="0"/>
-          <a:chExt cx="0" cy="0"/>
-        </a:xfrm>
-      </p:grpSpPr>
-      <p:sp>
-        <p:nvSpPr>
-          <p:cNvPr id="2" name="Title 1"/>
-          <p:cNvSpPr>
-            <a:spLocks noGrp="1"/>
-          </p:cNvSpPr>
-          <p:nvPr>
-            <p:ph type="title"/>
-          </p:nvPr>
-        </p:nvSpPr>
-        <p:spPr/>
-        <p:txBody>
-          <a:bodyPr/>
-          <a:lstStyle/>
-          <a:p>
-            <a:r>
-              <a:rPr lang="en-US" dirty="0" smtClean="0"/>
               <a:t>Simple Storage Service (S3)</a:t>
             </a:r>
             <a:endParaRPr lang="en-US" dirty="0"/>
@@ -8890,6 +8737,326 @@
 </p:sld>
 </file>
 
+<file path=ppt/slides/slide21.xml><?xml version="1.0" encoding="utf-8"?>
+<p:sld xmlns:a="http://schemas.openxmlformats.org/drawingml/2006/main" xmlns:r="http://schemas.openxmlformats.org/officeDocument/2006/relationships" xmlns:p="http://schemas.openxmlformats.org/presentationml/2006/main">
+  <p:cSld>
+    <p:spTree>
+      <p:nvGrpSpPr>
+        <p:cNvPr id="1" name=""/>
+        <p:cNvGrpSpPr/>
+        <p:nvPr/>
+      </p:nvGrpSpPr>
+      <p:grpSpPr>
+        <a:xfrm>
+          <a:off x="0" y="0"/>
+          <a:ext cx="0" cy="0"/>
+          <a:chOff x="0" y="0"/>
+          <a:chExt cx="0" cy="0"/>
+        </a:xfrm>
+      </p:grpSpPr>
+      <p:sp>
+        <p:nvSpPr>
+          <p:cNvPr id="2" name="Title 1"/>
+          <p:cNvSpPr>
+            <a:spLocks noGrp="1"/>
+          </p:cNvSpPr>
+          <p:nvPr>
+            <p:ph type="title"/>
+          </p:nvPr>
+        </p:nvSpPr>
+        <p:spPr/>
+        <p:txBody>
+          <a:bodyPr/>
+          <a:lstStyle/>
+          <a:p>
+            <a:r>
+              <a:rPr lang="en-US" dirty="0" smtClean="0"/>
+              <a:t>S3</a:t>
+            </a:r>
+            <a:endParaRPr lang="en-US" dirty="0"/>
+          </a:p>
+        </p:txBody>
+      </p:sp>
+      <p:sp>
+        <p:nvSpPr>
+          <p:cNvPr id="3" name="Content Placeholder 2"/>
+          <p:cNvSpPr>
+            <a:spLocks noGrp="1"/>
+          </p:cNvSpPr>
+          <p:nvPr>
+            <p:ph idx="1"/>
+          </p:nvPr>
+        </p:nvSpPr>
+        <p:spPr>
+          <a:xfrm>
+            <a:off x="457200" y="1600200"/>
+            <a:ext cx="8229600" cy="4967641"/>
+          </a:xfrm>
+        </p:spPr>
+        <p:txBody>
+          <a:bodyPr>
+            <a:normAutofit fontScale="92500" lnSpcReduction="20000"/>
+          </a:bodyPr>
+          <a:lstStyle/>
+          <a:p>
+            <a:r>
+              <a:rPr lang="en-US" dirty="0" smtClean="0"/>
+              <a:t>S3 storage namespace partitioned into </a:t>
+            </a:r>
+            <a:r>
+              <a:rPr lang="en-US" b="1" dirty="0" smtClean="0"/>
+              <a:t>buckets</a:t>
+            </a:r>
+            <a:r>
+              <a:rPr lang="en-US" dirty="0" smtClean="0"/>
+              <a:t> in each region</a:t>
+            </a:r>
+          </a:p>
+          <a:p>
+            <a:pPr lvl="1"/>
+            <a:r>
+              <a:rPr lang="en-US" dirty="0" smtClean="0"/>
+              <a:t>Files are stored in a bucket</a:t>
+            </a:r>
+          </a:p>
+          <a:p>
+            <a:pPr lvl="1"/>
+            <a:r>
+              <a:rPr lang="en-US" dirty="0" smtClean="0"/>
+              <a:t>Bucket name is </a:t>
+            </a:r>
+            <a:r>
+              <a:rPr lang="en-US" u="sng" dirty="0" smtClean="0"/>
+              <a:t>global</a:t>
+            </a:r>
+            <a:r>
+              <a:rPr lang="en-US" dirty="0" smtClean="0"/>
+              <a:t> and must be unique</a:t>
+            </a:r>
+          </a:p>
+          <a:p>
+            <a:pPr lvl="1"/>
+            <a:r>
+              <a:rPr lang="en-US" dirty="0" smtClean="0"/>
+              <a:t>Limit of 100 buckets per account (but can be increased)</a:t>
+            </a:r>
+          </a:p>
+          <a:p>
+            <a:pPr lvl="1"/>
+            <a:endParaRPr lang="en-US" dirty="0" smtClean="0"/>
+          </a:p>
+          <a:p>
+            <a:r>
+              <a:rPr lang="en-US" dirty="0" smtClean="0"/>
+              <a:t>Data consistency</a:t>
+            </a:r>
+          </a:p>
+          <a:p>
+            <a:pPr lvl="1"/>
+            <a:r>
+              <a:rPr lang="en-US" dirty="0" smtClean="0"/>
+              <a:t>New objects = Read after Write consistency</a:t>
+            </a:r>
+          </a:p>
+          <a:p>
+            <a:pPr lvl="1"/>
+            <a:r>
+              <a:rPr lang="en-US" dirty="0" smtClean="0"/>
+              <a:t>Updated or deleted objects = Eventual consistency</a:t>
+            </a:r>
+          </a:p>
+          <a:p>
+            <a:pPr lvl="2"/>
+            <a:r>
+              <a:rPr lang="en-US" dirty="0" smtClean="0"/>
+              <a:t>If you update an object and then try to immediately read it again, you might get the old version.</a:t>
+            </a:r>
+            <a:endParaRPr lang="en-US" dirty="0"/>
+          </a:p>
+        </p:txBody>
+      </p:sp>
+    </p:spTree>
+    <p:extLst>
+      <p:ext uri="{BB962C8B-B14F-4D97-AF65-F5344CB8AC3E}">
+        <p14:creationId xmlns:p14="http://schemas.microsoft.com/office/powerpoint/2010/main" val="3447607714"/>
+      </p:ext>
+    </p:extLst>
+  </p:cSld>
+  <p:clrMapOvr>
+    <a:masterClrMapping/>
+  </p:clrMapOvr>
+</p:sld>
+</file>
+
+<file path=ppt/slides/slide22.xml><?xml version="1.0" encoding="utf-8"?>
+<p:sld xmlns:a="http://schemas.openxmlformats.org/drawingml/2006/main" xmlns:r="http://schemas.openxmlformats.org/officeDocument/2006/relationships" xmlns:p="http://schemas.openxmlformats.org/presentationml/2006/main">
+  <p:cSld>
+    <p:spTree>
+      <p:nvGrpSpPr>
+        <p:cNvPr id="1" name=""/>
+        <p:cNvGrpSpPr/>
+        <p:nvPr/>
+      </p:nvGrpSpPr>
+      <p:grpSpPr>
+        <a:xfrm>
+          <a:off x="0" y="0"/>
+          <a:ext cx="0" cy="0"/>
+          <a:chOff x="0" y="0"/>
+          <a:chExt cx="0" cy="0"/>
+        </a:xfrm>
+      </p:grpSpPr>
+      <p:sp>
+        <p:nvSpPr>
+          <p:cNvPr id="2" name="Title 1"/>
+          <p:cNvSpPr>
+            <a:spLocks noGrp="1"/>
+          </p:cNvSpPr>
+          <p:nvPr>
+            <p:ph type="title"/>
+          </p:nvPr>
+        </p:nvSpPr>
+        <p:spPr/>
+        <p:txBody>
+          <a:bodyPr/>
+          <a:lstStyle/>
+          <a:p>
+            <a:r>
+              <a:rPr lang="en-US" dirty="0" smtClean="0"/>
+              <a:t>S3</a:t>
+            </a:r>
+            <a:endParaRPr lang="en-US" dirty="0"/>
+          </a:p>
+        </p:txBody>
+      </p:sp>
+      <p:sp>
+        <p:nvSpPr>
+          <p:cNvPr id="3" name="Content Placeholder 2"/>
+          <p:cNvSpPr>
+            <a:spLocks noGrp="1"/>
+          </p:cNvSpPr>
+          <p:nvPr>
+            <p:ph idx="1"/>
+          </p:nvPr>
+        </p:nvSpPr>
+        <p:spPr>
+          <a:xfrm>
+            <a:off x="457200" y="1600200"/>
+            <a:ext cx="8229600" cy="4885713"/>
+          </a:xfrm>
+        </p:spPr>
+        <p:txBody>
+          <a:bodyPr>
+            <a:normAutofit fontScale="70000" lnSpcReduction="20000"/>
+          </a:bodyPr>
+          <a:lstStyle/>
+          <a:p>
+            <a:r>
+              <a:rPr lang="en-US" dirty="0" smtClean="0"/>
+              <a:t>Security</a:t>
+            </a:r>
+          </a:p>
+          <a:p>
+            <a:pPr lvl="1"/>
+            <a:r>
+              <a:rPr lang="en-US" dirty="0"/>
+              <a:t>S</a:t>
+            </a:r>
+            <a:r>
+              <a:rPr lang="en-US" dirty="0" smtClean="0"/>
+              <a:t>et access control policies on a bucket level or a per-file level</a:t>
+            </a:r>
+          </a:p>
+          <a:p>
+            <a:pPr lvl="1"/>
+            <a:r>
+              <a:rPr lang="en-US" dirty="0" smtClean="0"/>
+              <a:t>Encrypt data-at-rest for greater security (AES-256)</a:t>
+            </a:r>
+          </a:p>
+          <a:p>
+            <a:pPr lvl="1"/>
+            <a:r>
+              <a:rPr lang="en-US" dirty="0" smtClean="0"/>
+              <a:t>Transmit data via SSL/TLS</a:t>
+            </a:r>
+          </a:p>
+          <a:p>
+            <a:pPr lvl="1"/>
+            <a:r>
+              <a:rPr lang="en-US" dirty="0" smtClean="0"/>
+              <a:t>Create logs tracking all access to buckets and files</a:t>
+            </a:r>
+          </a:p>
+          <a:p>
+            <a:pPr lvl="1"/>
+            <a:endParaRPr lang="en-US" dirty="0" smtClean="0"/>
+          </a:p>
+          <a:p>
+            <a:r>
+              <a:rPr lang="en-US" dirty="0" smtClean="0"/>
+              <a:t>Cost</a:t>
+            </a:r>
+          </a:p>
+          <a:p>
+            <a:pPr lvl="1"/>
+            <a:r>
+              <a:rPr lang="en-US" dirty="0" smtClean="0"/>
+              <a:t>Pay for storage space per GB, number of requests (GET, PUT, etc.) and data transmission</a:t>
+            </a:r>
+          </a:p>
+          <a:p>
+            <a:pPr lvl="2"/>
+            <a:r>
+              <a:rPr lang="en-US" dirty="0" smtClean="0"/>
+              <a:t>No fee for incoming data</a:t>
+            </a:r>
+          </a:p>
+          <a:p>
+            <a:pPr lvl="1"/>
+            <a:endParaRPr lang="en-US" dirty="0" smtClean="0"/>
+          </a:p>
+          <a:p>
+            <a:r>
+              <a:rPr lang="en-US" dirty="0" smtClean="0"/>
+              <a:t>Additional S3 features</a:t>
+            </a:r>
+          </a:p>
+          <a:p>
+            <a:pPr lvl="1"/>
+            <a:r>
+              <a:rPr lang="en-US" dirty="0" smtClean="0"/>
+              <a:t>Tiered storage options for increased performance or lower cost</a:t>
+            </a:r>
+          </a:p>
+          <a:p>
+            <a:pPr lvl="1"/>
+            <a:r>
+              <a:rPr lang="en-US" dirty="0" smtClean="0"/>
+              <a:t>Lifecycle management to automatically delete or archive data</a:t>
+            </a:r>
+          </a:p>
+          <a:p>
+            <a:pPr lvl="1"/>
+            <a:r>
+              <a:rPr lang="en-US" dirty="0" smtClean="0"/>
+              <a:t>Versioning to track changes to file</a:t>
+            </a:r>
+          </a:p>
+        </p:txBody>
+      </p:sp>
+    </p:spTree>
+    <p:extLst>
+      <p:ext uri="{BB962C8B-B14F-4D97-AF65-F5344CB8AC3E}">
+        <p14:creationId xmlns:p14="http://schemas.microsoft.com/office/powerpoint/2010/main" val="737962163"/>
+      </p:ext>
+    </p:extLst>
+  </p:cSld>
+  <p:clrMapOvr>
+    <a:masterClrMapping/>
+  </p:clrMapOvr>
+</p:sld>
+</file>
+
 <file path=ppt/slides/slide23.xml><?xml version="1.0" encoding="utf-8"?>
 <p:sld xmlns:a="http://schemas.openxmlformats.org/drawingml/2006/main" xmlns:r="http://schemas.openxmlformats.org/officeDocument/2006/relationships" xmlns:p="http://schemas.openxmlformats.org/presentationml/2006/main">
   <p:cSld>
@@ -8924,326 +9091,6 @@
           <a:p>
             <a:r>
               <a:rPr lang="en-US" dirty="0" smtClean="0"/>
-              <a:t>S3</a:t>
-            </a:r>
-            <a:endParaRPr lang="en-US" dirty="0"/>
-          </a:p>
-        </p:txBody>
-      </p:sp>
-      <p:sp>
-        <p:nvSpPr>
-          <p:cNvPr id="3" name="Content Placeholder 2"/>
-          <p:cNvSpPr>
-            <a:spLocks noGrp="1"/>
-          </p:cNvSpPr>
-          <p:nvPr>
-            <p:ph idx="1"/>
-          </p:nvPr>
-        </p:nvSpPr>
-        <p:spPr>
-          <a:xfrm>
-            <a:off x="457200" y="1600200"/>
-            <a:ext cx="8229600" cy="4967641"/>
-          </a:xfrm>
-        </p:spPr>
-        <p:txBody>
-          <a:bodyPr>
-            <a:normAutofit fontScale="92500" lnSpcReduction="20000"/>
-          </a:bodyPr>
-          <a:lstStyle/>
-          <a:p>
-            <a:r>
-              <a:rPr lang="en-US" dirty="0" smtClean="0"/>
-              <a:t>S3 storage namespace partitioned into </a:t>
-            </a:r>
-            <a:r>
-              <a:rPr lang="en-US" b="1" dirty="0" smtClean="0"/>
-              <a:t>buckets</a:t>
-            </a:r>
-            <a:r>
-              <a:rPr lang="en-US" dirty="0" smtClean="0"/>
-              <a:t> in each region</a:t>
-            </a:r>
-          </a:p>
-          <a:p>
-            <a:pPr lvl="1"/>
-            <a:r>
-              <a:rPr lang="en-US" dirty="0" smtClean="0"/>
-              <a:t>Files are stored in a bucket</a:t>
-            </a:r>
-          </a:p>
-          <a:p>
-            <a:pPr lvl="1"/>
-            <a:r>
-              <a:rPr lang="en-US" dirty="0" smtClean="0"/>
-              <a:t>Bucket name is </a:t>
-            </a:r>
-            <a:r>
-              <a:rPr lang="en-US" u="sng" dirty="0" smtClean="0"/>
-              <a:t>global</a:t>
-            </a:r>
-            <a:r>
-              <a:rPr lang="en-US" dirty="0" smtClean="0"/>
-              <a:t> and must be unique</a:t>
-            </a:r>
-          </a:p>
-          <a:p>
-            <a:pPr lvl="1"/>
-            <a:r>
-              <a:rPr lang="en-US" dirty="0" smtClean="0"/>
-              <a:t>Limit of 100 buckets per account (but can be increased)</a:t>
-            </a:r>
-          </a:p>
-          <a:p>
-            <a:pPr lvl="1"/>
-            <a:endParaRPr lang="en-US" dirty="0" smtClean="0"/>
-          </a:p>
-          <a:p>
-            <a:r>
-              <a:rPr lang="en-US" dirty="0" smtClean="0"/>
-              <a:t>Data consistency</a:t>
-            </a:r>
-          </a:p>
-          <a:p>
-            <a:pPr lvl="1"/>
-            <a:r>
-              <a:rPr lang="en-US" dirty="0" smtClean="0"/>
-              <a:t>New objects = Read after Write consistency</a:t>
-            </a:r>
-          </a:p>
-          <a:p>
-            <a:pPr lvl="1"/>
-            <a:r>
-              <a:rPr lang="en-US" dirty="0" smtClean="0"/>
-              <a:t>Updated or deleted objects = Eventual consistency</a:t>
-            </a:r>
-          </a:p>
-          <a:p>
-            <a:pPr lvl="2"/>
-            <a:r>
-              <a:rPr lang="en-US" dirty="0" smtClean="0"/>
-              <a:t>If you update an object and then try to immediately read it again, you might get the old version.</a:t>
-            </a:r>
-            <a:endParaRPr lang="en-US" dirty="0"/>
-          </a:p>
-        </p:txBody>
-      </p:sp>
-    </p:spTree>
-    <p:extLst>
-      <p:ext uri="{BB962C8B-B14F-4D97-AF65-F5344CB8AC3E}">
-        <p14:creationId xmlns:p14="http://schemas.microsoft.com/office/powerpoint/2010/main" val="3447607714"/>
-      </p:ext>
-    </p:extLst>
-  </p:cSld>
-  <p:clrMapOvr>
-    <a:masterClrMapping/>
-  </p:clrMapOvr>
-</p:sld>
-</file>
-
-<file path=ppt/slides/slide24.xml><?xml version="1.0" encoding="utf-8"?>
-<p:sld xmlns:a="http://schemas.openxmlformats.org/drawingml/2006/main" xmlns:r="http://schemas.openxmlformats.org/officeDocument/2006/relationships" xmlns:p="http://schemas.openxmlformats.org/presentationml/2006/main">
-  <p:cSld>
-    <p:spTree>
-      <p:nvGrpSpPr>
-        <p:cNvPr id="1" name=""/>
-        <p:cNvGrpSpPr/>
-        <p:nvPr/>
-      </p:nvGrpSpPr>
-      <p:grpSpPr>
-        <a:xfrm>
-          <a:off x="0" y="0"/>
-          <a:ext cx="0" cy="0"/>
-          <a:chOff x="0" y="0"/>
-          <a:chExt cx="0" cy="0"/>
-        </a:xfrm>
-      </p:grpSpPr>
-      <p:sp>
-        <p:nvSpPr>
-          <p:cNvPr id="2" name="Title 1"/>
-          <p:cNvSpPr>
-            <a:spLocks noGrp="1"/>
-          </p:cNvSpPr>
-          <p:nvPr>
-            <p:ph type="title"/>
-          </p:nvPr>
-        </p:nvSpPr>
-        <p:spPr/>
-        <p:txBody>
-          <a:bodyPr/>
-          <a:lstStyle/>
-          <a:p>
-            <a:r>
-              <a:rPr lang="en-US" dirty="0" smtClean="0"/>
-              <a:t>S3</a:t>
-            </a:r>
-            <a:endParaRPr lang="en-US" dirty="0"/>
-          </a:p>
-        </p:txBody>
-      </p:sp>
-      <p:sp>
-        <p:nvSpPr>
-          <p:cNvPr id="3" name="Content Placeholder 2"/>
-          <p:cNvSpPr>
-            <a:spLocks noGrp="1"/>
-          </p:cNvSpPr>
-          <p:nvPr>
-            <p:ph idx="1"/>
-          </p:nvPr>
-        </p:nvSpPr>
-        <p:spPr>
-          <a:xfrm>
-            <a:off x="457200" y="1600200"/>
-            <a:ext cx="8229600" cy="4885713"/>
-          </a:xfrm>
-        </p:spPr>
-        <p:txBody>
-          <a:bodyPr>
-            <a:normAutofit fontScale="70000" lnSpcReduction="20000"/>
-          </a:bodyPr>
-          <a:lstStyle/>
-          <a:p>
-            <a:r>
-              <a:rPr lang="en-US" dirty="0" smtClean="0"/>
-              <a:t>Security</a:t>
-            </a:r>
-          </a:p>
-          <a:p>
-            <a:pPr lvl="1"/>
-            <a:r>
-              <a:rPr lang="en-US" dirty="0"/>
-              <a:t>S</a:t>
-            </a:r>
-            <a:r>
-              <a:rPr lang="en-US" dirty="0" smtClean="0"/>
-              <a:t>et access control policies on a bucket level or a per-file level</a:t>
-            </a:r>
-          </a:p>
-          <a:p>
-            <a:pPr lvl="1"/>
-            <a:r>
-              <a:rPr lang="en-US" dirty="0" smtClean="0"/>
-              <a:t>Encrypt data-at-rest for greater security (AES-256)</a:t>
-            </a:r>
-          </a:p>
-          <a:p>
-            <a:pPr lvl="1"/>
-            <a:r>
-              <a:rPr lang="en-US" dirty="0" smtClean="0"/>
-              <a:t>Transmit data via SSL/TLS</a:t>
-            </a:r>
-          </a:p>
-          <a:p>
-            <a:pPr lvl="1"/>
-            <a:r>
-              <a:rPr lang="en-US" dirty="0" smtClean="0"/>
-              <a:t>Create logs tracking all access to buckets and files</a:t>
-            </a:r>
-          </a:p>
-          <a:p>
-            <a:pPr lvl="1"/>
-            <a:endParaRPr lang="en-US" dirty="0" smtClean="0"/>
-          </a:p>
-          <a:p>
-            <a:r>
-              <a:rPr lang="en-US" dirty="0" smtClean="0"/>
-              <a:t>Cost</a:t>
-            </a:r>
-          </a:p>
-          <a:p>
-            <a:pPr lvl="1"/>
-            <a:r>
-              <a:rPr lang="en-US" dirty="0" smtClean="0"/>
-              <a:t>Pay for storage space per GB, number of requests (GET, PUT, etc.) and data transmission</a:t>
-            </a:r>
-          </a:p>
-          <a:p>
-            <a:pPr lvl="2"/>
-            <a:r>
-              <a:rPr lang="en-US" dirty="0" smtClean="0"/>
-              <a:t>No fee for incoming data</a:t>
-            </a:r>
-          </a:p>
-          <a:p>
-            <a:pPr lvl="1"/>
-            <a:endParaRPr lang="en-US" dirty="0" smtClean="0"/>
-          </a:p>
-          <a:p>
-            <a:r>
-              <a:rPr lang="en-US" dirty="0" smtClean="0"/>
-              <a:t>Additional S3 features</a:t>
-            </a:r>
-          </a:p>
-          <a:p>
-            <a:pPr lvl="1"/>
-            <a:r>
-              <a:rPr lang="en-US" dirty="0" smtClean="0"/>
-              <a:t>Tiered storage options for increased performance or lower cost</a:t>
-            </a:r>
-          </a:p>
-          <a:p>
-            <a:pPr lvl="1"/>
-            <a:r>
-              <a:rPr lang="en-US" dirty="0" smtClean="0"/>
-              <a:t>Lifecycle management to automatically delete or archive data</a:t>
-            </a:r>
-          </a:p>
-          <a:p>
-            <a:pPr lvl="1"/>
-            <a:r>
-              <a:rPr lang="en-US" dirty="0" smtClean="0"/>
-              <a:t>Versioning to track changes to file</a:t>
-            </a:r>
-          </a:p>
-        </p:txBody>
-      </p:sp>
-    </p:spTree>
-    <p:extLst>
-      <p:ext uri="{BB962C8B-B14F-4D97-AF65-F5344CB8AC3E}">
-        <p14:creationId xmlns:p14="http://schemas.microsoft.com/office/powerpoint/2010/main" val="737962163"/>
-      </p:ext>
-    </p:extLst>
-  </p:cSld>
-  <p:clrMapOvr>
-    <a:masterClrMapping/>
-  </p:clrMapOvr>
-</p:sld>
-</file>
-
-<file path=ppt/slides/slide25.xml><?xml version="1.0" encoding="utf-8"?>
-<p:sld xmlns:a="http://schemas.openxmlformats.org/drawingml/2006/main" xmlns:r="http://schemas.openxmlformats.org/officeDocument/2006/relationships" xmlns:p="http://schemas.openxmlformats.org/presentationml/2006/main">
-  <p:cSld>
-    <p:spTree>
-      <p:nvGrpSpPr>
-        <p:cNvPr id="1" name=""/>
-        <p:cNvGrpSpPr/>
-        <p:nvPr/>
-      </p:nvGrpSpPr>
-      <p:grpSpPr>
-        <a:xfrm>
-          <a:off x="0" y="0"/>
-          <a:ext cx="0" cy="0"/>
-          <a:chOff x="0" y="0"/>
-          <a:chExt cx="0" cy="0"/>
-        </a:xfrm>
-      </p:grpSpPr>
-      <p:sp>
-        <p:nvSpPr>
-          <p:cNvPr id="2" name="Title 1"/>
-          <p:cNvSpPr>
-            <a:spLocks noGrp="1"/>
-          </p:cNvSpPr>
-          <p:nvPr>
-            <p:ph type="title"/>
-          </p:nvPr>
-        </p:nvSpPr>
-        <p:spPr/>
-        <p:txBody>
-          <a:bodyPr/>
-          <a:lstStyle/>
-          <a:p>
-            <a:r>
-              <a:rPr lang="en-US" dirty="0" smtClean="0"/>
               <a:t>S3 Storage Tiers</a:t>
             </a:r>
             <a:endParaRPr lang="en-US" dirty="0"/>
@@ -9391,7 +9238,7 @@
 </p:sld>
 </file>
 
-<file path=ppt/slides/slide26.xml><?xml version="1.0" encoding="utf-8"?>
+<file path=ppt/slides/slide24.xml><?xml version="1.0" encoding="utf-8"?>
 <p:sld xmlns:a="http://schemas.openxmlformats.org/drawingml/2006/main" xmlns:r="http://schemas.openxmlformats.org/officeDocument/2006/relationships" xmlns:p="http://schemas.openxmlformats.org/presentationml/2006/main">
   <p:cSld>
     <p:spTree>
@@ -9555,6 +9402,243 @@
 </p:sld>
 </file>
 
+<file path=ppt/slides/slide25.xml><?xml version="1.0" encoding="utf-8"?>
+<p:sld xmlns:a="http://schemas.openxmlformats.org/drawingml/2006/main" xmlns:r="http://schemas.openxmlformats.org/officeDocument/2006/relationships" xmlns:p="http://schemas.openxmlformats.org/presentationml/2006/main">
+  <p:cSld>
+    <p:spTree>
+      <p:nvGrpSpPr>
+        <p:cNvPr id="1" name=""/>
+        <p:cNvGrpSpPr/>
+        <p:nvPr/>
+      </p:nvGrpSpPr>
+      <p:grpSpPr>
+        <a:xfrm>
+          <a:off x="0" y="0"/>
+          <a:ext cx="0" cy="0"/>
+          <a:chOff x="0" y="0"/>
+          <a:chExt cx="0" cy="0"/>
+        </a:xfrm>
+      </p:grpSpPr>
+      <p:sp>
+        <p:nvSpPr>
+          <p:cNvPr id="2" name="Title 1"/>
+          <p:cNvSpPr>
+            <a:spLocks noGrp="1"/>
+          </p:cNvSpPr>
+          <p:nvPr>
+            <p:ph type="title"/>
+          </p:nvPr>
+        </p:nvSpPr>
+        <p:spPr/>
+        <p:txBody>
+          <a:bodyPr/>
+          <a:lstStyle/>
+          <a:p>
+            <a:r>
+              <a:rPr lang="en-US" dirty="0" smtClean="0"/>
+              <a:t>S3 Hands-on</a:t>
+            </a:r>
+            <a:endParaRPr lang="en-US" dirty="0"/>
+          </a:p>
+        </p:txBody>
+      </p:sp>
+      <p:sp>
+        <p:nvSpPr>
+          <p:cNvPr id="3" name="Content Placeholder 2"/>
+          <p:cNvSpPr>
+            <a:spLocks noGrp="1"/>
+          </p:cNvSpPr>
+          <p:nvPr>
+            <p:ph idx="1"/>
+          </p:nvPr>
+        </p:nvSpPr>
+        <p:spPr/>
+        <p:txBody>
+          <a:bodyPr/>
+          <a:lstStyle/>
+          <a:p>
+            <a:r>
+              <a:rPr lang="en-US" dirty="0" smtClean="0"/>
+              <a:t>Add a new file</a:t>
+            </a:r>
+          </a:p>
+          <a:p>
+            <a:pPr lvl="1"/>
+            <a:r>
+              <a:rPr lang="en-US" dirty="0" smtClean="0"/>
+              <a:t>Upload a file through web console or API/SDK</a:t>
+            </a:r>
+          </a:p>
+          <a:p>
+            <a:pPr lvl="1"/>
+            <a:r>
+              <a:rPr lang="en-US" dirty="0" smtClean="0"/>
+              <a:t>File changes via HTTP PUT or DELETE</a:t>
+            </a:r>
+          </a:p>
+          <a:p>
+            <a:pPr lvl="1"/>
+            <a:r>
+              <a:rPr lang="en-US" dirty="0" smtClean="0"/>
+              <a:t>Each file has a set of metadata</a:t>
+            </a:r>
+          </a:p>
+          <a:p>
+            <a:pPr lvl="1"/>
+            <a:r>
+              <a:rPr lang="en-US" dirty="0" smtClean="0"/>
+              <a:t>Each file has a unique web link</a:t>
+            </a:r>
+          </a:p>
+          <a:p>
+            <a:pPr lvl="1"/>
+            <a:r>
+              <a:rPr lang="en-US" dirty="0" smtClean="0"/>
+              <a:t>Can set storage class and encryption on a per-file basis</a:t>
+            </a:r>
+          </a:p>
+          <a:p>
+            <a:endParaRPr lang="en-US" dirty="0" smtClean="0"/>
+          </a:p>
+          <a:p>
+            <a:pPr lvl="1"/>
+            <a:endParaRPr lang="en-US" dirty="0"/>
+          </a:p>
+        </p:txBody>
+      </p:sp>
+    </p:spTree>
+    <p:extLst>
+      <p:ext uri="{BB962C8B-B14F-4D97-AF65-F5344CB8AC3E}">
+        <p14:creationId xmlns:p14="http://schemas.microsoft.com/office/powerpoint/2010/main" val="3950726447"/>
+      </p:ext>
+    </p:extLst>
+  </p:cSld>
+  <p:clrMapOvr>
+    <a:masterClrMapping/>
+  </p:clrMapOvr>
+</p:sld>
+</file>
+
+<file path=ppt/slides/slide26.xml><?xml version="1.0" encoding="utf-8"?>
+<p:sld xmlns:a="http://schemas.openxmlformats.org/drawingml/2006/main" xmlns:r="http://schemas.openxmlformats.org/officeDocument/2006/relationships" xmlns:p="http://schemas.openxmlformats.org/presentationml/2006/main">
+  <p:cSld>
+    <p:spTree>
+      <p:nvGrpSpPr>
+        <p:cNvPr id="1" name=""/>
+        <p:cNvGrpSpPr/>
+        <p:nvPr/>
+      </p:nvGrpSpPr>
+      <p:grpSpPr>
+        <a:xfrm>
+          <a:off x="0" y="0"/>
+          <a:ext cx="0" cy="0"/>
+          <a:chOff x="0" y="0"/>
+          <a:chExt cx="0" cy="0"/>
+        </a:xfrm>
+      </p:grpSpPr>
+      <p:sp>
+        <p:nvSpPr>
+          <p:cNvPr id="2" name="Title 1"/>
+          <p:cNvSpPr>
+            <a:spLocks noGrp="1"/>
+          </p:cNvSpPr>
+          <p:nvPr>
+            <p:ph type="title"/>
+          </p:nvPr>
+        </p:nvSpPr>
+        <p:spPr/>
+        <p:txBody>
+          <a:bodyPr/>
+          <a:lstStyle/>
+          <a:p>
+            <a:r>
+              <a:rPr lang="en-US" dirty="0" smtClean="0"/>
+              <a:t>S3 Hands-on</a:t>
+            </a:r>
+            <a:endParaRPr lang="en-US" dirty="0"/>
+          </a:p>
+        </p:txBody>
+      </p:sp>
+      <p:sp>
+        <p:nvSpPr>
+          <p:cNvPr id="3" name="Content Placeholder 2"/>
+          <p:cNvSpPr>
+            <a:spLocks noGrp="1"/>
+          </p:cNvSpPr>
+          <p:nvPr>
+            <p:ph idx="1"/>
+          </p:nvPr>
+        </p:nvSpPr>
+        <p:spPr/>
+        <p:txBody>
+          <a:bodyPr>
+            <a:normAutofit lnSpcReduction="10000"/>
+          </a:bodyPr>
+          <a:lstStyle/>
+          <a:p>
+            <a:r>
+              <a:rPr lang="en-US" dirty="0" smtClean="0"/>
+              <a:t>Versioning</a:t>
+            </a:r>
+          </a:p>
+          <a:p>
+            <a:pPr lvl="1"/>
+            <a:r>
+              <a:rPr lang="en-US" dirty="0" smtClean="0"/>
+              <a:t>Enabled on a per-bucket basis</a:t>
+            </a:r>
+          </a:p>
+          <a:p>
+            <a:pPr lvl="1"/>
+            <a:r>
+              <a:rPr lang="en-US" dirty="0" smtClean="0"/>
+              <a:t>Once versioning on a bucket is enabled, it cannot be disabled only suspended</a:t>
+            </a:r>
+          </a:p>
+          <a:p>
+            <a:pPr lvl="1"/>
+            <a:r>
+              <a:rPr lang="en-US" dirty="0" smtClean="0"/>
+              <a:t>S3 tracks the version of each file</a:t>
+            </a:r>
+          </a:p>
+          <a:p>
+            <a:pPr lvl="1"/>
+            <a:r>
+              <a:rPr lang="en-US" dirty="0" smtClean="0"/>
+              <a:t>Files are hidden (delete markers) and not deleted</a:t>
+            </a:r>
+          </a:p>
+          <a:p>
+            <a:pPr lvl="1"/>
+            <a:r>
+              <a:rPr lang="en-US" dirty="0" smtClean="0"/>
+              <a:t>Great for protecting and tracking files, but consumes more storage space</a:t>
+            </a:r>
+          </a:p>
+          <a:p>
+            <a:pPr lvl="1"/>
+            <a:r>
+              <a:rPr lang="en-US" dirty="0" smtClean="0"/>
+              <a:t>Cross region replication: requires versioning to be enabled on the source bucket</a:t>
+            </a:r>
+            <a:endParaRPr lang="en-US" dirty="0"/>
+          </a:p>
+        </p:txBody>
+      </p:sp>
+    </p:spTree>
+    <p:extLst>
+      <p:ext uri="{BB962C8B-B14F-4D97-AF65-F5344CB8AC3E}">
+        <p14:creationId xmlns:p14="http://schemas.microsoft.com/office/powerpoint/2010/main" val="2474150708"/>
+      </p:ext>
+    </p:extLst>
+  </p:cSld>
+  <p:clrMapOvr>
+    <a:masterClrMapping/>
+  </p:clrMapOvr>
+</p:sld>
+</file>
+
 <file path=ppt/slides/slide27.xml><?xml version="1.0" encoding="utf-8"?>
 <p:sld xmlns:a="http://schemas.openxmlformats.org/drawingml/2006/main" xmlns:r="http://schemas.openxmlformats.org/officeDocument/2006/relationships" xmlns:p="http://schemas.openxmlformats.org/presentationml/2006/main">
   <p:cSld>
@@ -9612,243 +9696,6 @@
           <a:p>
             <a:r>
               <a:rPr lang="en-US" dirty="0" smtClean="0"/>
-              <a:t>Add a new file</a:t>
-            </a:r>
-          </a:p>
-          <a:p>
-            <a:pPr lvl="1"/>
-            <a:r>
-              <a:rPr lang="en-US" dirty="0" smtClean="0"/>
-              <a:t>Upload a file through web console or API/SDK</a:t>
-            </a:r>
-          </a:p>
-          <a:p>
-            <a:pPr lvl="1"/>
-            <a:r>
-              <a:rPr lang="en-US" dirty="0" smtClean="0"/>
-              <a:t>File changes via HTTP PUT or DELETE</a:t>
-            </a:r>
-          </a:p>
-          <a:p>
-            <a:pPr lvl="1"/>
-            <a:r>
-              <a:rPr lang="en-US" dirty="0" smtClean="0"/>
-              <a:t>Each file has a set of metadata</a:t>
-            </a:r>
-          </a:p>
-          <a:p>
-            <a:pPr lvl="1"/>
-            <a:r>
-              <a:rPr lang="en-US" dirty="0" smtClean="0"/>
-              <a:t>Each file has a unique web link</a:t>
-            </a:r>
-          </a:p>
-          <a:p>
-            <a:pPr lvl="1"/>
-            <a:r>
-              <a:rPr lang="en-US" dirty="0" smtClean="0"/>
-              <a:t>Can set storage class and encryption on a per-file basis</a:t>
-            </a:r>
-          </a:p>
-          <a:p>
-            <a:endParaRPr lang="en-US" dirty="0" smtClean="0"/>
-          </a:p>
-          <a:p>
-            <a:pPr lvl="1"/>
-            <a:endParaRPr lang="en-US" dirty="0"/>
-          </a:p>
-        </p:txBody>
-      </p:sp>
-    </p:spTree>
-    <p:extLst>
-      <p:ext uri="{BB962C8B-B14F-4D97-AF65-F5344CB8AC3E}">
-        <p14:creationId xmlns:p14="http://schemas.microsoft.com/office/powerpoint/2010/main" val="3950726447"/>
-      </p:ext>
-    </p:extLst>
-  </p:cSld>
-  <p:clrMapOvr>
-    <a:masterClrMapping/>
-  </p:clrMapOvr>
-</p:sld>
-</file>
-
-<file path=ppt/slides/slide28.xml><?xml version="1.0" encoding="utf-8"?>
-<p:sld xmlns:a="http://schemas.openxmlformats.org/drawingml/2006/main" xmlns:r="http://schemas.openxmlformats.org/officeDocument/2006/relationships" xmlns:p="http://schemas.openxmlformats.org/presentationml/2006/main">
-  <p:cSld>
-    <p:spTree>
-      <p:nvGrpSpPr>
-        <p:cNvPr id="1" name=""/>
-        <p:cNvGrpSpPr/>
-        <p:nvPr/>
-      </p:nvGrpSpPr>
-      <p:grpSpPr>
-        <a:xfrm>
-          <a:off x="0" y="0"/>
-          <a:ext cx="0" cy="0"/>
-          <a:chOff x="0" y="0"/>
-          <a:chExt cx="0" cy="0"/>
-        </a:xfrm>
-      </p:grpSpPr>
-      <p:sp>
-        <p:nvSpPr>
-          <p:cNvPr id="2" name="Title 1"/>
-          <p:cNvSpPr>
-            <a:spLocks noGrp="1"/>
-          </p:cNvSpPr>
-          <p:nvPr>
-            <p:ph type="title"/>
-          </p:nvPr>
-        </p:nvSpPr>
-        <p:spPr/>
-        <p:txBody>
-          <a:bodyPr/>
-          <a:lstStyle/>
-          <a:p>
-            <a:r>
-              <a:rPr lang="en-US" dirty="0" smtClean="0"/>
-              <a:t>S3 Hands-on</a:t>
-            </a:r>
-            <a:endParaRPr lang="en-US" dirty="0"/>
-          </a:p>
-        </p:txBody>
-      </p:sp>
-      <p:sp>
-        <p:nvSpPr>
-          <p:cNvPr id="3" name="Content Placeholder 2"/>
-          <p:cNvSpPr>
-            <a:spLocks noGrp="1"/>
-          </p:cNvSpPr>
-          <p:nvPr>
-            <p:ph idx="1"/>
-          </p:nvPr>
-        </p:nvSpPr>
-        <p:spPr/>
-        <p:txBody>
-          <a:bodyPr>
-            <a:normAutofit lnSpcReduction="10000"/>
-          </a:bodyPr>
-          <a:lstStyle/>
-          <a:p>
-            <a:r>
-              <a:rPr lang="en-US" dirty="0" smtClean="0"/>
-              <a:t>Versioning</a:t>
-            </a:r>
-          </a:p>
-          <a:p>
-            <a:pPr lvl="1"/>
-            <a:r>
-              <a:rPr lang="en-US" dirty="0" smtClean="0"/>
-              <a:t>Enabled on a per-bucket basis</a:t>
-            </a:r>
-          </a:p>
-          <a:p>
-            <a:pPr lvl="1"/>
-            <a:r>
-              <a:rPr lang="en-US" dirty="0" smtClean="0"/>
-              <a:t>Once versioning on a bucket is enabled, it cannot be disabled only suspended</a:t>
-            </a:r>
-          </a:p>
-          <a:p>
-            <a:pPr lvl="1"/>
-            <a:r>
-              <a:rPr lang="en-US" dirty="0" smtClean="0"/>
-              <a:t>S3 tracks the version of each file</a:t>
-            </a:r>
-          </a:p>
-          <a:p>
-            <a:pPr lvl="1"/>
-            <a:r>
-              <a:rPr lang="en-US" dirty="0" smtClean="0"/>
-              <a:t>Files are hidden (delete markers) and not deleted</a:t>
-            </a:r>
-          </a:p>
-          <a:p>
-            <a:pPr lvl="1"/>
-            <a:r>
-              <a:rPr lang="en-US" dirty="0" smtClean="0"/>
-              <a:t>Great for protecting and tracking files, but consumes more storage space</a:t>
-            </a:r>
-          </a:p>
-          <a:p>
-            <a:pPr lvl="1"/>
-            <a:r>
-              <a:rPr lang="en-US" dirty="0" smtClean="0"/>
-              <a:t>Cross region replication: requires versioning to be enabled on the source bucket</a:t>
-            </a:r>
-            <a:endParaRPr lang="en-US" dirty="0"/>
-          </a:p>
-        </p:txBody>
-      </p:sp>
-    </p:spTree>
-    <p:extLst>
-      <p:ext uri="{BB962C8B-B14F-4D97-AF65-F5344CB8AC3E}">
-        <p14:creationId xmlns:p14="http://schemas.microsoft.com/office/powerpoint/2010/main" val="2474150708"/>
-      </p:ext>
-    </p:extLst>
-  </p:cSld>
-  <p:clrMapOvr>
-    <a:masterClrMapping/>
-  </p:clrMapOvr>
-</p:sld>
-</file>
-
-<file path=ppt/slides/slide29.xml><?xml version="1.0" encoding="utf-8"?>
-<p:sld xmlns:a="http://schemas.openxmlformats.org/drawingml/2006/main" xmlns:r="http://schemas.openxmlformats.org/officeDocument/2006/relationships" xmlns:p="http://schemas.openxmlformats.org/presentationml/2006/main">
-  <p:cSld>
-    <p:spTree>
-      <p:nvGrpSpPr>
-        <p:cNvPr id="1" name=""/>
-        <p:cNvGrpSpPr/>
-        <p:nvPr/>
-      </p:nvGrpSpPr>
-      <p:grpSpPr>
-        <a:xfrm>
-          <a:off x="0" y="0"/>
-          <a:ext cx="0" cy="0"/>
-          <a:chOff x="0" y="0"/>
-          <a:chExt cx="0" cy="0"/>
-        </a:xfrm>
-      </p:grpSpPr>
-      <p:sp>
-        <p:nvSpPr>
-          <p:cNvPr id="2" name="Title 1"/>
-          <p:cNvSpPr>
-            <a:spLocks noGrp="1"/>
-          </p:cNvSpPr>
-          <p:nvPr>
-            <p:ph type="title"/>
-          </p:nvPr>
-        </p:nvSpPr>
-        <p:spPr/>
-        <p:txBody>
-          <a:bodyPr/>
-          <a:lstStyle/>
-          <a:p>
-            <a:r>
-              <a:rPr lang="en-US" dirty="0" smtClean="0"/>
-              <a:t>S3 Hands-on</a:t>
-            </a:r>
-            <a:endParaRPr lang="en-US" dirty="0"/>
-          </a:p>
-        </p:txBody>
-      </p:sp>
-      <p:sp>
-        <p:nvSpPr>
-          <p:cNvPr id="3" name="Content Placeholder 2"/>
-          <p:cNvSpPr>
-            <a:spLocks noGrp="1"/>
-          </p:cNvSpPr>
-          <p:nvPr>
-            <p:ph idx="1"/>
-          </p:nvPr>
-        </p:nvSpPr>
-        <p:spPr/>
-        <p:txBody>
-          <a:bodyPr/>
-          <a:lstStyle/>
-          <a:p>
-            <a:r>
-              <a:rPr lang="en-US" dirty="0" smtClean="0"/>
               <a:t>Lifecycle Management</a:t>
             </a:r>
           </a:p>
@@ -9903,187 +9750,7 @@
 </p:sld>
 </file>
 
-<file path=ppt/slides/slide3.xml><?xml version="1.0" encoding="utf-8"?>
-<p:sld xmlns:a="http://schemas.openxmlformats.org/drawingml/2006/main" xmlns:r="http://schemas.openxmlformats.org/officeDocument/2006/relationships" xmlns:p="http://schemas.openxmlformats.org/presentationml/2006/main">
-  <p:cSld>
-    <p:spTree>
-      <p:nvGrpSpPr>
-        <p:cNvPr id="1" name=""/>
-        <p:cNvGrpSpPr/>
-        <p:nvPr/>
-      </p:nvGrpSpPr>
-      <p:grpSpPr>
-        <a:xfrm>
-          <a:off x="0" y="0"/>
-          <a:ext cx="0" cy="0"/>
-          <a:chOff x="0" y="0"/>
-          <a:chExt cx="0" cy="0"/>
-        </a:xfrm>
-      </p:grpSpPr>
-      <p:sp>
-        <p:nvSpPr>
-          <p:cNvPr id="2" name="Title 1"/>
-          <p:cNvSpPr>
-            <a:spLocks noGrp="1"/>
-          </p:cNvSpPr>
-          <p:nvPr>
-            <p:ph type="title"/>
-          </p:nvPr>
-        </p:nvSpPr>
-        <p:spPr/>
-        <p:txBody>
-          <a:bodyPr/>
-          <a:lstStyle/>
-          <a:p>
-            <a:r>
-              <a:rPr lang="en-US" dirty="0" smtClean="0"/>
-              <a:t>Origin of Cloud Computing</a:t>
-            </a:r>
-            <a:endParaRPr lang="en-US" dirty="0"/>
-          </a:p>
-        </p:txBody>
-      </p:sp>
-      <p:sp>
-        <p:nvSpPr>
-          <p:cNvPr id="3" name="Content Placeholder 2"/>
-          <p:cNvSpPr>
-            <a:spLocks noGrp="1"/>
-          </p:cNvSpPr>
-          <p:nvPr>
-            <p:ph idx="1"/>
-          </p:nvPr>
-        </p:nvSpPr>
-        <p:spPr>
-          <a:xfrm>
-            <a:off x="457200" y="1600200"/>
-            <a:ext cx="8229600" cy="4872059"/>
-          </a:xfrm>
-        </p:spPr>
-        <p:txBody>
-          <a:bodyPr>
-            <a:normAutofit fontScale="70000" lnSpcReduction="20000"/>
-          </a:bodyPr>
-          <a:lstStyle/>
-          <a:p>
-            <a:r>
-              <a:rPr lang="en-US" dirty="0" smtClean="0"/>
-              <a:t>Pre-web era (pre-1994)</a:t>
-            </a:r>
-          </a:p>
-          <a:p>
-            <a:pPr lvl="1"/>
-            <a:r>
-              <a:rPr lang="en-US" dirty="0" smtClean="0"/>
-              <a:t>Applications used by limited set of users</a:t>
-            </a:r>
-          </a:p>
-          <a:p>
-            <a:pPr lvl="1"/>
-            <a:r>
-              <a:rPr lang="en-US" dirty="0" smtClean="0"/>
-              <a:t>9-to-5 service availability, limited need for high-availability architectures</a:t>
-            </a:r>
-          </a:p>
-          <a:p>
-            <a:pPr lvl="1"/>
-            <a:r>
-              <a:rPr lang="en-US" dirty="0" smtClean="0"/>
-              <a:t>No web!</a:t>
-            </a:r>
-          </a:p>
-          <a:p>
-            <a:pPr lvl="1"/>
-            <a:endParaRPr lang="en-US" dirty="0" smtClean="0"/>
-          </a:p>
-          <a:p>
-            <a:r>
-              <a:rPr lang="en-US" dirty="0" smtClean="0"/>
-              <a:t>First-web era: The Bubble (1995-2000)</a:t>
-            </a:r>
-          </a:p>
-          <a:p>
-            <a:pPr lvl="1"/>
-            <a:r>
-              <a:rPr lang="en-US" dirty="0" smtClean="0"/>
-              <a:t>Static websites, 1 website per machine</a:t>
-            </a:r>
-          </a:p>
-          <a:p>
-            <a:pPr lvl="1"/>
-            <a:r>
-              <a:rPr lang="en-US" dirty="0" smtClean="0"/>
-              <a:t>Very expensive to provide resiliency and scalability</a:t>
-            </a:r>
-          </a:p>
-          <a:p>
-            <a:pPr lvl="1"/>
-            <a:r>
-              <a:rPr lang="en-US" dirty="0" smtClean="0"/>
-              <a:t>Dot-coms spent millions on hardware alone</a:t>
-            </a:r>
-          </a:p>
-          <a:p>
-            <a:pPr lvl="1"/>
-            <a:endParaRPr lang="en-US" dirty="0" smtClean="0"/>
-          </a:p>
-          <a:p>
-            <a:r>
-              <a:rPr lang="en-US" dirty="0" smtClean="0"/>
-              <a:t>Dot-bomb era (2000-2003)</a:t>
-            </a:r>
-          </a:p>
-          <a:p>
-            <a:pPr lvl="1"/>
-            <a:r>
-              <a:rPr lang="en-US" dirty="0" smtClean="0"/>
-              <a:t>Surplus of datacenters and computing capacity</a:t>
-            </a:r>
-          </a:p>
-          <a:p>
-            <a:pPr lvl="1"/>
-            <a:r>
-              <a:rPr lang="en-US" dirty="0" smtClean="0"/>
-              <a:t>Commoditization of </a:t>
-            </a:r>
-            <a:r>
-              <a:rPr lang="en-US" dirty="0" err="1" smtClean="0"/>
-              <a:t>cpu</a:t>
-            </a:r>
-            <a:r>
-              <a:rPr lang="en-US" dirty="0" smtClean="0"/>
-              <a:t>/memory/storage</a:t>
-            </a:r>
-          </a:p>
-          <a:p>
-            <a:pPr lvl="1"/>
-            <a:r>
-              <a:rPr lang="en-US" dirty="0" smtClean="0"/>
-              <a:t>Rise of open source platforms (Linux, MySQL, Apache)</a:t>
-            </a:r>
-          </a:p>
-        </p:txBody>
-      </p:sp>
-    </p:spTree>
-    <p:extLst>
-      <p:ext uri="{BB962C8B-B14F-4D97-AF65-F5344CB8AC3E}">
-        <p14:creationId xmlns:p14="http://schemas.microsoft.com/office/powerpoint/2010/main" val="1449154955"/>
-      </p:ext>
-    </p:extLst>
-  </p:cSld>
-  <p:clrMapOvr>
-    <a:masterClrMapping/>
-  </p:clrMapOvr>
-  <p:timing>
-    <p:tnLst>
-      <p:par>
-        <p:cTn xmlns:p14="http://schemas.microsoft.com/office/powerpoint/2010/main" id="1" dur="indefinite" restart="never" nodeType="tmRoot"/>
-      </p:par>
-    </p:tnLst>
-  </p:timing>
-</p:sld>
-</file>
-
-<file path=ppt/slides/slide30.xml><?xml version="1.0" encoding="utf-8"?>
+<file path=ppt/slides/slide28.xml><?xml version="1.0" encoding="utf-8"?>
 <p:sld xmlns:a="http://schemas.openxmlformats.org/drawingml/2006/main" xmlns:r="http://schemas.openxmlformats.org/officeDocument/2006/relationships" xmlns:p="http://schemas.openxmlformats.org/presentationml/2006/main">
   <p:cSld>
     <p:spTree>
@@ -10264,7 +9931,7 @@
 </p:sld>
 </file>
 
-<file path=ppt/slides/slide31.xml><?xml version="1.0" encoding="utf-8"?>
+<file path=ppt/slides/slide29.xml><?xml version="1.0" encoding="utf-8"?>
 <p:sld xmlns:a="http://schemas.openxmlformats.org/drawingml/2006/main" xmlns:r="http://schemas.openxmlformats.org/officeDocument/2006/relationships" xmlns:p="http://schemas.openxmlformats.org/presentationml/2006/main">
   <p:cSld>
     <p:spTree>
@@ -10430,7 +10097,160 @@
 </p:sld>
 </file>
 
-<file path=ppt/slides/slide32.xml><?xml version="1.0" encoding="utf-8"?>
+<file path=ppt/slides/slide3.xml><?xml version="1.0" encoding="utf-8"?>
+<p:sld xmlns:a="http://schemas.openxmlformats.org/drawingml/2006/main" xmlns:r="http://schemas.openxmlformats.org/officeDocument/2006/relationships" xmlns:p="http://schemas.openxmlformats.org/presentationml/2006/main">
+  <p:cSld>
+    <p:spTree>
+      <p:nvGrpSpPr>
+        <p:cNvPr id="1" name=""/>
+        <p:cNvGrpSpPr/>
+        <p:nvPr/>
+      </p:nvGrpSpPr>
+      <p:grpSpPr>
+        <a:xfrm>
+          <a:off x="0" y="0"/>
+          <a:ext cx="0" cy="0"/>
+          <a:chOff x="0" y="0"/>
+          <a:chExt cx="0" cy="0"/>
+        </a:xfrm>
+      </p:grpSpPr>
+      <p:sp>
+        <p:nvSpPr>
+          <p:cNvPr id="2" name="Title 1"/>
+          <p:cNvSpPr>
+            <a:spLocks noGrp="1"/>
+          </p:cNvSpPr>
+          <p:nvPr>
+            <p:ph type="title"/>
+          </p:nvPr>
+        </p:nvSpPr>
+        <p:spPr/>
+        <p:txBody>
+          <a:bodyPr/>
+          <a:lstStyle/>
+          <a:p>
+            <a:r>
+              <a:rPr lang="en-US" dirty="0" smtClean="0"/>
+              <a:t>Cloud Computing</a:t>
+            </a:r>
+            <a:endParaRPr lang="en-US" dirty="0"/>
+          </a:p>
+        </p:txBody>
+      </p:sp>
+      <p:sp>
+        <p:nvSpPr>
+          <p:cNvPr id="3" name="Content Placeholder 2"/>
+          <p:cNvSpPr>
+            <a:spLocks noGrp="1"/>
+          </p:cNvSpPr>
+          <p:nvPr>
+            <p:ph idx="1"/>
+          </p:nvPr>
+        </p:nvSpPr>
+        <p:spPr/>
+        <p:txBody>
+          <a:bodyPr>
+            <a:normAutofit/>
+          </a:bodyPr>
+          <a:lstStyle/>
+          <a:p>
+            <a:r>
+              <a:rPr lang="en-US" dirty="0" smtClean="0"/>
+              <a:t>What is cloud computing?</a:t>
+            </a:r>
+          </a:p>
+          <a:p>
+            <a:endParaRPr lang="en-US" dirty="0"/>
+          </a:p>
+          <a:p>
+            <a:pPr marL="0" indent="0">
+              <a:buNone/>
+            </a:pPr>
+            <a:r>
+              <a:rPr lang="en-US" sz="2400" dirty="0" smtClean="0"/>
+              <a:t>Cloud computing is a model for enabling convenient, </a:t>
+            </a:r>
+            <a:r>
+              <a:rPr lang="en-US" sz="2400" b="1" dirty="0" smtClean="0"/>
+              <a:t>on-demand </a:t>
+            </a:r>
+            <a:r>
+              <a:rPr lang="en-US" sz="2400" dirty="0" smtClean="0"/>
+              <a:t>network access to a </a:t>
+            </a:r>
+            <a:r>
+              <a:rPr lang="en-US" sz="2400" b="1" dirty="0" smtClean="0"/>
+              <a:t>shared</a:t>
+            </a:r>
+            <a:r>
+              <a:rPr lang="en-US" sz="2400" dirty="0" smtClean="0"/>
+              <a:t> pool of configurable computing resources (e.g., networks, servers, storage, applications, and services) that can be </a:t>
+            </a:r>
+            <a:r>
+              <a:rPr lang="en-US" sz="2400" b="1" dirty="0" smtClean="0"/>
+              <a:t>rapidly</a:t>
+            </a:r>
+            <a:r>
+              <a:rPr lang="en-US" sz="2400" dirty="0" smtClean="0"/>
+              <a:t> provisioned and released with </a:t>
+            </a:r>
+            <a:r>
+              <a:rPr lang="en-US" sz="2400" b="1" dirty="0" smtClean="0"/>
+              <a:t>minimal</a:t>
+            </a:r>
+            <a:r>
+              <a:rPr lang="en-US" sz="2400" dirty="0" smtClean="0"/>
+              <a:t> management effort or service provider interaction. </a:t>
+            </a:r>
+          </a:p>
+          <a:p>
+            <a:pPr marL="0" indent="0">
+              <a:buNone/>
+            </a:pPr>
+            <a:endParaRPr lang="en-US" sz="2400" dirty="0" smtClean="0"/>
+          </a:p>
+          <a:p>
+            <a:pPr marL="0" indent="0">
+              <a:buNone/>
+            </a:pPr>
+            <a:r>
+              <a:rPr lang="en-US" sz="1600" dirty="0" smtClean="0"/>
+              <a:t>National Institute of Standards and Technology</a:t>
+            </a:r>
+            <a:endParaRPr lang="en-US" sz="1600" dirty="0"/>
+          </a:p>
+          <a:p>
+            <a:pPr marL="0" indent="0">
+              <a:buNone/>
+            </a:pPr>
+            <a:r>
+              <a:rPr lang="en-US" sz="1600" dirty="0" smtClean="0"/>
+              <a:t>NIST SP 800-145</a:t>
+            </a:r>
+          </a:p>
+        </p:txBody>
+      </p:sp>
+    </p:spTree>
+    <p:extLst>
+      <p:ext uri="{BB962C8B-B14F-4D97-AF65-F5344CB8AC3E}">
+        <p14:creationId xmlns:p14="http://schemas.microsoft.com/office/powerpoint/2010/main" val="1087448286"/>
+      </p:ext>
+    </p:extLst>
+  </p:cSld>
+  <p:clrMapOvr>
+    <a:masterClrMapping/>
+  </p:clrMapOvr>
+  <p:timing>
+    <p:tnLst>
+      <p:par>
+        <p:cTn xmlns:p14="http://schemas.microsoft.com/office/powerpoint/2010/main" id="1" dur="indefinite" restart="never" nodeType="tmRoot"/>
+      </p:par>
+    </p:tnLst>
+  </p:timing>
+</p:sld>
+</file>
+
+<file path=ppt/slides/slide30.xml><?xml version="1.0" encoding="utf-8"?>
 <p:sld xmlns:a="http://schemas.openxmlformats.org/drawingml/2006/main" xmlns:r="http://schemas.openxmlformats.org/officeDocument/2006/relationships" xmlns:p="http://schemas.openxmlformats.org/presentationml/2006/main">
   <p:cSld>
     <p:spTree>
@@ -10507,7 +10327,7 @@
 </p:sld>
 </file>
 
-<file path=ppt/slides/slide33.xml><?xml version="1.0" encoding="utf-8"?>
+<file path=ppt/slides/slide31.xml><?xml version="1.0" encoding="utf-8"?>
 <p:sld xmlns:a="http://schemas.openxmlformats.org/drawingml/2006/main" xmlns:r="http://schemas.openxmlformats.org/officeDocument/2006/relationships" xmlns:p="http://schemas.openxmlformats.org/presentationml/2006/main">
   <p:cSld>
     <p:spTree>
@@ -10584,7 +10404,7 @@
 </p:sld>
 </file>
 
-<file path=ppt/slides/slide34.xml><?xml version="1.0" encoding="utf-8"?>
+<file path=ppt/slides/slide32.xml><?xml version="1.0" encoding="utf-8"?>
 <p:sld xmlns:a="http://schemas.openxmlformats.org/drawingml/2006/main" xmlns:r="http://schemas.openxmlformats.org/officeDocument/2006/relationships" xmlns:p="http://schemas.openxmlformats.org/presentationml/2006/main">
   <p:cSld>
     <p:spTree>
@@ -10725,7 +10545,7 @@
 </p:sld>
 </file>
 
-<file path=ppt/slides/slide35.xml><?xml version="1.0" encoding="utf-8"?>
+<file path=ppt/slides/slide33.xml><?xml version="1.0" encoding="utf-8"?>
 <p:sld xmlns:a="http://schemas.openxmlformats.org/drawingml/2006/main" xmlns:r="http://schemas.openxmlformats.org/officeDocument/2006/relationships" xmlns:p="http://schemas.openxmlformats.org/presentationml/2006/main">
   <p:cSld>
     <p:spTree>
@@ -10887,7 +10707,7 @@
 </p:sld>
 </file>
 
-<file path=ppt/slides/slide36.xml><?xml version="1.0" encoding="utf-8"?>
+<file path=ppt/slides/slide34.xml><?xml version="1.0" encoding="utf-8"?>
 <p:sld xmlns:a="http://schemas.openxmlformats.org/drawingml/2006/main" xmlns:r="http://schemas.openxmlformats.org/officeDocument/2006/relationships" xmlns:p="http://schemas.openxmlformats.org/presentationml/2006/main">
   <p:cSld>
     <p:spTree>
@@ -11289,6 +11109,284 @@
 </p:sld>
 </file>
 
+<file path=ppt/slides/slide35.xml><?xml version="1.0" encoding="utf-8"?>
+<p:sld xmlns:a="http://schemas.openxmlformats.org/drawingml/2006/main" xmlns:r="http://schemas.openxmlformats.org/officeDocument/2006/relationships" xmlns:p="http://schemas.openxmlformats.org/presentationml/2006/main">
+  <p:cSld>
+    <p:spTree>
+      <p:nvGrpSpPr>
+        <p:cNvPr id="1" name=""/>
+        <p:cNvGrpSpPr/>
+        <p:nvPr/>
+      </p:nvGrpSpPr>
+      <p:grpSpPr>
+        <a:xfrm>
+          <a:off x="0" y="0"/>
+          <a:ext cx="0" cy="0"/>
+          <a:chOff x="0" y="0"/>
+          <a:chExt cx="0" cy="0"/>
+        </a:xfrm>
+      </p:grpSpPr>
+      <p:sp>
+        <p:nvSpPr>
+          <p:cNvPr id="2" name="Title 1"/>
+          <p:cNvSpPr>
+            <a:spLocks noGrp="1"/>
+          </p:cNvSpPr>
+          <p:nvPr>
+            <p:ph type="title"/>
+          </p:nvPr>
+        </p:nvSpPr>
+        <p:spPr/>
+        <p:txBody>
+          <a:bodyPr/>
+          <a:lstStyle/>
+          <a:p>
+            <a:r>
+              <a:rPr lang="en-US" dirty="0" smtClean="0"/>
+              <a:t>EC2 Amazon Machine Image (AMI)</a:t>
+            </a:r>
+            <a:endParaRPr lang="en-US" dirty="0"/>
+          </a:p>
+        </p:txBody>
+      </p:sp>
+      <p:sp>
+        <p:nvSpPr>
+          <p:cNvPr id="3" name="Content Placeholder 2"/>
+          <p:cNvSpPr>
+            <a:spLocks noGrp="1"/>
+          </p:cNvSpPr>
+          <p:nvPr>
+            <p:ph idx="1"/>
+          </p:nvPr>
+        </p:nvSpPr>
+        <p:spPr>
+          <a:xfrm>
+            <a:off x="457200" y="1600200"/>
+            <a:ext cx="8229600" cy="5090532"/>
+          </a:xfrm>
+        </p:spPr>
+        <p:txBody>
+          <a:bodyPr>
+            <a:normAutofit fontScale="85000" lnSpcReduction="20000"/>
+          </a:bodyPr>
+          <a:lstStyle/>
+          <a:p>
+            <a:r>
+              <a:rPr lang="en-US" dirty="0" smtClean="0"/>
+              <a:t>You create an EC2 instance using an AMI (template).</a:t>
+            </a:r>
+          </a:p>
+          <a:p>
+            <a:endParaRPr lang="en-US" dirty="0" smtClean="0"/>
+          </a:p>
+          <a:p>
+            <a:r>
+              <a:rPr lang="en-US" dirty="0" smtClean="0"/>
+              <a:t>An AMI defines the base OS, applications, networking and storage components for an EC2 instance.</a:t>
+            </a:r>
+          </a:p>
+          <a:p>
+            <a:endParaRPr lang="en-US" dirty="0" smtClean="0"/>
+          </a:p>
+          <a:p>
+            <a:r>
+              <a:rPr lang="en-US" dirty="0" smtClean="0"/>
+              <a:t>AMI sources:</a:t>
+            </a:r>
+          </a:p>
+          <a:p>
+            <a:pPr lvl="1"/>
+            <a:r>
+              <a:rPr lang="en-US" dirty="0" smtClean="0"/>
+              <a:t>Amazon curated images</a:t>
+            </a:r>
+          </a:p>
+          <a:p>
+            <a:pPr lvl="1"/>
+            <a:r>
+              <a:rPr lang="en-US" dirty="0" smtClean="0"/>
+              <a:t>Community provided images</a:t>
+            </a:r>
+          </a:p>
+          <a:p>
+            <a:pPr lvl="1"/>
+            <a:r>
+              <a:rPr lang="en-US" dirty="0" smtClean="0"/>
+              <a:t>Commercial images on the Amazon Marketplace</a:t>
+            </a:r>
+          </a:p>
+          <a:p>
+            <a:pPr lvl="1"/>
+            <a:r>
+              <a:rPr lang="en-US" dirty="0" smtClean="0"/>
+              <a:t>Your own private images</a:t>
+            </a:r>
+          </a:p>
+          <a:p>
+            <a:pPr lvl="1"/>
+            <a:endParaRPr lang="en-US" dirty="0" smtClean="0"/>
+          </a:p>
+          <a:p>
+            <a:r>
+              <a:rPr lang="en-US" dirty="0" smtClean="0"/>
+              <a:t>AMIs only exist within a specific region (you can copy to other regions if necessary).</a:t>
+            </a:r>
+            <a:endParaRPr lang="en-US" dirty="0"/>
+          </a:p>
+        </p:txBody>
+      </p:sp>
+    </p:spTree>
+    <p:extLst>
+      <p:ext uri="{BB962C8B-B14F-4D97-AF65-F5344CB8AC3E}">
+        <p14:creationId xmlns:p14="http://schemas.microsoft.com/office/powerpoint/2010/main" val="2007583489"/>
+      </p:ext>
+    </p:extLst>
+  </p:cSld>
+  <p:clrMapOvr>
+    <a:masterClrMapping/>
+  </p:clrMapOvr>
+</p:sld>
+</file>
+
+<file path=ppt/slides/slide36.xml><?xml version="1.0" encoding="utf-8"?>
+<p:sld xmlns:a="http://schemas.openxmlformats.org/drawingml/2006/main" xmlns:r="http://schemas.openxmlformats.org/officeDocument/2006/relationships" xmlns:p="http://schemas.openxmlformats.org/presentationml/2006/main">
+  <p:cSld>
+    <p:spTree>
+      <p:nvGrpSpPr>
+        <p:cNvPr id="1" name=""/>
+        <p:cNvGrpSpPr/>
+        <p:nvPr/>
+      </p:nvGrpSpPr>
+      <p:grpSpPr>
+        <a:xfrm>
+          <a:off x="0" y="0"/>
+          <a:ext cx="0" cy="0"/>
+          <a:chOff x="0" y="0"/>
+          <a:chExt cx="0" cy="0"/>
+        </a:xfrm>
+      </p:grpSpPr>
+      <p:sp>
+        <p:nvSpPr>
+          <p:cNvPr id="2" name="Title 1"/>
+          <p:cNvSpPr>
+            <a:spLocks noGrp="1"/>
+          </p:cNvSpPr>
+          <p:nvPr>
+            <p:ph type="title"/>
+          </p:nvPr>
+        </p:nvSpPr>
+        <p:spPr/>
+        <p:txBody>
+          <a:bodyPr/>
+          <a:lstStyle/>
+          <a:p>
+            <a:r>
+              <a:rPr lang="en-US" dirty="0" smtClean="0"/>
+              <a:t>Elastic Block Storage (EBS)</a:t>
+            </a:r>
+            <a:endParaRPr lang="en-US" dirty="0"/>
+          </a:p>
+        </p:txBody>
+      </p:sp>
+      <p:sp>
+        <p:nvSpPr>
+          <p:cNvPr id="3" name="Content Placeholder 2"/>
+          <p:cNvSpPr>
+            <a:spLocks noGrp="1"/>
+          </p:cNvSpPr>
+          <p:nvPr>
+            <p:ph idx="1"/>
+          </p:nvPr>
+        </p:nvSpPr>
+        <p:spPr>
+          <a:xfrm>
+            <a:off x="457200" y="1600200"/>
+            <a:ext cx="8229600" cy="4872059"/>
+          </a:xfrm>
+        </p:spPr>
+        <p:txBody>
+          <a:bodyPr>
+            <a:normAutofit fontScale="92500" lnSpcReduction="20000"/>
+          </a:bodyPr>
+          <a:lstStyle/>
+          <a:p>
+            <a:r>
+              <a:rPr lang="en-US" dirty="0" smtClean="0"/>
+              <a:t>Service that allows you to create disk storage </a:t>
+            </a:r>
+            <a:r>
+              <a:rPr lang="en-US" b="1" dirty="0" smtClean="0"/>
+              <a:t>volumes</a:t>
+            </a:r>
+            <a:r>
+              <a:rPr lang="en-US" dirty="0" smtClean="0"/>
+              <a:t> that can be attached to EC2 instances.</a:t>
+            </a:r>
+          </a:p>
+          <a:p>
+            <a:pPr lvl="1"/>
+            <a:r>
+              <a:rPr lang="en-US" dirty="0" smtClean="0"/>
+              <a:t>A volume is like a hard drive for your instance.</a:t>
+            </a:r>
+          </a:p>
+          <a:p>
+            <a:pPr lvl="1"/>
+            <a:endParaRPr lang="en-US" dirty="0" smtClean="0"/>
+          </a:p>
+          <a:p>
+            <a:r>
+              <a:rPr lang="en-US" dirty="0" smtClean="0"/>
+              <a:t>EBS volumes are </a:t>
+            </a:r>
+            <a:r>
+              <a:rPr lang="en-US" b="1" dirty="0" smtClean="0"/>
+              <a:t>block storage </a:t>
+            </a:r>
+            <a:r>
+              <a:rPr lang="en-US" dirty="0" smtClean="0"/>
+              <a:t>and support file systems and databases.</a:t>
+            </a:r>
+          </a:p>
+          <a:p>
+            <a:endParaRPr lang="en-US" dirty="0" smtClean="0"/>
+          </a:p>
+          <a:p>
+            <a:r>
+              <a:rPr lang="en-US" dirty="0" smtClean="0"/>
+              <a:t>Each volume replicated within the AZ to provide high availability</a:t>
+            </a:r>
+          </a:p>
+          <a:p>
+            <a:pPr lvl="1"/>
+            <a:r>
+              <a:rPr lang="en-US" dirty="0" smtClean="0"/>
+              <a:t>Its delivered like a volume from a SAN.</a:t>
+            </a:r>
+          </a:p>
+          <a:p>
+            <a:pPr lvl="1"/>
+            <a:r>
+              <a:rPr lang="en-US" dirty="0" smtClean="0"/>
+              <a:t>EC2 instance sees it as a physically attached drive.</a:t>
+            </a:r>
+            <a:endParaRPr lang="en-US" dirty="0"/>
+          </a:p>
+        </p:txBody>
+      </p:sp>
+    </p:spTree>
+    <p:extLst>
+      <p:ext uri="{BB962C8B-B14F-4D97-AF65-F5344CB8AC3E}">
+        <p14:creationId xmlns:p14="http://schemas.microsoft.com/office/powerpoint/2010/main" val="906329309"/>
+      </p:ext>
+    </p:extLst>
+  </p:cSld>
+  <p:clrMapOvr>
+    <a:masterClrMapping/>
+  </p:clrMapOvr>
+</p:sld>
+</file>
+
 <file path=ppt/slides/slide37.xml><?xml version="1.0" encoding="utf-8"?>
 <p:sld xmlns:a="http://schemas.openxmlformats.org/drawingml/2006/main" xmlns:r="http://schemas.openxmlformats.org/officeDocument/2006/relationships" xmlns:p="http://schemas.openxmlformats.org/presentationml/2006/main">
   <p:cSld>
@@ -11323,7 +11421,7 @@
           <a:p>
             <a:r>
               <a:rPr lang="en-US" dirty="0" smtClean="0"/>
-              <a:t>EC2 Amazon Machine Image (AMI)</a:t>
+              <a:t>EBS Volume Types</a:t>
             </a:r>
             <a:endParaRPr lang="en-US" dirty="0"/>
           </a:p>
@@ -11342,74 +11440,66 @@
         <p:spPr>
           <a:xfrm>
             <a:off x="457200" y="1600200"/>
-            <a:ext cx="8229600" cy="5090532"/>
+            <a:ext cx="8229600" cy="4994950"/>
           </a:xfrm>
         </p:spPr>
         <p:txBody>
           <a:bodyPr>
-            <a:normAutofit fontScale="85000" lnSpcReduction="20000"/>
+            <a:normAutofit lnSpcReduction="10000"/>
           </a:bodyPr>
           <a:lstStyle/>
           <a:p>
             <a:r>
               <a:rPr lang="en-US" dirty="0" smtClean="0"/>
-              <a:t>You create an EC2 instance using an AMI (template).</a:t>
-            </a:r>
-          </a:p>
-          <a:p>
+              <a:t>General Purpose SSD (GP2)</a:t>
+            </a:r>
+          </a:p>
+          <a:p>
+            <a:pPr lvl="1"/>
+            <a:r>
+              <a:rPr lang="en-US" dirty="0" smtClean="0"/>
+              <a:t>5 9’s availability (99.999%)</a:t>
+            </a:r>
+          </a:p>
+          <a:p>
+            <a:pPr lvl="1"/>
+            <a:r>
+              <a:rPr lang="en-US" dirty="0" smtClean="0"/>
+              <a:t>3 IOPS per GB, up to 10,000 IOPS</a:t>
+            </a:r>
+          </a:p>
+          <a:p>
+            <a:pPr lvl="1"/>
             <a:endParaRPr lang="en-US" dirty="0" smtClean="0"/>
           </a:p>
           <a:p>
             <a:r>
               <a:rPr lang="en-US" dirty="0" smtClean="0"/>
-              <a:t>An AMI defines the base OS, applications, networking and storage components for an EC2 instance.</a:t>
-            </a:r>
-          </a:p>
-          <a:p>
+              <a:t>Provisioned IOPS SSD (IO1)</a:t>
+            </a:r>
+          </a:p>
+          <a:p>
+            <a:pPr lvl="1"/>
+            <a:r>
+              <a:rPr lang="en-US" dirty="0" smtClean="0"/>
+              <a:t>Very high IOPS capacity for disk I/O intensive applications requiring &gt; 10,000 IOPS</a:t>
+            </a:r>
+          </a:p>
+          <a:p>
+            <a:pPr lvl="1"/>
             <a:endParaRPr lang="en-US" dirty="0" smtClean="0"/>
           </a:p>
           <a:p>
             <a:r>
               <a:rPr lang="en-US" dirty="0" smtClean="0"/>
-              <a:t>AMI sources:</a:t>
-            </a:r>
-          </a:p>
-          <a:p>
-            <a:pPr lvl="1"/>
-            <a:r>
-              <a:rPr lang="en-US" dirty="0" smtClean="0"/>
-              <a:t>Amazon curated images</a:t>
-            </a:r>
-          </a:p>
-          <a:p>
-            <a:pPr lvl="1"/>
-            <a:r>
-              <a:rPr lang="en-US" dirty="0" smtClean="0"/>
-              <a:t>Community provided images</a:t>
-            </a:r>
-          </a:p>
-          <a:p>
-            <a:pPr lvl="1"/>
-            <a:r>
-              <a:rPr lang="en-US" dirty="0" smtClean="0"/>
-              <a:t>Commercial images on the Amazon Marketplace</a:t>
-            </a:r>
-          </a:p>
-          <a:p>
-            <a:pPr lvl="1"/>
-            <a:r>
-              <a:rPr lang="en-US" dirty="0" smtClean="0"/>
-              <a:t>Your own private images</a:t>
-            </a:r>
-          </a:p>
-          <a:p>
-            <a:pPr lvl="1"/>
-            <a:endParaRPr lang="en-US" dirty="0" smtClean="0"/>
-          </a:p>
-          <a:p>
-            <a:r>
-              <a:rPr lang="en-US" dirty="0" smtClean="0"/>
-              <a:t>AMIs only exist within a specific region (you can copy to other regions if necessary).</a:t>
+              <a:t>Magnetic</a:t>
+            </a:r>
+          </a:p>
+          <a:p>
+            <a:pPr lvl="1"/>
+            <a:r>
+              <a:rPr lang="en-US" dirty="0" smtClean="0"/>
+              <a:t>Cheapest storage option with lowest performance</a:t>
             </a:r>
             <a:endParaRPr lang="en-US" dirty="0"/>
           </a:p>
@@ -11418,7 +11508,7 @@
     </p:spTree>
     <p:extLst>
       <p:ext uri="{BB962C8B-B14F-4D97-AF65-F5344CB8AC3E}">
-        <p14:creationId xmlns:p14="http://schemas.microsoft.com/office/powerpoint/2010/main" val="2007583489"/>
+        <p14:creationId xmlns:p14="http://schemas.microsoft.com/office/powerpoint/2010/main" val="2168219385"/>
       </p:ext>
     </p:extLst>
   </p:cSld>
@@ -11462,7 +11552,7 @@
           <a:p>
             <a:r>
               <a:rPr lang="en-US" dirty="0" smtClean="0"/>
-              <a:t>Elastic Block Storage (EBS)</a:t>
+              <a:t>EBS Snapshots</a:t>
             </a:r>
             <a:endParaRPr lang="en-US" dirty="0"/>
           </a:p>
@@ -11481,51 +11571,27 @@
         <p:spPr>
           <a:xfrm>
             <a:off x="457200" y="1600200"/>
-            <a:ext cx="8229600" cy="4872059"/>
+            <a:ext cx="8229600" cy="5022259"/>
           </a:xfrm>
         </p:spPr>
         <p:txBody>
           <a:bodyPr>
-            <a:normAutofit fontScale="92500" lnSpcReduction="20000"/>
+            <a:normAutofit fontScale="70000" lnSpcReduction="20000"/>
           </a:bodyPr>
           <a:lstStyle/>
           <a:p>
             <a:r>
               <a:rPr lang="en-US" dirty="0" smtClean="0"/>
-              <a:t>Service that allows you to create disk storage </a:t>
-            </a:r>
-            <a:r>
-              <a:rPr lang="en-US" b="1" dirty="0" smtClean="0"/>
-              <a:t>volumes</a:t>
-            </a:r>
-            <a:r>
-              <a:rPr lang="en-US" dirty="0" smtClean="0"/>
-              <a:t> that can be attached to EC2 instances.</a:t>
-            </a:r>
-          </a:p>
-          <a:p>
-            <a:pPr lvl="1"/>
-            <a:r>
-              <a:rPr lang="en-US" dirty="0" smtClean="0"/>
-              <a:t>A volume is like a hard drive for your instance.</a:t>
-            </a:r>
-          </a:p>
-          <a:p>
-            <a:pPr lvl="1"/>
+              <a:t>A snapshot is a point-in-time copy of an EBS volume stored on S3.</a:t>
+            </a:r>
+          </a:p>
+          <a:p>
             <a:endParaRPr lang="en-US" dirty="0" smtClean="0"/>
           </a:p>
           <a:p>
             <a:r>
               <a:rPr lang="en-US" dirty="0" smtClean="0"/>
-              <a:t>EBS volumes are </a:t>
-            </a:r>
-            <a:r>
-              <a:rPr lang="en-US" b="1" dirty="0" smtClean="0"/>
-              <a:t>block storage </a:t>
-            </a:r>
-            <a:r>
-              <a:rPr lang="en-US" dirty="0" smtClean="0"/>
-              <a:t>and support file systems and databases.</a:t>
+              <a:t>Snapshots are incremental, only saving data that changed since the previous snapshot.</a:t>
             </a:r>
           </a:p>
           <a:p>
@@ -11534,30 +11600,62 @@
           <a:p>
             <a:r>
               <a:rPr lang="en-US" dirty="0" smtClean="0"/>
-              <a:t>Each volume replicated within the AZ to provide high availability</a:t>
-            </a:r>
-          </a:p>
-          <a:p>
-            <a:pPr lvl="1"/>
-            <a:r>
-              <a:rPr lang="en-US" dirty="0" smtClean="0"/>
-              <a:t>Its delivered like a volume from a SAN.</a:t>
-            </a:r>
-          </a:p>
-          <a:p>
-            <a:pPr lvl="1"/>
-            <a:r>
-              <a:rPr lang="en-US" dirty="0" smtClean="0"/>
-              <a:t>EC2 instance sees it as a physically attached drive.</a:t>
-            </a:r>
-            <a:endParaRPr lang="en-US" dirty="0"/>
+              <a:t>You pay for snapshot storage at S3 rates.</a:t>
+            </a:r>
+          </a:p>
+          <a:p>
+            <a:endParaRPr lang="en-US" dirty="0" smtClean="0"/>
+          </a:p>
+          <a:p>
+            <a:r>
+              <a:rPr lang="en-US" dirty="0" smtClean="0"/>
+              <a:t>Benefits:</a:t>
+            </a:r>
+          </a:p>
+          <a:p>
+            <a:pPr lvl="1"/>
+            <a:r>
+              <a:rPr lang="en-US" dirty="0" smtClean="0"/>
+              <a:t>Quickly backup data periodically or before making big changes</a:t>
+            </a:r>
+          </a:p>
+          <a:p>
+            <a:pPr lvl="1"/>
+            <a:r>
+              <a:rPr lang="en-US" dirty="0" smtClean="0"/>
+              <a:t>Roll back system changes by reverting to previous snapshots</a:t>
+            </a:r>
+          </a:p>
+          <a:p>
+            <a:pPr lvl="1"/>
+            <a:endParaRPr lang="en-US" dirty="0" smtClean="0"/>
+          </a:p>
+          <a:p>
+            <a:r>
+              <a:rPr lang="en-US" dirty="0" smtClean="0"/>
+              <a:t>Notes:</a:t>
+            </a:r>
+          </a:p>
+          <a:p>
+            <a:pPr lvl="1"/>
+            <a:r>
+              <a:rPr lang="en-US" dirty="0" smtClean="0"/>
+              <a:t>Initial snapshots will take longer</a:t>
+            </a:r>
+          </a:p>
+          <a:p>
+            <a:pPr lvl="1"/>
+            <a:r>
+              <a:rPr lang="en-US" dirty="0" smtClean="0"/>
+              <a:t>You should stop a root volume before taking a snapshot to ensure consistency.</a:t>
+            </a:r>
           </a:p>
         </p:txBody>
       </p:sp>
     </p:spTree>
     <p:extLst>
       <p:ext uri="{BB962C8B-B14F-4D97-AF65-F5344CB8AC3E}">
-        <p14:creationId xmlns:p14="http://schemas.microsoft.com/office/powerpoint/2010/main" val="906329309"/>
+        <p14:creationId xmlns:p14="http://schemas.microsoft.com/office/powerpoint/2010/main" val="430771417"/>
       </p:ext>
     </p:extLst>
   </p:cSld>
@@ -11601,7 +11699,7 @@
           <a:p>
             <a:r>
               <a:rPr lang="en-US" dirty="0" smtClean="0"/>
-              <a:t>EBS Volume Types</a:t>
+              <a:t>Instance Store</a:t>
             </a:r>
             <a:endParaRPr lang="en-US" dirty="0"/>
           </a:p>
@@ -11620,32 +11718,25 @@
         <p:spPr>
           <a:xfrm>
             <a:off x="457200" y="1600200"/>
-            <a:ext cx="8229600" cy="4994950"/>
+            <a:ext cx="8229600" cy="5076877"/>
           </a:xfrm>
         </p:spPr>
         <p:txBody>
           <a:bodyPr>
-            <a:normAutofit lnSpcReduction="10000"/>
+            <a:normAutofit fontScale="77500" lnSpcReduction="20000"/>
           </a:bodyPr>
           <a:lstStyle/>
           <a:p>
             <a:r>
               <a:rPr lang="en-US" dirty="0" smtClean="0"/>
-              <a:t>General Purpose SSD (GP2)</a:t>
-            </a:r>
-          </a:p>
-          <a:p>
-            <a:pPr lvl="1"/>
-            <a:r>
-              <a:rPr lang="en-US" dirty="0" smtClean="0"/>
-              <a:t>5 9’s availability (99.999%)</a:t>
-            </a:r>
-          </a:p>
-          <a:p>
-            <a:pPr lvl="1"/>
-            <a:r>
-              <a:rPr lang="en-US" dirty="0" smtClean="0"/>
-              <a:t>3 IOPS per GB, up to 10,000 IOPS</a:t>
+              <a:t>Another data storage option for EC2 instances</a:t>
+            </a:r>
+          </a:p>
+          <a:p>
+            <a:pPr lvl="1"/>
+            <a:r>
+              <a:rPr lang="en-US" dirty="0" smtClean="0"/>
+              <a:t>Actually, the original storage option!</a:t>
             </a:r>
           </a:p>
           <a:p>
@@ -11655,40 +11746,63 @@
           <a:p>
             <a:r>
               <a:rPr lang="en-US" dirty="0" smtClean="0"/>
-              <a:t>Provisioned IOPS SSD (IO1)</a:t>
-            </a:r>
-          </a:p>
-          <a:p>
-            <a:pPr lvl="1"/>
-            <a:r>
-              <a:rPr lang="en-US" dirty="0" smtClean="0"/>
-              <a:t>Very high IOPS capacity for disk I/O intensive applications requiring &gt; 10,000 IOPS</a:t>
-            </a:r>
-          </a:p>
-          <a:p>
-            <a:pPr lvl="1"/>
+              <a:t>Instance data is stored on a physical hard drive attached to the host server versus a networked volume.</a:t>
+            </a:r>
+          </a:p>
+          <a:p>
             <a:endParaRPr lang="en-US" dirty="0" smtClean="0"/>
           </a:p>
           <a:p>
             <a:r>
               <a:rPr lang="en-US" dirty="0" smtClean="0"/>
-              <a:t>Magnetic</a:t>
-            </a:r>
-          </a:p>
-          <a:p>
-            <a:pPr lvl="1"/>
-            <a:r>
-              <a:rPr lang="en-US" dirty="0" smtClean="0"/>
-              <a:t>Cheapest storage option with lowest performance</a:t>
-            </a:r>
-            <a:endParaRPr lang="en-US" dirty="0"/>
+              <a:t>The storage is </a:t>
+            </a:r>
+            <a:r>
+              <a:rPr lang="en-US" b="1" dirty="0" smtClean="0"/>
+              <a:t>ephemeral</a:t>
+            </a:r>
+            <a:r>
+              <a:rPr lang="en-US" dirty="0" smtClean="0"/>
+              <a:t>, if the instance is stopped the data is gone forever.</a:t>
+            </a:r>
+          </a:p>
+          <a:p>
+            <a:pPr lvl="1"/>
+            <a:r>
+              <a:rPr lang="en-US" dirty="0" smtClean="0"/>
+              <a:t>You can still reboot the instance without loosing data though.</a:t>
+            </a:r>
+          </a:p>
+          <a:p>
+            <a:pPr lvl="1"/>
+            <a:endParaRPr lang="en-US" dirty="0" smtClean="0"/>
+          </a:p>
+          <a:p>
+            <a:r>
+              <a:rPr lang="en-US" dirty="0" smtClean="0"/>
+              <a:t>Why ephemeral storage?</a:t>
+            </a:r>
+          </a:p>
+          <a:p>
+            <a:pPr lvl="1"/>
+            <a:r>
+              <a:rPr lang="en-US" dirty="0" smtClean="0"/>
+              <a:t>Cheap</a:t>
+            </a:r>
+          </a:p>
+          <a:p>
+            <a:pPr lvl="1"/>
+            <a:r>
+              <a:rPr lang="en-US" dirty="0" smtClean="0"/>
+              <a:t>Data persistence may not matter in certain architectures</a:t>
+            </a:r>
           </a:p>
         </p:txBody>
       </p:sp>
     </p:spTree>
     <p:extLst>
       <p:ext uri="{BB962C8B-B14F-4D97-AF65-F5344CB8AC3E}">
-        <p14:creationId xmlns:p14="http://schemas.microsoft.com/office/powerpoint/2010/main" val="2168219385"/>
+        <p14:creationId xmlns:p14="http://schemas.microsoft.com/office/powerpoint/2010/main" val="2311776645"/>
       </p:ext>
     </p:extLst>
   </p:cSld>
@@ -11725,110 +11839,53 @@
             <p:ph type="title"/>
           </p:nvPr>
         </p:nvSpPr>
-        <p:spPr/>
+        <p:spPr>
+          <a:xfrm>
+            <a:off x="457200" y="288293"/>
+            <a:ext cx="8229600" cy="1143000"/>
+          </a:xfrm>
+        </p:spPr>
         <p:txBody>
           <a:bodyPr/>
           <a:lstStyle/>
           <a:p>
             <a:r>
               <a:rPr lang="en-US" dirty="0" smtClean="0"/>
-              <a:t>Origin of Cloud Computing</a:t>
+              <a:t>Cloud Computing Characteristics</a:t>
             </a:r>
             <a:endParaRPr lang="en-US" dirty="0"/>
           </a:p>
         </p:txBody>
       </p:sp>
-      <p:sp>
-        <p:nvSpPr>
-          <p:cNvPr id="3" name="Content Placeholder 2"/>
-          <p:cNvSpPr>
-            <a:spLocks noGrp="1"/>
-          </p:cNvSpPr>
+      <p:graphicFrame>
+        <p:nvGraphicFramePr>
+          <p:cNvPr id="4" name="Content Placeholder 3"/>
+          <p:cNvGraphicFramePr>
+            <a:graphicFrameLocks noGrp="1"/>
+          </p:cNvGraphicFramePr>
           <p:nvPr>
             <p:ph idx="1"/>
+            <p:extLst>
+              <p:ext uri="{D42A27DB-BD31-4B8C-83A1-F6EECF244321}">
+                <p14:modId xmlns:p14="http://schemas.microsoft.com/office/powerpoint/2010/main" val="1991648289"/>
+              </p:ext>
+            </p:extLst>
           </p:nvPr>
-        </p:nvSpPr>
-        <p:spPr/>
-        <p:txBody>
-          <a:bodyPr>
-            <a:normAutofit fontScale="85000" lnSpcReduction="20000"/>
-          </a:bodyPr>
-          <a:lstStyle/>
-          <a:p>
-            <a:r>
-              <a:rPr lang="en-US" dirty="0" smtClean="0"/>
-              <a:t>Second-web era (2003-2010)</a:t>
-            </a:r>
-          </a:p>
-          <a:p>
-            <a:pPr lvl="1"/>
-            <a:r>
-              <a:rPr lang="en-US" dirty="0" smtClean="0"/>
-              <a:t>Virtualized infrastructure</a:t>
-            </a:r>
-          </a:p>
-          <a:p>
-            <a:pPr lvl="1"/>
-            <a:r>
-              <a:rPr lang="en-US" dirty="0" smtClean="0"/>
-              <a:t>Horizontal scaling</a:t>
-            </a:r>
-          </a:p>
-          <a:p>
-            <a:pPr lvl="1"/>
-            <a:r>
-              <a:rPr lang="en-US" dirty="0" smtClean="0"/>
-              <a:t>Outsourced application hosting</a:t>
-            </a:r>
-          </a:p>
-          <a:p>
-            <a:pPr lvl="1"/>
-            <a:endParaRPr lang="en-US" dirty="0" smtClean="0"/>
-          </a:p>
-          <a:p>
-            <a:r>
-              <a:rPr lang="en-US" dirty="0" smtClean="0"/>
-              <a:t>Cloud computing era (2010-present)</a:t>
-            </a:r>
-          </a:p>
-          <a:p>
-            <a:pPr lvl="1"/>
-            <a:r>
-              <a:rPr lang="en-US" dirty="0" smtClean="0"/>
-              <a:t>Utility computing</a:t>
-            </a:r>
-          </a:p>
-          <a:p>
-            <a:pPr lvl="1"/>
-            <a:r>
-              <a:rPr lang="en-US" dirty="0" smtClean="0"/>
-              <a:t>Applications designed around APIs</a:t>
-            </a:r>
-          </a:p>
-          <a:p>
-            <a:pPr lvl="1"/>
-            <a:r>
-              <a:rPr lang="en-US" dirty="0" smtClean="0"/>
-              <a:t>Infrastructure orchestration/ Infrastructure as code</a:t>
-            </a:r>
-          </a:p>
-          <a:p>
-            <a:pPr lvl="1"/>
-            <a:endParaRPr lang="en-US" dirty="0" smtClean="0"/>
-          </a:p>
-          <a:p>
-            <a:r>
-              <a:rPr lang="en-US" dirty="0" smtClean="0"/>
-              <a:t>This timeline aligns with my personal experience.</a:t>
-            </a:r>
-            <a:endParaRPr lang="en-US" dirty="0"/>
-          </a:p>
-        </p:txBody>
-      </p:sp>
+        </p:nvGraphicFramePr>
+        <p:xfrm>
+          <a:off x="457200" y="1600200"/>
+          <a:ext cx="8229600" cy="4525963"/>
+        </p:xfrm>
+        <a:graphic>
+          <a:graphicData uri="http://schemas.openxmlformats.org/drawingml/2006/diagram">
+            <dgm:relIds xmlns:dgm="http://schemas.openxmlformats.org/drawingml/2006/diagram" xmlns:r="http://schemas.openxmlformats.org/officeDocument/2006/relationships" r:dm="rId2" r:lo="rId3" r:qs="rId4" r:cs="rId5"/>
+          </a:graphicData>
+        </a:graphic>
+      </p:graphicFrame>
     </p:spTree>
     <p:extLst>
       <p:ext uri="{BB962C8B-B14F-4D97-AF65-F5344CB8AC3E}">
-        <p14:creationId xmlns:p14="http://schemas.microsoft.com/office/powerpoint/2010/main" val="528817338"/>
+        <p14:creationId xmlns:p14="http://schemas.microsoft.com/office/powerpoint/2010/main" val="1966007073"/>
       </p:ext>
     </p:extLst>
   </p:cSld>
@@ -11879,305 +11936,6 @@
           <a:p>
             <a:r>
               <a:rPr lang="en-US" dirty="0" smtClean="0"/>
-              <a:t>EBS Snapshots</a:t>
-            </a:r>
-            <a:endParaRPr lang="en-US" dirty="0"/>
-          </a:p>
-        </p:txBody>
-      </p:sp>
-      <p:sp>
-        <p:nvSpPr>
-          <p:cNvPr id="3" name="Content Placeholder 2"/>
-          <p:cNvSpPr>
-            <a:spLocks noGrp="1"/>
-          </p:cNvSpPr>
-          <p:nvPr>
-            <p:ph idx="1"/>
-          </p:nvPr>
-        </p:nvSpPr>
-        <p:spPr>
-          <a:xfrm>
-            <a:off x="457200" y="1600200"/>
-            <a:ext cx="8229600" cy="5022259"/>
-          </a:xfrm>
-        </p:spPr>
-        <p:txBody>
-          <a:bodyPr>
-            <a:normAutofit fontScale="70000" lnSpcReduction="20000"/>
-          </a:bodyPr>
-          <a:lstStyle/>
-          <a:p>
-            <a:r>
-              <a:rPr lang="en-US" dirty="0" smtClean="0"/>
-              <a:t>A snapshot is a point-in-time copy of an EBS volume stored on S3.</a:t>
-            </a:r>
-          </a:p>
-          <a:p>
-            <a:endParaRPr lang="en-US" dirty="0" smtClean="0"/>
-          </a:p>
-          <a:p>
-            <a:r>
-              <a:rPr lang="en-US" dirty="0" smtClean="0"/>
-              <a:t>Snapshots are incremental, only saving data that changed since the previous snapshot.</a:t>
-            </a:r>
-          </a:p>
-          <a:p>
-            <a:endParaRPr lang="en-US" dirty="0" smtClean="0"/>
-          </a:p>
-          <a:p>
-            <a:r>
-              <a:rPr lang="en-US" dirty="0" smtClean="0"/>
-              <a:t>You pay for snapshot storage at S3 rates.</a:t>
-            </a:r>
-          </a:p>
-          <a:p>
-            <a:endParaRPr lang="en-US" dirty="0" smtClean="0"/>
-          </a:p>
-          <a:p>
-            <a:r>
-              <a:rPr lang="en-US" dirty="0" smtClean="0"/>
-              <a:t>Benefits:</a:t>
-            </a:r>
-          </a:p>
-          <a:p>
-            <a:pPr lvl="1"/>
-            <a:r>
-              <a:rPr lang="en-US" dirty="0" smtClean="0"/>
-              <a:t>Quickly backup data periodically or before making big changes</a:t>
-            </a:r>
-          </a:p>
-          <a:p>
-            <a:pPr lvl="1"/>
-            <a:r>
-              <a:rPr lang="en-US" dirty="0" smtClean="0"/>
-              <a:t>Roll back system changes by reverting to previous </a:t>
-            </a:r>
-            <a:r>
-              <a:rPr lang="en-US" dirty="0" smtClean="0"/>
-              <a:t>snapshots</a:t>
-            </a:r>
-          </a:p>
-          <a:p>
-            <a:pPr lvl="1"/>
-            <a:endParaRPr lang="en-US" dirty="0" smtClean="0"/>
-          </a:p>
-          <a:p>
-            <a:r>
-              <a:rPr lang="en-US" dirty="0" smtClean="0"/>
-              <a:t>Notes:</a:t>
-            </a:r>
-          </a:p>
-          <a:p>
-            <a:pPr lvl="1"/>
-            <a:r>
-              <a:rPr lang="en-US" dirty="0" smtClean="0"/>
-              <a:t>Initial snapshots will take longer</a:t>
-            </a:r>
-          </a:p>
-          <a:p>
-            <a:pPr lvl="1"/>
-            <a:r>
-              <a:rPr lang="en-US" dirty="0" smtClean="0"/>
-              <a:t>You should stop a root volume before taking a snapshot to ensure consistency.</a:t>
-            </a:r>
-            <a:endParaRPr lang="en-US" dirty="0" smtClean="0"/>
-          </a:p>
-        </p:txBody>
-      </p:sp>
-    </p:spTree>
-    <p:extLst>
-      <p:ext uri="{BB962C8B-B14F-4D97-AF65-F5344CB8AC3E}">
-        <p14:creationId xmlns:p14="http://schemas.microsoft.com/office/powerpoint/2010/main" val="430771417"/>
-      </p:ext>
-    </p:extLst>
-  </p:cSld>
-  <p:clrMapOvr>
-    <a:masterClrMapping/>
-  </p:clrMapOvr>
-</p:sld>
-</file>
-
-<file path=ppt/slides/slide41.xml><?xml version="1.0" encoding="utf-8"?>
-<p:sld xmlns:a="http://schemas.openxmlformats.org/drawingml/2006/main" xmlns:r="http://schemas.openxmlformats.org/officeDocument/2006/relationships" xmlns:p="http://schemas.openxmlformats.org/presentationml/2006/main">
-  <p:cSld>
-    <p:spTree>
-      <p:nvGrpSpPr>
-        <p:cNvPr id="1" name=""/>
-        <p:cNvGrpSpPr/>
-        <p:nvPr/>
-      </p:nvGrpSpPr>
-      <p:grpSpPr>
-        <a:xfrm>
-          <a:off x="0" y="0"/>
-          <a:ext cx="0" cy="0"/>
-          <a:chOff x="0" y="0"/>
-          <a:chExt cx="0" cy="0"/>
-        </a:xfrm>
-      </p:grpSpPr>
-      <p:sp>
-        <p:nvSpPr>
-          <p:cNvPr id="2" name="Title 1"/>
-          <p:cNvSpPr>
-            <a:spLocks noGrp="1"/>
-          </p:cNvSpPr>
-          <p:nvPr>
-            <p:ph type="title"/>
-          </p:nvPr>
-        </p:nvSpPr>
-        <p:spPr/>
-        <p:txBody>
-          <a:bodyPr/>
-          <a:lstStyle/>
-          <a:p>
-            <a:r>
-              <a:rPr lang="en-US" dirty="0" smtClean="0"/>
-              <a:t>Instance Store</a:t>
-            </a:r>
-            <a:endParaRPr lang="en-US" dirty="0"/>
-          </a:p>
-        </p:txBody>
-      </p:sp>
-      <p:sp>
-        <p:nvSpPr>
-          <p:cNvPr id="3" name="Content Placeholder 2"/>
-          <p:cNvSpPr>
-            <a:spLocks noGrp="1"/>
-          </p:cNvSpPr>
-          <p:nvPr>
-            <p:ph idx="1"/>
-          </p:nvPr>
-        </p:nvSpPr>
-        <p:spPr>
-          <a:xfrm>
-            <a:off x="457200" y="1600200"/>
-            <a:ext cx="8229600" cy="5076877"/>
-          </a:xfrm>
-        </p:spPr>
-        <p:txBody>
-          <a:bodyPr>
-            <a:normAutofit fontScale="77500" lnSpcReduction="20000"/>
-          </a:bodyPr>
-          <a:lstStyle/>
-          <a:p>
-            <a:r>
-              <a:rPr lang="en-US" dirty="0" smtClean="0"/>
-              <a:t>Another data storage option for EC2 instances</a:t>
-            </a:r>
-          </a:p>
-          <a:p>
-            <a:pPr lvl="1"/>
-            <a:r>
-              <a:rPr lang="en-US" dirty="0" smtClean="0"/>
-              <a:t>Actually, the original storage option!</a:t>
-            </a:r>
-          </a:p>
-          <a:p>
-            <a:pPr lvl="1"/>
-            <a:endParaRPr lang="en-US" dirty="0" smtClean="0"/>
-          </a:p>
-          <a:p>
-            <a:r>
-              <a:rPr lang="en-US" dirty="0" smtClean="0"/>
-              <a:t>Instance data is stored on a physical hard drive attached to the host server versus a networked volume.</a:t>
-            </a:r>
-          </a:p>
-          <a:p>
-            <a:endParaRPr lang="en-US" dirty="0" smtClean="0"/>
-          </a:p>
-          <a:p>
-            <a:r>
-              <a:rPr lang="en-US" dirty="0" smtClean="0"/>
-              <a:t>The storage is </a:t>
-            </a:r>
-            <a:r>
-              <a:rPr lang="en-US" b="1" dirty="0" smtClean="0"/>
-              <a:t>ephemeral</a:t>
-            </a:r>
-            <a:r>
-              <a:rPr lang="en-US" dirty="0" smtClean="0"/>
-              <a:t>, if the instance is stopped the data is gone forever.</a:t>
-            </a:r>
-          </a:p>
-          <a:p>
-            <a:pPr lvl="1"/>
-            <a:r>
-              <a:rPr lang="en-US" dirty="0" smtClean="0"/>
-              <a:t>You can still reboot the instance without loosing data though.</a:t>
-            </a:r>
-          </a:p>
-          <a:p>
-            <a:pPr lvl="1"/>
-            <a:endParaRPr lang="en-US" dirty="0" smtClean="0"/>
-          </a:p>
-          <a:p>
-            <a:r>
-              <a:rPr lang="en-US" dirty="0" smtClean="0"/>
-              <a:t>Why ephemeral storage?</a:t>
-            </a:r>
-          </a:p>
-          <a:p>
-            <a:pPr lvl="1"/>
-            <a:r>
-              <a:rPr lang="en-US" dirty="0" smtClean="0"/>
-              <a:t>Cheap</a:t>
-            </a:r>
-          </a:p>
-          <a:p>
-            <a:pPr lvl="1"/>
-            <a:r>
-              <a:rPr lang="en-US" dirty="0" smtClean="0"/>
-              <a:t>Data persistence may not matter in certain architectures</a:t>
-            </a:r>
-          </a:p>
-        </p:txBody>
-      </p:sp>
-    </p:spTree>
-    <p:extLst>
-      <p:ext uri="{BB962C8B-B14F-4D97-AF65-F5344CB8AC3E}">
-        <p14:creationId xmlns:p14="http://schemas.microsoft.com/office/powerpoint/2010/main" val="2311776645"/>
-      </p:ext>
-    </p:extLst>
-  </p:cSld>
-  <p:clrMapOvr>
-    <a:masterClrMapping/>
-  </p:clrMapOvr>
-</p:sld>
-</file>
-
-<file path=ppt/slides/slide42.xml><?xml version="1.0" encoding="utf-8"?>
-<p:sld xmlns:a="http://schemas.openxmlformats.org/drawingml/2006/main" xmlns:r="http://schemas.openxmlformats.org/officeDocument/2006/relationships" xmlns:p="http://schemas.openxmlformats.org/presentationml/2006/main">
-  <p:cSld>
-    <p:spTree>
-      <p:nvGrpSpPr>
-        <p:cNvPr id="1" name=""/>
-        <p:cNvGrpSpPr/>
-        <p:nvPr/>
-      </p:nvGrpSpPr>
-      <p:grpSpPr>
-        <a:xfrm>
-          <a:off x="0" y="0"/>
-          <a:ext cx="0" cy="0"/>
-          <a:chOff x="0" y="0"/>
-          <a:chExt cx="0" cy="0"/>
-        </a:xfrm>
-      </p:grpSpPr>
-      <p:sp>
-        <p:nvSpPr>
-          <p:cNvPr id="2" name="Title 1"/>
-          <p:cNvSpPr>
-            <a:spLocks noGrp="1"/>
-          </p:cNvSpPr>
-          <p:nvPr>
-            <p:ph type="title"/>
-          </p:nvPr>
-        </p:nvSpPr>
-        <p:spPr/>
-        <p:txBody>
-          <a:bodyPr/>
-          <a:lstStyle/>
-          <a:p>
-            <a:r>
-              <a:rPr lang="en-US" dirty="0" smtClean="0"/>
               <a:t>Security Groups</a:t>
             </a:r>
             <a:endParaRPr lang="en-US" dirty="0"/>
@@ -12292,7 +12050,7 @@
 </p:sld>
 </file>
 
-<file path=ppt/slides/slide43.xml><?xml version="1.0" encoding="utf-8"?>
+<file path=ppt/slides/slide41.xml><?xml version="1.0" encoding="utf-8"?>
 <p:sld xmlns:a="http://schemas.openxmlformats.org/drawingml/2006/main" xmlns:r="http://schemas.openxmlformats.org/officeDocument/2006/relationships" xmlns:p="http://schemas.openxmlformats.org/presentationml/2006/main">
   <p:cSld>
     <p:spTree>
@@ -12968,7 +12726,7 @@
 </p:sld>
 </file>
 
-<file path=ppt/slides/slide44.xml><?xml version="1.0" encoding="utf-8"?>
+<file path=ppt/slides/slide42.xml><?xml version="1.0" encoding="utf-8"?>
 <p:sld xmlns:a="http://schemas.openxmlformats.org/drawingml/2006/main" xmlns:r="http://schemas.openxmlformats.org/officeDocument/2006/relationships" xmlns:p="http://schemas.openxmlformats.org/presentationml/2006/main">
   <p:cSld>
     <p:spTree>
@@ -13026,7 +12784,7 @@
         </p:spPr>
         <p:txBody>
           <a:bodyPr>
-            <a:normAutofit fontScale="62500" lnSpcReduction="20000"/>
+            <a:normAutofit fontScale="55000" lnSpcReduction="20000"/>
           </a:bodyPr>
           <a:lstStyle/>
           <a:p>
@@ -13126,6 +12884,17 @@
               <a:t> </a:t>
             </a:r>
             <a:endParaRPr lang="en-US" dirty="0" smtClean="0"/>
+          </a:p>
+          <a:p>
+            <a:pPr lvl="2"/>
+            <a:r>
+              <a:rPr lang="en-US" dirty="0"/>
+              <a:t>c</a:t>
+            </a:r>
+            <a:r>
+              <a:rPr lang="en-US" dirty="0" smtClean="0"/>
+              <a:t>url http://instance-data/latest/meta-data/</a:t>
+            </a:r>
           </a:p>
           <a:p>
             <a:pPr lvl="1"/>
@@ -13206,7 +12975,7 @@
 </p:sld>
 </file>
 
-<file path=ppt/slides/slide45.xml><?xml version="1.0" encoding="utf-8"?>
+<file path=ppt/slides/slide43.xml><?xml version="1.0" encoding="utf-8"?>
 <p:sld xmlns:a="http://schemas.openxmlformats.org/drawingml/2006/main" xmlns:r="http://schemas.openxmlformats.org/officeDocument/2006/relationships" xmlns:p="http://schemas.openxmlformats.org/presentationml/2006/main">
   <p:cSld>
     <p:spTree>
@@ -13282,7 +13051,25 @@
             </a:r>
             <a:r>
               <a:rPr lang="en-US" i="1" dirty="0" smtClean="0"/>
-              <a:t>Architecting for the Cloud: AWS Best Practices (February 2016)</a:t>
+              <a:t>Architecting for the Cloud: AWS Best Practices (February 2016</a:t>
+            </a:r>
+            <a:r>
+              <a:rPr lang="en-US" i="1" dirty="0" smtClean="0"/>
+              <a:t>)</a:t>
+            </a:r>
+          </a:p>
+          <a:p>
+            <a:r>
+              <a:rPr lang="en-US" dirty="0" smtClean="0"/>
+              <a:t>Read </a:t>
+            </a:r>
+            <a:r>
+              <a:rPr lang="en-US" i="1" dirty="0" smtClean="0"/>
+              <a:t>Infrastructure as Code </a:t>
+            </a:r>
+            <a:r>
+              <a:rPr lang="en-US" dirty="0" smtClean="0"/>
+              <a:t>Chapter 2</a:t>
             </a:r>
             <a:endParaRPr lang="en-US" dirty="0"/>
           </a:p>
@@ -13338,249 +13125,6 @@
           <a:p>
             <a:r>
               <a:rPr lang="en-US" dirty="0" smtClean="0"/>
-              <a:t>Cloud Computing</a:t>
-            </a:r>
-            <a:endParaRPr lang="en-US" dirty="0"/>
-          </a:p>
-        </p:txBody>
-      </p:sp>
-      <p:sp>
-        <p:nvSpPr>
-          <p:cNvPr id="3" name="Content Placeholder 2"/>
-          <p:cNvSpPr>
-            <a:spLocks noGrp="1"/>
-          </p:cNvSpPr>
-          <p:nvPr>
-            <p:ph idx="1"/>
-          </p:nvPr>
-        </p:nvSpPr>
-        <p:spPr/>
-        <p:txBody>
-          <a:bodyPr>
-            <a:normAutofit/>
-          </a:bodyPr>
-          <a:lstStyle/>
-          <a:p>
-            <a:r>
-              <a:rPr lang="en-US" dirty="0" smtClean="0"/>
-              <a:t>What is cloud computing?</a:t>
-            </a:r>
-          </a:p>
-          <a:p>
-            <a:endParaRPr lang="en-US" dirty="0"/>
-          </a:p>
-          <a:p>
-            <a:pPr marL="0" indent="0">
-              <a:buNone/>
-            </a:pPr>
-            <a:r>
-              <a:rPr lang="en-US" sz="2400" dirty="0" smtClean="0"/>
-              <a:t>Cloud computing is a model for enabling convenient, </a:t>
-            </a:r>
-            <a:r>
-              <a:rPr lang="en-US" sz="2400" b="1" dirty="0" smtClean="0"/>
-              <a:t>on-demand </a:t>
-            </a:r>
-            <a:r>
-              <a:rPr lang="en-US" sz="2400" dirty="0" smtClean="0"/>
-              <a:t>network access to a </a:t>
-            </a:r>
-            <a:r>
-              <a:rPr lang="en-US" sz="2400" b="1" dirty="0" smtClean="0"/>
-              <a:t>shared</a:t>
-            </a:r>
-            <a:r>
-              <a:rPr lang="en-US" sz="2400" dirty="0" smtClean="0"/>
-              <a:t> pool of configurable computing resources (e.g., networks, servers, storage, applications, and services) that can be </a:t>
-            </a:r>
-            <a:r>
-              <a:rPr lang="en-US" sz="2400" b="1" dirty="0" smtClean="0"/>
-              <a:t>rapidly</a:t>
-            </a:r>
-            <a:r>
-              <a:rPr lang="en-US" sz="2400" dirty="0" smtClean="0"/>
-              <a:t> provisioned and released with </a:t>
-            </a:r>
-            <a:r>
-              <a:rPr lang="en-US" sz="2400" b="1" dirty="0" smtClean="0"/>
-              <a:t>minimal</a:t>
-            </a:r>
-            <a:r>
-              <a:rPr lang="en-US" sz="2400" dirty="0" smtClean="0"/>
-              <a:t> management effort or service provider interaction. </a:t>
-            </a:r>
-          </a:p>
-          <a:p>
-            <a:pPr marL="0" indent="0">
-              <a:buNone/>
-            </a:pPr>
-            <a:endParaRPr lang="en-US" sz="2400" dirty="0" smtClean="0"/>
-          </a:p>
-          <a:p>
-            <a:pPr marL="0" indent="0">
-              <a:buNone/>
-            </a:pPr>
-            <a:r>
-              <a:rPr lang="en-US" sz="1600" dirty="0" smtClean="0"/>
-              <a:t>National Institute of Standards and Technology</a:t>
-            </a:r>
-            <a:endParaRPr lang="en-US" sz="1600" dirty="0"/>
-          </a:p>
-          <a:p>
-            <a:pPr marL="0" indent="0">
-              <a:buNone/>
-            </a:pPr>
-            <a:r>
-              <a:rPr lang="en-US" sz="1600" dirty="0" smtClean="0"/>
-              <a:t>NIST SP 800-145</a:t>
-            </a:r>
-          </a:p>
-        </p:txBody>
-      </p:sp>
-    </p:spTree>
-    <p:extLst>
-      <p:ext uri="{BB962C8B-B14F-4D97-AF65-F5344CB8AC3E}">
-        <p14:creationId xmlns:p14="http://schemas.microsoft.com/office/powerpoint/2010/main" val="1087448286"/>
-      </p:ext>
-    </p:extLst>
-  </p:cSld>
-  <p:clrMapOvr>
-    <a:masterClrMapping/>
-  </p:clrMapOvr>
-  <p:timing>
-    <p:tnLst>
-      <p:par>
-        <p:cTn xmlns:p14="http://schemas.microsoft.com/office/powerpoint/2010/main" id="1" dur="indefinite" restart="never" nodeType="tmRoot"/>
-      </p:par>
-    </p:tnLst>
-  </p:timing>
-</p:sld>
-</file>
-
-<file path=ppt/slides/slide6.xml><?xml version="1.0" encoding="utf-8"?>
-<p:sld xmlns:a="http://schemas.openxmlformats.org/drawingml/2006/main" xmlns:r="http://schemas.openxmlformats.org/officeDocument/2006/relationships" xmlns:p="http://schemas.openxmlformats.org/presentationml/2006/main">
-  <p:cSld>
-    <p:spTree>
-      <p:nvGrpSpPr>
-        <p:cNvPr id="1" name=""/>
-        <p:cNvGrpSpPr/>
-        <p:nvPr/>
-      </p:nvGrpSpPr>
-      <p:grpSpPr>
-        <a:xfrm>
-          <a:off x="0" y="0"/>
-          <a:ext cx="0" cy="0"/>
-          <a:chOff x="0" y="0"/>
-          <a:chExt cx="0" cy="0"/>
-        </a:xfrm>
-      </p:grpSpPr>
-      <p:sp>
-        <p:nvSpPr>
-          <p:cNvPr id="2" name="Title 1"/>
-          <p:cNvSpPr>
-            <a:spLocks noGrp="1"/>
-          </p:cNvSpPr>
-          <p:nvPr>
-            <p:ph type="title"/>
-          </p:nvPr>
-        </p:nvSpPr>
-        <p:spPr>
-          <a:xfrm>
-            <a:off x="457200" y="288293"/>
-            <a:ext cx="8229600" cy="1143000"/>
-          </a:xfrm>
-        </p:spPr>
-        <p:txBody>
-          <a:bodyPr/>
-          <a:lstStyle/>
-          <a:p>
-            <a:r>
-              <a:rPr lang="en-US" dirty="0" smtClean="0"/>
-              <a:t>Cloud Computing Characteristics</a:t>
-            </a:r>
-            <a:endParaRPr lang="en-US" dirty="0"/>
-          </a:p>
-        </p:txBody>
-      </p:sp>
-      <p:graphicFrame>
-        <p:nvGraphicFramePr>
-          <p:cNvPr id="4" name="Content Placeholder 3"/>
-          <p:cNvGraphicFramePr>
-            <a:graphicFrameLocks noGrp="1"/>
-          </p:cNvGraphicFramePr>
-          <p:nvPr>
-            <p:ph idx="1"/>
-            <p:extLst>
-              <p:ext uri="{D42A27DB-BD31-4B8C-83A1-F6EECF244321}">
-                <p14:modId xmlns:p14="http://schemas.microsoft.com/office/powerpoint/2010/main" val="1991648289"/>
-              </p:ext>
-            </p:extLst>
-          </p:nvPr>
-        </p:nvGraphicFramePr>
-        <p:xfrm>
-          <a:off x="457200" y="1600200"/>
-          <a:ext cx="8229600" cy="4525963"/>
-        </p:xfrm>
-        <a:graphic>
-          <a:graphicData uri="http://schemas.openxmlformats.org/drawingml/2006/diagram">
-            <dgm:relIds xmlns:dgm="http://schemas.openxmlformats.org/drawingml/2006/diagram" xmlns:r="http://schemas.openxmlformats.org/officeDocument/2006/relationships" r:dm="rId2" r:lo="rId3" r:qs="rId4" r:cs="rId5"/>
-          </a:graphicData>
-        </a:graphic>
-      </p:graphicFrame>
-    </p:spTree>
-    <p:extLst>
-      <p:ext uri="{BB962C8B-B14F-4D97-AF65-F5344CB8AC3E}">
-        <p14:creationId xmlns:p14="http://schemas.microsoft.com/office/powerpoint/2010/main" val="1966007073"/>
-      </p:ext>
-    </p:extLst>
-  </p:cSld>
-  <p:clrMapOvr>
-    <a:masterClrMapping/>
-  </p:clrMapOvr>
-  <p:timing>
-    <p:tnLst>
-      <p:par>
-        <p:cTn xmlns:p14="http://schemas.microsoft.com/office/powerpoint/2010/main" id="1" dur="indefinite" restart="never" nodeType="tmRoot"/>
-      </p:par>
-    </p:tnLst>
-  </p:timing>
-</p:sld>
-</file>
-
-<file path=ppt/slides/slide7.xml><?xml version="1.0" encoding="utf-8"?>
-<p:sld xmlns:a="http://schemas.openxmlformats.org/drawingml/2006/main" xmlns:r="http://schemas.openxmlformats.org/officeDocument/2006/relationships" xmlns:p="http://schemas.openxmlformats.org/presentationml/2006/main">
-  <p:cSld>
-    <p:spTree>
-      <p:nvGrpSpPr>
-        <p:cNvPr id="1" name=""/>
-        <p:cNvGrpSpPr/>
-        <p:nvPr/>
-      </p:nvGrpSpPr>
-      <p:grpSpPr>
-        <a:xfrm>
-          <a:off x="0" y="0"/>
-          <a:ext cx="0" cy="0"/>
-          <a:chOff x="0" y="0"/>
-          <a:chExt cx="0" cy="0"/>
-        </a:xfrm>
-      </p:grpSpPr>
-      <p:sp>
-        <p:nvSpPr>
-          <p:cNvPr id="2" name="Title 1"/>
-          <p:cNvSpPr>
-            <a:spLocks noGrp="1"/>
-          </p:cNvSpPr>
-          <p:nvPr>
-            <p:ph type="title"/>
-          </p:nvPr>
-        </p:nvSpPr>
-        <p:spPr/>
-        <p:txBody>
-          <a:bodyPr/>
-          <a:lstStyle/>
-          <a:p>
-            <a:r>
-              <a:rPr lang="en-US" dirty="0" smtClean="0"/>
               <a:t>Cloud Computing Benefits</a:t>
             </a:r>
             <a:endParaRPr lang="en-US" dirty="0"/>
@@ -13670,7 +13214,7 @@
 </p:sld>
 </file>
 
-<file path=ppt/slides/slide8.xml><?xml version="1.0" encoding="utf-8"?>
+<file path=ppt/slides/slide6.xml><?xml version="1.0" encoding="utf-8"?>
 <p:sld xmlns:a="http://schemas.openxmlformats.org/drawingml/2006/main" xmlns:r="http://schemas.openxmlformats.org/officeDocument/2006/relationships" xmlns:p="http://schemas.openxmlformats.org/presentationml/2006/main">
   <p:cSld>
     <p:spTree>
@@ -13786,7 +13330,7 @@
 </p:sld>
 </file>
 
-<file path=ppt/slides/slide9.xml><?xml version="1.0" encoding="utf-8"?>
+<file path=ppt/slides/slide7.xml><?xml version="1.0" encoding="utf-8"?>
 <p:sld xmlns:a="http://schemas.openxmlformats.org/drawingml/2006/main" xmlns:r="http://schemas.openxmlformats.org/officeDocument/2006/relationships" xmlns:p="http://schemas.openxmlformats.org/presentationml/2006/main">
   <p:cSld>
     <p:spTree>
@@ -13939,6 +13483,151 @@
     <p:extLst>
       <p:ext uri="{BB962C8B-B14F-4D97-AF65-F5344CB8AC3E}">
         <p14:creationId xmlns:p14="http://schemas.microsoft.com/office/powerpoint/2010/main" val="1622133045"/>
+      </p:ext>
+    </p:extLst>
+  </p:cSld>
+  <p:clrMapOvr>
+    <a:masterClrMapping/>
+  </p:clrMapOvr>
+  <p:timing>
+    <p:tnLst>
+      <p:par>
+        <p:cTn xmlns:p14="http://schemas.microsoft.com/office/powerpoint/2010/main" id="1" dur="indefinite" restart="never" nodeType="tmRoot"/>
+      </p:par>
+    </p:tnLst>
+  </p:timing>
+</p:sld>
+</file>
+
+<file path=ppt/slides/slide8.xml><?xml version="1.0" encoding="utf-8"?>
+<p:sld xmlns:a="http://schemas.openxmlformats.org/drawingml/2006/main" xmlns:r="http://schemas.openxmlformats.org/officeDocument/2006/relationships" xmlns:p="http://schemas.openxmlformats.org/presentationml/2006/main">
+  <p:cSld>
+    <p:spTree>
+      <p:nvGrpSpPr>
+        <p:cNvPr id="1" name=""/>
+        <p:cNvGrpSpPr/>
+        <p:nvPr/>
+      </p:nvGrpSpPr>
+      <p:grpSpPr>
+        <a:xfrm>
+          <a:off x="0" y="0"/>
+          <a:ext cx="0" cy="0"/>
+          <a:chOff x="0" y="0"/>
+          <a:chExt cx="0" cy="0"/>
+        </a:xfrm>
+      </p:grpSpPr>
+      <p:sp>
+        <p:nvSpPr>
+          <p:cNvPr id="2" name="Title 1"/>
+          <p:cNvSpPr>
+            <a:spLocks noGrp="1"/>
+          </p:cNvSpPr>
+          <p:nvPr>
+            <p:ph type="title"/>
+          </p:nvPr>
+        </p:nvSpPr>
+        <p:spPr/>
+        <p:txBody>
+          <a:bodyPr/>
+          <a:lstStyle/>
+          <a:p>
+            <a:r>
+              <a:rPr lang="en-US" dirty="0" smtClean="0"/>
+              <a:t>Cloud Deployment Models</a:t>
+            </a:r>
+            <a:endParaRPr lang="en-US" dirty="0"/>
+          </a:p>
+        </p:txBody>
+      </p:sp>
+      <p:pic>
+        <p:nvPicPr>
+          <p:cNvPr id="4" name="Picture 3"/>
+          <p:cNvPicPr>
+            <a:picLocks noChangeAspect="1"/>
+          </p:cNvPicPr>
+          <p:nvPr/>
+        </p:nvPicPr>
+        <p:blipFill>
+          <a:blip r:embed="rId2"/>
+          <a:stretch>
+            <a:fillRect/>
+          </a:stretch>
+        </p:blipFill>
+        <p:spPr>
+          <a:xfrm>
+            <a:off x="889173" y="1841499"/>
+            <a:ext cx="7193212" cy="3875653"/>
+          </a:xfrm>
+          <a:prstGeom prst="rect">
+            <a:avLst/>
+          </a:prstGeom>
+        </p:spPr>
+      </p:pic>
+    </p:spTree>
+    <p:extLst>
+      <p:ext uri="{BB962C8B-B14F-4D97-AF65-F5344CB8AC3E}">
+        <p14:creationId xmlns:p14="http://schemas.microsoft.com/office/powerpoint/2010/main" val="2664566296"/>
+      </p:ext>
+    </p:extLst>
+  </p:cSld>
+  <p:clrMapOvr>
+    <a:masterClrMapping/>
+  </p:clrMapOvr>
+  <p:timing>
+    <p:tnLst>
+      <p:par>
+        <p:cTn xmlns:p14="http://schemas.microsoft.com/office/powerpoint/2010/main" id="1" dur="indefinite" restart="never" nodeType="tmRoot"/>
+      </p:par>
+    </p:tnLst>
+  </p:timing>
+</p:sld>
+</file>
+
+<file path=ppt/slides/slide9.xml><?xml version="1.0" encoding="utf-8"?>
+<p:sld xmlns:a="http://schemas.openxmlformats.org/drawingml/2006/main" xmlns:r="http://schemas.openxmlformats.org/officeDocument/2006/relationships" xmlns:p="http://schemas.openxmlformats.org/presentationml/2006/main">
+  <p:cSld>
+    <p:spTree>
+      <p:nvGrpSpPr>
+        <p:cNvPr id="1" name=""/>
+        <p:cNvGrpSpPr/>
+        <p:nvPr/>
+      </p:nvGrpSpPr>
+      <p:grpSpPr>
+        <a:xfrm>
+          <a:off x="0" y="0"/>
+          <a:ext cx="0" cy="0"/>
+          <a:chOff x="0" y="0"/>
+          <a:chExt cx="0" cy="0"/>
+        </a:xfrm>
+      </p:grpSpPr>
+      <p:pic>
+        <p:nvPicPr>
+          <p:cNvPr id="4" name="Picture 3"/>
+          <p:cNvPicPr>
+            <a:picLocks noChangeAspect="1"/>
+          </p:cNvPicPr>
+          <p:nvPr/>
+        </p:nvPicPr>
+        <p:blipFill>
+          <a:blip r:embed="rId2"/>
+          <a:stretch>
+            <a:fillRect/>
+          </a:stretch>
+        </p:blipFill>
+        <p:spPr>
+          <a:xfrm>
+            <a:off x="519778" y="1434936"/>
+            <a:ext cx="8002203" cy="3200881"/>
+          </a:xfrm>
+          <a:prstGeom prst="rect">
+            <a:avLst/>
+          </a:prstGeom>
+        </p:spPr>
+      </p:pic>
+    </p:spTree>
+    <p:extLst>
+      <p:ext uri="{BB962C8B-B14F-4D97-AF65-F5344CB8AC3E}">
+        <p14:creationId xmlns:p14="http://schemas.microsoft.com/office/powerpoint/2010/main" val="3581397802"/>
       </p:ext>
     </p:extLst>
   </p:cSld>
